--- a/DotnetInteropSlides.pptx
+++ b/DotnetInteropSlides.pptx
@@ -9,6 +9,7 @@
     <p:sldId id="258" r:id="rId3"/>
     <p:sldId id="257" r:id="rId4"/>
     <p:sldId id="259" r:id="rId5"/>
+    <p:sldId id="260" r:id="rId6"/>
   </p:sldIdLst>
   <p:sldSz cx="12192000" cy="6858000"/>
   <p:notesSz cx="6858000" cy="9144000"/>
@@ -5518,6 +5519,149 @@
 </p:sld>
 </file>
 
+<file path=ppt/slides/slide5.xml><?xml version="1.0" encoding="utf-8"?>
+<p:sld xmlns:a="http://schemas.openxmlformats.org/drawingml/2006/main" xmlns:r="http://schemas.openxmlformats.org/officeDocument/2006/relationships" xmlns:p="http://schemas.openxmlformats.org/presentationml/2006/main">
+  <p:cSld>
+    <p:spTree>
+      <p:nvGrpSpPr>
+        <p:cNvPr id="1" name=""/>
+        <p:cNvGrpSpPr/>
+        <p:nvPr/>
+      </p:nvGrpSpPr>
+      <p:grpSpPr>
+        <a:xfrm>
+          <a:off x="0" y="0"/>
+          <a:ext cx="0" cy="0"/>
+          <a:chOff x="0" y="0"/>
+          <a:chExt cx="0" cy="0"/>
+        </a:xfrm>
+      </p:grpSpPr>
+      <p:sp>
+        <p:nvSpPr>
+          <p:cNvPr id="4" name="Rectangle 3">
+            <a:extLst>
+              <a:ext uri="{FF2B5EF4-FFF2-40B4-BE49-F238E27FC236}">
+                <a16:creationId xmlns:a16="http://schemas.microsoft.com/office/drawing/2014/main" id="{2058D325-366B-47E5-934D-FC405F65C783}"/>
+              </a:ext>
+            </a:extLst>
+          </p:cNvPr>
+          <p:cNvSpPr/>
+          <p:nvPr/>
+        </p:nvSpPr>
+        <p:spPr>
+          <a:xfrm>
+            <a:off x="1605255" y="189171"/>
+            <a:ext cx="8404866" cy="1323439"/>
+          </a:xfrm>
+          <a:prstGeom prst="rect">
+            <a:avLst/>
+          </a:prstGeom>
+          <a:noFill/>
+        </p:spPr>
+        <p:txBody>
+          <a:bodyPr wrap="none" lIns="91440" tIns="45720" rIns="91440" bIns="45720">
+            <a:spAutoFit/>
+          </a:bodyPr>
+          <a:lstStyle/>
+          <a:p>
+            <a:pPr algn="ctr"/>
+            <a:r>
+              <a:rPr lang="en-US" sz="8000" b="1" cap="none" spc="0" dirty="0">
+                <a:ln w="9525">
+                  <a:solidFill>
+                    <a:schemeClr val="bg1"/>
+                  </a:solidFill>
+                  <a:prstDash val="solid"/>
+                </a:ln>
+                <a:solidFill>
+                  <a:schemeClr val="tx1"/>
+                </a:solidFill>
+                <a:effectLst>
+                  <a:outerShdw blurRad="12700" dist="38100" dir="2700000" algn="tl" rotWithShape="0">
+                    <a:schemeClr val="bg1">
+                      <a:lumMod val="50000"/>
+                    </a:schemeClr>
+                  </a:outerShdw>
+                </a:effectLst>
+              </a:rPr>
+              <a:t>Visual Basic And C#</a:t>
+            </a:r>
+          </a:p>
+        </p:txBody>
+      </p:sp>
+      <p:pic>
+        <p:nvPicPr>
+          <p:cNvPr id="6" name="Picture 5">
+            <a:extLst>
+              <a:ext uri="{FF2B5EF4-FFF2-40B4-BE49-F238E27FC236}">
+                <a16:creationId xmlns:a16="http://schemas.microsoft.com/office/drawing/2014/main" id="{86FBAEB3-BE97-471A-BD88-47AB08F4A5EC}"/>
+              </a:ext>
+            </a:extLst>
+          </p:cNvPr>
+          <p:cNvPicPr>
+            <a:picLocks noChangeAspect="1"/>
+          </p:cNvPicPr>
+          <p:nvPr/>
+        </p:nvPicPr>
+        <p:blipFill>
+          <a:blip r:embed="rId2"/>
+          <a:stretch>
+            <a:fillRect/>
+          </a:stretch>
+        </p:blipFill>
+        <p:spPr>
+          <a:xfrm>
+            <a:off x="261792" y="2022694"/>
+            <a:ext cx="5203362" cy="3990928"/>
+          </a:xfrm>
+          <a:prstGeom prst="rect">
+            <a:avLst/>
+          </a:prstGeom>
+        </p:spPr>
+      </p:pic>
+      <p:pic>
+        <p:nvPicPr>
+          <p:cNvPr id="7" name="Picture 6">
+            <a:extLst>
+              <a:ext uri="{FF2B5EF4-FFF2-40B4-BE49-F238E27FC236}">
+                <a16:creationId xmlns:a16="http://schemas.microsoft.com/office/drawing/2014/main" id="{C0FF720A-0676-41C0-A754-2E4F95C6F11C}"/>
+              </a:ext>
+            </a:extLst>
+          </p:cNvPr>
+          <p:cNvPicPr>
+            <a:picLocks noChangeAspect="1"/>
+          </p:cNvPicPr>
+          <p:nvPr/>
+        </p:nvPicPr>
+        <p:blipFill>
+          <a:blip r:embed="rId3"/>
+          <a:stretch>
+            <a:fillRect/>
+          </a:stretch>
+        </p:blipFill>
+        <p:spPr>
+          <a:xfrm>
+            <a:off x="5606469" y="2162737"/>
+            <a:ext cx="6204513" cy="3669652"/>
+          </a:xfrm>
+          <a:prstGeom prst="rect">
+            <a:avLst/>
+          </a:prstGeom>
+        </p:spPr>
+      </p:pic>
+    </p:spTree>
+    <p:extLst>
+      <p:ext uri="{BB962C8B-B14F-4D97-AF65-F5344CB8AC3E}">
+        <p14:creationId xmlns:p14="http://schemas.microsoft.com/office/powerpoint/2010/main" val="3849683184"/>
+      </p:ext>
+    </p:extLst>
+  </p:cSld>
+  <p:clrMapOvr>
+    <a:masterClrMapping/>
+  </p:clrMapOvr>
+</p:sld>
+</file>
+
 <file path=ppt/theme/theme1.xml><?xml version="1.0" encoding="utf-8"?>
 <a:theme xmlns:a="http://schemas.openxmlformats.org/drawingml/2006/main" name="Office Theme">
   <a:themeElements>

--- a/DotnetInteropSlides.pptx
+++ b/DotnetInteropSlides.pptx
@@ -8,8 +8,14 @@
     <p:sldId id="256" r:id="rId2"/>
     <p:sldId id="258" r:id="rId3"/>
     <p:sldId id="257" r:id="rId4"/>
-    <p:sldId id="259" r:id="rId5"/>
-    <p:sldId id="260" r:id="rId6"/>
+    <p:sldId id="261" r:id="rId5"/>
+    <p:sldId id="259" r:id="rId6"/>
+    <p:sldId id="260" r:id="rId7"/>
+    <p:sldId id="262" r:id="rId8"/>
+    <p:sldId id="263" r:id="rId9"/>
+    <p:sldId id="264" r:id="rId10"/>
+    <p:sldId id="265" r:id="rId11"/>
+    <p:sldId id="266" r:id="rId12"/>
   </p:sldIdLst>
   <p:sldSz cx="12192000" cy="6858000"/>
   <p:notesSz cx="6858000" cy="9144000"/>
@@ -265,7 +271,7 @@
           <a:p>
             <a:fld id="{79BF1C55-0641-464C-A9F1-827E4E83AD03}" type="datetimeFigureOut">
               <a:rPr lang="en-GB" smtClean="0"/>
-              <a:t>04/03/2020</a:t>
+              <a:t>08/04/2020</a:t>
             </a:fld>
             <a:endParaRPr lang="en-GB"/>
           </a:p>
@@ -465,7 +471,7 @@
           <a:p>
             <a:fld id="{79BF1C55-0641-464C-A9F1-827E4E83AD03}" type="datetimeFigureOut">
               <a:rPr lang="en-GB" smtClean="0"/>
-              <a:t>04/03/2020</a:t>
+              <a:t>08/04/2020</a:t>
             </a:fld>
             <a:endParaRPr lang="en-GB"/>
           </a:p>
@@ -675,7 +681,7 @@
           <a:p>
             <a:fld id="{79BF1C55-0641-464C-A9F1-827E4E83AD03}" type="datetimeFigureOut">
               <a:rPr lang="en-GB" smtClean="0"/>
-              <a:t>04/03/2020</a:t>
+              <a:t>08/04/2020</a:t>
             </a:fld>
             <a:endParaRPr lang="en-GB"/>
           </a:p>
@@ -875,7 +881,7 @@
           <a:p>
             <a:fld id="{79BF1C55-0641-464C-A9F1-827E4E83AD03}" type="datetimeFigureOut">
               <a:rPr lang="en-GB" smtClean="0"/>
-              <a:t>04/03/2020</a:t>
+              <a:t>08/04/2020</a:t>
             </a:fld>
             <a:endParaRPr lang="en-GB"/>
           </a:p>
@@ -1151,7 +1157,7 @@
           <a:p>
             <a:fld id="{79BF1C55-0641-464C-A9F1-827E4E83AD03}" type="datetimeFigureOut">
               <a:rPr lang="en-GB" smtClean="0"/>
-              <a:t>04/03/2020</a:t>
+              <a:t>08/04/2020</a:t>
             </a:fld>
             <a:endParaRPr lang="en-GB"/>
           </a:p>
@@ -1419,7 +1425,7 @@
           <a:p>
             <a:fld id="{79BF1C55-0641-464C-A9F1-827E4E83AD03}" type="datetimeFigureOut">
               <a:rPr lang="en-GB" smtClean="0"/>
-              <a:t>04/03/2020</a:t>
+              <a:t>08/04/2020</a:t>
             </a:fld>
             <a:endParaRPr lang="en-GB"/>
           </a:p>
@@ -1834,7 +1840,7 @@
           <a:p>
             <a:fld id="{79BF1C55-0641-464C-A9F1-827E4E83AD03}" type="datetimeFigureOut">
               <a:rPr lang="en-GB" smtClean="0"/>
-              <a:t>04/03/2020</a:t>
+              <a:t>08/04/2020</a:t>
             </a:fld>
             <a:endParaRPr lang="en-GB"/>
           </a:p>
@@ -1976,7 +1982,7 @@
           <a:p>
             <a:fld id="{79BF1C55-0641-464C-A9F1-827E4E83AD03}" type="datetimeFigureOut">
               <a:rPr lang="en-GB" smtClean="0"/>
-              <a:t>04/03/2020</a:t>
+              <a:t>08/04/2020</a:t>
             </a:fld>
             <a:endParaRPr lang="en-GB"/>
           </a:p>
@@ -2089,7 +2095,7 @@
           <a:p>
             <a:fld id="{79BF1C55-0641-464C-A9F1-827E4E83AD03}" type="datetimeFigureOut">
               <a:rPr lang="en-GB" smtClean="0"/>
-              <a:t>04/03/2020</a:t>
+              <a:t>08/04/2020</a:t>
             </a:fld>
             <a:endParaRPr lang="en-GB"/>
           </a:p>
@@ -2402,7 +2408,7 @@
           <a:p>
             <a:fld id="{79BF1C55-0641-464C-A9F1-827E4E83AD03}" type="datetimeFigureOut">
               <a:rPr lang="en-GB" smtClean="0"/>
-              <a:t>04/03/2020</a:t>
+              <a:t>08/04/2020</a:t>
             </a:fld>
             <a:endParaRPr lang="en-GB"/>
           </a:p>
@@ -2691,7 +2697,7 @@
           <a:p>
             <a:fld id="{79BF1C55-0641-464C-A9F1-827E4E83AD03}" type="datetimeFigureOut">
               <a:rPr lang="en-GB" smtClean="0"/>
-              <a:t>04/03/2020</a:t>
+              <a:t>08/04/2020</a:t>
             </a:fld>
             <a:endParaRPr lang="en-GB"/>
           </a:p>
@@ -2934,7 +2940,7 @@
           <a:p>
             <a:fld id="{79BF1C55-0641-464C-A9F1-827E4E83AD03}" type="datetimeFigureOut">
               <a:rPr lang="en-GB" smtClean="0"/>
-              <a:t>04/03/2020</a:t>
+              <a:t>08/04/2020</a:t>
             </a:fld>
             <a:endParaRPr lang="en-GB"/>
           </a:p>
@@ -3767,6 +3773,424 @@
 </p:sld>
 </file>
 
+<file path=ppt/slides/slide10.xml><?xml version="1.0" encoding="utf-8"?>
+<p:sld xmlns:a="http://schemas.openxmlformats.org/drawingml/2006/main" xmlns:r="http://schemas.openxmlformats.org/officeDocument/2006/relationships" xmlns:p="http://schemas.openxmlformats.org/presentationml/2006/main">
+  <p:cSld>
+    <p:spTree>
+      <p:nvGrpSpPr>
+        <p:cNvPr id="1" name=""/>
+        <p:cNvGrpSpPr/>
+        <p:nvPr/>
+      </p:nvGrpSpPr>
+      <p:grpSpPr>
+        <a:xfrm>
+          <a:off x="0" y="0"/>
+          <a:ext cx="0" cy="0"/>
+          <a:chOff x="0" y="0"/>
+          <a:chExt cx="0" cy="0"/>
+        </a:xfrm>
+      </p:grpSpPr>
+      <p:sp>
+        <p:nvSpPr>
+          <p:cNvPr id="4" name="Rectangle 3">
+            <a:extLst>
+              <a:ext uri="{FF2B5EF4-FFF2-40B4-BE49-F238E27FC236}">
+                <a16:creationId xmlns:a16="http://schemas.microsoft.com/office/drawing/2014/main" id="{2058D325-366B-47E5-934D-FC405F65C783}"/>
+              </a:ext>
+            </a:extLst>
+          </p:cNvPr>
+          <p:cNvSpPr/>
+          <p:nvPr/>
+        </p:nvSpPr>
+        <p:spPr>
+          <a:xfrm>
+            <a:off x="1975405" y="234049"/>
+            <a:ext cx="8403904" cy="1323439"/>
+          </a:xfrm>
+          <a:prstGeom prst="rect">
+            <a:avLst/>
+          </a:prstGeom>
+          <a:noFill/>
+        </p:spPr>
+        <p:txBody>
+          <a:bodyPr wrap="none" lIns="91440" tIns="45720" rIns="91440" bIns="45720">
+            <a:spAutoFit/>
+          </a:bodyPr>
+          <a:lstStyle/>
+          <a:p>
+            <a:pPr algn="ctr"/>
+            <a:r>
+              <a:rPr lang="en-US" sz="8000" b="1" cap="none" spc="0" dirty="0">
+                <a:ln w="9525">
+                  <a:solidFill>
+                    <a:schemeClr val="bg1"/>
+                  </a:solidFill>
+                  <a:prstDash val="solid"/>
+                </a:ln>
+                <a:solidFill>
+                  <a:schemeClr val="tx1"/>
+                </a:solidFill>
+                <a:effectLst>
+                  <a:outerShdw blurRad="12700" dist="38100" dir="2700000" algn="tl" rotWithShape="0">
+                    <a:schemeClr val="bg1">
+                      <a:lumMod val="50000"/>
+                    </a:schemeClr>
+                  </a:outerShdw>
+                </a:effectLst>
+              </a:rPr>
+              <a:t>Values and Records</a:t>
+            </a:r>
+          </a:p>
+        </p:txBody>
+      </p:sp>
+      <p:sp>
+        <p:nvSpPr>
+          <p:cNvPr id="5" name="Content Placeholder 2">
+            <a:extLst>
+              <a:ext uri="{FF2B5EF4-FFF2-40B4-BE49-F238E27FC236}">
+                <a16:creationId xmlns:a16="http://schemas.microsoft.com/office/drawing/2014/main" id="{93B4D857-0A6D-4657-913A-56C62D4776A0}"/>
+              </a:ext>
+            </a:extLst>
+          </p:cNvPr>
+          <p:cNvSpPr>
+            <a:spLocks noGrp="1"/>
+          </p:cNvSpPr>
+          <p:nvPr>
+            <p:ph idx="1"/>
+          </p:nvPr>
+        </p:nvSpPr>
+        <p:spPr>
+          <a:xfrm>
+            <a:off x="-729574" y="1625863"/>
+            <a:ext cx="5126476" cy="3606274"/>
+          </a:xfrm>
+        </p:spPr>
+        <p:txBody>
+          <a:bodyPr>
+            <a:noAutofit/>
+          </a:bodyPr>
+          <a:lstStyle/>
+          <a:p>
+            <a:pPr lvl="2"/>
+            <a:r>
+              <a:rPr lang="en-GB" sz="3200" dirty="0"/>
+              <a:t>Values are exposed as static fields on  class.</a:t>
+            </a:r>
+          </a:p>
+          <a:p>
+            <a:pPr lvl="2"/>
+            <a:endParaRPr lang="en-GB" sz="3200" dirty="0"/>
+          </a:p>
+          <a:p>
+            <a:pPr lvl="2"/>
+            <a:r>
+              <a:rPr lang="en-GB" sz="3200" dirty="0"/>
+              <a:t>Records generate a read-only class with only a full parameter constructor.</a:t>
+            </a:r>
+          </a:p>
+          <a:p>
+            <a:pPr lvl="2"/>
+            <a:endParaRPr lang="en-GB" sz="3200" dirty="0"/>
+          </a:p>
+        </p:txBody>
+      </p:sp>
+      <p:pic>
+        <p:nvPicPr>
+          <p:cNvPr id="2" name="Picture 1">
+            <a:extLst>
+              <a:ext uri="{FF2B5EF4-FFF2-40B4-BE49-F238E27FC236}">
+                <a16:creationId xmlns:a16="http://schemas.microsoft.com/office/drawing/2014/main" id="{759D3D28-171C-4D42-B424-DA8D1EC4AB01}"/>
+              </a:ext>
+            </a:extLst>
+          </p:cNvPr>
+          <p:cNvPicPr>
+            <a:picLocks noChangeAspect="1"/>
+          </p:cNvPicPr>
+          <p:nvPr/>
+        </p:nvPicPr>
+        <p:blipFill>
+          <a:blip r:embed="rId2"/>
+          <a:stretch>
+            <a:fillRect/>
+          </a:stretch>
+        </p:blipFill>
+        <p:spPr>
+          <a:xfrm>
+            <a:off x="6651286" y="1844735"/>
+            <a:ext cx="3416841" cy="905463"/>
+          </a:xfrm>
+          <a:prstGeom prst="rect">
+            <a:avLst/>
+          </a:prstGeom>
+        </p:spPr>
+      </p:pic>
+      <p:pic>
+        <p:nvPicPr>
+          <p:cNvPr id="8" name="Picture 7">
+            <a:extLst>
+              <a:ext uri="{FF2B5EF4-FFF2-40B4-BE49-F238E27FC236}">
+                <a16:creationId xmlns:a16="http://schemas.microsoft.com/office/drawing/2014/main" id="{7E885B59-839A-477C-A6CD-3AA240D5BA89}"/>
+              </a:ext>
+            </a:extLst>
+          </p:cNvPr>
+          <p:cNvPicPr>
+            <a:picLocks noChangeAspect="1"/>
+          </p:cNvPicPr>
+          <p:nvPr/>
+        </p:nvPicPr>
+        <p:blipFill>
+          <a:blip r:embed="rId3"/>
+          <a:stretch>
+            <a:fillRect/>
+          </a:stretch>
+        </p:blipFill>
+        <p:spPr>
+          <a:xfrm>
+            <a:off x="5920091" y="3714345"/>
+            <a:ext cx="5276444" cy="603022"/>
+          </a:xfrm>
+          <a:prstGeom prst="rect">
+            <a:avLst/>
+          </a:prstGeom>
+        </p:spPr>
+      </p:pic>
+    </p:spTree>
+    <p:extLst>
+      <p:ext uri="{BB962C8B-B14F-4D97-AF65-F5344CB8AC3E}">
+        <p14:creationId xmlns:p14="http://schemas.microsoft.com/office/powerpoint/2010/main" val="2969026266"/>
+      </p:ext>
+    </p:extLst>
+  </p:cSld>
+  <p:clrMapOvr>
+    <a:masterClrMapping/>
+  </p:clrMapOvr>
+</p:sld>
+</file>
+
+<file path=ppt/slides/slide11.xml><?xml version="1.0" encoding="utf-8"?>
+<p:sld xmlns:a="http://schemas.openxmlformats.org/drawingml/2006/main" xmlns:r="http://schemas.openxmlformats.org/officeDocument/2006/relationships" xmlns:p="http://schemas.openxmlformats.org/presentationml/2006/main">
+  <p:cSld>
+    <p:spTree>
+      <p:nvGrpSpPr>
+        <p:cNvPr id="1" name=""/>
+        <p:cNvGrpSpPr/>
+        <p:nvPr/>
+      </p:nvGrpSpPr>
+      <p:grpSpPr>
+        <a:xfrm>
+          <a:off x="0" y="0"/>
+          <a:ext cx="0" cy="0"/>
+          <a:chOff x="0" y="0"/>
+          <a:chExt cx="0" cy="0"/>
+        </a:xfrm>
+      </p:grpSpPr>
+      <p:sp>
+        <p:nvSpPr>
+          <p:cNvPr id="4" name="Rectangle 3">
+            <a:extLst>
+              <a:ext uri="{FF2B5EF4-FFF2-40B4-BE49-F238E27FC236}">
+                <a16:creationId xmlns:a16="http://schemas.microsoft.com/office/drawing/2014/main" id="{2058D325-366B-47E5-934D-FC405F65C783}"/>
+              </a:ext>
+            </a:extLst>
+          </p:cNvPr>
+          <p:cNvSpPr/>
+          <p:nvPr/>
+        </p:nvSpPr>
+        <p:spPr>
+          <a:xfrm>
+            <a:off x="1975405" y="234049"/>
+            <a:ext cx="8403904" cy="1323439"/>
+          </a:xfrm>
+          <a:prstGeom prst="rect">
+            <a:avLst/>
+          </a:prstGeom>
+          <a:noFill/>
+        </p:spPr>
+        <p:txBody>
+          <a:bodyPr wrap="none" lIns="91440" tIns="45720" rIns="91440" bIns="45720">
+            <a:spAutoFit/>
+          </a:bodyPr>
+          <a:lstStyle/>
+          <a:p>
+            <a:pPr algn="ctr"/>
+            <a:r>
+              <a:rPr lang="en-US" sz="8000" b="1" cap="none" spc="0" dirty="0">
+                <a:ln w="9525">
+                  <a:solidFill>
+                    <a:schemeClr val="bg1"/>
+                  </a:solidFill>
+                  <a:prstDash val="solid"/>
+                </a:ln>
+                <a:solidFill>
+                  <a:schemeClr val="tx1"/>
+                </a:solidFill>
+                <a:effectLst>
+                  <a:outerShdw blurRad="12700" dist="38100" dir="2700000" algn="tl" rotWithShape="0">
+                    <a:schemeClr val="bg1">
+                      <a:lumMod val="50000"/>
+                    </a:schemeClr>
+                  </a:outerShdw>
+                </a:effectLst>
+              </a:rPr>
+              <a:t>Values and Records</a:t>
+            </a:r>
+          </a:p>
+        </p:txBody>
+      </p:sp>
+      <p:sp>
+        <p:nvSpPr>
+          <p:cNvPr id="5" name="Content Placeholder 2">
+            <a:extLst>
+              <a:ext uri="{FF2B5EF4-FFF2-40B4-BE49-F238E27FC236}">
+                <a16:creationId xmlns:a16="http://schemas.microsoft.com/office/drawing/2014/main" id="{93B4D857-0A6D-4657-913A-56C62D4776A0}"/>
+              </a:ext>
+            </a:extLst>
+          </p:cNvPr>
+          <p:cNvSpPr>
+            <a:spLocks noGrp="1"/>
+          </p:cNvSpPr>
+          <p:nvPr>
+            <p:ph idx="1"/>
+          </p:nvPr>
+        </p:nvSpPr>
+        <p:spPr>
+          <a:xfrm>
+            <a:off x="-729574" y="1625863"/>
+            <a:ext cx="5126476" cy="3606274"/>
+          </a:xfrm>
+        </p:spPr>
+        <p:txBody>
+          <a:bodyPr>
+            <a:noAutofit/>
+          </a:bodyPr>
+          <a:lstStyle/>
+          <a:p>
+            <a:pPr lvl="2"/>
+            <a:r>
+              <a:rPr lang="en-GB" sz="3200" dirty="0"/>
+              <a:t>Values are exposed as static fields on  class.</a:t>
+            </a:r>
+          </a:p>
+          <a:p>
+            <a:pPr lvl="2"/>
+            <a:endParaRPr lang="en-GB" sz="3200" dirty="0"/>
+          </a:p>
+          <a:p>
+            <a:pPr lvl="2"/>
+            <a:r>
+              <a:rPr lang="en-GB" sz="3200" dirty="0"/>
+              <a:t>Records generate a read-only class with only a full parameter constructor.</a:t>
+            </a:r>
+          </a:p>
+          <a:p>
+            <a:pPr lvl="2"/>
+            <a:endParaRPr lang="en-GB" sz="3200" dirty="0"/>
+          </a:p>
+        </p:txBody>
+      </p:sp>
+      <p:pic>
+        <p:nvPicPr>
+          <p:cNvPr id="3" name="Picture 2">
+            <a:extLst>
+              <a:ext uri="{FF2B5EF4-FFF2-40B4-BE49-F238E27FC236}">
+                <a16:creationId xmlns:a16="http://schemas.microsoft.com/office/drawing/2014/main" id="{1950EBB2-25EB-40FC-A63F-42A9D17CD6F1}"/>
+              </a:ext>
+            </a:extLst>
+          </p:cNvPr>
+          <p:cNvPicPr>
+            <a:picLocks noChangeAspect="1"/>
+          </p:cNvPicPr>
+          <p:nvPr/>
+        </p:nvPicPr>
+        <p:blipFill>
+          <a:blip r:embed="rId2"/>
+          <a:stretch>
+            <a:fillRect/>
+          </a:stretch>
+        </p:blipFill>
+        <p:spPr>
+          <a:xfrm>
+            <a:off x="7069170" y="1445901"/>
+            <a:ext cx="2784947" cy="1463518"/>
+          </a:xfrm>
+          <a:prstGeom prst="rect">
+            <a:avLst/>
+          </a:prstGeom>
+        </p:spPr>
+      </p:pic>
+      <p:pic>
+        <p:nvPicPr>
+          <p:cNvPr id="6" name="Picture 5">
+            <a:extLst>
+              <a:ext uri="{FF2B5EF4-FFF2-40B4-BE49-F238E27FC236}">
+                <a16:creationId xmlns:a16="http://schemas.microsoft.com/office/drawing/2014/main" id="{7EB7C355-EB6A-403E-932E-990207D9AFAB}"/>
+              </a:ext>
+            </a:extLst>
+          </p:cNvPr>
+          <p:cNvPicPr>
+            <a:picLocks noChangeAspect="1"/>
+          </p:cNvPicPr>
+          <p:nvPr/>
+        </p:nvPicPr>
+        <p:blipFill>
+          <a:blip r:embed="rId3"/>
+          <a:stretch>
+            <a:fillRect/>
+          </a:stretch>
+        </p:blipFill>
+        <p:spPr>
+          <a:xfrm>
+            <a:off x="5879050" y="3006859"/>
+            <a:ext cx="5604286" cy="422141"/>
+          </a:xfrm>
+          <a:prstGeom prst="rect">
+            <a:avLst/>
+          </a:prstGeom>
+        </p:spPr>
+      </p:pic>
+      <p:pic>
+        <p:nvPicPr>
+          <p:cNvPr id="7" name="Picture 6">
+            <a:extLst>
+              <a:ext uri="{FF2B5EF4-FFF2-40B4-BE49-F238E27FC236}">
+                <a16:creationId xmlns:a16="http://schemas.microsoft.com/office/drawing/2014/main" id="{AC38F9FE-B1FF-4B46-B47C-84FDFB2086B8}"/>
+              </a:ext>
+            </a:extLst>
+          </p:cNvPr>
+          <p:cNvPicPr>
+            <a:picLocks noChangeAspect="1"/>
+          </p:cNvPicPr>
+          <p:nvPr/>
+        </p:nvPicPr>
+        <p:blipFill>
+          <a:blip r:embed="rId4"/>
+          <a:stretch>
+            <a:fillRect/>
+          </a:stretch>
+        </p:blipFill>
+        <p:spPr>
+          <a:xfrm>
+            <a:off x="4396902" y="3773491"/>
+            <a:ext cx="7600545" cy="2355098"/>
+          </a:xfrm>
+          <a:prstGeom prst="rect">
+            <a:avLst/>
+          </a:prstGeom>
+        </p:spPr>
+      </p:pic>
+    </p:spTree>
+    <p:extLst>
+      <p:ext uri="{BB962C8B-B14F-4D97-AF65-F5344CB8AC3E}">
+        <p14:creationId xmlns:p14="http://schemas.microsoft.com/office/powerpoint/2010/main" val="903686768"/>
+      </p:ext>
+    </p:extLst>
+  </p:cSld>
+  <p:clrMapOvr>
+    <a:masterClrMapping/>
+  </p:clrMapOvr>
+</p:sld>
+</file>
+
 <file path=ppt/slides/slide2.xml><?xml version="1.0" encoding="utf-8"?>
 <p:sld xmlns:a="http://schemas.openxmlformats.org/drawingml/2006/main" xmlns:r="http://schemas.openxmlformats.org/officeDocument/2006/relationships" xmlns:p="http://schemas.openxmlformats.org/presentationml/2006/main">
   <p:cSld>
@@ -5002,6 +5426,164 @@
 </file>
 
 <file path=ppt/slides/slide4.xml><?xml version="1.0" encoding="utf-8"?>
+<p:sld xmlns:a="http://schemas.openxmlformats.org/drawingml/2006/main" xmlns:r="http://schemas.openxmlformats.org/officeDocument/2006/relationships" xmlns:p="http://schemas.openxmlformats.org/presentationml/2006/main">
+  <p:cSld>
+    <p:spTree>
+      <p:nvGrpSpPr>
+        <p:cNvPr id="1" name=""/>
+        <p:cNvGrpSpPr/>
+        <p:nvPr/>
+      </p:nvGrpSpPr>
+      <p:grpSpPr>
+        <a:xfrm>
+          <a:off x="0" y="0"/>
+          <a:ext cx="0" cy="0"/>
+          <a:chOff x="0" y="0"/>
+          <a:chExt cx="0" cy="0"/>
+        </a:xfrm>
+      </p:grpSpPr>
+      <p:sp>
+        <p:nvSpPr>
+          <p:cNvPr id="3" name="Content Placeholder 2">
+            <a:extLst>
+              <a:ext uri="{FF2B5EF4-FFF2-40B4-BE49-F238E27FC236}">
+                <a16:creationId xmlns:a16="http://schemas.microsoft.com/office/drawing/2014/main" id="{D0347BAD-57EC-4F0D-A4AD-8748F172EEBA}"/>
+              </a:ext>
+            </a:extLst>
+          </p:cNvPr>
+          <p:cNvSpPr>
+            <a:spLocks noGrp="1"/>
+          </p:cNvSpPr>
+          <p:nvPr>
+            <p:ph idx="1"/>
+          </p:nvPr>
+        </p:nvSpPr>
+        <p:spPr>
+          <a:xfrm>
+            <a:off x="478962" y="1413198"/>
+            <a:ext cx="11474740" cy="1733121"/>
+          </a:xfrm>
+        </p:spPr>
+        <p:txBody>
+          <a:bodyPr>
+            <a:noAutofit/>
+          </a:bodyPr>
+          <a:lstStyle/>
+          <a:p>
+            <a:r>
+              <a:rPr lang="en-GB" sz="3200" dirty="0"/>
+              <a:t>Quick look at the work ‘Interoperability’</a:t>
+            </a:r>
+          </a:p>
+          <a:p>
+            <a:r>
+              <a:rPr lang="en-GB" sz="3200" dirty="0"/>
+              <a:t>Object-Oriented to Object-Oriented</a:t>
+            </a:r>
+          </a:p>
+          <a:p>
+            <a:pPr lvl="1"/>
+            <a:r>
+              <a:rPr lang="en-GB" sz="3200" dirty="0"/>
+              <a:t>Featuring C# and Visual Basic</a:t>
+            </a:r>
+          </a:p>
+          <a:p>
+            <a:r>
+              <a:rPr lang="en-GB" sz="3200" dirty="0"/>
+              <a:t>Object-Oriented – Function</a:t>
+            </a:r>
+          </a:p>
+          <a:p>
+            <a:pPr lvl="1"/>
+            <a:r>
+              <a:rPr lang="en-GB" sz="3200" dirty="0"/>
+              <a:t>Featuring C# and F#</a:t>
+            </a:r>
+          </a:p>
+          <a:p>
+            <a:pPr lvl="2"/>
+            <a:r>
+              <a:rPr lang="en-GB" sz="3200" dirty="0"/>
+              <a:t>When it Works well</a:t>
+            </a:r>
+          </a:p>
+          <a:p>
+            <a:pPr lvl="2"/>
+            <a:r>
+              <a:rPr lang="en-GB" sz="3200" dirty="0"/>
+              <a:t>When it doesn't work well (more often than you might think)</a:t>
+            </a:r>
+          </a:p>
+        </p:txBody>
+      </p:sp>
+      <p:sp>
+        <p:nvSpPr>
+          <p:cNvPr id="9" name="Rectangle 8">
+            <a:extLst>
+              <a:ext uri="{FF2B5EF4-FFF2-40B4-BE49-F238E27FC236}">
+                <a16:creationId xmlns:a16="http://schemas.microsoft.com/office/drawing/2014/main" id="{2837FD89-8E05-4E67-B9A6-85F44A9BA7CF}"/>
+              </a:ext>
+            </a:extLst>
+          </p:cNvPr>
+          <p:cNvSpPr/>
+          <p:nvPr/>
+        </p:nvSpPr>
+        <p:spPr>
+          <a:xfrm>
+            <a:off x="1728812" y="189171"/>
+            <a:ext cx="8157746" cy="1323439"/>
+          </a:xfrm>
+          <a:prstGeom prst="rect">
+            <a:avLst/>
+          </a:prstGeom>
+          <a:noFill/>
+        </p:spPr>
+        <p:txBody>
+          <a:bodyPr wrap="none" lIns="91440" tIns="45720" rIns="91440" bIns="45720">
+            <a:spAutoFit/>
+          </a:bodyPr>
+          <a:lstStyle/>
+          <a:p>
+            <a:pPr algn="ctr"/>
+            <a:r>
+              <a:rPr lang="en-US" sz="8000" b="1" cap="none" spc="0" dirty="0">
+                <a:ln w="9525">
+                  <a:solidFill>
+                    <a:schemeClr val="bg1"/>
+                  </a:solidFill>
+                  <a:prstDash val="solid"/>
+                </a:ln>
+                <a:solidFill>
+                  <a:schemeClr val="tx1"/>
+                </a:solidFill>
+                <a:effectLst>
+                  <a:outerShdw blurRad="12700" dist="38100" dir="2700000" algn="tl" rotWithShape="0">
+                    <a:schemeClr val="bg1">
+                      <a:lumMod val="50000"/>
+                    </a:schemeClr>
+                  </a:outerShdw>
+                </a:effectLst>
+              </a:rPr>
+              <a:t>What’s in the talk?</a:t>
+            </a:r>
+          </a:p>
+        </p:txBody>
+      </p:sp>
+    </p:spTree>
+    <p:extLst>
+      <p:ext uri="{BB962C8B-B14F-4D97-AF65-F5344CB8AC3E}">
+        <p14:creationId xmlns:p14="http://schemas.microsoft.com/office/powerpoint/2010/main" val="3690855383"/>
+      </p:ext>
+    </p:extLst>
+  </p:cSld>
+  <p:clrMapOvr>
+    <a:masterClrMapping/>
+  </p:clrMapOvr>
+</p:sld>
+</file>
+
+<file path=ppt/slides/slide5.xml><?xml version="1.0" encoding="utf-8"?>
 <p:sld xmlns:a="http://schemas.openxmlformats.org/drawingml/2006/main" xmlns:r="http://schemas.openxmlformats.org/officeDocument/2006/relationships" xmlns:p="http://schemas.openxmlformats.org/presentationml/2006/main">
   <p:cSld>
     <p:spTree>
@@ -5524,7 +6106,7 @@
 </p:sld>
 </file>
 
-<file path=ppt/slides/slide5.xml><?xml version="1.0" encoding="utf-8"?>
+<file path=ppt/slides/slide6.xml><?xml version="1.0" encoding="utf-8"?>
 <p:sld xmlns:a="http://schemas.openxmlformats.org/drawingml/2006/main" xmlns:r="http://schemas.openxmlformats.org/officeDocument/2006/relationships" xmlns:p="http://schemas.openxmlformats.org/presentationml/2006/main">
   <p:cSld>
     <p:spTree>
@@ -5658,6 +6240,574 @@
     <p:extLst>
       <p:ext uri="{BB962C8B-B14F-4D97-AF65-F5344CB8AC3E}">
         <p14:creationId xmlns:p14="http://schemas.microsoft.com/office/powerpoint/2010/main" val="3849683184"/>
+      </p:ext>
+    </p:extLst>
+  </p:cSld>
+  <p:clrMapOvr>
+    <a:masterClrMapping/>
+  </p:clrMapOvr>
+</p:sld>
+</file>
+
+<file path=ppt/slides/slide7.xml><?xml version="1.0" encoding="utf-8"?>
+<p:sld xmlns:a="http://schemas.openxmlformats.org/drawingml/2006/main" xmlns:r="http://schemas.openxmlformats.org/officeDocument/2006/relationships" xmlns:p="http://schemas.openxmlformats.org/presentationml/2006/main">
+  <p:cSld>
+    <p:spTree>
+      <p:nvGrpSpPr>
+        <p:cNvPr id="1" name=""/>
+        <p:cNvGrpSpPr/>
+        <p:nvPr/>
+      </p:nvGrpSpPr>
+      <p:grpSpPr>
+        <a:xfrm>
+          <a:off x="0" y="0"/>
+          <a:ext cx="0" cy="0"/>
+          <a:chOff x="0" y="0"/>
+          <a:chExt cx="0" cy="0"/>
+        </a:xfrm>
+      </p:grpSpPr>
+      <p:sp>
+        <p:nvSpPr>
+          <p:cNvPr id="4" name="Rectangle 3">
+            <a:extLst>
+              <a:ext uri="{FF2B5EF4-FFF2-40B4-BE49-F238E27FC236}">
+                <a16:creationId xmlns:a16="http://schemas.microsoft.com/office/drawing/2014/main" id="{2058D325-366B-47E5-934D-FC405F65C783}"/>
+              </a:ext>
+            </a:extLst>
+          </p:cNvPr>
+          <p:cNvSpPr/>
+          <p:nvPr/>
+        </p:nvSpPr>
+        <p:spPr>
+          <a:xfrm>
+            <a:off x="1498596" y="189171"/>
+            <a:ext cx="8618193" cy="1323439"/>
+          </a:xfrm>
+          <a:prstGeom prst="rect">
+            <a:avLst/>
+          </a:prstGeom>
+          <a:noFill/>
+        </p:spPr>
+        <p:txBody>
+          <a:bodyPr wrap="none" lIns="91440" tIns="45720" rIns="91440" bIns="45720">
+            <a:spAutoFit/>
+          </a:bodyPr>
+          <a:lstStyle/>
+          <a:p>
+            <a:pPr algn="ctr"/>
+            <a:r>
+              <a:rPr lang="en-US" sz="8000" b="1" cap="none" spc="0" dirty="0">
+                <a:ln w="9525">
+                  <a:solidFill>
+                    <a:schemeClr val="bg1"/>
+                  </a:solidFill>
+                  <a:prstDash val="solid"/>
+                </a:ln>
+                <a:solidFill>
+                  <a:schemeClr val="tx1"/>
+                </a:solidFill>
+                <a:effectLst>
+                  <a:outerShdw blurRad="12700" dist="38100" dir="2700000" algn="tl" rotWithShape="0">
+                    <a:schemeClr val="bg1">
+                      <a:lumMod val="50000"/>
+                    </a:schemeClr>
+                  </a:outerShdw>
+                </a:effectLst>
+              </a:rPr>
+              <a:t>But what About F#?</a:t>
+            </a:r>
+          </a:p>
+        </p:txBody>
+      </p:sp>
+      <p:sp>
+        <p:nvSpPr>
+          <p:cNvPr id="5" name="Content Placeholder 2">
+            <a:extLst>
+              <a:ext uri="{FF2B5EF4-FFF2-40B4-BE49-F238E27FC236}">
+                <a16:creationId xmlns:a16="http://schemas.microsoft.com/office/drawing/2014/main" id="{93B4D857-0A6D-4657-913A-56C62D4776A0}"/>
+              </a:ext>
+            </a:extLst>
+          </p:cNvPr>
+          <p:cNvSpPr>
+            <a:spLocks noGrp="1"/>
+          </p:cNvSpPr>
+          <p:nvPr>
+            <p:ph idx="1"/>
+          </p:nvPr>
+        </p:nvSpPr>
+        <p:spPr>
+          <a:xfrm>
+            <a:off x="116732" y="2181683"/>
+            <a:ext cx="5369668" cy="3606274"/>
+          </a:xfrm>
+        </p:spPr>
+        <p:txBody>
+          <a:bodyPr>
+            <a:noAutofit/>
+          </a:bodyPr>
+          <a:lstStyle/>
+          <a:p>
+            <a:pPr lvl="2"/>
+            <a:r>
+              <a:rPr lang="en-GB" sz="3200" dirty="0"/>
+              <a:t>Discriminated Unions</a:t>
+            </a:r>
+          </a:p>
+          <a:p>
+            <a:pPr lvl="2"/>
+            <a:r>
+              <a:rPr lang="en-GB" sz="3200" dirty="0"/>
+              <a:t>Options</a:t>
+            </a:r>
+          </a:p>
+          <a:p>
+            <a:pPr lvl="2"/>
+            <a:r>
+              <a:rPr lang="en-GB" sz="3200" dirty="0"/>
+              <a:t>Higher Order Functions</a:t>
+            </a:r>
+          </a:p>
+          <a:p>
+            <a:pPr lvl="2"/>
+            <a:r>
+              <a:rPr lang="en-GB" sz="3200" dirty="0"/>
+              <a:t>Modules</a:t>
+            </a:r>
+          </a:p>
+          <a:p>
+            <a:pPr lvl="2"/>
+            <a:r>
+              <a:rPr lang="en-GB" sz="3200" dirty="0"/>
+              <a:t>Records</a:t>
+            </a:r>
+          </a:p>
+          <a:p>
+            <a:pPr lvl="2"/>
+            <a:r>
+              <a:rPr lang="en-GB" sz="3200" dirty="0"/>
+              <a:t>Sequences</a:t>
+            </a:r>
+          </a:p>
+          <a:p>
+            <a:pPr lvl="2"/>
+            <a:endParaRPr lang="en-GB" sz="3200" dirty="0"/>
+          </a:p>
+        </p:txBody>
+      </p:sp>
+      <p:pic>
+        <p:nvPicPr>
+          <p:cNvPr id="1030" name="Picture 6" descr="Lambda : définition de LAMBDA, subst. masc. | La langue française">
+            <a:extLst>
+              <a:ext uri="{FF2B5EF4-FFF2-40B4-BE49-F238E27FC236}">
+                <a16:creationId xmlns:a16="http://schemas.microsoft.com/office/drawing/2014/main" id="{A57F312A-5CB3-4156-BF49-89D3D2F9C422}"/>
+              </a:ext>
+            </a:extLst>
+          </p:cNvPr>
+          <p:cNvPicPr>
+            <a:picLocks noChangeAspect="1" noChangeArrowheads="1"/>
+          </p:cNvPicPr>
+          <p:nvPr/>
+        </p:nvPicPr>
+        <p:blipFill>
+          <a:blip r:embed="rId2">
+            <a:clrChange>
+              <a:clrFrom>
+                <a:srgbClr val="FEFEFE"/>
+              </a:clrFrom>
+              <a:clrTo>
+                <a:srgbClr val="FEFEFE">
+                  <a:alpha val="0"/>
+                </a:srgbClr>
+              </a:clrTo>
+            </a:clrChange>
+            <a:extLst>
+              <a:ext uri="{28A0092B-C50C-407E-A947-70E740481C1C}">
+                <a14:useLocalDpi xmlns:a14="http://schemas.microsoft.com/office/drawing/2010/main" val="0"/>
+              </a:ext>
+            </a:extLst>
+          </a:blip>
+          <a:srcRect/>
+          <a:stretch>
+            <a:fillRect/>
+          </a:stretch>
+        </p:blipFill>
+        <p:spPr bwMode="auto">
+          <a:xfrm>
+            <a:off x="8710789" y="2374796"/>
+            <a:ext cx="3481211" cy="3481211"/>
+          </a:xfrm>
+          <a:prstGeom prst="rect">
+            <a:avLst/>
+          </a:prstGeom>
+          <a:noFill/>
+          <a:extLst>
+            <a:ext uri="{909E8E84-426E-40DD-AFC4-6F175D3DCCD1}">
+              <a14:hiddenFill xmlns:a14="http://schemas.microsoft.com/office/drawing/2010/main">
+                <a:solidFill>
+                  <a:srgbClr val="FFFFFF"/>
+                </a:solidFill>
+              </a14:hiddenFill>
+            </a:ext>
+          </a:extLst>
+        </p:spPr>
+      </p:pic>
+      <p:pic>
+        <p:nvPicPr>
+          <p:cNvPr id="10" name="Picture 4" descr="See the source image">
+            <a:extLst>
+              <a:ext uri="{FF2B5EF4-FFF2-40B4-BE49-F238E27FC236}">
+                <a16:creationId xmlns:a16="http://schemas.microsoft.com/office/drawing/2014/main" id="{9B24F4E8-37F9-4884-8E59-66EEF82494C9}"/>
+              </a:ext>
+            </a:extLst>
+          </p:cNvPr>
+          <p:cNvPicPr>
+            <a:picLocks noChangeAspect="1" noChangeArrowheads="1"/>
+          </p:cNvPicPr>
+          <p:nvPr/>
+        </p:nvPicPr>
+        <p:blipFill>
+          <a:blip r:embed="rId3">
+            <a:extLst>
+              <a:ext uri="{28A0092B-C50C-407E-A947-70E740481C1C}">
+                <a14:useLocalDpi xmlns:a14="http://schemas.microsoft.com/office/drawing/2010/main" val="0"/>
+              </a:ext>
+            </a:extLst>
+          </a:blip>
+          <a:srcRect/>
+          <a:stretch>
+            <a:fillRect/>
+          </a:stretch>
+        </p:blipFill>
+        <p:spPr bwMode="auto">
+          <a:xfrm>
+            <a:off x="5688799" y="2271070"/>
+            <a:ext cx="3688665" cy="3688665"/>
+          </a:xfrm>
+          <a:prstGeom prst="rect">
+            <a:avLst/>
+          </a:prstGeom>
+          <a:noFill/>
+          <a:extLst>
+            <a:ext uri="{909E8E84-426E-40DD-AFC4-6F175D3DCCD1}">
+              <a14:hiddenFill xmlns:a14="http://schemas.microsoft.com/office/drawing/2010/main">
+                <a:solidFill>
+                  <a:srgbClr val="FFFFFF"/>
+                </a:solidFill>
+              </a14:hiddenFill>
+            </a:ext>
+          </a:extLst>
+        </p:spPr>
+      </p:pic>
+    </p:spTree>
+    <p:extLst>
+      <p:ext uri="{BB962C8B-B14F-4D97-AF65-F5344CB8AC3E}">
+        <p14:creationId xmlns:p14="http://schemas.microsoft.com/office/powerpoint/2010/main" val="3229354030"/>
+      </p:ext>
+    </p:extLst>
+  </p:cSld>
+  <p:clrMapOvr>
+    <a:masterClrMapping/>
+  </p:clrMapOvr>
+</p:sld>
+</file>
+
+<file path=ppt/slides/slide8.xml><?xml version="1.0" encoding="utf-8"?>
+<p:sld xmlns:a="http://schemas.openxmlformats.org/drawingml/2006/main" xmlns:r="http://schemas.openxmlformats.org/officeDocument/2006/relationships" xmlns:p="http://schemas.openxmlformats.org/presentationml/2006/main">
+  <p:cSld>
+    <p:spTree>
+      <p:nvGrpSpPr>
+        <p:cNvPr id="1" name=""/>
+        <p:cNvGrpSpPr/>
+        <p:nvPr/>
+      </p:nvGrpSpPr>
+      <p:grpSpPr>
+        <a:xfrm>
+          <a:off x="0" y="0"/>
+          <a:ext cx="0" cy="0"/>
+          <a:chOff x="0" y="0"/>
+          <a:chExt cx="0" cy="0"/>
+        </a:xfrm>
+      </p:grpSpPr>
+      <p:sp>
+        <p:nvSpPr>
+          <p:cNvPr id="4" name="Rectangle 3">
+            <a:extLst>
+              <a:ext uri="{FF2B5EF4-FFF2-40B4-BE49-F238E27FC236}">
+                <a16:creationId xmlns:a16="http://schemas.microsoft.com/office/drawing/2014/main" id="{2058D325-366B-47E5-934D-FC405F65C783}"/>
+              </a:ext>
+            </a:extLst>
+          </p:cNvPr>
+          <p:cNvSpPr/>
+          <p:nvPr/>
+        </p:nvSpPr>
+        <p:spPr>
+          <a:xfrm>
+            <a:off x="3523062" y="2151727"/>
+            <a:ext cx="4956214" cy="2554545"/>
+          </a:xfrm>
+          <a:prstGeom prst="rect">
+            <a:avLst/>
+          </a:prstGeom>
+          <a:noFill/>
+        </p:spPr>
+        <p:txBody>
+          <a:bodyPr wrap="square" lIns="91440" tIns="45720" rIns="91440" bIns="45720">
+            <a:spAutoFit/>
+          </a:bodyPr>
+          <a:lstStyle/>
+          <a:p>
+            <a:pPr algn="ctr"/>
+            <a:r>
+              <a:rPr lang="en-US" sz="8000" b="1" cap="none" spc="0" dirty="0">
+                <a:ln w="9525">
+                  <a:solidFill>
+                    <a:schemeClr val="bg1"/>
+                  </a:solidFill>
+                  <a:prstDash val="solid"/>
+                </a:ln>
+                <a:solidFill>
+                  <a:schemeClr val="tx1"/>
+                </a:solidFill>
+                <a:effectLst>
+                  <a:outerShdw blurRad="12700" dist="38100" dir="2700000" algn="tl" rotWithShape="0">
+                    <a:schemeClr val="bg1">
+                      <a:lumMod val="50000"/>
+                    </a:schemeClr>
+                  </a:outerShdw>
+                </a:effectLst>
+              </a:rPr>
+              <a:t>Things that work well</a:t>
+            </a:r>
+          </a:p>
+        </p:txBody>
+      </p:sp>
+    </p:spTree>
+    <p:extLst>
+      <p:ext uri="{BB962C8B-B14F-4D97-AF65-F5344CB8AC3E}">
+        <p14:creationId xmlns:p14="http://schemas.microsoft.com/office/powerpoint/2010/main" val="1020875565"/>
+      </p:ext>
+    </p:extLst>
+  </p:cSld>
+  <p:clrMapOvr>
+    <a:masterClrMapping/>
+  </p:clrMapOvr>
+</p:sld>
+</file>
+
+<file path=ppt/slides/slide9.xml><?xml version="1.0" encoding="utf-8"?>
+<p:sld xmlns:a="http://schemas.openxmlformats.org/drawingml/2006/main" xmlns:r="http://schemas.openxmlformats.org/officeDocument/2006/relationships" xmlns:p="http://schemas.openxmlformats.org/presentationml/2006/main">
+  <p:cSld>
+    <p:spTree>
+      <p:nvGrpSpPr>
+        <p:cNvPr id="1" name=""/>
+        <p:cNvGrpSpPr/>
+        <p:nvPr/>
+      </p:nvGrpSpPr>
+      <p:grpSpPr>
+        <a:xfrm>
+          <a:off x="0" y="0"/>
+          <a:ext cx="0" cy="0"/>
+          <a:chOff x="0" y="0"/>
+          <a:chExt cx="0" cy="0"/>
+        </a:xfrm>
+      </p:grpSpPr>
+      <p:sp>
+        <p:nvSpPr>
+          <p:cNvPr id="4" name="Rectangle 3">
+            <a:extLst>
+              <a:ext uri="{FF2B5EF4-FFF2-40B4-BE49-F238E27FC236}">
+                <a16:creationId xmlns:a16="http://schemas.microsoft.com/office/drawing/2014/main" id="{2058D325-366B-47E5-934D-FC405F65C783}"/>
+              </a:ext>
+            </a:extLst>
+          </p:cNvPr>
+          <p:cNvSpPr/>
+          <p:nvPr/>
+        </p:nvSpPr>
+        <p:spPr>
+          <a:xfrm>
+            <a:off x="510575" y="234049"/>
+            <a:ext cx="11333552" cy="1323439"/>
+          </a:xfrm>
+          <a:prstGeom prst="rect">
+            <a:avLst/>
+          </a:prstGeom>
+          <a:noFill/>
+        </p:spPr>
+        <p:txBody>
+          <a:bodyPr wrap="none" lIns="91440" tIns="45720" rIns="91440" bIns="45720">
+            <a:spAutoFit/>
+          </a:bodyPr>
+          <a:lstStyle/>
+          <a:p>
+            <a:pPr algn="ctr"/>
+            <a:r>
+              <a:rPr lang="en-US" sz="8000" b="1" cap="none" spc="0" dirty="0">
+                <a:ln w="9525">
+                  <a:solidFill>
+                    <a:schemeClr val="bg1"/>
+                  </a:solidFill>
+                  <a:prstDash val="solid"/>
+                </a:ln>
+                <a:solidFill>
+                  <a:schemeClr val="tx1"/>
+                </a:solidFill>
+                <a:effectLst>
+                  <a:outerShdw blurRad="12700" dist="38100" dir="2700000" algn="tl" rotWithShape="0">
+                    <a:schemeClr val="bg1">
+                      <a:lumMod val="50000"/>
+                    </a:schemeClr>
+                  </a:outerShdw>
+                </a:effectLst>
+              </a:rPr>
+              <a:t>Namespaces and Modules</a:t>
+            </a:r>
+          </a:p>
+        </p:txBody>
+      </p:sp>
+      <p:sp>
+        <p:nvSpPr>
+          <p:cNvPr id="5" name="Content Placeholder 2">
+            <a:extLst>
+              <a:ext uri="{FF2B5EF4-FFF2-40B4-BE49-F238E27FC236}">
+                <a16:creationId xmlns:a16="http://schemas.microsoft.com/office/drawing/2014/main" id="{93B4D857-0A6D-4657-913A-56C62D4776A0}"/>
+              </a:ext>
+            </a:extLst>
+          </p:cNvPr>
+          <p:cNvSpPr>
+            <a:spLocks noGrp="1"/>
+          </p:cNvSpPr>
+          <p:nvPr>
+            <p:ph idx="1"/>
+          </p:nvPr>
+        </p:nvSpPr>
+        <p:spPr>
+          <a:xfrm>
+            <a:off x="-729574" y="1625863"/>
+            <a:ext cx="4717914" cy="3606274"/>
+          </a:xfrm>
+        </p:spPr>
+        <p:txBody>
+          <a:bodyPr>
+            <a:noAutofit/>
+          </a:bodyPr>
+          <a:lstStyle/>
+          <a:p>
+            <a:pPr lvl="2"/>
+            <a:r>
+              <a:rPr lang="en-GB" sz="3200" dirty="0"/>
+              <a:t>Namespaces allow using statements just like C# namespaces</a:t>
+            </a:r>
+          </a:p>
+          <a:p>
+            <a:pPr lvl="2"/>
+            <a:endParaRPr lang="en-GB" sz="3200" dirty="0"/>
+          </a:p>
+          <a:p>
+            <a:pPr lvl="2"/>
+            <a:r>
+              <a:rPr lang="en-GB" sz="3200" dirty="0"/>
+              <a:t>Modules Expose themselves as Static Classes</a:t>
+            </a:r>
+          </a:p>
+          <a:p>
+            <a:pPr lvl="2"/>
+            <a:endParaRPr lang="en-GB" sz="3200" dirty="0"/>
+          </a:p>
+        </p:txBody>
+      </p:sp>
+      <p:pic>
+        <p:nvPicPr>
+          <p:cNvPr id="3" name="Picture 2">
+            <a:extLst>
+              <a:ext uri="{FF2B5EF4-FFF2-40B4-BE49-F238E27FC236}">
+                <a16:creationId xmlns:a16="http://schemas.microsoft.com/office/drawing/2014/main" id="{7611B0C6-5475-4C27-BCFF-BF594A697476}"/>
+              </a:ext>
+            </a:extLst>
+          </p:cNvPr>
+          <p:cNvPicPr>
+            <a:picLocks noChangeAspect="1"/>
+          </p:cNvPicPr>
+          <p:nvPr/>
+        </p:nvPicPr>
+        <p:blipFill rotWithShape="1">
+          <a:blip r:embed="rId2"/>
+          <a:srcRect t="4039"/>
+          <a:stretch/>
+        </p:blipFill>
+        <p:spPr>
+          <a:xfrm>
+            <a:off x="5855038" y="1625863"/>
+            <a:ext cx="5370681" cy="1413125"/>
+          </a:xfrm>
+          <a:prstGeom prst="rect">
+            <a:avLst/>
+          </a:prstGeom>
+        </p:spPr>
+      </p:pic>
+      <p:pic>
+        <p:nvPicPr>
+          <p:cNvPr id="6" name="Picture 5">
+            <a:extLst>
+              <a:ext uri="{FF2B5EF4-FFF2-40B4-BE49-F238E27FC236}">
+                <a16:creationId xmlns:a16="http://schemas.microsoft.com/office/drawing/2014/main" id="{C750D4A5-3499-44BE-A5EF-841DAE1CD9C7}"/>
+              </a:ext>
+            </a:extLst>
+          </p:cNvPr>
+          <p:cNvPicPr>
+            <a:picLocks noChangeAspect="1"/>
+          </p:cNvPicPr>
+          <p:nvPr/>
+        </p:nvPicPr>
+        <p:blipFill>
+          <a:blip r:embed="rId3"/>
+          <a:stretch>
+            <a:fillRect/>
+          </a:stretch>
+        </p:blipFill>
+        <p:spPr>
+          <a:xfrm>
+            <a:off x="4804652" y="4260715"/>
+            <a:ext cx="7246790" cy="479567"/>
+          </a:xfrm>
+          <a:prstGeom prst="rect">
+            <a:avLst/>
+          </a:prstGeom>
+        </p:spPr>
+      </p:pic>
+      <p:pic>
+        <p:nvPicPr>
+          <p:cNvPr id="7" name="Picture 6">
+            <a:extLst>
+              <a:ext uri="{FF2B5EF4-FFF2-40B4-BE49-F238E27FC236}">
+                <a16:creationId xmlns:a16="http://schemas.microsoft.com/office/drawing/2014/main" id="{13AD465A-72BD-4332-8A53-D002499417A8}"/>
+              </a:ext>
+            </a:extLst>
+          </p:cNvPr>
+          <p:cNvPicPr>
+            <a:picLocks noChangeAspect="1"/>
+          </p:cNvPicPr>
+          <p:nvPr/>
+        </p:nvPicPr>
+        <p:blipFill>
+          <a:blip r:embed="rId4"/>
+          <a:stretch>
+            <a:fillRect/>
+          </a:stretch>
+        </p:blipFill>
+        <p:spPr>
+          <a:xfrm>
+            <a:off x="6636695" y="3338107"/>
+            <a:ext cx="3828971" cy="377859"/>
+          </a:xfrm>
+          <a:prstGeom prst="rect">
+            <a:avLst/>
+          </a:prstGeom>
+        </p:spPr>
+      </p:pic>
+    </p:spTree>
+    <p:extLst>
+      <p:ext uri="{BB962C8B-B14F-4D97-AF65-F5344CB8AC3E}">
+        <p14:creationId xmlns:p14="http://schemas.microsoft.com/office/powerpoint/2010/main" val="2067629608"/>
       </p:ext>
     </p:extLst>
   </p:cSld>

--- a/DotnetInteropSlides.pptx
+++ b/DotnetInteropSlides.pptx
@@ -16,6 +16,8 @@
     <p:sldId id="264" r:id="rId10"/>
     <p:sldId id="265" r:id="rId11"/>
     <p:sldId id="266" r:id="rId12"/>
+    <p:sldId id="267" r:id="rId13"/>
+    <p:sldId id="268" r:id="rId14"/>
   </p:sldIdLst>
   <p:sldSz cx="12192000" cy="6858000"/>
   <p:notesSz cx="6858000" cy="9144000"/>
@@ -4191,6 +4193,478 @@
 </p:sld>
 </file>
 
+<file path=ppt/slides/slide12.xml><?xml version="1.0" encoding="utf-8"?>
+<p:sld xmlns:a="http://schemas.openxmlformats.org/drawingml/2006/main" xmlns:r="http://schemas.openxmlformats.org/officeDocument/2006/relationships" xmlns:p="http://schemas.openxmlformats.org/presentationml/2006/main">
+  <p:cSld>
+    <p:spTree>
+      <p:nvGrpSpPr>
+        <p:cNvPr id="1" name=""/>
+        <p:cNvGrpSpPr/>
+        <p:nvPr/>
+      </p:nvGrpSpPr>
+      <p:grpSpPr>
+        <a:xfrm>
+          <a:off x="0" y="0"/>
+          <a:ext cx="0" cy="0"/>
+          <a:chOff x="0" y="0"/>
+          <a:chExt cx="0" cy="0"/>
+        </a:xfrm>
+      </p:grpSpPr>
+      <p:sp>
+        <p:nvSpPr>
+          <p:cNvPr id="4" name="Rectangle 3">
+            <a:extLst>
+              <a:ext uri="{FF2B5EF4-FFF2-40B4-BE49-F238E27FC236}">
+                <a16:creationId xmlns:a16="http://schemas.microsoft.com/office/drawing/2014/main" id="{2058D325-366B-47E5-934D-FC405F65C783}"/>
+              </a:ext>
+            </a:extLst>
+          </p:cNvPr>
+          <p:cNvSpPr/>
+          <p:nvPr/>
+        </p:nvSpPr>
+        <p:spPr>
+          <a:xfrm>
+            <a:off x="1949152" y="234049"/>
+            <a:ext cx="8456419" cy="1323439"/>
+          </a:xfrm>
+          <a:prstGeom prst="rect">
+            <a:avLst/>
+          </a:prstGeom>
+          <a:noFill/>
+        </p:spPr>
+        <p:txBody>
+          <a:bodyPr wrap="none" lIns="91440" tIns="45720" rIns="91440" bIns="45720">
+            <a:spAutoFit/>
+          </a:bodyPr>
+          <a:lstStyle/>
+          <a:p>
+            <a:pPr algn="ctr"/>
+            <a:r>
+              <a:rPr lang="en-US" sz="8000" b="1" cap="none" spc="0" dirty="0">
+                <a:ln w="9525">
+                  <a:solidFill>
+                    <a:schemeClr val="bg1"/>
+                  </a:solidFill>
+                  <a:prstDash val="solid"/>
+                </a:ln>
+                <a:solidFill>
+                  <a:schemeClr val="tx1"/>
+                </a:solidFill>
+                <a:effectLst>
+                  <a:outerShdw blurRad="12700" dist="38100" dir="2700000" algn="tl" rotWithShape="0">
+                    <a:schemeClr val="bg1">
+                      <a:lumMod val="50000"/>
+                    </a:schemeClr>
+                  </a:outerShdw>
+                </a:effectLst>
+              </a:rPr>
+              <a:t>Seq, Array and Lists</a:t>
+            </a:r>
+          </a:p>
+        </p:txBody>
+      </p:sp>
+      <p:sp>
+        <p:nvSpPr>
+          <p:cNvPr id="5" name="Content Placeholder 2">
+            <a:extLst>
+              <a:ext uri="{FF2B5EF4-FFF2-40B4-BE49-F238E27FC236}">
+                <a16:creationId xmlns:a16="http://schemas.microsoft.com/office/drawing/2014/main" id="{93B4D857-0A6D-4657-913A-56C62D4776A0}"/>
+              </a:ext>
+            </a:extLst>
+          </p:cNvPr>
+          <p:cNvSpPr>
+            <a:spLocks noGrp="1"/>
+          </p:cNvSpPr>
+          <p:nvPr>
+            <p:ph idx="1"/>
+          </p:nvPr>
+        </p:nvSpPr>
+        <p:spPr>
+          <a:xfrm>
+            <a:off x="-729574" y="1625863"/>
+            <a:ext cx="5126476" cy="3606274"/>
+          </a:xfrm>
+        </p:spPr>
+        <p:txBody>
+          <a:bodyPr>
+            <a:noAutofit/>
+          </a:bodyPr>
+          <a:lstStyle/>
+          <a:p>
+            <a:pPr lvl="2"/>
+            <a:r>
+              <a:rPr lang="en-GB" sz="3200" dirty="0"/>
+              <a:t>Arrays work as expected</a:t>
+            </a:r>
+          </a:p>
+          <a:p>
+            <a:pPr lvl="2"/>
+            <a:endParaRPr lang="en-GB" sz="3200" dirty="0"/>
+          </a:p>
+          <a:p>
+            <a:pPr lvl="2"/>
+            <a:r>
+              <a:rPr lang="en-GB" sz="3200" dirty="0" err="1"/>
+              <a:t>Seq</a:t>
+            </a:r>
+            <a:r>
+              <a:rPr lang="en-GB" sz="3200" dirty="0"/>
+              <a:t> get exposed as </a:t>
+            </a:r>
+            <a:r>
+              <a:rPr lang="en-GB" sz="3200" dirty="0" err="1"/>
+              <a:t>IEnumerable</a:t>
+            </a:r>
+            <a:endParaRPr lang="en-GB" sz="3200" dirty="0"/>
+          </a:p>
+          <a:p>
+            <a:pPr marL="914400" lvl="2" indent="0">
+              <a:buNone/>
+            </a:pPr>
+            <a:endParaRPr lang="en-GB" sz="3200" dirty="0"/>
+          </a:p>
+          <a:p>
+            <a:pPr lvl="2"/>
+            <a:r>
+              <a:rPr lang="en-GB" sz="3200" dirty="0"/>
+              <a:t>Lists are a separate type  (</a:t>
+            </a:r>
+            <a:r>
+              <a:rPr lang="en-GB" sz="3200" dirty="0" err="1"/>
+              <a:t>FSharpList</a:t>
+            </a:r>
+            <a:r>
+              <a:rPr lang="en-GB" sz="3200" dirty="0"/>
+              <a:t>) but implement the </a:t>
+            </a:r>
+            <a:r>
+              <a:rPr lang="en-GB" sz="3200" dirty="0" err="1"/>
+              <a:t>IReadOnlyCollection</a:t>
+            </a:r>
+            <a:endParaRPr lang="en-GB" sz="3200" dirty="0"/>
+          </a:p>
+          <a:p>
+            <a:pPr lvl="2"/>
+            <a:endParaRPr lang="en-GB" sz="3200" dirty="0"/>
+          </a:p>
+        </p:txBody>
+      </p:sp>
+      <p:pic>
+        <p:nvPicPr>
+          <p:cNvPr id="8" name="Picture 7">
+            <a:extLst>
+              <a:ext uri="{FF2B5EF4-FFF2-40B4-BE49-F238E27FC236}">
+                <a16:creationId xmlns:a16="http://schemas.microsoft.com/office/drawing/2014/main" id="{BF768408-B4B3-4C2E-A49E-5CD0052A0360}"/>
+              </a:ext>
+            </a:extLst>
+          </p:cNvPr>
+          <p:cNvPicPr>
+            <a:picLocks noChangeAspect="1"/>
+          </p:cNvPicPr>
+          <p:nvPr/>
+        </p:nvPicPr>
+        <p:blipFill>
+          <a:blip r:embed="rId2"/>
+          <a:stretch>
+            <a:fillRect/>
+          </a:stretch>
+        </p:blipFill>
+        <p:spPr>
+          <a:xfrm>
+            <a:off x="5584791" y="3191938"/>
+            <a:ext cx="5367072" cy="474123"/>
+          </a:xfrm>
+          <a:prstGeom prst="rect">
+            <a:avLst/>
+          </a:prstGeom>
+        </p:spPr>
+      </p:pic>
+      <p:pic>
+        <p:nvPicPr>
+          <p:cNvPr id="10" name="Picture 9">
+            <a:extLst>
+              <a:ext uri="{FF2B5EF4-FFF2-40B4-BE49-F238E27FC236}">
+                <a16:creationId xmlns:a16="http://schemas.microsoft.com/office/drawing/2014/main" id="{D3F44413-DAC0-4935-8BC6-D690499F5AEC}"/>
+              </a:ext>
+            </a:extLst>
+          </p:cNvPr>
+          <p:cNvPicPr>
+            <a:picLocks noChangeAspect="1"/>
+          </p:cNvPicPr>
+          <p:nvPr/>
+        </p:nvPicPr>
+        <p:blipFill>
+          <a:blip r:embed="rId3"/>
+          <a:stretch>
+            <a:fillRect/>
+          </a:stretch>
+        </p:blipFill>
+        <p:spPr>
+          <a:xfrm>
+            <a:off x="6177361" y="1547633"/>
+            <a:ext cx="3831426" cy="1056945"/>
+          </a:xfrm>
+          <a:prstGeom prst="rect">
+            <a:avLst/>
+          </a:prstGeom>
+        </p:spPr>
+      </p:pic>
+      <p:pic>
+        <p:nvPicPr>
+          <p:cNvPr id="11" name="Picture 10">
+            <a:extLst>
+              <a:ext uri="{FF2B5EF4-FFF2-40B4-BE49-F238E27FC236}">
+                <a16:creationId xmlns:a16="http://schemas.microsoft.com/office/drawing/2014/main" id="{BBA3ED28-6730-4B02-914C-3B3707C5C2B5}"/>
+              </a:ext>
+            </a:extLst>
+          </p:cNvPr>
+          <p:cNvPicPr>
+            <a:picLocks noChangeAspect="1"/>
+          </p:cNvPicPr>
+          <p:nvPr/>
+        </p:nvPicPr>
+        <p:blipFill>
+          <a:blip r:embed="rId4"/>
+          <a:stretch>
+            <a:fillRect/>
+          </a:stretch>
+        </p:blipFill>
+        <p:spPr>
+          <a:xfrm>
+            <a:off x="4714877" y="4758014"/>
+            <a:ext cx="7230376" cy="474123"/>
+          </a:xfrm>
+          <a:prstGeom prst="rect">
+            <a:avLst/>
+          </a:prstGeom>
+        </p:spPr>
+      </p:pic>
+    </p:spTree>
+    <p:extLst>
+      <p:ext uri="{BB962C8B-B14F-4D97-AF65-F5344CB8AC3E}">
+        <p14:creationId xmlns:p14="http://schemas.microsoft.com/office/powerpoint/2010/main" val="2817817563"/>
+      </p:ext>
+    </p:extLst>
+  </p:cSld>
+  <p:clrMapOvr>
+    <a:masterClrMapping/>
+  </p:clrMapOvr>
+</p:sld>
+</file>
+
+<file path=ppt/slides/slide13.xml><?xml version="1.0" encoding="utf-8"?>
+<p:sld xmlns:a="http://schemas.openxmlformats.org/drawingml/2006/main" xmlns:r="http://schemas.openxmlformats.org/officeDocument/2006/relationships" xmlns:p="http://schemas.openxmlformats.org/presentationml/2006/main">
+  <p:cSld>
+    <p:spTree>
+      <p:nvGrpSpPr>
+        <p:cNvPr id="1" name=""/>
+        <p:cNvGrpSpPr/>
+        <p:nvPr/>
+      </p:nvGrpSpPr>
+      <p:grpSpPr>
+        <a:xfrm>
+          <a:off x="0" y="0"/>
+          <a:ext cx="0" cy="0"/>
+          <a:chOff x="0" y="0"/>
+          <a:chExt cx="0" cy="0"/>
+        </a:xfrm>
+      </p:grpSpPr>
+      <p:sp>
+        <p:nvSpPr>
+          <p:cNvPr id="4" name="Rectangle 3">
+            <a:extLst>
+              <a:ext uri="{FF2B5EF4-FFF2-40B4-BE49-F238E27FC236}">
+                <a16:creationId xmlns:a16="http://schemas.microsoft.com/office/drawing/2014/main" id="{2058D325-366B-47E5-934D-FC405F65C783}"/>
+              </a:ext>
+            </a:extLst>
+          </p:cNvPr>
+          <p:cNvSpPr/>
+          <p:nvPr/>
+        </p:nvSpPr>
+        <p:spPr>
+          <a:xfrm>
+            <a:off x="3859261" y="234049"/>
+            <a:ext cx="4636206" cy="1323439"/>
+          </a:xfrm>
+          <a:prstGeom prst="rect">
+            <a:avLst/>
+          </a:prstGeom>
+          <a:noFill/>
+        </p:spPr>
+        <p:txBody>
+          <a:bodyPr wrap="none" lIns="91440" tIns="45720" rIns="91440" bIns="45720">
+            <a:spAutoFit/>
+          </a:bodyPr>
+          <a:lstStyle/>
+          <a:p>
+            <a:pPr algn="ctr"/>
+            <a:r>
+              <a:rPr lang="en-US" sz="8000" b="1" cap="none" spc="0" dirty="0">
+                <a:ln w="9525">
+                  <a:solidFill>
+                    <a:schemeClr val="bg1"/>
+                  </a:solidFill>
+                  <a:prstDash val="solid"/>
+                </a:ln>
+                <a:solidFill>
+                  <a:schemeClr val="tx1"/>
+                </a:solidFill>
+                <a:effectLst>
+                  <a:outerShdw blurRad="12700" dist="38100" dir="2700000" algn="tl" rotWithShape="0">
+                    <a:schemeClr val="bg1">
+                      <a:lumMod val="50000"/>
+                    </a:schemeClr>
+                  </a:outerShdw>
+                </a:effectLst>
+              </a:rPr>
+              <a:t>Functions!</a:t>
+            </a:r>
+          </a:p>
+        </p:txBody>
+      </p:sp>
+      <p:sp>
+        <p:nvSpPr>
+          <p:cNvPr id="5" name="Content Placeholder 2">
+            <a:extLst>
+              <a:ext uri="{FF2B5EF4-FFF2-40B4-BE49-F238E27FC236}">
+                <a16:creationId xmlns:a16="http://schemas.microsoft.com/office/drawing/2014/main" id="{93B4D857-0A6D-4657-913A-56C62D4776A0}"/>
+              </a:ext>
+            </a:extLst>
+          </p:cNvPr>
+          <p:cNvSpPr>
+            <a:spLocks noGrp="1"/>
+          </p:cNvSpPr>
+          <p:nvPr>
+            <p:ph idx="1"/>
+          </p:nvPr>
+        </p:nvSpPr>
+        <p:spPr>
+          <a:xfrm>
+            <a:off x="-729574" y="1625863"/>
+            <a:ext cx="5126476" cy="3606274"/>
+          </a:xfrm>
+        </p:spPr>
+        <p:txBody>
+          <a:bodyPr>
+            <a:noAutofit/>
+          </a:bodyPr>
+          <a:lstStyle/>
+          <a:p>
+            <a:pPr lvl="2"/>
+            <a:r>
+              <a:rPr lang="en-GB" sz="3200" dirty="0"/>
+              <a:t>Functions will work as long as they don’t accept other functions as parameters (more on this later)</a:t>
+            </a:r>
+          </a:p>
+          <a:p>
+            <a:pPr lvl="2"/>
+            <a:endParaRPr lang="en-GB" sz="3200" dirty="0"/>
+          </a:p>
+        </p:txBody>
+      </p:sp>
+      <p:pic>
+        <p:nvPicPr>
+          <p:cNvPr id="2" name="Picture 1">
+            <a:extLst>
+              <a:ext uri="{FF2B5EF4-FFF2-40B4-BE49-F238E27FC236}">
+                <a16:creationId xmlns:a16="http://schemas.microsoft.com/office/drawing/2014/main" id="{BB608154-EBC8-480A-A8A2-FF07477F2384}"/>
+              </a:ext>
+            </a:extLst>
+          </p:cNvPr>
+          <p:cNvPicPr>
+            <a:picLocks noChangeAspect="1"/>
+          </p:cNvPicPr>
+          <p:nvPr/>
+        </p:nvPicPr>
+        <p:blipFill>
+          <a:blip r:embed="rId2"/>
+          <a:stretch>
+            <a:fillRect/>
+          </a:stretch>
+        </p:blipFill>
+        <p:spPr>
+          <a:xfrm>
+            <a:off x="5629376" y="1557488"/>
+            <a:ext cx="4069101" cy="1188914"/>
+          </a:xfrm>
+          <a:prstGeom prst="rect">
+            <a:avLst/>
+          </a:prstGeom>
+        </p:spPr>
+      </p:pic>
+      <p:pic>
+        <p:nvPicPr>
+          <p:cNvPr id="3" name="Picture 2">
+            <a:extLst>
+              <a:ext uri="{FF2B5EF4-FFF2-40B4-BE49-F238E27FC236}">
+                <a16:creationId xmlns:a16="http://schemas.microsoft.com/office/drawing/2014/main" id="{BE02A6C4-D9E0-4D7C-B357-E48F5C3BE3BE}"/>
+              </a:ext>
+            </a:extLst>
+          </p:cNvPr>
+          <p:cNvPicPr>
+            <a:picLocks noChangeAspect="1"/>
+          </p:cNvPicPr>
+          <p:nvPr/>
+        </p:nvPicPr>
+        <p:blipFill>
+          <a:blip r:embed="rId3"/>
+          <a:stretch>
+            <a:fillRect/>
+          </a:stretch>
+        </p:blipFill>
+        <p:spPr>
+          <a:xfrm>
+            <a:off x="4380667" y="3271026"/>
+            <a:ext cx="7225982" cy="493578"/>
+          </a:xfrm>
+          <a:prstGeom prst="rect">
+            <a:avLst/>
+          </a:prstGeom>
+        </p:spPr>
+      </p:pic>
+      <p:pic>
+        <p:nvPicPr>
+          <p:cNvPr id="6" name="Picture 5">
+            <a:extLst>
+              <a:ext uri="{FF2B5EF4-FFF2-40B4-BE49-F238E27FC236}">
+                <a16:creationId xmlns:a16="http://schemas.microsoft.com/office/drawing/2014/main" id="{E89A19FE-9673-45CD-A669-5C7E07BAD3F3}"/>
+              </a:ext>
+            </a:extLst>
+          </p:cNvPr>
+          <p:cNvPicPr>
+            <a:picLocks noChangeAspect="1"/>
+          </p:cNvPicPr>
+          <p:nvPr/>
+        </p:nvPicPr>
+        <p:blipFill>
+          <a:blip r:embed="rId4"/>
+          <a:stretch>
+            <a:fillRect/>
+          </a:stretch>
+        </p:blipFill>
+        <p:spPr>
+          <a:xfrm>
+            <a:off x="4805463" y="4337196"/>
+            <a:ext cx="6212913" cy="416974"/>
+          </a:xfrm>
+          <a:prstGeom prst="rect">
+            <a:avLst/>
+          </a:prstGeom>
+        </p:spPr>
+      </p:pic>
+    </p:spTree>
+    <p:extLst>
+      <p:ext uri="{BB962C8B-B14F-4D97-AF65-F5344CB8AC3E}">
+        <p14:creationId xmlns:p14="http://schemas.microsoft.com/office/powerpoint/2010/main" val="3152780966"/>
+      </p:ext>
+    </p:extLst>
+  </p:cSld>
+  <p:clrMapOvr>
+    <a:masterClrMapping/>
+  </p:clrMapOvr>
+</p:sld>
+</file>
+
 <file path=ppt/slides/slide2.xml><?xml version="1.0" encoding="utf-8"?>
 <p:sld xmlns:a="http://schemas.openxmlformats.org/drawingml/2006/main" xmlns:r="http://schemas.openxmlformats.org/officeDocument/2006/relationships" xmlns:p="http://schemas.openxmlformats.org/presentationml/2006/main">
   <p:cSld>

--- a/DotnetInteropSlides.pptx
+++ b/DotnetInteropSlides.pptx
@@ -18,6 +18,10 @@
     <p:sldId id="266" r:id="rId12"/>
     <p:sldId id="267" r:id="rId13"/>
     <p:sldId id="268" r:id="rId14"/>
+    <p:sldId id="269" r:id="rId15"/>
+    <p:sldId id="270" r:id="rId16"/>
+    <p:sldId id="271" r:id="rId17"/>
+    <p:sldId id="272" r:id="rId18"/>
   </p:sldIdLst>
   <p:sldSz cx="12192000" cy="6858000"/>
   <p:notesSz cx="6858000" cy="9144000"/>
@@ -273,7 +277,7 @@
           <a:p>
             <a:fld id="{79BF1C55-0641-464C-A9F1-827E4E83AD03}" type="datetimeFigureOut">
               <a:rPr lang="en-GB" smtClean="0"/>
-              <a:t>08/04/2020</a:t>
+              <a:t>25/05/2020</a:t>
             </a:fld>
             <a:endParaRPr lang="en-GB"/>
           </a:p>
@@ -473,7 +477,7 @@
           <a:p>
             <a:fld id="{79BF1C55-0641-464C-A9F1-827E4E83AD03}" type="datetimeFigureOut">
               <a:rPr lang="en-GB" smtClean="0"/>
-              <a:t>08/04/2020</a:t>
+              <a:t>25/05/2020</a:t>
             </a:fld>
             <a:endParaRPr lang="en-GB"/>
           </a:p>
@@ -683,7 +687,7 @@
           <a:p>
             <a:fld id="{79BF1C55-0641-464C-A9F1-827E4E83AD03}" type="datetimeFigureOut">
               <a:rPr lang="en-GB" smtClean="0"/>
-              <a:t>08/04/2020</a:t>
+              <a:t>25/05/2020</a:t>
             </a:fld>
             <a:endParaRPr lang="en-GB"/>
           </a:p>
@@ -883,7 +887,7 @@
           <a:p>
             <a:fld id="{79BF1C55-0641-464C-A9F1-827E4E83AD03}" type="datetimeFigureOut">
               <a:rPr lang="en-GB" smtClean="0"/>
-              <a:t>08/04/2020</a:t>
+              <a:t>25/05/2020</a:t>
             </a:fld>
             <a:endParaRPr lang="en-GB"/>
           </a:p>
@@ -1159,7 +1163,7 @@
           <a:p>
             <a:fld id="{79BF1C55-0641-464C-A9F1-827E4E83AD03}" type="datetimeFigureOut">
               <a:rPr lang="en-GB" smtClean="0"/>
-              <a:t>08/04/2020</a:t>
+              <a:t>25/05/2020</a:t>
             </a:fld>
             <a:endParaRPr lang="en-GB"/>
           </a:p>
@@ -1427,7 +1431,7 @@
           <a:p>
             <a:fld id="{79BF1C55-0641-464C-A9F1-827E4E83AD03}" type="datetimeFigureOut">
               <a:rPr lang="en-GB" smtClean="0"/>
-              <a:t>08/04/2020</a:t>
+              <a:t>25/05/2020</a:t>
             </a:fld>
             <a:endParaRPr lang="en-GB"/>
           </a:p>
@@ -1842,7 +1846,7 @@
           <a:p>
             <a:fld id="{79BF1C55-0641-464C-A9F1-827E4E83AD03}" type="datetimeFigureOut">
               <a:rPr lang="en-GB" smtClean="0"/>
-              <a:t>08/04/2020</a:t>
+              <a:t>25/05/2020</a:t>
             </a:fld>
             <a:endParaRPr lang="en-GB"/>
           </a:p>
@@ -1984,7 +1988,7 @@
           <a:p>
             <a:fld id="{79BF1C55-0641-464C-A9F1-827E4E83AD03}" type="datetimeFigureOut">
               <a:rPr lang="en-GB" smtClean="0"/>
-              <a:t>08/04/2020</a:t>
+              <a:t>25/05/2020</a:t>
             </a:fld>
             <a:endParaRPr lang="en-GB"/>
           </a:p>
@@ -2097,7 +2101,7 @@
           <a:p>
             <a:fld id="{79BF1C55-0641-464C-A9F1-827E4E83AD03}" type="datetimeFigureOut">
               <a:rPr lang="en-GB" smtClean="0"/>
-              <a:t>08/04/2020</a:t>
+              <a:t>25/05/2020</a:t>
             </a:fld>
             <a:endParaRPr lang="en-GB"/>
           </a:p>
@@ -2410,7 +2414,7 @@
           <a:p>
             <a:fld id="{79BF1C55-0641-464C-A9F1-827E4E83AD03}" type="datetimeFigureOut">
               <a:rPr lang="en-GB" smtClean="0"/>
-              <a:t>08/04/2020</a:t>
+              <a:t>25/05/2020</a:t>
             </a:fld>
             <a:endParaRPr lang="en-GB"/>
           </a:p>
@@ -2699,7 +2703,7 @@
           <a:p>
             <a:fld id="{79BF1C55-0641-464C-A9F1-827E4E83AD03}" type="datetimeFigureOut">
               <a:rPr lang="en-GB" smtClean="0"/>
-              <a:t>08/04/2020</a:t>
+              <a:t>25/05/2020</a:t>
             </a:fld>
             <a:endParaRPr lang="en-GB"/>
           </a:p>
@@ -2942,7 +2946,7 @@
           <a:p>
             <a:fld id="{79BF1C55-0641-464C-A9F1-827E4E83AD03}" type="datetimeFigureOut">
               <a:rPr lang="en-GB" smtClean="0"/>
-              <a:t>08/04/2020</a:t>
+              <a:t>25/05/2020</a:t>
             </a:fld>
             <a:endParaRPr lang="en-GB"/>
           </a:p>
@@ -4665,6 +4669,727 @@
 </p:sld>
 </file>
 
+<file path=ppt/slides/slide14.xml><?xml version="1.0" encoding="utf-8"?>
+<p:sld xmlns:a="http://schemas.openxmlformats.org/drawingml/2006/main" xmlns:r="http://schemas.openxmlformats.org/officeDocument/2006/relationships" xmlns:p="http://schemas.openxmlformats.org/presentationml/2006/main">
+  <p:cSld>
+    <p:spTree>
+      <p:nvGrpSpPr>
+        <p:cNvPr id="1" name=""/>
+        <p:cNvGrpSpPr/>
+        <p:nvPr/>
+      </p:nvGrpSpPr>
+      <p:grpSpPr>
+        <a:xfrm>
+          <a:off x="0" y="0"/>
+          <a:ext cx="0" cy="0"/>
+          <a:chOff x="0" y="0"/>
+          <a:chExt cx="0" cy="0"/>
+        </a:xfrm>
+      </p:grpSpPr>
+      <p:sp>
+        <p:nvSpPr>
+          <p:cNvPr id="4" name="Rectangle 3">
+            <a:extLst>
+              <a:ext uri="{FF2B5EF4-FFF2-40B4-BE49-F238E27FC236}">
+                <a16:creationId xmlns:a16="http://schemas.microsoft.com/office/drawing/2014/main" id="{2058D325-366B-47E5-934D-FC405F65C783}"/>
+              </a:ext>
+            </a:extLst>
+          </p:cNvPr>
+          <p:cNvSpPr/>
+          <p:nvPr/>
+        </p:nvSpPr>
+        <p:spPr>
+          <a:xfrm>
+            <a:off x="1567548" y="234049"/>
+            <a:ext cx="9219640" cy="1323439"/>
+          </a:xfrm>
+          <a:prstGeom prst="rect">
+            <a:avLst/>
+          </a:prstGeom>
+          <a:noFill/>
+        </p:spPr>
+        <p:txBody>
+          <a:bodyPr wrap="none" lIns="91440" tIns="45720" rIns="91440" bIns="45720">
+            <a:spAutoFit/>
+          </a:bodyPr>
+          <a:lstStyle/>
+          <a:p>
+            <a:pPr algn="ctr"/>
+            <a:r>
+              <a:rPr lang="en-US" sz="8000" b="1" cap="none" spc="0" dirty="0">
+                <a:ln w="9525">
+                  <a:solidFill>
+                    <a:schemeClr val="bg1"/>
+                  </a:solidFill>
+                  <a:prstDash val="solid"/>
+                </a:ln>
+                <a:solidFill>
+                  <a:schemeClr val="tx1"/>
+                </a:solidFill>
+                <a:effectLst>
+                  <a:outerShdw blurRad="12700" dist="38100" dir="2700000" algn="tl" rotWithShape="0">
+                    <a:schemeClr val="bg1">
+                      <a:lumMod val="50000"/>
+                    </a:schemeClr>
+                  </a:outerShdw>
+                </a:effectLst>
+              </a:rPr>
+              <a:t>Discriminated Unions</a:t>
+            </a:r>
+          </a:p>
+        </p:txBody>
+      </p:sp>
+      <p:sp>
+        <p:nvSpPr>
+          <p:cNvPr id="5" name="Content Placeholder 2">
+            <a:extLst>
+              <a:ext uri="{FF2B5EF4-FFF2-40B4-BE49-F238E27FC236}">
+                <a16:creationId xmlns:a16="http://schemas.microsoft.com/office/drawing/2014/main" id="{93B4D857-0A6D-4657-913A-56C62D4776A0}"/>
+              </a:ext>
+            </a:extLst>
+          </p:cNvPr>
+          <p:cNvSpPr>
+            <a:spLocks noGrp="1"/>
+          </p:cNvSpPr>
+          <p:nvPr>
+            <p:ph idx="1"/>
+          </p:nvPr>
+        </p:nvSpPr>
+        <p:spPr>
+          <a:xfrm>
+            <a:off x="-729574" y="1625863"/>
+            <a:ext cx="5126476" cy="3606274"/>
+          </a:xfrm>
+        </p:spPr>
+        <p:txBody>
+          <a:bodyPr>
+            <a:noAutofit/>
+          </a:bodyPr>
+          <a:lstStyle/>
+          <a:p>
+            <a:pPr lvl="2"/>
+            <a:r>
+              <a:rPr lang="en-GB" sz="3200" dirty="0"/>
+              <a:t>If Discriminated Unions only have numbers, compiles to </a:t>
+            </a:r>
+            <a:r>
+              <a:rPr lang="en-GB" sz="3200" dirty="0" err="1"/>
+              <a:t>enum</a:t>
+            </a:r>
+            <a:r>
+              <a:rPr lang="en-GB" sz="3200" dirty="0"/>
+              <a:t>. </a:t>
+            </a:r>
+          </a:p>
+          <a:p>
+            <a:pPr lvl="2"/>
+            <a:endParaRPr lang="en-GB" sz="3200" dirty="0"/>
+          </a:p>
+          <a:p>
+            <a:pPr lvl="2"/>
+            <a:r>
+              <a:rPr lang="en-GB" sz="3200" dirty="0"/>
+              <a:t>If Discriminated Union uses types, creates a abstract class which has methods for creating sub-types </a:t>
+            </a:r>
+          </a:p>
+          <a:p>
+            <a:pPr lvl="2"/>
+            <a:endParaRPr lang="en-GB" sz="3200" dirty="0"/>
+          </a:p>
+        </p:txBody>
+      </p:sp>
+      <p:pic>
+        <p:nvPicPr>
+          <p:cNvPr id="7" name="Picture 6">
+            <a:extLst>
+              <a:ext uri="{FF2B5EF4-FFF2-40B4-BE49-F238E27FC236}">
+                <a16:creationId xmlns:a16="http://schemas.microsoft.com/office/drawing/2014/main" id="{DF988633-CCE3-4402-AFE3-BDFB18C34163}"/>
+              </a:ext>
+            </a:extLst>
+          </p:cNvPr>
+          <p:cNvPicPr>
+            <a:picLocks noChangeAspect="1"/>
+          </p:cNvPicPr>
+          <p:nvPr/>
+        </p:nvPicPr>
+        <p:blipFill>
+          <a:blip r:embed="rId2"/>
+          <a:stretch>
+            <a:fillRect/>
+          </a:stretch>
+        </p:blipFill>
+        <p:spPr>
+          <a:xfrm>
+            <a:off x="5177603" y="1625863"/>
+            <a:ext cx="2617497" cy="1325746"/>
+          </a:xfrm>
+          <a:prstGeom prst="rect">
+            <a:avLst/>
+          </a:prstGeom>
+        </p:spPr>
+      </p:pic>
+      <p:pic>
+        <p:nvPicPr>
+          <p:cNvPr id="8" name="Picture 7">
+            <a:extLst>
+              <a:ext uri="{FF2B5EF4-FFF2-40B4-BE49-F238E27FC236}">
+                <a16:creationId xmlns:a16="http://schemas.microsoft.com/office/drawing/2014/main" id="{544C0C91-217B-4E18-9EB3-B3A0AF3D7E91}"/>
+              </a:ext>
+            </a:extLst>
+          </p:cNvPr>
+          <p:cNvPicPr>
+            <a:picLocks noChangeAspect="1"/>
+          </p:cNvPicPr>
+          <p:nvPr/>
+        </p:nvPicPr>
+        <p:blipFill>
+          <a:blip r:embed="rId3"/>
+          <a:stretch>
+            <a:fillRect/>
+          </a:stretch>
+        </p:blipFill>
+        <p:spPr>
+          <a:xfrm>
+            <a:off x="8244065" y="1625863"/>
+            <a:ext cx="2423734" cy="1343966"/>
+          </a:xfrm>
+          <a:prstGeom prst="rect">
+            <a:avLst/>
+          </a:prstGeom>
+        </p:spPr>
+      </p:pic>
+      <p:pic>
+        <p:nvPicPr>
+          <p:cNvPr id="9" name="Picture 8">
+            <a:extLst>
+              <a:ext uri="{FF2B5EF4-FFF2-40B4-BE49-F238E27FC236}">
+                <a16:creationId xmlns:a16="http://schemas.microsoft.com/office/drawing/2014/main" id="{3FBBBBB1-55C7-4EAE-9136-105AFEA95044}"/>
+              </a:ext>
+            </a:extLst>
+          </p:cNvPr>
+          <p:cNvPicPr>
+            <a:picLocks noChangeAspect="1"/>
+          </p:cNvPicPr>
+          <p:nvPr/>
+        </p:nvPicPr>
+        <p:blipFill>
+          <a:blip r:embed="rId4"/>
+          <a:stretch>
+            <a:fillRect/>
+          </a:stretch>
+        </p:blipFill>
+        <p:spPr>
+          <a:xfrm>
+            <a:off x="4982096" y="3261157"/>
+            <a:ext cx="5982534" cy="3362794"/>
+          </a:xfrm>
+          <a:prstGeom prst="rect">
+            <a:avLst/>
+          </a:prstGeom>
+        </p:spPr>
+      </p:pic>
+      <p:pic>
+        <p:nvPicPr>
+          <p:cNvPr id="10" name="Picture 9">
+            <a:extLst>
+              <a:ext uri="{FF2B5EF4-FFF2-40B4-BE49-F238E27FC236}">
+                <a16:creationId xmlns:a16="http://schemas.microsoft.com/office/drawing/2014/main" id="{84F25A64-E8CC-4B0A-B2FE-E33441ADBF0E}"/>
+              </a:ext>
+            </a:extLst>
+          </p:cNvPr>
+          <p:cNvPicPr>
+            <a:picLocks noChangeAspect="1"/>
+          </p:cNvPicPr>
+          <p:nvPr/>
+        </p:nvPicPr>
+        <p:blipFill>
+          <a:blip r:embed="rId5"/>
+          <a:stretch>
+            <a:fillRect/>
+          </a:stretch>
+        </p:blipFill>
+        <p:spPr>
+          <a:xfrm>
+            <a:off x="7973363" y="3495712"/>
+            <a:ext cx="2905530" cy="714475"/>
+          </a:xfrm>
+          <a:prstGeom prst="rect">
+            <a:avLst/>
+          </a:prstGeom>
+          <a:ln>
+            <a:solidFill>
+              <a:schemeClr val="bg1"/>
+            </a:solidFill>
+          </a:ln>
+        </p:spPr>
+      </p:pic>
+    </p:spTree>
+    <p:extLst>
+      <p:ext uri="{BB962C8B-B14F-4D97-AF65-F5344CB8AC3E}">
+        <p14:creationId xmlns:p14="http://schemas.microsoft.com/office/powerpoint/2010/main" val="418123097"/>
+      </p:ext>
+    </p:extLst>
+  </p:cSld>
+  <p:clrMapOvr>
+    <a:masterClrMapping/>
+  </p:clrMapOvr>
+</p:sld>
+</file>
+
+<file path=ppt/slides/slide15.xml><?xml version="1.0" encoding="utf-8"?>
+<p:sld xmlns:a="http://schemas.openxmlformats.org/drawingml/2006/main" xmlns:r="http://schemas.openxmlformats.org/officeDocument/2006/relationships" xmlns:p="http://schemas.openxmlformats.org/presentationml/2006/main">
+  <p:cSld>
+    <p:spTree>
+      <p:nvGrpSpPr>
+        <p:cNvPr id="1" name=""/>
+        <p:cNvGrpSpPr/>
+        <p:nvPr/>
+      </p:nvGrpSpPr>
+      <p:grpSpPr>
+        <a:xfrm>
+          <a:off x="0" y="0"/>
+          <a:ext cx="0" cy="0"/>
+          <a:chOff x="0" y="0"/>
+          <a:chExt cx="0" cy="0"/>
+        </a:xfrm>
+      </p:grpSpPr>
+      <p:sp>
+        <p:nvSpPr>
+          <p:cNvPr id="4" name="Rectangle 3">
+            <a:extLst>
+              <a:ext uri="{FF2B5EF4-FFF2-40B4-BE49-F238E27FC236}">
+                <a16:creationId xmlns:a16="http://schemas.microsoft.com/office/drawing/2014/main" id="{2058D325-366B-47E5-934D-FC405F65C783}"/>
+              </a:ext>
+            </a:extLst>
+          </p:cNvPr>
+          <p:cNvSpPr/>
+          <p:nvPr/>
+        </p:nvSpPr>
+        <p:spPr>
+          <a:xfrm>
+            <a:off x="5171324" y="234049"/>
+            <a:ext cx="2012089" cy="1323439"/>
+          </a:xfrm>
+          <a:prstGeom prst="rect">
+            <a:avLst/>
+          </a:prstGeom>
+          <a:noFill/>
+        </p:spPr>
+        <p:txBody>
+          <a:bodyPr wrap="none" lIns="91440" tIns="45720" rIns="91440" bIns="45720">
+            <a:spAutoFit/>
+          </a:bodyPr>
+          <a:lstStyle/>
+          <a:p>
+            <a:pPr algn="ctr"/>
+            <a:r>
+              <a:rPr lang="en-US" sz="8000" b="1" cap="none" spc="0" dirty="0">
+                <a:ln w="9525">
+                  <a:solidFill>
+                    <a:schemeClr val="bg1"/>
+                  </a:solidFill>
+                  <a:prstDash val="solid"/>
+                </a:ln>
+                <a:solidFill>
+                  <a:schemeClr val="tx1"/>
+                </a:solidFill>
+                <a:effectLst>
+                  <a:outerShdw blurRad="12700" dist="38100" dir="2700000" algn="tl" rotWithShape="0">
+                    <a:schemeClr val="bg1">
+                      <a:lumMod val="50000"/>
+                    </a:schemeClr>
+                  </a:outerShdw>
+                </a:effectLst>
+              </a:rPr>
+              <a:t>Unit</a:t>
+            </a:r>
+          </a:p>
+        </p:txBody>
+      </p:sp>
+      <p:sp>
+        <p:nvSpPr>
+          <p:cNvPr id="5" name="Content Placeholder 2">
+            <a:extLst>
+              <a:ext uri="{FF2B5EF4-FFF2-40B4-BE49-F238E27FC236}">
+                <a16:creationId xmlns:a16="http://schemas.microsoft.com/office/drawing/2014/main" id="{93B4D857-0A6D-4657-913A-56C62D4776A0}"/>
+              </a:ext>
+            </a:extLst>
+          </p:cNvPr>
+          <p:cNvSpPr>
+            <a:spLocks noGrp="1"/>
+          </p:cNvSpPr>
+          <p:nvPr>
+            <p:ph idx="1"/>
+          </p:nvPr>
+        </p:nvSpPr>
+        <p:spPr>
+          <a:xfrm>
+            <a:off x="-729574" y="1625863"/>
+            <a:ext cx="5126476" cy="3606274"/>
+          </a:xfrm>
+        </p:spPr>
+        <p:txBody>
+          <a:bodyPr>
+            <a:noAutofit/>
+          </a:bodyPr>
+          <a:lstStyle/>
+          <a:p>
+            <a:pPr lvl="2"/>
+            <a:r>
+              <a:rPr lang="en-GB" sz="3200" dirty="0"/>
+              <a:t>If a function returns Unit, compiles down to return void</a:t>
+            </a:r>
+          </a:p>
+          <a:p>
+            <a:pPr lvl="2"/>
+            <a:endParaRPr lang="en-GB" sz="3200" dirty="0"/>
+          </a:p>
+          <a:p>
+            <a:pPr lvl="2"/>
+            <a:r>
+              <a:rPr lang="en-GB" sz="3200" dirty="0"/>
+              <a:t>If used as a parameter, use null</a:t>
+            </a:r>
+          </a:p>
+          <a:p>
+            <a:pPr lvl="2"/>
+            <a:endParaRPr lang="en-GB" sz="3200" dirty="0"/>
+          </a:p>
+        </p:txBody>
+      </p:sp>
+      <p:pic>
+        <p:nvPicPr>
+          <p:cNvPr id="2" name="Picture 1">
+            <a:extLst>
+              <a:ext uri="{FF2B5EF4-FFF2-40B4-BE49-F238E27FC236}">
+                <a16:creationId xmlns:a16="http://schemas.microsoft.com/office/drawing/2014/main" id="{1F0F7F87-0EA8-49CF-A744-8AB380708287}"/>
+              </a:ext>
+            </a:extLst>
+          </p:cNvPr>
+          <p:cNvPicPr>
+            <a:picLocks noChangeAspect="1"/>
+          </p:cNvPicPr>
+          <p:nvPr/>
+        </p:nvPicPr>
+        <p:blipFill>
+          <a:blip r:embed="rId2"/>
+          <a:stretch>
+            <a:fillRect/>
+          </a:stretch>
+        </p:blipFill>
+        <p:spPr>
+          <a:xfrm>
+            <a:off x="5431238" y="1871637"/>
+            <a:ext cx="4470997" cy="838312"/>
+          </a:xfrm>
+          <a:prstGeom prst="rect">
+            <a:avLst/>
+          </a:prstGeom>
+        </p:spPr>
+      </p:pic>
+      <p:pic>
+        <p:nvPicPr>
+          <p:cNvPr id="3" name="Picture 2">
+            <a:extLst>
+              <a:ext uri="{FF2B5EF4-FFF2-40B4-BE49-F238E27FC236}">
+                <a16:creationId xmlns:a16="http://schemas.microsoft.com/office/drawing/2014/main" id="{3B74CDE9-0595-40A4-B707-ED00D545CDDA}"/>
+              </a:ext>
+            </a:extLst>
+          </p:cNvPr>
+          <p:cNvPicPr>
+            <a:picLocks noChangeAspect="1"/>
+          </p:cNvPicPr>
+          <p:nvPr/>
+        </p:nvPicPr>
+        <p:blipFill>
+          <a:blip r:embed="rId3"/>
+          <a:stretch>
+            <a:fillRect/>
+          </a:stretch>
+        </p:blipFill>
+        <p:spPr>
+          <a:xfrm>
+            <a:off x="5056353" y="3350270"/>
+            <a:ext cx="5737270" cy="490210"/>
+          </a:xfrm>
+          <a:prstGeom prst="rect">
+            <a:avLst/>
+          </a:prstGeom>
+        </p:spPr>
+      </p:pic>
+    </p:spTree>
+    <p:extLst>
+      <p:ext uri="{BB962C8B-B14F-4D97-AF65-F5344CB8AC3E}">
+        <p14:creationId xmlns:p14="http://schemas.microsoft.com/office/powerpoint/2010/main" val="64817964"/>
+      </p:ext>
+    </p:extLst>
+  </p:cSld>
+  <p:clrMapOvr>
+    <a:masterClrMapping/>
+  </p:clrMapOvr>
+</p:sld>
+</file>
+
+<file path=ppt/slides/slide16.xml><?xml version="1.0" encoding="utf-8"?>
+<p:sld xmlns:a="http://schemas.openxmlformats.org/drawingml/2006/main" xmlns:r="http://schemas.openxmlformats.org/officeDocument/2006/relationships" xmlns:p="http://schemas.openxmlformats.org/presentationml/2006/main">
+  <p:cSld>
+    <p:spTree>
+      <p:nvGrpSpPr>
+        <p:cNvPr id="1" name=""/>
+        <p:cNvGrpSpPr/>
+        <p:nvPr/>
+      </p:nvGrpSpPr>
+      <p:grpSpPr>
+        <a:xfrm>
+          <a:off x="0" y="0"/>
+          <a:ext cx="0" cy="0"/>
+          <a:chOff x="0" y="0"/>
+          <a:chExt cx="0" cy="0"/>
+        </a:xfrm>
+      </p:grpSpPr>
+      <p:sp>
+        <p:nvSpPr>
+          <p:cNvPr id="4" name="Rectangle 3">
+            <a:extLst>
+              <a:ext uri="{FF2B5EF4-FFF2-40B4-BE49-F238E27FC236}">
+                <a16:creationId xmlns:a16="http://schemas.microsoft.com/office/drawing/2014/main" id="{2058D325-366B-47E5-934D-FC405F65C783}"/>
+              </a:ext>
+            </a:extLst>
+          </p:cNvPr>
+          <p:cNvSpPr/>
+          <p:nvPr/>
+        </p:nvSpPr>
+        <p:spPr>
+          <a:xfrm>
+            <a:off x="2267839" y="2151727"/>
+            <a:ext cx="7208669" cy="2554545"/>
+          </a:xfrm>
+          <a:prstGeom prst="rect">
+            <a:avLst/>
+          </a:prstGeom>
+          <a:noFill/>
+        </p:spPr>
+        <p:txBody>
+          <a:bodyPr wrap="square" lIns="91440" tIns="45720" rIns="91440" bIns="45720">
+            <a:spAutoFit/>
+          </a:bodyPr>
+          <a:lstStyle/>
+          <a:p>
+            <a:pPr algn="ctr"/>
+            <a:r>
+              <a:rPr lang="en-US" sz="8000" b="1" cap="none" spc="0" dirty="0">
+                <a:ln w="9525">
+                  <a:solidFill>
+                    <a:schemeClr val="bg1"/>
+                  </a:solidFill>
+                  <a:prstDash val="solid"/>
+                </a:ln>
+                <a:solidFill>
+                  <a:schemeClr val="tx1"/>
+                </a:solidFill>
+                <a:effectLst>
+                  <a:outerShdw blurRad="12700" dist="38100" dir="2700000" algn="tl" rotWithShape="0">
+                    <a:schemeClr val="bg1">
+                      <a:lumMod val="50000"/>
+                    </a:schemeClr>
+                  </a:outerShdw>
+                </a:effectLst>
+              </a:rPr>
+              <a:t>Things that work not so well</a:t>
+            </a:r>
+          </a:p>
+        </p:txBody>
+      </p:sp>
+    </p:spTree>
+    <p:extLst>
+      <p:ext uri="{BB962C8B-B14F-4D97-AF65-F5344CB8AC3E}">
+        <p14:creationId xmlns:p14="http://schemas.microsoft.com/office/powerpoint/2010/main" val="675652422"/>
+      </p:ext>
+    </p:extLst>
+  </p:cSld>
+  <p:clrMapOvr>
+    <a:masterClrMapping/>
+  </p:clrMapOvr>
+</p:sld>
+</file>
+
+<file path=ppt/slides/slide17.xml><?xml version="1.0" encoding="utf-8"?>
+<p:sld xmlns:a="http://schemas.openxmlformats.org/drawingml/2006/main" xmlns:r="http://schemas.openxmlformats.org/officeDocument/2006/relationships" xmlns:p="http://schemas.openxmlformats.org/presentationml/2006/main">
+  <p:cSld>
+    <p:spTree>
+      <p:nvGrpSpPr>
+        <p:cNvPr id="1" name=""/>
+        <p:cNvGrpSpPr/>
+        <p:nvPr/>
+      </p:nvGrpSpPr>
+      <p:grpSpPr>
+        <a:xfrm>
+          <a:off x="0" y="0"/>
+          <a:ext cx="0" cy="0"/>
+          <a:chOff x="0" y="0"/>
+          <a:chExt cx="0" cy="0"/>
+        </a:xfrm>
+      </p:grpSpPr>
+      <p:sp>
+        <p:nvSpPr>
+          <p:cNvPr id="4" name="Rectangle 3">
+            <a:extLst>
+              <a:ext uri="{FF2B5EF4-FFF2-40B4-BE49-F238E27FC236}">
+                <a16:creationId xmlns:a16="http://schemas.microsoft.com/office/drawing/2014/main" id="{2058D325-366B-47E5-934D-FC405F65C783}"/>
+              </a:ext>
+            </a:extLst>
+          </p:cNvPr>
+          <p:cNvSpPr/>
+          <p:nvPr/>
+        </p:nvSpPr>
+        <p:spPr>
+          <a:xfrm>
+            <a:off x="5161065" y="234049"/>
+            <a:ext cx="2032608" cy="1323439"/>
+          </a:xfrm>
+          <a:prstGeom prst="rect">
+            <a:avLst/>
+          </a:prstGeom>
+          <a:noFill/>
+        </p:spPr>
+        <p:txBody>
+          <a:bodyPr wrap="none" lIns="91440" tIns="45720" rIns="91440" bIns="45720">
+            <a:spAutoFit/>
+          </a:bodyPr>
+          <a:lstStyle/>
+          <a:p>
+            <a:pPr algn="ctr"/>
+            <a:r>
+              <a:rPr lang="en-US" sz="8000" b="1" dirty="0">
+                <a:ln w="9525">
+                  <a:solidFill>
+                    <a:schemeClr val="bg1"/>
+                  </a:solidFill>
+                  <a:prstDash val="solid"/>
+                </a:ln>
+                <a:effectLst>
+                  <a:outerShdw blurRad="12700" dist="38100" dir="2700000" algn="tl" rotWithShape="0">
+                    <a:schemeClr val="bg1">
+                      <a:lumMod val="50000"/>
+                    </a:schemeClr>
+                  </a:outerShdw>
+                </a:effectLst>
+              </a:rPr>
+              <a:t>Lists</a:t>
+            </a:r>
+            <a:endParaRPr lang="en-US" sz="8000" b="1" cap="none" spc="0" dirty="0">
+              <a:ln w="9525">
+                <a:solidFill>
+                  <a:schemeClr val="bg1"/>
+                </a:solidFill>
+                <a:prstDash val="solid"/>
+              </a:ln>
+              <a:solidFill>
+                <a:schemeClr val="tx1"/>
+              </a:solidFill>
+              <a:effectLst>
+                <a:outerShdw blurRad="12700" dist="38100" dir="2700000" algn="tl" rotWithShape="0">
+                  <a:schemeClr val="bg1">
+                    <a:lumMod val="50000"/>
+                  </a:schemeClr>
+                </a:outerShdw>
+              </a:effectLst>
+            </a:endParaRPr>
+          </a:p>
+        </p:txBody>
+      </p:sp>
+      <p:sp>
+        <p:nvSpPr>
+          <p:cNvPr id="5" name="Content Placeholder 2">
+            <a:extLst>
+              <a:ext uri="{FF2B5EF4-FFF2-40B4-BE49-F238E27FC236}">
+                <a16:creationId xmlns:a16="http://schemas.microsoft.com/office/drawing/2014/main" id="{93B4D857-0A6D-4657-913A-56C62D4776A0}"/>
+              </a:ext>
+            </a:extLst>
+          </p:cNvPr>
+          <p:cNvSpPr>
+            <a:spLocks noGrp="1"/>
+          </p:cNvSpPr>
+          <p:nvPr>
+            <p:ph idx="1"/>
+          </p:nvPr>
+        </p:nvSpPr>
+        <p:spPr>
+          <a:xfrm>
+            <a:off x="-729574" y="1625863"/>
+            <a:ext cx="5126476" cy="3606274"/>
+          </a:xfrm>
+        </p:spPr>
+        <p:txBody>
+          <a:bodyPr>
+            <a:noAutofit/>
+          </a:bodyPr>
+          <a:lstStyle/>
+          <a:p>
+            <a:pPr lvl="2"/>
+            <a:r>
+              <a:rPr lang="en-GB" sz="3200" dirty="0"/>
+              <a:t>Lists in F# are different to C# Lists, this may cause some confusion. </a:t>
+            </a:r>
+          </a:p>
+          <a:p>
+            <a:pPr lvl="2"/>
+            <a:r>
+              <a:rPr lang="en-GB" sz="3200" dirty="0"/>
+              <a:t>You can import </a:t>
+            </a:r>
+            <a:r>
+              <a:rPr lang="en-GB" sz="3200" dirty="0" err="1"/>
+              <a:t>FsharpList</a:t>
+            </a:r>
+            <a:r>
+              <a:rPr lang="en-GB" sz="3200" dirty="0"/>
+              <a:t>&lt;&gt; type from </a:t>
+            </a:r>
+            <a:r>
+              <a:rPr lang="en-GB" sz="3200" dirty="0" err="1"/>
+              <a:t>Fsharp.Core</a:t>
+            </a:r>
+            <a:r>
+              <a:rPr lang="en-GB" sz="3200" dirty="0"/>
+              <a:t> N </a:t>
+            </a:r>
+            <a:r>
+              <a:rPr lang="en-GB" sz="3200" dirty="0" err="1"/>
+              <a:t>uget</a:t>
+            </a:r>
+            <a:r>
+              <a:rPr lang="en-GB" sz="3200" dirty="0"/>
+              <a:t> package.</a:t>
+            </a:r>
+          </a:p>
+          <a:p>
+            <a:pPr lvl="2"/>
+            <a:r>
+              <a:rPr lang="en-GB" sz="3200" dirty="0"/>
+              <a:t>Or just use </a:t>
+            </a:r>
+            <a:r>
+              <a:rPr lang="en-GB" sz="3200" dirty="0" err="1"/>
+              <a:t>IRedonlyCollection</a:t>
+            </a:r>
+            <a:endParaRPr lang="en-GB" sz="3200" dirty="0"/>
+          </a:p>
+        </p:txBody>
+      </p:sp>
+    </p:spTree>
+    <p:extLst>
+      <p:ext uri="{BB962C8B-B14F-4D97-AF65-F5344CB8AC3E}">
+        <p14:creationId xmlns:p14="http://schemas.microsoft.com/office/powerpoint/2010/main" val="189725039"/>
+      </p:ext>
+    </p:extLst>
+  </p:cSld>
+  <p:clrMapOvr>
+    <a:masterClrMapping/>
+  </p:clrMapOvr>
+</p:sld>
+</file>
+
 <file path=ppt/slides/slide2.xml><?xml version="1.0" encoding="utf-8"?>
 <p:sld xmlns:a="http://schemas.openxmlformats.org/drawingml/2006/main" xmlns:r="http://schemas.openxmlformats.org/officeDocument/2006/relationships" xmlns:p="http://schemas.openxmlformats.org/presentationml/2006/main">
   <p:cSld>

--- a/DotnetInteropSlides.pptx
+++ b/DotnetInteropSlides.pptx
@@ -22,6 +22,11 @@
     <p:sldId id="270" r:id="rId16"/>
     <p:sldId id="271" r:id="rId17"/>
     <p:sldId id="272" r:id="rId18"/>
+    <p:sldId id="273" r:id="rId19"/>
+    <p:sldId id="274" r:id="rId20"/>
+    <p:sldId id="275" r:id="rId21"/>
+    <p:sldId id="276" r:id="rId22"/>
+    <p:sldId id="277" r:id="rId23"/>
   </p:sldIdLst>
   <p:sldSz cx="12192000" cy="6858000"/>
   <p:notesSz cx="6858000" cy="9144000"/>
@@ -277,7 +282,7 @@
           <a:p>
             <a:fld id="{79BF1C55-0641-464C-A9F1-827E4E83AD03}" type="datetimeFigureOut">
               <a:rPr lang="en-GB" smtClean="0"/>
-              <a:t>25/05/2020</a:t>
+              <a:t>05/07/2020</a:t>
             </a:fld>
             <a:endParaRPr lang="en-GB"/>
           </a:p>
@@ -477,7 +482,7 @@
           <a:p>
             <a:fld id="{79BF1C55-0641-464C-A9F1-827E4E83AD03}" type="datetimeFigureOut">
               <a:rPr lang="en-GB" smtClean="0"/>
-              <a:t>25/05/2020</a:t>
+              <a:t>05/07/2020</a:t>
             </a:fld>
             <a:endParaRPr lang="en-GB"/>
           </a:p>
@@ -687,7 +692,7 @@
           <a:p>
             <a:fld id="{79BF1C55-0641-464C-A9F1-827E4E83AD03}" type="datetimeFigureOut">
               <a:rPr lang="en-GB" smtClean="0"/>
-              <a:t>25/05/2020</a:t>
+              <a:t>05/07/2020</a:t>
             </a:fld>
             <a:endParaRPr lang="en-GB"/>
           </a:p>
@@ -887,7 +892,7 @@
           <a:p>
             <a:fld id="{79BF1C55-0641-464C-A9F1-827E4E83AD03}" type="datetimeFigureOut">
               <a:rPr lang="en-GB" smtClean="0"/>
-              <a:t>25/05/2020</a:t>
+              <a:t>05/07/2020</a:t>
             </a:fld>
             <a:endParaRPr lang="en-GB"/>
           </a:p>
@@ -1163,7 +1168,7 @@
           <a:p>
             <a:fld id="{79BF1C55-0641-464C-A9F1-827E4E83AD03}" type="datetimeFigureOut">
               <a:rPr lang="en-GB" smtClean="0"/>
-              <a:t>25/05/2020</a:t>
+              <a:t>05/07/2020</a:t>
             </a:fld>
             <a:endParaRPr lang="en-GB"/>
           </a:p>
@@ -1431,7 +1436,7 @@
           <a:p>
             <a:fld id="{79BF1C55-0641-464C-A9F1-827E4E83AD03}" type="datetimeFigureOut">
               <a:rPr lang="en-GB" smtClean="0"/>
-              <a:t>25/05/2020</a:t>
+              <a:t>05/07/2020</a:t>
             </a:fld>
             <a:endParaRPr lang="en-GB"/>
           </a:p>
@@ -1846,7 +1851,7 @@
           <a:p>
             <a:fld id="{79BF1C55-0641-464C-A9F1-827E4E83AD03}" type="datetimeFigureOut">
               <a:rPr lang="en-GB" smtClean="0"/>
-              <a:t>25/05/2020</a:t>
+              <a:t>05/07/2020</a:t>
             </a:fld>
             <a:endParaRPr lang="en-GB"/>
           </a:p>
@@ -1988,7 +1993,7 @@
           <a:p>
             <a:fld id="{79BF1C55-0641-464C-A9F1-827E4E83AD03}" type="datetimeFigureOut">
               <a:rPr lang="en-GB" smtClean="0"/>
-              <a:t>25/05/2020</a:t>
+              <a:t>05/07/2020</a:t>
             </a:fld>
             <a:endParaRPr lang="en-GB"/>
           </a:p>
@@ -2101,7 +2106,7 @@
           <a:p>
             <a:fld id="{79BF1C55-0641-464C-A9F1-827E4E83AD03}" type="datetimeFigureOut">
               <a:rPr lang="en-GB" smtClean="0"/>
-              <a:t>25/05/2020</a:t>
+              <a:t>05/07/2020</a:t>
             </a:fld>
             <a:endParaRPr lang="en-GB"/>
           </a:p>
@@ -2414,7 +2419,7 @@
           <a:p>
             <a:fld id="{79BF1C55-0641-464C-A9F1-827E4E83AD03}" type="datetimeFigureOut">
               <a:rPr lang="en-GB" smtClean="0"/>
-              <a:t>25/05/2020</a:t>
+              <a:t>05/07/2020</a:t>
             </a:fld>
             <a:endParaRPr lang="en-GB"/>
           </a:p>
@@ -2703,7 +2708,7 @@
           <a:p>
             <a:fld id="{79BF1C55-0641-464C-A9F1-827E4E83AD03}" type="datetimeFigureOut">
               <a:rPr lang="en-GB" smtClean="0"/>
-              <a:t>25/05/2020</a:t>
+              <a:t>05/07/2020</a:t>
             </a:fld>
             <a:endParaRPr lang="en-GB"/>
           </a:p>
@@ -2946,7 +2951,7 @@
           <a:p>
             <a:fld id="{79BF1C55-0641-464C-A9F1-827E4E83AD03}" type="datetimeFigureOut">
               <a:rPr lang="en-GB" smtClean="0"/>
-              <a:t>25/05/2020</a:t>
+              <a:t>05/07/2020</a:t>
             </a:fld>
             <a:endParaRPr lang="en-GB"/>
           </a:p>
@@ -4285,7 +4290,7 @@
         </p:nvSpPr>
         <p:spPr>
           <a:xfrm>
-            <a:off x="-729574" y="1625863"/>
+            <a:off x="-218365" y="2347316"/>
             <a:ext cx="5126476" cy="3606274"/>
           </a:xfrm>
         </p:spPr>
@@ -4319,36 +4324,6 @@
               <a:rPr lang="en-GB" sz="3200" dirty="0" err="1"/>
               <a:t>IEnumerable</a:t>
             </a:r>
-            <a:endParaRPr lang="en-GB" sz="3200" dirty="0"/>
-          </a:p>
-          <a:p>
-            <a:pPr marL="914400" lvl="2" indent="0">
-              <a:buNone/>
-            </a:pPr>
-            <a:endParaRPr lang="en-GB" sz="3200" dirty="0"/>
-          </a:p>
-          <a:p>
-            <a:pPr lvl="2"/>
-            <a:r>
-              <a:rPr lang="en-GB" sz="3200" dirty="0"/>
-              <a:t>Lists are a separate type  (</a:t>
-            </a:r>
-            <a:r>
-              <a:rPr lang="en-GB" sz="3200" dirty="0" err="1"/>
-              <a:t>FSharpList</a:t>
-            </a:r>
-            <a:r>
-              <a:rPr lang="en-GB" sz="3200" dirty="0"/>
-              <a:t>) but implement the </a:t>
-            </a:r>
-            <a:r>
-              <a:rPr lang="en-GB" sz="3200" dirty="0" err="1"/>
-              <a:t>IReadOnlyCollection</a:t>
-            </a:r>
-            <a:endParaRPr lang="en-GB" sz="3200" dirty="0"/>
-          </a:p>
-          <a:p>
-            <a:pPr lvl="2"/>
             <a:endParaRPr lang="en-GB" sz="3200" dirty="0"/>
           </a:p>
         </p:txBody>
@@ -4375,7 +4350,7 @@
         </p:blipFill>
         <p:spPr>
           <a:xfrm>
-            <a:off x="5584791" y="3191938"/>
+            <a:off x="6096000" y="3913391"/>
             <a:ext cx="5367072" cy="474123"/>
           </a:xfrm>
           <a:prstGeom prst="rect">
@@ -4405,38 +4380,8 @@
         </p:blipFill>
         <p:spPr>
           <a:xfrm>
-            <a:off x="6177361" y="1547633"/>
+            <a:off x="6688570" y="2269086"/>
             <a:ext cx="3831426" cy="1056945"/>
-          </a:xfrm>
-          <a:prstGeom prst="rect">
-            <a:avLst/>
-          </a:prstGeom>
-        </p:spPr>
-      </p:pic>
-      <p:pic>
-        <p:nvPicPr>
-          <p:cNvPr id="11" name="Picture 10">
-            <a:extLst>
-              <a:ext uri="{FF2B5EF4-FFF2-40B4-BE49-F238E27FC236}">
-                <a16:creationId xmlns:a16="http://schemas.microsoft.com/office/drawing/2014/main" id="{BBA3ED28-6730-4B02-914C-3B3707C5C2B5}"/>
-              </a:ext>
-            </a:extLst>
-          </p:cNvPr>
-          <p:cNvPicPr>
-            <a:picLocks noChangeAspect="1"/>
-          </p:cNvPicPr>
-          <p:nvPr/>
-        </p:nvPicPr>
-        <p:blipFill>
-          <a:blip r:embed="rId4"/>
-          <a:stretch>
-            <a:fillRect/>
-          </a:stretch>
-        </p:blipFill>
-        <p:spPr>
-          <a:xfrm>
-            <a:off x="4714877" y="4758014"/>
-            <a:ext cx="7230376" cy="474123"/>
           </a:xfrm>
           <a:prstGeom prst="rect">
             <a:avLst/>
@@ -5344,7 +5289,7 @@
             </a:r>
             <a:r>
               <a:rPr lang="en-GB" sz="3200" dirty="0"/>
-              <a:t>&lt;&gt; type from </a:t>
+              <a:t>&lt;T&gt; type from </a:t>
             </a:r>
             <a:r>
               <a:rPr lang="en-GB" sz="3200" dirty="0" err="1"/>
@@ -5352,11 +5297,11 @@
             </a:r>
             <a:r>
               <a:rPr lang="en-GB" sz="3200" dirty="0"/>
-              <a:t> N </a:t>
+              <a:t> </a:t>
             </a:r>
             <a:r>
               <a:rPr lang="en-GB" sz="3200" dirty="0" err="1"/>
-              <a:t>uget</a:t>
+              <a:t>Nuget</a:t>
             </a:r>
             <a:r>
               <a:rPr lang="en-GB" sz="3200" dirty="0"/>
@@ -5371,16 +5316,531 @@
             </a:r>
             <a:r>
               <a:rPr lang="en-GB" sz="3200" dirty="0" err="1"/>
-              <a:t>IRedonlyCollection</a:t>
+              <a:t>IReadonlyCollection</a:t>
             </a:r>
             <a:endParaRPr lang="en-GB" sz="3200" dirty="0"/>
           </a:p>
         </p:txBody>
       </p:sp>
+      <p:pic>
+        <p:nvPicPr>
+          <p:cNvPr id="2" name="Picture 1">
+            <a:extLst>
+              <a:ext uri="{FF2B5EF4-FFF2-40B4-BE49-F238E27FC236}">
+                <a16:creationId xmlns:a16="http://schemas.microsoft.com/office/drawing/2014/main" id="{22999246-BAE2-4776-BB4C-552B114536DA}"/>
+              </a:ext>
+            </a:extLst>
+          </p:cNvPr>
+          <p:cNvPicPr>
+            <a:picLocks noChangeAspect="1"/>
+          </p:cNvPicPr>
+          <p:nvPr/>
+        </p:nvPicPr>
+        <p:blipFill>
+          <a:blip r:embed="rId2"/>
+          <a:stretch>
+            <a:fillRect/>
+          </a:stretch>
+        </p:blipFill>
+        <p:spPr>
+          <a:xfrm>
+            <a:off x="4302716" y="3993055"/>
+            <a:ext cx="7597397" cy="369220"/>
+          </a:xfrm>
+          <a:prstGeom prst="rect">
+            <a:avLst/>
+          </a:prstGeom>
+        </p:spPr>
+      </p:pic>
+      <p:pic>
+        <p:nvPicPr>
+          <p:cNvPr id="3" name="Picture 2">
+            <a:extLst>
+              <a:ext uri="{FF2B5EF4-FFF2-40B4-BE49-F238E27FC236}">
+                <a16:creationId xmlns:a16="http://schemas.microsoft.com/office/drawing/2014/main" id="{1E8E4675-350A-4295-B2C4-1F33608937BD}"/>
+              </a:ext>
+            </a:extLst>
+          </p:cNvPr>
+          <p:cNvPicPr>
+            <a:picLocks noChangeAspect="1"/>
+          </p:cNvPicPr>
+          <p:nvPr/>
+        </p:nvPicPr>
+        <p:blipFill>
+          <a:blip r:embed="rId3"/>
+          <a:stretch>
+            <a:fillRect/>
+          </a:stretch>
+        </p:blipFill>
+        <p:spPr>
+          <a:xfrm>
+            <a:off x="5395464" y="2206229"/>
+            <a:ext cx="5242204" cy="759384"/>
+          </a:xfrm>
+          <a:prstGeom prst="rect">
+            <a:avLst/>
+          </a:prstGeom>
+        </p:spPr>
+      </p:pic>
     </p:spTree>
     <p:extLst>
       <p:ext uri="{BB962C8B-B14F-4D97-AF65-F5344CB8AC3E}">
         <p14:creationId xmlns:p14="http://schemas.microsoft.com/office/powerpoint/2010/main" val="189725039"/>
+      </p:ext>
+    </p:extLst>
+  </p:cSld>
+  <p:clrMapOvr>
+    <a:masterClrMapping/>
+  </p:clrMapOvr>
+</p:sld>
+</file>
+
+<file path=ppt/slides/slide18.xml><?xml version="1.0" encoding="utf-8"?>
+<p:sld xmlns:a="http://schemas.openxmlformats.org/drawingml/2006/main" xmlns:r="http://schemas.openxmlformats.org/officeDocument/2006/relationships" xmlns:p="http://schemas.openxmlformats.org/presentationml/2006/main">
+  <p:cSld>
+    <p:spTree>
+      <p:nvGrpSpPr>
+        <p:cNvPr id="1" name=""/>
+        <p:cNvGrpSpPr/>
+        <p:nvPr/>
+      </p:nvGrpSpPr>
+      <p:grpSpPr>
+        <a:xfrm>
+          <a:off x="0" y="0"/>
+          <a:ext cx="0" cy="0"/>
+          <a:chOff x="0" y="0"/>
+          <a:chExt cx="0" cy="0"/>
+        </a:xfrm>
+      </p:grpSpPr>
+      <p:pic>
+        <p:nvPicPr>
+          <p:cNvPr id="8" name="Picture 7">
+            <a:extLst>
+              <a:ext uri="{FF2B5EF4-FFF2-40B4-BE49-F238E27FC236}">
+                <a16:creationId xmlns:a16="http://schemas.microsoft.com/office/drawing/2014/main" id="{3D50C6B0-24ED-45B1-A493-6219AB87B619}"/>
+              </a:ext>
+            </a:extLst>
+          </p:cNvPr>
+          <p:cNvPicPr>
+            <a:picLocks noChangeAspect="1"/>
+          </p:cNvPicPr>
+          <p:nvPr/>
+        </p:nvPicPr>
+        <p:blipFill>
+          <a:blip r:embed="rId2"/>
+          <a:stretch>
+            <a:fillRect/>
+          </a:stretch>
+        </p:blipFill>
+        <p:spPr>
+          <a:xfrm>
+            <a:off x="310393" y="3174418"/>
+            <a:ext cx="8997248" cy="3606274"/>
+          </a:xfrm>
+          <a:prstGeom prst="rect">
+            <a:avLst/>
+          </a:prstGeom>
+        </p:spPr>
+      </p:pic>
+      <p:sp>
+        <p:nvSpPr>
+          <p:cNvPr id="4" name="Rectangle 3">
+            <a:extLst>
+              <a:ext uri="{FF2B5EF4-FFF2-40B4-BE49-F238E27FC236}">
+                <a16:creationId xmlns:a16="http://schemas.microsoft.com/office/drawing/2014/main" id="{2058D325-366B-47E5-934D-FC405F65C783}"/>
+              </a:ext>
+            </a:extLst>
+          </p:cNvPr>
+          <p:cNvSpPr/>
+          <p:nvPr/>
+        </p:nvSpPr>
+        <p:spPr>
+          <a:xfrm>
+            <a:off x="1529884" y="234049"/>
+            <a:ext cx="9294980" cy="1323439"/>
+          </a:xfrm>
+          <a:prstGeom prst="rect">
+            <a:avLst/>
+          </a:prstGeom>
+          <a:noFill/>
+        </p:spPr>
+        <p:txBody>
+          <a:bodyPr wrap="none" lIns="91440" tIns="45720" rIns="91440" bIns="45720">
+            <a:spAutoFit/>
+          </a:bodyPr>
+          <a:lstStyle/>
+          <a:p>
+            <a:pPr algn="ctr"/>
+            <a:r>
+              <a:rPr lang="en-US" sz="8000" b="1" dirty="0">
+                <a:ln w="9525">
+                  <a:solidFill>
+                    <a:schemeClr val="bg1"/>
+                  </a:solidFill>
+                  <a:prstDash val="solid"/>
+                </a:ln>
+                <a:effectLst>
+                  <a:outerShdw blurRad="12700" dist="38100" dir="2700000" algn="tl" rotWithShape="0">
+                    <a:schemeClr val="bg1">
+                      <a:lumMod val="50000"/>
+                    </a:schemeClr>
+                  </a:outerShdw>
+                </a:effectLst>
+              </a:rPr>
+              <a:t>Discriminated Unions</a:t>
+            </a:r>
+            <a:endParaRPr lang="en-US" sz="8000" b="1" cap="none" spc="0" dirty="0">
+              <a:ln w="9525">
+                <a:solidFill>
+                  <a:schemeClr val="bg1"/>
+                </a:solidFill>
+                <a:prstDash val="solid"/>
+              </a:ln>
+              <a:solidFill>
+                <a:schemeClr val="tx1"/>
+              </a:solidFill>
+              <a:effectLst>
+                <a:outerShdw blurRad="12700" dist="38100" dir="2700000" algn="tl" rotWithShape="0">
+                  <a:schemeClr val="bg1">
+                    <a:lumMod val="50000"/>
+                  </a:schemeClr>
+                </a:outerShdw>
+              </a:effectLst>
+            </a:endParaRPr>
+          </a:p>
+        </p:txBody>
+      </p:sp>
+      <p:sp>
+        <p:nvSpPr>
+          <p:cNvPr id="5" name="Content Placeholder 2">
+            <a:extLst>
+              <a:ext uri="{FF2B5EF4-FFF2-40B4-BE49-F238E27FC236}">
+                <a16:creationId xmlns:a16="http://schemas.microsoft.com/office/drawing/2014/main" id="{93B4D857-0A6D-4657-913A-56C62D4776A0}"/>
+              </a:ext>
+            </a:extLst>
+          </p:cNvPr>
+          <p:cNvSpPr>
+            <a:spLocks noGrp="1"/>
+          </p:cNvSpPr>
+          <p:nvPr>
+            <p:ph idx="1"/>
+          </p:nvPr>
+        </p:nvSpPr>
+        <p:spPr>
+          <a:xfrm>
+            <a:off x="-729574" y="1625863"/>
+            <a:ext cx="5126476" cy="3606274"/>
+          </a:xfrm>
+        </p:spPr>
+        <p:txBody>
+          <a:bodyPr>
+            <a:noAutofit/>
+          </a:bodyPr>
+          <a:lstStyle/>
+          <a:p>
+            <a:pPr lvl="2"/>
+            <a:r>
+              <a:rPr lang="en-GB" sz="3200" dirty="0"/>
+              <a:t>If we don’t provide a type, DU’s don’t play so well. </a:t>
+            </a:r>
+          </a:p>
+        </p:txBody>
+      </p:sp>
+      <p:pic>
+        <p:nvPicPr>
+          <p:cNvPr id="6" name="Picture 5">
+            <a:extLst>
+              <a:ext uri="{FF2B5EF4-FFF2-40B4-BE49-F238E27FC236}">
+                <a16:creationId xmlns:a16="http://schemas.microsoft.com/office/drawing/2014/main" id="{EAF1BFE2-D1F8-4731-BD60-321112601C11}"/>
+              </a:ext>
+            </a:extLst>
+          </p:cNvPr>
+          <p:cNvPicPr>
+            <a:picLocks noChangeAspect="1"/>
+          </p:cNvPicPr>
+          <p:nvPr/>
+        </p:nvPicPr>
+        <p:blipFill>
+          <a:blip r:embed="rId3"/>
+          <a:stretch>
+            <a:fillRect/>
+          </a:stretch>
+        </p:blipFill>
+        <p:spPr>
+          <a:xfrm>
+            <a:off x="4614432" y="1625863"/>
+            <a:ext cx="2130317" cy="962079"/>
+          </a:xfrm>
+          <a:prstGeom prst="rect">
+            <a:avLst/>
+          </a:prstGeom>
+        </p:spPr>
+      </p:pic>
+      <p:pic>
+        <p:nvPicPr>
+          <p:cNvPr id="7" name="Picture 6">
+            <a:extLst>
+              <a:ext uri="{FF2B5EF4-FFF2-40B4-BE49-F238E27FC236}">
+                <a16:creationId xmlns:a16="http://schemas.microsoft.com/office/drawing/2014/main" id="{39928E91-B5DB-4CAD-A796-B497DA41C477}"/>
+              </a:ext>
+            </a:extLst>
+          </p:cNvPr>
+          <p:cNvPicPr>
+            <a:picLocks noChangeAspect="1"/>
+          </p:cNvPicPr>
+          <p:nvPr/>
+        </p:nvPicPr>
+        <p:blipFill>
+          <a:blip r:embed="rId4"/>
+          <a:stretch>
+            <a:fillRect/>
+          </a:stretch>
+        </p:blipFill>
+        <p:spPr>
+          <a:xfrm>
+            <a:off x="7991276" y="1398357"/>
+            <a:ext cx="3293118" cy="2379169"/>
+          </a:xfrm>
+          <a:prstGeom prst="rect">
+            <a:avLst/>
+          </a:prstGeom>
+        </p:spPr>
+      </p:pic>
+    </p:spTree>
+    <p:extLst>
+      <p:ext uri="{BB962C8B-B14F-4D97-AF65-F5344CB8AC3E}">
+        <p14:creationId xmlns:p14="http://schemas.microsoft.com/office/powerpoint/2010/main" val="2331310837"/>
+      </p:ext>
+    </p:extLst>
+  </p:cSld>
+  <p:clrMapOvr>
+    <a:masterClrMapping/>
+  </p:clrMapOvr>
+</p:sld>
+</file>
+
+<file path=ppt/slides/slide19.xml><?xml version="1.0" encoding="utf-8"?>
+<p:sld xmlns:a="http://schemas.openxmlformats.org/drawingml/2006/main" xmlns:r="http://schemas.openxmlformats.org/officeDocument/2006/relationships" xmlns:p="http://schemas.openxmlformats.org/presentationml/2006/main">
+  <p:cSld>
+    <p:spTree>
+      <p:nvGrpSpPr>
+        <p:cNvPr id="1" name=""/>
+        <p:cNvGrpSpPr/>
+        <p:nvPr/>
+      </p:nvGrpSpPr>
+      <p:grpSpPr>
+        <a:xfrm>
+          <a:off x="0" y="0"/>
+          <a:ext cx="0" cy="0"/>
+          <a:chOff x="0" y="0"/>
+          <a:chExt cx="0" cy="0"/>
+        </a:xfrm>
+      </p:grpSpPr>
+      <p:sp>
+        <p:nvSpPr>
+          <p:cNvPr id="4" name="Rectangle 3">
+            <a:extLst>
+              <a:ext uri="{FF2B5EF4-FFF2-40B4-BE49-F238E27FC236}">
+                <a16:creationId xmlns:a16="http://schemas.microsoft.com/office/drawing/2014/main" id="{2058D325-366B-47E5-934D-FC405F65C783}"/>
+              </a:ext>
+            </a:extLst>
+          </p:cNvPr>
+          <p:cNvSpPr/>
+          <p:nvPr/>
+        </p:nvSpPr>
+        <p:spPr>
+          <a:xfrm>
+            <a:off x="4406308" y="234049"/>
+            <a:ext cx="3542124" cy="1323439"/>
+          </a:xfrm>
+          <a:prstGeom prst="rect">
+            <a:avLst/>
+          </a:prstGeom>
+          <a:noFill/>
+        </p:spPr>
+        <p:txBody>
+          <a:bodyPr wrap="none" lIns="91440" tIns="45720" rIns="91440" bIns="45720">
+            <a:spAutoFit/>
+          </a:bodyPr>
+          <a:lstStyle/>
+          <a:p>
+            <a:pPr algn="ctr"/>
+            <a:r>
+              <a:rPr lang="en-US" sz="8000" b="1" dirty="0">
+                <a:ln w="9525">
+                  <a:solidFill>
+                    <a:schemeClr val="bg1"/>
+                  </a:solidFill>
+                  <a:prstDash val="solid"/>
+                </a:ln>
+                <a:effectLst>
+                  <a:outerShdw blurRad="12700" dist="38100" dir="2700000" algn="tl" rotWithShape="0">
+                    <a:schemeClr val="bg1">
+                      <a:lumMod val="50000"/>
+                    </a:schemeClr>
+                  </a:outerShdw>
+                </a:effectLst>
+              </a:rPr>
+              <a:t>Options</a:t>
+            </a:r>
+            <a:endParaRPr lang="en-US" sz="8000" b="1" cap="none" spc="0" dirty="0">
+              <a:ln w="9525">
+                <a:solidFill>
+                  <a:schemeClr val="bg1"/>
+                </a:solidFill>
+                <a:prstDash val="solid"/>
+              </a:ln>
+              <a:solidFill>
+                <a:schemeClr val="tx1"/>
+              </a:solidFill>
+              <a:effectLst>
+                <a:outerShdw blurRad="12700" dist="38100" dir="2700000" algn="tl" rotWithShape="0">
+                  <a:schemeClr val="bg1">
+                    <a:lumMod val="50000"/>
+                  </a:schemeClr>
+                </a:outerShdw>
+              </a:effectLst>
+            </a:endParaRPr>
+          </a:p>
+        </p:txBody>
+      </p:sp>
+      <p:sp>
+        <p:nvSpPr>
+          <p:cNvPr id="5" name="Content Placeholder 2">
+            <a:extLst>
+              <a:ext uri="{FF2B5EF4-FFF2-40B4-BE49-F238E27FC236}">
+                <a16:creationId xmlns:a16="http://schemas.microsoft.com/office/drawing/2014/main" id="{93B4D857-0A6D-4657-913A-56C62D4776A0}"/>
+              </a:ext>
+            </a:extLst>
+          </p:cNvPr>
+          <p:cNvSpPr>
+            <a:spLocks noGrp="1"/>
+          </p:cNvSpPr>
+          <p:nvPr>
+            <p:ph idx="1"/>
+          </p:nvPr>
+        </p:nvSpPr>
+        <p:spPr>
+          <a:xfrm>
+            <a:off x="-729574" y="1625863"/>
+            <a:ext cx="5126476" cy="3606274"/>
+          </a:xfrm>
+        </p:spPr>
+        <p:txBody>
+          <a:bodyPr>
+            <a:noAutofit/>
+          </a:bodyPr>
+          <a:lstStyle/>
+          <a:p>
+            <a:pPr lvl="2"/>
+            <a:r>
+              <a:rPr lang="en-GB" sz="3200" dirty="0"/>
+              <a:t>Options allow you to get the value and work as expected. </a:t>
+            </a:r>
+          </a:p>
+          <a:p>
+            <a:pPr lvl="2"/>
+            <a:r>
+              <a:rPr lang="en-GB" sz="3200" dirty="0"/>
+              <a:t>None simply returns as null therefore making it unsafe</a:t>
+            </a:r>
+          </a:p>
+        </p:txBody>
+      </p:sp>
+      <p:pic>
+        <p:nvPicPr>
+          <p:cNvPr id="10" name="Picture 9">
+            <a:extLst>
+              <a:ext uri="{FF2B5EF4-FFF2-40B4-BE49-F238E27FC236}">
+                <a16:creationId xmlns:a16="http://schemas.microsoft.com/office/drawing/2014/main" id="{6449619A-49C6-4517-93CC-604BB1CC9442}"/>
+              </a:ext>
+            </a:extLst>
+          </p:cNvPr>
+          <p:cNvPicPr>
+            <a:picLocks noChangeAspect="1"/>
+          </p:cNvPicPr>
+          <p:nvPr/>
+        </p:nvPicPr>
+        <p:blipFill>
+          <a:blip r:embed="rId2"/>
+          <a:stretch>
+            <a:fillRect/>
+          </a:stretch>
+        </p:blipFill>
+        <p:spPr>
+          <a:xfrm>
+            <a:off x="5736087" y="1625863"/>
+            <a:ext cx="3991532" cy="790685"/>
+          </a:xfrm>
+          <a:prstGeom prst="rect">
+            <a:avLst/>
+          </a:prstGeom>
+        </p:spPr>
+      </p:pic>
+      <p:pic>
+        <p:nvPicPr>
+          <p:cNvPr id="11" name="Picture 10">
+            <a:extLst>
+              <a:ext uri="{FF2B5EF4-FFF2-40B4-BE49-F238E27FC236}">
+                <a16:creationId xmlns:a16="http://schemas.microsoft.com/office/drawing/2014/main" id="{94952F5D-92D6-4BB3-A51F-D15690556930}"/>
+              </a:ext>
+            </a:extLst>
+          </p:cNvPr>
+          <p:cNvPicPr>
+            <a:picLocks noChangeAspect="1"/>
+          </p:cNvPicPr>
+          <p:nvPr/>
+        </p:nvPicPr>
+        <p:blipFill>
+          <a:blip r:embed="rId3"/>
+          <a:stretch>
+            <a:fillRect/>
+          </a:stretch>
+        </p:blipFill>
+        <p:spPr>
+          <a:xfrm>
+            <a:off x="5202612" y="2857420"/>
+            <a:ext cx="5058481" cy="1143160"/>
+          </a:xfrm>
+          <a:prstGeom prst="rect">
+            <a:avLst/>
+          </a:prstGeom>
+        </p:spPr>
+      </p:pic>
+      <p:pic>
+        <p:nvPicPr>
+          <p:cNvPr id="12" name="Picture 11">
+            <a:extLst>
+              <a:ext uri="{FF2B5EF4-FFF2-40B4-BE49-F238E27FC236}">
+                <a16:creationId xmlns:a16="http://schemas.microsoft.com/office/drawing/2014/main" id="{40AED28F-66BE-4A3F-95F8-CBAB0841C596}"/>
+              </a:ext>
+            </a:extLst>
+          </p:cNvPr>
+          <p:cNvPicPr>
+            <a:picLocks noChangeAspect="1"/>
+          </p:cNvPicPr>
+          <p:nvPr/>
+        </p:nvPicPr>
+        <p:blipFill>
+          <a:blip r:embed="rId4"/>
+          <a:stretch>
+            <a:fillRect/>
+          </a:stretch>
+        </p:blipFill>
+        <p:spPr>
+          <a:xfrm>
+            <a:off x="4935154" y="4878521"/>
+            <a:ext cx="5719892" cy="707232"/>
+          </a:xfrm>
+          <a:prstGeom prst="rect">
+            <a:avLst/>
+          </a:prstGeom>
+        </p:spPr>
+      </p:pic>
+    </p:spTree>
+    <p:extLst>
+      <p:ext uri="{BB962C8B-B14F-4D97-AF65-F5344CB8AC3E}">
+        <p14:creationId xmlns:p14="http://schemas.microsoft.com/office/powerpoint/2010/main" val="2084024489"/>
       </p:ext>
     </p:extLst>
   </p:cSld>
@@ -5511,6 +5971,648 @@
     <p:extLst>
       <p:ext uri="{BB962C8B-B14F-4D97-AF65-F5344CB8AC3E}">
         <p14:creationId xmlns:p14="http://schemas.microsoft.com/office/powerpoint/2010/main" val="2349744765"/>
+      </p:ext>
+    </p:extLst>
+  </p:cSld>
+  <p:clrMapOvr>
+    <a:masterClrMapping/>
+  </p:clrMapOvr>
+</p:sld>
+</file>
+
+<file path=ppt/slides/slide20.xml><?xml version="1.0" encoding="utf-8"?>
+<p:sld xmlns:a="http://schemas.openxmlformats.org/drawingml/2006/main" xmlns:r="http://schemas.openxmlformats.org/officeDocument/2006/relationships" xmlns:p="http://schemas.openxmlformats.org/presentationml/2006/main">
+  <p:cSld>
+    <p:spTree>
+      <p:nvGrpSpPr>
+        <p:cNvPr id="1" name=""/>
+        <p:cNvGrpSpPr/>
+        <p:nvPr/>
+      </p:nvGrpSpPr>
+      <p:grpSpPr>
+        <a:xfrm>
+          <a:off x="0" y="0"/>
+          <a:ext cx="0" cy="0"/>
+          <a:chOff x="0" y="0"/>
+          <a:chExt cx="0" cy="0"/>
+        </a:xfrm>
+      </p:grpSpPr>
+      <p:sp>
+        <p:nvSpPr>
+          <p:cNvPr id="4" name="Rectangle 3">
+            <a:extLst>
+              <a:ext uri="{FF2B5EF4-FFF2-40B4-BE49-F238E27FC236}">
+                <a16:creationId xmlns:a16="http://schemas.microsoft.com/office/drawing/2014/main" id="{2058D325-366B-47E5-934D-FC405F65C783}"/>
+              </a:ext>
+            </a:extLst>
+          </p:cNvPr>
+          <p:cNvSpPr/>
+          <p:nvPr/>
+        </p:nvSpPr>
+        <p:spPr>
+          <a:xfrm>
+            <a:off x="2267839" y="2151727"/>
+            <a:ext cx="7208669" cy="2554545"/>
+          </a:xfrm>
+          <a:prstGeom prst="rect">
+            <a:avLst/>
+          </a:prstGeom>
+          <a:noFill/>
+        </p:spPr>
+        <p:txBody>
+          <a:bodyPr wrap="square" lIns="91440" tIns="45720" rIns="91440" bIns="45720">
+            <a:spAutoFit/>
+          </a:bodyPr>
+          <a:lstStyle/>
+          <a:p>
+            <a:pPr algn="ctr"/>
+            <a:r>
+              <a:rPr lang="en-US" sz="8000" b="1" cap="none" spc="0" dirty="0">
+                <a:ln w="9525">
+                  <a:solidFill>
+                    <a:schemeClr val="bg1"/>
+                  </a:solidFill>
+                  <a:prstDash val="solid"/>
+                </a:ln>
+                <a:solidFill>
+                  <a:schemeClr val="tx1"/>
+                </a:solidFill>
+                <a:effectLst>
+                  <a:outerShdw blurRad="12700" dist="38100" dir="2700000" algn="tl" rotWithShape="0">
+                    <a:schemeClr val="bg1">
+                      <a:lumMod val="50000"/>
+                    </a:schemeClr>
+                  </a:outerShdw>
+                </a:effectLst>
+              </a:rPr>
+              <a:t>Things that should work</a:t>
+            </a:r>
+          </a:p>
+        </p:txBody>
+      </p:sp>
+    </p:spTree>
+    <p:extLst>
+      <p:ext uri="{BB962C8B-B14F-4D97-AF65-F5344CB8AC3E}">
+        <p14:creationId xmlns:p14="http://schemas.microsoft.com/office/powerpoint/2010/main" val="1406536085"/>
+      </p:ext>
+    </p:extLst>
+  </p:cSld>
+  <p:clrMapOvr>
+    <a:masterClrMapping/>
+  </p:clrMapOvr>
+</p:sld>
+</file>
+
+<file path=ppt/slides/slide21.xml><?xml version="1.0" encoding="utf-8"?>
+<p:sld xmlns:a="http://schemas.openxmlformats.org/drawingml/2006/main" xmlns:r="http://schemas.openxmlformats.org/officeDocument/2006/relationships" xmlns:p="http://schemas.openxmlformats.org/presentationml/2006/main">
+  <p:cSld>
+    <p:spTree>
+      <p:nvGrpSpPr>
+        <p:cNvPr id="1" name=""/>
+        <p:cNvGrpSpPr/>
+        <p:nvPr/>
+      </p:nvGrpSpPr>
+      <p:grpSpPr>
+        <a:xfrm>
+          <a:off x="0" y="0"/>
+          <a:ext cx="0" cy="0"/>
+          <a:chOff x="0" y="0"/>
+          <a:chExt cx="0" cy="0"/>
+        </a:xfrm>
+      </p:grpSpPr>
+      <p:sp>
+        <p:nvSpPr>
+          <p:cNvPr id="4" name="Rectangle 3">
+            <a:extLst>
+              <a:ext uri="{FF2B5EF4-FFF2-40B4-BE49-F238E27FC236}">
+                <a16:creationId xmlns:a16="http://schemas.microsoft.com/office/drawing/2014/main" id="{2058D325-366B-47E5-934D-FC405F65C783}"/>
+              </a:ext>
+            </a:extLst>
+          </p:cNvPr>
+          <p:cNvSpPr/>
+          <p:nvPr/>
+        </p:nvSpPr>
+        <p:spPr>
+          <a:xfrm>
+            <a:off x="4025981" y="234049"/>
+            <a:ext cx="4302781" cy="1323439"/>
+          </a:xfrm>
+          <a:prstGeom prst="rect">
+            <a:avLst/>
+          </a:prstGeom>
+          <a:noFill/>
+        </p:spPr>
+        <p:txBody>
+          <a:bodyPr wrap="none" lIns="91440" tIns="45720" rIns="91440" bIns="45720">
+            <a:spAutoFit/>
+          </a:bodyPr>
+          <a:lstStyle/>
+          <a:p>
+            <a:pPr algn="ctr"/>
+            <a:r>
+              <a:rPr lang="en-US" sz="8000" b="1" dirty="0">
+                <a:ln w="9525">
+                  <a:solidFill>
+                    <a:schemeClr val="bg1"/>
+                  </a:solidFill>
+                  <a:prstDash val="solid"/>
+                </a:ln>
+                <a:effectLst>
+                  <a:outerShdw blurRad="12700" dist="38100" dir="2700000" algn="tl" rotWithShape="0">
+                    <a:schemeClr val="bg1">
+                      <a:lumMod val="50000"/>
+                    </a:schemeClr>
+                  </a:outerShdw>
+                </a:effectLst>
+              </a:rPr>
+              <a:t>Functions</a:t>
+            </a:r>
+            <a:endParaRPr lang="en-US" sz="8000" b="1" cap="none" spc="0" dirty="0">
+              <a:ln w="9525">
+                <a:solidFill>
+                  <a:schemeClr val="bg1"/>
+                </a:solidFill>
+                <a:prstDash val="solid"/>
+              </a:ln>
+              <a:solidFill>
+                <a:schemeClr val="tx1"/>
+              </a:solidFill>
+              <a:effectLst>
+                <a:outerShdw blurRad="12700" dist="38100" dir="2700000" algn="tl" rotWithShape="0">
+                  <a:schemeClr val="bg1">
+                    <a:lumMod val="50000"/>
+                  </a:schemeClr>
+                </a:outerShdw>
+              </a:effectLst>
+            </a:endParaRPr>
+          </a:p>
+        </p:txBody>
+      </p:sp>
+      <p:sp>
+        <p:nvSpPr>
+          <p:cNvPr id="5" name="Content Placeholder 2">
+            <a:extLst>
+              <a:ext uri="{FF2B5EF4-FFF2-40B4-BE49-F238E27FC236}">
+                <a16:creationId xmlns:a16="http://schemas.microsoft.com/office/drawing/2014/main" id="{93B4D857-0A6D-4657-913A-56C62D4776A0}"/>
+              </a:ext>
+            </a:extLst>
+          </p:cNvPr>
+          <p:cNvSpPr>
+            <a:spLocks noGrp="1"/>
+          </p:cNvSpPr>
+          <p:nvPr>
+            <p:ph idx="1"/>
+          </p:nvPr>
+        </p:nvSpPr>
+        <p:spPr>
+          <a:xfrm>
+            <a:off x="56060" y="1474861"/>
+            <a:ext cx="12079879" cy="3606274"/>
+          </a:xfrm>
+        </p:spPr>
+        <p:txBody>
+          <a:bodyPr>
+            <a:noAutofit/>
+          </a:bodyPr>
+          <a:lstStyle/>
+          <a:p>
+            <a:pPr lvl="2"/>
+            <a:r>
+              <a:rPr lang="en-GB" sz="3200" dirty="0"/>
+              <a:t>If a function takes another function, we have problems.</a:t>
+            </a:r>
+          </a:p>
+        </p:txBody>
+      </p:sp>
+      <p:pic>
+        <p:nvPicPr>
+          <p:cNvPr id="2" name="Picture 1">
+            <a:extLst>
+              <a:ext uri="{FF2B5EF4-FFF2-40B4-BE49-F238E27FC236}">
+                <a16:creationId xmlns:a16="http://schemas.microsoft.com/office/drawing/2014/main" id="{4B12C3D0-84DD-4FF2-9304-D78399739978}"/>
+              </a:ext>
+            </a:extLst>
+          </p:cNvPr>
+          <p:cNvPicPr>
+            <a:picLocks noChangeAspect="1"/>
+          </p:cNvPicPr>
+          <p:nvPr/>
+        </p:nvPicPr>
+        <p:blipFill>
+          <a:blip r:embed="rId2"/>
+          <a:stretch>
+            <a:fillRect/>
+          </a:stretch>
+        </p:blipFill>
+        <p:spPr>
+          <a:xfrm>
+            <a:off x="3459858" y="2258965"/>
+            <a:ext cx="5272283" cy="755754"/>
+          </a:xfrm>
+          <a:prstGeom prst="rect">
+            <a:avLst/>
+          </a:prstGeom>
+        </p:spPr>
+      </p:pic>
+      <p:pic>
+        <p:nvPicPr>
+          <p:cNvPr id="3" name="Picture 2">
+            <a:extLst>
+              <a:ext uri="{FF2B5EF4-FFF2-40B4-BE49-F238E27FC236}">
+                <a16:creationId xmlns:a16="http://schemas.microsoft.com/office/drawing/2014/main" id="{41C816C2-66CD-42DB-98F4-30286669C49D}"/>
+              </a:ext>
+            </a:extLst>
+          </p:cNvPr>
+          <p:cNvPicPr>
+            <a:picLocks noChangeAspect="1"/>
+          </p:cNvPicPr>
+          <p:nvPr/>
+        </p:nvPicPr>
+        <p:blipFill>
+          <a:blip r:embed="rId3"/>
+          <a:stretch>
+            <a:fillRect/>
+          </a:stretch>
+        </p:blipFill>
+        <p:spPr>
+          <a:xfrm>
+            <a:off x="1625652" y="3843281"/>
+            <a:ext cx="8940695" cy="454909"/>
+          </a:xfrm>
+          <a:prstGeom prst="rect">
+            <a:avLst/>
+          </a:prstGeom>
+        </p:spPr>
+      </p:pic>
+      <p:pic>
+        <p:nvPicPr>
+          <p:cNvPr id="6" name="Picture 5">
+            <a:extLst>
+              <a:ext uri="{FF2B5EF4-FFF2-40B4-BE49-F238E27FC236}">
+                <a16:creationId xmlns:a16="http://schemas.microsoft.com/office/drawing/2014/main" id="{FACBDA95-A5DC-44EF-9707-4FC5DCBBAD3D}"/>
+              </a:ext>
+            </a:extLst>
+          </p:cNvPr>
+          <p:cNvPicPr>
+            <a:picLocks noChangeAspect="1"/>
+          </p:cNvPicPr>
+          <p:nvPr/>
+        </p:nvPicPr>
+        <p:blipFill>
+          <a:blip r:embed="rId4"/>
+          <a:stretch>
+            <a:fillRect/>
+          </a:stretch>
+        </p:blipFill>
+        <p:spPr>
+          <a:xfrm>
+            <a:off x="68980" y="4702474"/>
+            <a:ext cx="12054037" cy="378661"/>
+          </a:xfrm>
+          <a:prstGeom prst="rect">
+            <a:avLst/>
+          </a:prstGeom>
+        </p:spPr>
+      </p:pic>
+    </p:spTree>
+    <p:extLst>
+      <p:ext uri="{BB962C8B-B14F-4D97-AF65-F5344CB8AC3E}">
+        <p14:creationId xmlns:p14="http://schemas.microsoft.com/office/powerpoint/2010/main" val="197899440"/>
+      </p:ext>
+    </p:extLst>
+  </p:cSld>
+  <p:clrMapOvr>
+    <a:masterClrMapping/>
+  </p:clrMapOvr>
+  <p:timing>
+    <p:tnLst>
+      <p:par>
+        <p:cTn id="1" dur="indefinite" restart="never" nodeType="tmRoot">
+          <p:childTnLst>
+            <p:seq concurrent="1" nextAc="seek">
+              <p:cTn id="2" dur="indefinite" nodeType="mainSeq">
+                <p:childTnLst>
+                  <p:par>
+                    <p:cTn id="3" fill="hold">
+                      <p:stCondLst>
+                        <p:cond delay="indefinite"/>
+                      </p:stCondLst>
+                      <p:childTnLst>
+                        <p:par>
+                          <p:cTn id="4" fill="hold">
+                            <p:stCondLst>
+                              <p:cond delay="0"/>
+                            </p:stCondLst>
+                            <p:childTnLst>
+                              <p:par>
+                                <p:cTn id="5" presetID="1" presetClass="entr" presetSubtype="0" fill="hold" nodeType="clickEffect">
+                                  <p:stCondLst>
+                                    <p:cond delay="0"/>
+                                  </p:stCondLst>
+                                  <p:childTnLst>
+                                    <p:set>
+                                      <p:cBhvr>
+                                        <p:cTn id="6" dur="1" fill="hold">
+                                          <p:stCondLst>
+                                            <p:cond delay="0"/>
+                                          </p:stCondLst>
+                                        </p:cTn>
+                                        <p:tgtEl>
+                                          <p:spTgt spid="2"/>
+                                        </p:tgtEl>
+                                        <p:attrNameLst>
+                                          <p:attrName>style.visibility</p:attrName>
+                                        </p:attrNameLst>
+                                      </p:cBhvr>
+                                      <p:to>
+                                        <p:strVal val="visible"/>
+                                      </p:to>
+                                    </p:set>
+                                  </p:childTnLst>
+                                </p:cTn>
+                              </p:par>
+                            </p:childTnLst>
+                          </p:cTn>
+                        </p:par>
+                      </p:childTnLst>
+                    </p:cTn>
+                  </p:par>
+                  <p:par>
+                    <p:cTn id="7" fill="hold">
+                      <p:stCondLst>
+                        <p:cond delay="indefinite"/>
+                      </p:stCondLst>
+                      <p:childTnLst>
+                        <p:par>
+                          <p:cTn id="8" fill="hold">
+                            <p:stCondLst>
+                              <p:cond delay="0"/>
+                            </p:stCondLst>
+                            <p:childTnLst>
+                              <p:par>
+                                <p:cTn id="9" presetID="1" presetClass="entr" presetSubtype="0" fill="hold" nodeType="clickEffect">
+                                  <p:stCondLst>
+                                    <p:cond delay="0"/>
+                                  </p:stCondLst>
+                                  <p:childTnLst>
+                                    <p:set>
+                                      <p:cBhvr>
+                                        <p:cTn id="10" dur="1" fill="hold">
+                                          <p:stCondLst>
+                                            <p:cond delay="0"/>
+                                          </p:stCondLst>
+                                        </p:cTn>
+                                        <p:tgtEl>
+                                          <p:spTgt spid="3"/>
+                                        </p:tgtEl>
+                                        <p:attrNameLst>
+                                          <p:attrName>style.visibility</p:attrName>
+                                        </p:attrNameLst>
+                                      </p:cBhvr>
+                                      <p:to>
+                                        <p:strVal val="visible"/>
+                                      </p:to>
+                                    </p:set>
+                                  </p:childTnLst>
+                                </p:cTn>
+                              </p:par>
+                            </p:childTnLst>
+                          </p:cTn>
+                        </p:par>
+                      </p:childTnLst>
+                    </p:cTn>
+                  </p:par>
+                  <p:par>
+                    <p:cTn id="11" fill="hold">
+                      <p:stCondLst>
+                        <p:cond delay="indefinite"/>
+                      </p:stCondLst>
+                      <p:childTnLst>
+                        <p:par>
+                          <p:cTn id="12" fill="hold">
+                            <p:stCondLst>
+                              <p:cond delay="0"/>
+                            </p:stCondLst>
+                            <p:childTnLst>
+                              <p:par>
+                                <p:cTn id="13" presetID="1" presetClass="entr" presetSubtype="0" fill="hold" nodeType="clickEffect">
+                                  <p:stCondLst>
+                                    <p:cond delay="0"/>
+                                  </p:stCondLst>
+                                  <p:childTnLst>
+                                    <p:set>
+                                      <p:cBhvr>
+                                        <p:cTn id="14" dur="1" fill="hold">
+                                          <p:stCondLst>
+                                            <p:cond delay="0"/>
+                                          </p:stCondLst>
+                                        </p:cTn>
+                                        <p:tgtEl>
+                                          <p:spTgt spid="6"/>
+                                        </p:tgtEl>
+                                        <p:attrNameLst>
+                                          <p:attrName>style.visibility</p:attrName>
+                                        </p:attrNameLst>
+                                      </p:cBhvr>
+                                      <p:to>
+                                        <p:strVal val="visible"/>
+                                      </p:to>
+                                    </p:set>
+                                  </p:childTnLst>
+                                </p:cTn>
+                              </p:par>
+                            </p:childTnLst>
+                          </p:cTn>
+                        </p:par>
+                      </p:childTnLst>
+                    </p:cTn>
+                  </p:par>
+                </p:childTnLst>
+              </p:cTn>
+              <p:prevCondLst>
+                <p:cond evt="onPrev" delay="0">
+                  <p:tgtEl>
+                    <p:sldTgt/>
+                  </p:tgtEl>
+                </p:cond>
+              </p:prevCondLst>
+              <p:nextCondLst>
+                <p:cond evt="onNext" delay="0">
+                  <p:tgtEl>
+                    <p:sldTgt/>
+                  </p:tgtEl>
+                </p:cond>
+              </p:nextCondLst>
+            </p:seq>
+          </p:childTnLst>
+        </p:cTn>
+      </p:par>
+    </p:tnLst>
+  </p:timing>
+</p:sld>
+</file>
+
+<file path=ppt/slides/slide22.xml><?xml version="1.0" encoding="utf-8"?>
+<p:sld xmlns:a="http://schemas.openxmlformats.org/drawingml/2006/main" xmlns:r="http://schemas.openxmlformats.org/officeDocument/2006/relationships" xmlns:p="http://schemas.openxmlformats.org/presentationml/2006/main">
+  <p:cSld>
+    <p:spTree>
+      <p:nvGrpSpPr>
+        <p:cNvPr id="1" name=""/>
+        <p:cNvGrpSpPr/>
+        <p:nvPr/>
+      </p:nvGrpSpPr>
+      <p:grpSpPr>
+        <a:xfrm>
+          <a:off x="0" y="0"/>
+          <a:ext cx="0" cy="0"/>
+          <a:chOff x="0" y="0"/>
+          <a:chExt cx="0" cy="0"/>
+        </a:xfrm>
+      </p:grpSpPr>
+      <p:sp>
+        <p:nvSpPr>
+          <p:cNvPr id="4" name="Rectangle 3">
+            <a:extLst>
+              <a:ext uri="{FF2B5EF4-FFF2-40B4-BE49-F238E27FC236}">
+                <a16:creationId xmlns:a16="http://schemas.microsoft.com/office/drawing/2014/main" id="{2058D325-366B-47E5-934D-FC405F65C783}"/>
+              </a:ext>
+            </a:extLst>
+          </p:cNvPr>
+          <p:cNvSpPr/>
+          <p:nvPr/>
+        </p:nvSpPr>
+        <p:spPr>
+          <a:xfrm>
+            <a:off x="3938172" y="234049"/>
+            <a:ext cx="4478405" cy="1323439"/>
+          </a:xfrm>
+          <a:prstGeom prst="rect">
+            <a:avLst/>
+          </a:prstGeom>
+          <a:noFill/>
+        </p:spPr>
+        <p:txBody>
+          <a:bodyPr wrap="none" lIns="91440" tIns="45720" rIns="91440" bIns="45720">
+            <a:spAutoFit/>
+          </a:bodyPr>
+          <a:lstStyle/>
+          <a:p>
+            <a:pPr algn="ctr"/>
+            <a:r>
+              <a:rPr lang="en-US" sz="8000" b="1" dirty="0">
+                <a:ln w="9525">
+                  <a:solidFill>
+                    <a:schemeClr val="bg1"/>
+                  </a:solidFill>
+                  <a:prstDash val="solid"/>
+                </a:ln>
+                <a:effectLst>
+                  <a:outerShdw blurRad="12700" dist="38100" dir="2700000" algn="tl" rotWithShape="0">
+                    <a:schemeClr val="bg1">
+                      <a:lumMod val="50000"/>
+                    </a:schemeClr>
+                  </a:outerShdw>
+                </a:effectLst>
+              </a:rPr>
+              <a:t>Resources</a:t>
+            </a:r>
+            <a:endParaRPr lang="en-US" sz="8000" b="1" cap="none" spc="0" dirty="0">
+              <a:ln w="9525">
+                <a:solidFill>
+                  <a:schemeClr val="bg1"/>
+                </a:solidFill>
+                <a:prstDash val="solid"/>
+              </a:ln>
+              <a:solidFill>
+                <a:schemeClr val="tx1"/>
+              </a:solidFill>
+              <a:effectLst>
+                <a:outerShdw blurRad="12700" dist="38100" dir="2700000" algn="tl" rotWithShape="0">
+                  <a:schemeClr val="bg1">
+                    <a:lumMod val="50000"/>
+                  </a:schemeClr>
+                </a:outerShdw>
+              </a:effectLst>
+            </a:endParaRPr>
+          </a:p>
+        </p:txBody>
+      </p:sp>
+      <p:sp>
+        <p:nvSpPr>
+          <p:cNvPr id="5" name="Content Placeholder 2">
+            <a:extLst>
+              <a:ext uri="{FF2B5EF4-FFF2-40B4-BE49-F238E27FC236}">
+                <a16:creationId xmlns:a16="http://schemas.microsoft.com/office/drawing/2014/main" id="{93B4D857-0A6D-4657-913A-56C62D4776A0}"/>
+              </a:ext>
+            </a:extLst>
+          </p:cNvPr>
+          <p:cNvSpPr>
+            <a:spLocks noGrp="1"/>
+          </p:cNvSpPr>
+          <p:nvPr>
+            <p:ph idx="1"/>
+          </p:nvPr>
+        </p:nvSpPr>
+        <p:spPr>
+          <a:xfrm>
+            <a:off x="56060" y="1474861"/>
+            <a:ext cx="12079879" cy="3606274"/>
+          </a:xfrm>
+        </p:spPr>
+        <p:txBody>
+          <a:bodyPr>
+            <a:noAutofit/>
+          </a:bodyPr>
+          <a:lstStyle/>
+          <a:p>
+            <a:pPr lvl="2"/>
+            <a:r>
+              <a:rPr lang="en-GB" sz="3200" dirty="0">
+                <a:hlinkClick r:id="rId2"/>
+              </a:rPr>
+              <a:t>https://parkeradam.home.blog/</a:t>
+            </a:r>
+          </a:p>
+          <a:p>
+            <a:pPr lvl="2"/>
+            <a:endParaRPr lang="en-GB" sz="3200" dirty="0">
+              <a:hlinkClick r:id="rId2"/>
+            </a:endParaRPr>
+          </a:p>
+          <a:p>
+            <a:pPr lvl="2"/>
+            <a:r>
+              <a:rPr lang="en-GB" sz="3200" dirty="0">
+                <a:hlinkClick r:id="rId2"/>
+              </a:rPr>
+              <a:t>https://connelhooley.uk/blog/2017/04/30/f-sharp-to-c-sharp#discriminated-unions</a:t>
+            </a:r>
+            <a:endParaRPr lang="en-GB" sz="3200" dirty="0"/>
+          </a:p>
+          <a:p>
+            <a:pPr lvl="2"/>
+            <a:endParaRPr lang="en-GB" sz="3200" dirty="0"/>
+          </a:p>
+          <a:p>
+            <a:pPr lvl="2"/>
+            <a:r>
+              <a:rPr lang="en-GB" sz="3200" dirty="0">
+                <a:hlinkClick r:id="rId3"/>
+              </a:rPr>
+              <a:t>https://sharplab.io</a:t>
+            </a:r>
+            <a:endParaRPr lang="en-GB" sz="3200" dirty="0"/>
+          </a:p>
+          <a:p>
+            <a:pPr lvl="2"/>
+            <a:endParaRPr lang="en-GB" sz="3200" dirty="0"/>
+          </a:p>
+        </p:txBody>
+      </p:sp>
+    </p:spTree>
+    <p:extLst>
+      <p:ext uri="{BB962C8B-B14F-4D97-AF65-F5344CB8AC3E}">
+        <p14:creationId xmlns:p14="http://schemas.microsoft.com/office/powerpoint/2010/main" val="3620129643"/>
       </p:ext>
     </p:extLst>
   </p:cSld>

--- a/DotnetInteropSlides.pptx
+++ b/DotnetInteropSlides.pptx
@@ -4,29 +4,36 @@
   <p:sldMasterIdLst>
     <p:sldMasterId id="2147483648" r:id="rId1"/>
   </p:sldMasterIdLst>
+  <p:notesMasterIdLst>
+    <p:notesMasterId r:id="rId28"/>
+  </p:notesMasterIdLst>
   <p:sldIdLst>
-    <p:sldId id="256" r:id="rId2"/>
-    <p:sldId id="258" r:id="rId3"/>
-    <p:sldId id="257" r:id="rId4"/>
-    <p:sldId id="261" r:id="rId5"/>
-    <p:sldId id="259" r:id="rId6"/>
-    <p:sldId id="260" r:id="rId7"/>
-    <p:sldId id="262" r:id="rId8"/>
-    <p:sldId id="263" r:id="rId9"/>
-    <p:sldId id="264" r:id="rId10"/>
-    <p:sldId id="265" r:id="rId11"/>
-    <p:sldId id="266" r:id="rId12"/>
-    <p:sldId id="267" r:id="rId13"/>
-    <p:sldId id="268" r:id="rId14"/>
-    <p:sldId id="269" r:id="rId15"/>
-    <p:sldId id="270" r:id="rId16"/>
-    <p:sldId id="271" r:id="rId17"/>
-    <p:sldId id="272" r:id="rId18"/>
-    <p:sldId id="273" r:id="rId19"/>
-    <p:sldId id="274" r:id="rId20"/>
-    <p:sldId id="275" r:id="rId21"/>
-    <p:sldId id="276" r:id="rId22"/>
-    <p:sldId id="277" r:id="rId23"/>
+    <p:sldId id="278" r:id="rId2"/>
+    <p:sldId id="256" r:id="rId3"/>
+    <p:sldId id="258" r:id="rId4"/>
+    <p:sldId id="257" r:id="rId5"/>
+    <p:sldId id="261" r:id="rId6"/>
+    <p:sldId id="259" r:id="rId7"/>
+    <p:sldId id="260" r:id="rId8"/>
+    <p:sldId id="279" r:id="rId9"/>
+    <p:sldId id="262" r:id="rId10"/>
+    <p:sldId id="263" r:id="rId11"/>
+    <p:sldId id="264" r:id="rId12"/>
+    <p:sldId id="265" r:id="rId13"/>
+    <p:sldId id="266" r:id="rId14"/>
+    <p:sldId id="267" r:id="rId15"/>
+    <p:sldId id="268" r:id="rId16"/>
+    <p:sldId id="269" r:id="rId17"/>
+    <p:sldId id="270" r:id="rId18"/>
+    <p:sldId id="271" r:id="rId19"/>
+    <p:sldId id="272" r:id="rId20"/>
+    <p:sldId id="273" r:id="rId21"/>
+    <p:sldId id="274" r:id="rId22"/>
+    <p:sldId id="275" r:id="rId23"/>
+    <p:sldId id="276" r:id="rId24"/>
+    <p:sldId id="280" r:id="rId25"/>
+    <p:sldId id="281" r:id="rId26"/>
+    <p:sldId id="277" r:id="rId27"/>
   </p:sldIdLst>
   <p:sldSz cx="12192000" cy="6858000"/>
   <p:notesSz cx="6858000" cy="9144000"/>
@@ -133,6 +140,443 @@
 </p:presentation>
 </file>
 
+<file path=ppt/notesMasters/notesMaster1.xml><?xml version="1.0" encoding="utf-8"?>
+<p:notesMaster xmlns:a="http://schemas.openxmlformats.org/drawingml/2006/main" xmlns:r="http://schemas.openxmlformats.org/officeDocument/2006/relationships" xmlns:p="http://schemas.openxmlformats.org/presentationml/2006/main">
+  <p:cSld>
+    <p:bg>
+      <p:bgRef idx="1001">
+        <a:schemeClr val="bg1"/>
+      </p:bgRef>
+    </p:bg>
+    <p:spTree>
+      <p:nvGrpSpPr>
+        <p:cNvPr id="1" name=""/>
+        <p:cNvGrpSpPr/>
+        <p:nvPr/>
+      </p:nvGrpSpPr>
+      <p:grpSpPr>
+        <a:xfrm>
+          <a:off x="0" y="0"/>
+          <a:ext cx="0" cy="0"/>
+          <a:chOff x="0" y="0"/>
+          <a:chExt cx="0" cy="0"/>
+        </a:xfrm>
+      </p:grpSpPr>
+      <p:sp>
+        <p:nvSpPr>
+          <p:cNvPr id="2" name="Header Placeholder 1"/>
+          <p:cNvSpPr>
+            <a:spLocks noGrp="1"/>
+          </p:cNvSpPr>
+          <p:nvPr>
+            <p:ph type="hdr" sz="quarter"/>
+          </p:nvPr>
+        </p:nvSpPr>
+        <p:spPr>
+          <a:xfrm>
+            <a:off x="0" y="0"/>
+            <a:ext cx="2971800" cy="458788"/>
+          </a:xfrm>
+          <a:prstGeom prst="rect">
+            <a:avLst/>
+          </a:prstGeom>
+        </p:spPr>
+        <p:txBody>
+          <a:bodyPr vert="horz" lIns="91440" tIns="45720" rIns="91440" bIns="45720" rtlCol="0"/>
+          <a:lstStyle>
+            <a:lvl1pPr algn="l">
+              <a:defRPr sz="1200"/>
+            </a:lvl1pPr>
+          </a:lstStyle>
+          <a:p>
+            <a:endParaRPr lang="en-GB"/>
+          </a:p>
+        </p:txBody>
+      </p:sp>
+      <p:sp>
+        <p:nvSpPr>
+          <p:cNvPr id="3" name="Date Placeholder 2"/>
+          <p:cNvSpPr>
+            <a:spLocks noGrp="1"/>
+          </p:cNvSpPr>
+          <p:nvPr>
+            <p:ph type="dt" idx="1"/>
+          </p:nvPr>
+        </p:nvSpPr>
+        <p:spPr>
+          <a:xfrm>
+            <a:off x="3884613" y="0"/>
+            <a:ext cx="2971800" cy="458788"/>
+          </a:xfrm>
+          <a:prstGeom prst="rect">
+            <a:avLst/>
+          </a:prstGeom>
+        </p:spPr>
+        <p:txBody>
+          <a:bodyPr vert="horz" lIns="91440" tIns="45720" rIns="91440" bIns="45720" rtlCol="0"/>
+          <a:lstStyle>
+            <a:lvl1pPr algn="r">
+              <a:defRPr sz="1200"/>
+            </a:lvl1pPr>
+          </a:lstStyle>
+          <a:p>
+            <a:fld id="{3A9430ED-D8A4-4B93-BDB4-88BDE87906A2}" type="datetimeFigureOut">
+              <a:rPr lang="en-GB" smtClean="0"/>
+              <a:t>20/07/2020</a:t>
+            </a:fld>
+            <a:endParaRPr lang="en-GB"/>
+          </a:p>
+        </p:txBody>
+      </p:sp>
+      <p:sp>
+        <p:nvSpPr>
+          <p:cNvPr id="4" name="Slide Image Placeholder 3"/>
+          <p:cNvSpPr>
+            <a:spLocks noGrp="1" noRot="1" noChangeAspect="1"/>
+          </p:cNvSpPr>
+          <p:nvPr>
+            <p:ph type="sldImg" idx="2"/>
+          </p:nvPr>
+        </p:nvSpPr>
+        <p:spPr>
+          <a:xfrm>
+            <a:off x="685800" y="1143000"/>
+            <a:ext cx="5486400" cy="3086100"/>
+          </a:xfrm>
+          <a:prstGeom prst="rect">
+            <a:avLst/>
+          </a:prstGeom>
+          <a:noFill/>
+          <a:ln w="12700">
+            <a:solidFill>
+              <a:prstClr val="black"/>
+            </a:solidFill>
+          </a:ln>
+        </p:spPr>
+        <p:txBody>
+          <a:bodyPr vert="horz" lIns="91440" tIns="45720" rIns="91440" bIns="45720" rtlCol="0" anchor="ctr"/>
+          <a:lstStyle/>
+          <a:p>
+            <a:endParaRPr lang="en-GB"/>
+          </a:p>
+        </p:txBody>
+      </p:sp>
+      <p:sp>
+        <p:nvSpPr>
+          <p:cNvPr id="5" name="Notes Placeholder 4"/>
+          <p:cNvSpPr>
+            <a:spLocks noGrp="1"/>
+          </p:cNvSpPr>
+          <p:nvPr>
+            <p:ph type="body" sz="quarter" idx="3"/>
+          </p:nvPr>
+        </p:nvSpPr>
+        <p:spPr>
+          <a:xfrm>
+            <a:off x="685800" y="4400550"/>
+            <a:ext cx="5486400" cy="3600450"/>
+          </a:xfrm>
+          <a:prstGeom prst="rect">
+            <a:avLst/>
+          </a:prstGeom>
+        </p:spPr>
+        <p:txBody>
+          <a:bodyPr vert="horz" lIns="91440" tIns="45720" rIns="91440" bIns="45720" rtlCol="0"/>
+          <a:lstStyle/>
+          <a:p>
+            <a:pPr lvl="0"/>
+            <a:r>
+              <a:rPr lang="en-US"/>
+              <a:t>Click to edit Master text styles</a:t>
+            </a:r>
+          </a:p>
+          <a:p>
+            <a:pPr lvl="1"/>
+            <a:r>
+              <a:rPr lang="en-US"/>
+              <a:t>Second level</a:t>
+            </a:r>
+          </a:p>
+          <a:p>
+            <a:pPr lvl="2"/>
+            <a:r>
+              <a:rPr lang="en-US"/>
+              <a:t>Third level</a:t>
+            </a:r>
+          </a:p>
+          <a:p>
+            <a:pPr lvl="3"/>
+            <a:r>
+              <a:rPr lang="en-US"/>
+              <a:t>Fourth level</a:t>
+            </a:r>
+          </a:p>
+          <a:p>
+            <a:pPr lvl="4"/>
+            <a:r>
+              <a:rPr lang="en-US"/>
+              <a:t>Fifth level</a:t>
+            </a:r>
+            <a:endParaRPr lang="en-GB"/>
+          </a:p>
+        </p:txBody>
+      </p:sp>
+      <p:sp>
+        <p:nvSpPr>
+          <p:cNvPr id="6" name="Footer Placeholder 5"/>
+          <p:cNvSpPr>
+            <a:spLocks noGrp="1"/>
+          </p:cNvSpPr>
+          <p:nvPr>
+            <p:ph type="ftr" sz="quarter" idx="4"/>
+          </p:nvPr>
+        </p:nvSpPr>
+        <p:spPr>
+          <a:xfrm>
+            <a:off x="0" y="8685213"/>
+            <a:ext cx="2971800" cy="458787"/>
+          </a:xfrm>
+          <a:prstGeom prst="rect">
+            <a:avLst/>
+          </a:prstGeom>
+        </p:spPr>
+        <p:txBody>
+          <a:bodyPr vert="horz" lIns="91440" tIns="45720" rIns="91440" bIns="45720" rtlCol="0" anchor="b"/>
+          <a:lstStyle>
+            <a:lvl1pPr algn="l">
+              <a:defRPr sz="1200"/>
+            </a:lvl1pPr>
+          </a:lstStyle>
+          <a:p>
+            <a:endParaRPr lang="en-GB"/>
+          </a:p>
+        </p:txBody>
+      </p:sp>
+      <p:sp>
+        <p:nvSpPr>
+          <p:cNvPr id="7" name="Slide Number Placeholder 6"/>
+          <p:cNvSpPr>
+            <a:spLocks noGrp="1"/>
+          </p:cNvSpPr>
+          <p:nvPr>
+            <p:ph type="sldNum" sz="quarter" idx="5"/>
+          </p:nvPr>
+        </p:nvSpPr>
+        <p:spPr>
+          <a:xfrm>
+            <a:off x="3884613" y="8685213"/>
+            <a:ext cx="2971800" cy="458787"/>
+          </a:xfrm>
+          <a:prstGeom prst="rect">
+            <a:avLst/>
+          </a:prstGeom>
+        </p:spPr>
+        <p:txBody>
+          <a:bodyPr vert="horz" lIns="91440" tIns="45720" rIns="91440" bIns="45720" rtlCol="0" anchor="b"/>
+          <a:lstStyle>
+            <a:lvl1pPr algn="r">
+              <a:defRPr sz="1200"/>
+            </a:lvl1pPr>
+          </a:lstStyle>
+          <a:p>
+            <a:fld id="{00C9A423-C583-4D09-B96B-E0B85E6803AD}" type="slidenum">
+              <a:rPr lang="en-GB" smtClean="0"/>
+              <a:t>‹#›</a:t>
+            </a:fld>
+            <a:endParaRPr lang="en-GB"/>
+          </a:p>
+        </p:txBody>
+      </p:sp>
+    </p:spTree>
+    <p:extLst>
+      <p:ext uri="{BB962C8B-B14F-4D97-AF65-F5344CB8AC3E}">
+        <p14:creationId xmlns:p14="http://schemas.microsoft.com/office/powerpoint/2010/main" val="40652797"/>
+      </p:ext>
+    </p:extLst>
+  </p:cSld>
+  <p:clrMap bg1="lt1" tx1="dk1" bg2="lt2" tx2="dk2" accent1="accent1" accent2="accent2" accent3="accent3" accent4="accent4" accent5="accent5" accent6="accent6" hlink="hlink" folHlink="folHlink"/>
+  <p:notesStyle>
+    <a:lvl1pPr marL="0" algn="l" defTabSz="914400" rtl="0" eaLnBrk="1" latinLnBrk="0" hangingPunct="1">
+      <a:defRPr sz="1200" kern="1200">
+        <a:solidFill>
+          <a:schemeClr val="tx1"/>
+        </a:solidFill>
+        <a:latin typeface="+mn-lt"/>
+        <a:ea typeface="+mn-ea"/>
+        <a:cs typeface="+mn-cs"/>
+      </a:defRPr>
+    </a:lvl1pPr>
+    <a:lvl2pPr marL="457200" algn="l" defTabSz="914400" rtl="0" eaLnBrk="1" latinLnBrk="0" hangingPunct="1">
+      <a:defRPr sz="1200" kern="1200">
+        <a:solidFill>
+          <a:schemeClr val="tx1"/>
+        </a:solidFill>
+        <a:latin typeface="+mn-lt"/>
+        <a:ea typeface="+mn-ea"/>
+        <a:cs typeface="+mn-cs"/>
+      </a:defRPr>
+    </a:lvl2pPr>
+    <a:lvl3pPr marL="914400" algn="l" defTabSz="914400" rtl="0" eaLnBrk="1" latinLnBrk="0" hangingPunct="1">
+      <a:defRPr sz="1200" kern="1200">
+        <a:solidFill>
+          <a:schemeClr val="tx1"/>
+        </a:solidFill>
+        <a:latin typeface="+mn-lt"/>
+        <a:ea typeface="+mn-ea"/>
+        <a:cs typeface="+mn-cs"/>
+      </a:defRPr>
+    </a:lvl3pPr>
+    <a:lvl4pPr marL="1371600" algn="l" defTabSz="914400" rtl="0" eaLnBrk="1" latinLnBrk="0" hangingPunct="1">
+      <a:defRPr sz="1200" kern="1200">
+        <a:solidFill>
+          <a:schemeClr val="tx1"/>
+        </a:solidFill>
+        <a:latin typeface="+mn-lt"/>
+        <a:ea typeface="+mn-ea"/>
+        <a:cs typeface="+mn-cs"/>
+      </a:defRPr>
+    </a:lvl4pPr>
+    <a:lvl5pPr marL="1828800" algn="l" defTabSz="914400" rtl="0" eaLnBrk="1" latinLnBrk="0" hangingPunct="1">
+      <a:defRPr sz="1200" kern="1200">
+        <a:solidFill>
+          <a:schemeClr val="tx1"/>
+        </a:solidFill>
+        <a:latin typeface="+mn-lt"/>
+        <a:ea typeface="+mn-ea"/>
+        <a:cs typeface="+mn-cs"/>
+      </a:defRPr>
+    </a:lvl5pPr>
+    <a:lvl6pPr marL="2286000" algn="l" defTabSz="914400" rtl="0" eaLnBrk="1" latinLnBrk="0" hangingPunct="1">
+      <a:defRPr sz="1200" kern="1200">
+        <a:solidFill>
+          <a:schemeClr val="tx1"/>
+        </a:solidFill>
+        <a:latin typeface="+mn-lt"/>
+        <a:ea typeface="+mn-ea"/>
+        <a:cs typeface="+mn-cs"/>
+      </a:defRPr>
+    </a:lvl6pPr>
+    <a:lvl7pPr marL="2743200" algn="l" defTabSz="914400" rtl="0" eaLnBrk="1" latinLnBrk="0" hangingPunct="1">
+      <a:defRPr sz="1200" kern="1200">
+        <a:solidFill>
+          <a:schemeClr val="tx1"/>
+        </a:solidFill>
+        <a:latin typeface="+mn-lt"/>
+        <a:ea typeface="+mn-ea"/>
+        <a:cs typeface="+mn-cs"/>
+      </a:defRPr>
+    </a:lvl7pPr>
+    <a:lvl8pPr marL="3200400" algn="l" defTabSz="914400" rtl="0" eaLnBrk="1" latinLnBrk="0" hangingPunct="1">
+      <a:defRPr sz="1200" kern="1200">
+        <a:solidFill>
+          <a:schemeClr val="tx1"/>
+        </a:solidFill>
+        <a:latin typeface="+mn-lt"/>
+        <a:ea typeface="+mn-ea"/>
+        <a:cs typeface="+mn-cs"/>
+      </a:defRPr>
+    </a:lvl8pPr>
+    <a:lvl9pPr marL="3657600" algn="l" defTabSz="914400" rtl="0" eaLnBrk="1" latinLnBrk="0" hangingPunct="1">
+      <a:defRPr sz="1200" kern="1200">
+        <a:solidFill>
+          <a:schemeClr val="tx1"/>
+        </a:solidFill>
+        <a:latin typeface="+mn-lt"/>
+        <a:ea typeface="+mn-ea"/>
+        <a:cs typeface="+mn-cs"/>
+      </a:defRPr>
+    </a:lvl9pPr>
+  </p:notesStyle>
+</p:notesMaster>
+</file>
+
+<file path=ppt/notesSlides/notesSlide1.xml><?xml version="1.0" encoding="utf-8"?>
+<p:notes xmlns:a="http://schemas.openxmlformats.org/drawingml/2006/main" xmlns:r="http://schemas.openxmlformats.org/officeDocument/2006/relationships" xmlns:p="http://schemas.openxmlformats.org/presentationml/2006/main">
+  <p:cSld>
+    <p:spTree>
+      <p:nvGrpSpPr>
+        <p:cNvPr id="1" name=""/>
+        <p:cNvGrpSpPr/>
+        <p:nvPr/>
+      </p:nvGrpSpPr>
+      <p:grpSpPr>
+        <a:xfrm>
+          <a:off x="0" y="0"/>
+          <a:ext cx="0" cy="0"/>
+          <a:chOff x="0" y="0"/>
+          <a:chExt cx="0" cy="0"/>
+        </a:xfrm>
+      </p:grpSpPr>
+      <p:sp>
+        <p:nvSpPr>
+          <p:cNvPr id="2" name="Slide Image Placeholder 1"/>
+          <p:cNvSpPr>
+            <a:spLocks noGrp="1" noRot="1" noChangeAspect="1"/>
+          </p:cNvSpPr>
+          <p:nvPr>
+            <p:ph type="sldImg"/>
+          </p:nvPr>
+        </p:nvSpPr>
+        <p:spPr/>
+      </p:sp>
+      <p:sp>
+        <p:nvSpPr>
+          <p:cNvPr id="3" name="Notes Placeholder 2"/>
+          <p:cNvSpPr>
+            <a:spLocks noGrp="1"/>
+          </p:cNvSpPr>
+          <p:nvPr>
+            <p:ph type="body" idx="1"/>
+          </p:nvPr>
+        </p:nvSpPr>
+        <p:spPr/>
+        <p:txBody>
+          <a:bodyPr/>
+          <a:lstStyle/>
+          <a:p>
+            <a:r>
+              <a:rPr lang="en-GB" dirty="0"/>
+              <a:t>Both 17, VB could be crushed down to 12</a:t>
+            </a:r>
+          </a:p>
+        </p:txBody>
+      </p:sp>
+      <p:sp>
+        <p:nvSpPr>
+          <p:cNvPr id="4" name="Slide Number Placeholder 3"/>
+          <p:cNvSpPr>
+            <a:spLocks noGrp="1"/>
+          </p:cNvSpPr>
+          <p:nvPr>
+            <p:ph type="sldNum" sz="quarter" idx="5"/>
+          </p:nvPr>
+        </p:nvSpPr>
+        <p:spPr/>
+        <p:txBody>
+          <a:bodyPr/>
+          <a:lstStyle/>
+          <a:p>
+            <a:fld id="{00C9A423-C583-4D09-B96B-E0B85E6803AD}" type="slidenum">
+              <a:rPr lang="en-GB" smtClean="0"/>
+              <a:t>7</a:t>
+            </a:fld>
+            <a:endParaRPr lang="en-GB"/>
+          </a:p>
+        </p:txBody>
+      </p:sp>
+    </p:spTree>
+    <p:extLst>
+      <p:ext uri="{BB962C8B-B14F-4D97-AF65-F5344CB8AC3E}">
+        <p14:creationId xmlns:p14="http://schemas.microsoft.com/office/powerpoint/2010/main" val="1034160830"/>
+      </p:ext>
+    </p:extLst>
+  </p:cSld>
+  <p:clrMapOvr>
+    <a:masterClrMapping/>
+  </p:clrMapOvr>
+</p:notes>
+</file>
+
 <file path=ppt/slideLayouts/slideLayout1.xml><?xml version="1.0" encoding="utf-8"?>
 <p:sldLayout xmlns:a="http://schemas.openxmlformats.org/drawingml/2006/main" xmlns:r="http://schemas.openxmlformats.org/officeDocument/2006/relationships" xmlns:p="http://schemas.openxmlformats.org/presentationml/2006/main" type="title" preserve="1">
   <p:cSld name="Title Slide">
@@ -282,7 +726,7 @@
           <a:p>
             <a:fld id="{79BF1C55-0641-464C-A9F1-827E4E83AD03}" type="datetimeFigureOut">
               <a:rPr lang="en-GB" smtClean="0"/>
-              <a:t>05/07/2020</a:t>
+              <a:t>20/07/2020</a:t>
             </a:fld>
             <a:endParaRPr lang="en-GB"/>
           </a:p>
@@ -482,7 +926,7 @@
           <a:p>
             <a:fld id="{79BF1C55-0641-464C-A9F1-827E4E83AD03}" type="datetimeFigureOut">
               <a:rPr lang="en-GB" smtClean="0"/>
-              <a:t>05/07/2020</a:t>
+              <a:t>20/07/2020</a:t>
             </a:fld>
             <a:endParaRPr lang="en-GB"/>
           </a:p>
@@ -692,7 +1136,7 @@
           <a:p>
             <a:fld id="{79BF1C55-0641-464C-A9F1-827E4E83AD03}" type="datetimeFigureOut">
               <a:rPr lang="en-GB" smtClean="0"/>
-              <a:t>05/07/2020</a:t>
+              <a:t>20/07/2020</a:t>
             </a:fld>
             <a:endParaRPr lang="en-GB"/>
           </a:p>
@@ -892,7 +1336,7 @@
           <a:p>
             <a:fld id="{79BF1C55-0641-464C-A9F1-827E4E83AD03}" type="datetimeFigureOut">
               <a:rPr lang="en-GB" smtClean="0"/>
-              <a:t>05/07/2020</a:t>
+              <a:t>20/07/2020</a:t>
             </a:fld>
             <a:endParaRPr lang="en-GB"/>
           </a:p>
@@ -1168,7 +1612,7 @@
           <a:p>
             <a:fld id="{79BF1C55-0641-464C-A9F1-827E4E83AD03}" type="datetimeFigureOut">
               <a:rPr lang="en-GB" smtClean="0"/>
-              <a:t>05/07/2020</a:t>
+              <a:t>20/07/2020</a:t>
             </a:fld>
             <a:endParaRPr lang="en-GB"/>
           </a:p>
@@ -1436,7 +1880,7 @@
           <a:p>
             <a:fld id="{79BF1C55-0641-464C-A9F1-827E4E83AD03}" type="datetimeFigureOut">
               <a:rPr lang="en-GB" smtClean="0"/>
-              <a:t>05/07/2020</a:t>
+              <a:t>20/07/2020</a:t>
             </a:fld>
             <a:endParaRPr lang="en-GB"/>
           </a:p>
@@ -1851,7 +2295,7 @@
           <a:p>
             <a:fld id="{79BF1C55-0641-464C-A9F1-827E4E83AD03}" type="datetimeFigureOut">
               <a:rPr lang="en-GB" smtClean="0"/>
-              <a:t>05/07/2020</a:t>
+              <a:t>20/07/2020</a:t>
             </a:fld>
             <a:endParaRPr lang="en-GB"/>
           </a:p>
@@ -1993,7 +2437,7 @@
           <a:p>
             <a:fld id="{79BF1C55-0641-464C-A9F1-827E4E83AD03}" type="datetimeFigureOut">
               <a:rPr lang="en-GB" smtClean="0"/>
-              <a:t>05/07/2020</a:t>
+              <a:t>20/07/2020</a:t>
             </a:fld>
             <a:endParaRPr lang="en-GB"/>
           </a:p>
@@ -2106,7 +2550,7 @@
           <a:p>
             <a:fld id="{79BF1C55-0641-464C-A9F1-827E4E83AD03}" type="datetimeFigureOut">
               <a:rPr lang="en-GB" smtClean="0"/>
-              <a:t>05/07/2020</a:t>
+              <a:t>20/07/2020</a:t>
             </a:fld>
             <a:endParaRPr lang="en-GB"/>
           </a:p>
@@ -2419,7 +2863,7 @@
           <a:p>
             <a:fld id="{79BF1C55-0641-464C-A9F1-827E4E83AD03}" type="datetimeFigureOut">
               <a:rPr lang="en-GB" smtClean="0"/>
-              <a:t>05/07/2020</a:t>
+              <a:t>20/07/2020</a:t>
             </a:fld>
             <a:endParaRPr lang="en-GB"/>
           </a:p>
@@ -2708,7 +3152,7 @@
           <a:p>
             <a:fld id="{79BF1C55-0641-464C-A9F1-827E4E83AD03}" type="datetimeFigureOut">
               <a:rPr lang="en-GB" smtClean="0"/>
-              <a:t>05/07/2020</a:t>
+              <a:t>20/07/2020</a:t>
             </a:fld>
             <a:endParaRPr lang="en-GB"/>
           </a:p>
@@ -2951,7 +3395,7 @@
           <a:p>
             <a:fld id="{79BF1C55-0641-464C-A9F1-827E4E83AD03}" type="datetimeFigureOut">
               <a:rPr lang="en-GB" smtClean="0"/>
-              <a:t>05/07/2020</a:t>
+              <a:t>20/07/2020</a:t>
             </a:fld>
             <a:endParaRPr lang="en-GB"/>
           </a:p>
@@ -3370,15 +3814,15 @@
       </p:grpSpPr>
       <p:pic>
         <p:nvPicPr>
-          <p:cNvPr id="1026" name="Picture 2" descr="See the source image">
-            <a:extLst>
-              <a:ext uri="{FF2B5EF4-FFF2-40B4-BE49-F238E27FC236}">
-                <a16:creationId xmlns:a16="http://schemas.microsoft.com/office/drawing/2014/main" id="{6130B121-5236-4C0D-A274-1D9C695F47D7}"/>
+          <p:cNvPr id="5" name="Picture 4">
+            <a:extLst>
+              <a:ext uri="{FF2B5EF4-FFF2-40B4-BE49-F238E27FC236}">
+                <a16:creationId xmlns:a16="http://schemas.microsoft.com/office/drawing/2014/main" id="{7E0EA189-A32B-400E-BDA6-31F200B2A0D1}"/>
               </a:ext>
             </a:extLst>
           </p:cNvPr>
           <p:cNvPicPr>
-            <a:picLocks noChangeAspect="1" noChangeArrowheads="1"/>
+            <a:picLocks noChangeAspect="1"/>
           </p:cNvPicPr>
           <p:nvPr/>
         </p:nvPicPr>
@@ -3390,391 +3834,24 @@
               </a:ext>
             </a:extLst>
           </a:blip>
-          <a:srcRect/>
           <a:stretch>
             <a:fillRect/>
           </a:stretch>
         </p:blipFill>
-        <p:spPr bwMode="auto">
-          <a:xfrm>
-            <a:off x="6573795" y="1241416"/>
-            <a:ext cx="5441486" cy="5441486"/>
+        <p:spPr>
+          <a:xfrm>
+            <a:off x="0" y="0"/>
+            <a:ext cx="12192000" cy="6858000"/>
           </a:xfrm>
           <a:prstGeom prst="rect">
             <a:avLst/>
           </a:prstGeom>
-          <a:noFill/>
-          <a:extLst>
-            <a:ext uri="{909E8E84-426E-40DD-AFC4-6F175D3DCCD1}">
-              <a14:hiddenFill xmlns:a14="http://schemas.microsoft.com/office/drawing/2010/main">
-                <a:solidFill>
-                  <a:srgbClr val="FFFFFF"/>
-                </a:solidFill>
-              </a14:hiddenFill>
-            </a:ext>
-          </a:extLst>
         </p:spPr>
       </p:pic>
-      <p:sp>
-        <p:nvSpPr>
-          <p:cNvPr id="6" name="Rectangle 5">
-            <a:extLst>
-              <a:ext uri="{FF2B5EF4-FFF2-40B4-BE49-F238E27FC236}">
-                <a16:creationId xmlns:a16="http://schemas.microsoft.com/office/drawing/2014/main" id="{44B1B7FC-AFB2-4686-92C3-D13DD521B622}"/>
-              </a:ext>
-            </a:extLst>
-          </p:cNvPr>
-          <p:cNvSpPr/>
-          <p:nvPr/>
-        </p:nvSpPr>
-        <p:spPr>
-          <a:xfrm>
-            <a:off x="442035" y="355940"/>
-            <a:ext cx="6513514" cy="1323439"/>
-          </a:xfrm>
-          <a:prstGeom prst="rect">
-            <a:avLst/>
-          </a:prstGeom>
-          <a:noFill/>
-        </p:spPr>
-        <p:txBody>
-          <a:bodyPr wrap="none" lIns="91440" tIns="45720" rIns="91440" bIns="45720">
-            <a:spAutoFit/>
-          </a:bodyPr>
-          <a:lstStyle/>
-          <a:p>
-            <a:pPr algn="ctr"/>
-            <a:r>
-              <a:rPr lang="en-US" sz="8000" b="1" cap="none" spc="0" dirty="0">
-                <a:ln w="9525">
-                  <a:solidFill>
-                    <a:schemeClr val="bg1"/>
-                  </a:solidFill>
-                  <a:prstDash val="solid"/>
-                </a:ln>
-                <a:solidFill>
-                  <a:schemeClr val="tx1"/>
-                </a:solidFill>
-                <a:effectLst>
-                  <a:outerShdw blurRad="12700" dist="38100" dir="2700000" algn="tl" rotWithShape="0">
-                    <a:schemeClr val="bg1">
-                      <a:lumMod val="50000"/>
-                    </a:schemeClr>
-                  </a:outerShdw>
-                </a:effectLst>
-              </a:rPr>
-              <a:t>Dotnet Interop</a:t>
-            </a:r>
-          </a:p>
-        </p:txBody>
-      </p:sp>
-      <p:pic>
-        <p:nvPicPr>
-          <p:cNvPr id="1028" name="Picture 4" descr="See the source image">
-            <a:extLst>
-              <a:ext uri="{FF2B5EF4-FFF2-40B4-BE49-F238E27FC236}">
-                <a16:creationId xmlns:a16="http://schemas.microsoft.com/office/drawing/2014/main" id="{3F4E1A9F-071F-4F64-88FF-4728FB46A379}"/>
-              </a:ext>
-            </a:extLst>
-          </p:cNvPr>
-          <p:cNvPicPr>
-            <a:picLocks noChangeAspect="1" noChangeArrowheads="1"/>
-          </p:cNvPicPr>
-          <p:nvPr/>
-        </p:nvPicPr>
-        <p:blipFill>
-          <a:blip r:embed="rId3">
-            <a:extLst>
-              <a:ext uri="{28A0092B-C50C-407E-A947-70E740481C1C}">
-                <a14:useLocalDpi xmlns:a14="http://schemas.microsoft.com/office/drawing/2010/main" val="0"/>
-              </a:ext>
-            </a:extLst>
-          </a:blip>
-          <a:srcRect/>
-          <a:stretch>
-            <a:fillRect/>
-          </a:stretch>
-        </p:blipFill>
-        <p:spPr bwMode="auto">
-          <a:xfrm>
-            <a:off x="3940822" y="2655561"/>
-            <a:ext cx="2014151" cy="2014151"/>
-          </a:xfrm>
-          <a:prstGeom prst="rect">
-            <a:avLst/>
-          </a:prstGeom>
-          <a:noFill/>
-          <a:extLst>
-            <a:ext uri="{909E8E84-426E-40DD-AFC4-6F175D3DCCD1}">
-              <a14:hiddenFill xmlns:a14="http://schemas.microsoft.com/office/drawing/2010/main">
-                <a:solidFill>
-                  <a:srgbClr val="FFFFFF"/>
-                </a:solidFill>
-              </a14:hiddenFill>
-            </a:ext>
-          </a:extLst>
-        </p:spPr>
-      </p:pic>
-      <p:pic>
-        <p:nvPicPr>
-          <p:cNvPr id="1032" name="Picture 8" descr="See the source image">
-            <a:extLst>
-              <a:ext uri="{FF2B5EF4-FFF2-40B4-BE49-F238E27FC236}">
-                <a16:creationId xmlns:a16="http://schemas.microsoft.com/office/drawing/2014/main" id="{B7748F84-1C9F-4A29-9BEB-F354DC6A9CFD}"/>
-              </a:ext>
-            </a:extLst>
-          </p:cNvPr>
-          <p:cNvPicPr>
-            <a:picLocks noChangeAspect="1" noChangeArrowheads="1"/>
-          </p:cNvPicPr>
-          <p:nvPr/>
-        </p:nvPicPr>
-        <p:blipFill>
-          <a:blip r:embed="rId4">
-            <a:extLst>
-              <a:ext uri="{28A0092B-C50C-407E-A947-70E740481C1C}">
-                <a14:useLocalDpi xmlns:a14="http://schemas.microsoft.com/office/drawing/2010/main" val="0"/>
-              </a:ext>
-            </a:extLst>
-          </a:blip>
-          <a:srcRect/>
-          <a:stretch>
-            <a:fillRect/>
-          </a:stretch>
-        </p:blipFill>
-        <p:spPr bwMode="auto">
-          <a:xfrm>
-            <a:off x="619645" y="1496348"/>
-            <a:ext cx="2014152" cy="2014152"/>
-          </a:xfrm>
-          <a:prstGeom prst="rect">
-            <a:avLst/>
-          </a:prstGeom>
-          <a:noFill/>
-          <a:extLst>
-            <a:ext uri="{909E8E84-426E-40DD-AFC4-6F175D3DCCD1}">
-              <a14:hiddenFill xmlns:a14="http://schemas.microsoft.com/office/drawing/2010/main">
-                <a:solidFill>
-                  <a:srgbClr val="FFFFFF"/>
-                </a:solidFill>
-              </a14:hiddenFill>
-            </a:ext>
-          </a:extLst>
-        </p:spPr>
-      </p:pic>
-      <p:pic>
-        <p:nvPicPr>
-          <p:cNvPr id="1034" name="Picture 10" descr="See the source image">
-            <a:extLst>
-              <a:ext uri="{FF2B5EF4-FFF2-40B4-BE49-F238E27FC236}">
-                <a16:creationId xmlns:a16="http://schemas.microsoft.com/office/drawing/2014/main" id="{95C9E826-E789-469B-ABF8-B5A62080A922}"/>
-              </a:ext>
-            </a:extLst>
-          </p:cNvPr>
-          <p:cNvPicPr>
-            <a:picLocks noChangeAspect="1" noChangeArrowheads="1"/>
-          </p:cNvPicPr>
-          <p:nvPr/>
-        </p:nvPicPr>
-        <p:blipFill>
-          <a:blip r:embed="rId5">
-            <a:extLst>
-              <a:ext uri="{28A0092B-C50C-407E-A947-70E740481C1C}">
-                <a14:useLocalDpi xmlns:a14="http://schemas.microsoft.com/office/drawing/2010/main" val="0"/>
-              </a:ext>
-            </a:extLst>
-          </a:blip>
-          <a:srcRect/>
-          <a:stretch>
-            <a:fillRect/>
-          </a:stretch>
-        </p:blipFill>
-        <p:spPr bwMode="auto">
-          <a:xfrm>
-            <a:off x="619645" y="4869512"/>
-            <a:ext cx="2339902" cy="1468490"/>
-          </a:xfrm>
-          <a:prstGeom prst="rect">
-            <a:avLst/>
-          </a:prstGeom>
-          <a:noFill/>
-          <a:extLst>
-            <a:ext uri="{909E8E84-426E-40DD-AFC4-6F175D3DCCD1}">
-              <a14:hiddenFill xmlns:a14="http://schemas.microsoft.com/office/drawing/2010/main">
-                <a:solidFill>
-                  <a:srgbClr val="FFFFFF"/>
-                </a:solidFill>
-              </a14:hiddenFill>
-            </a:ext>
-          </a:extLst>
-        </p:spPr>
-      </p:pic>
-      <p:sp>
-        <p:nvSpPr>
-          <p:cNvPr id="7" name="Arrow: Left-Right 6">
-            <a:extLst>
-              <a:ext uri="{FF2B5EF4-FFF2-40B4-BE49-F238E27FC236}">
-                <a16:creationId xmlns:a16="http://schemas.microsoft.com/office/drawing/2014/main" id="{CBB6A945-FEC7-4778-87BD-811FCA59AEC4}"/>
-              </a:ext>
-            </a:extLst>
-          </p:cNvPr>
-          <p:cNvSpPr/>
-          <p:nvPr/>
-        </p:nvSpPr>
-        <p:spPr>
-          <a:xfrm rot="1491517">
-            <a:off x="2528585" y="2849895"/>
-            <a:ext cx="1614616" cy="336832"/>
-          </a:xfrm>
-          <a:prstGeom prst="leftRightArrow">
-            <a:avLst/>
-          </a:prstGeom>
-          <a:solidFill>
-            <a:srgbClr val="7030A0"/>
-          </a:solidFill>
-          <a:ln>
-            <a:solidFill>
-              <a:schemeClr val="tx1"/>
-            </a:solidFill>
-          </a:ln>
-        </p:spPr>
-        <p:style>
-          <a:lnRef idx="2">
-            <a:schemeClr val="accent1">
-              <a:shade val="50000"/>
-            </a:schemeClr>
-          </a:lnRef>
-          <a:fillRef idx="1">
-            <a:schemeClr val="accent1"/>
-          </a:fillRef>
-          <a:effectRef idx="0">
-            <a:schemeClr val="accent1"/>
-          </a:effectRef>
-          <a:fontRef idx="minor">
-            <a:schemeClr val="lt1"/>
-          </a:fontRef>
-        </p:style>
-        <p:txBody>
-          <a:bodyPr rtlCol="0" anchor="ctr"/>
-          <a:lstStyle/>
-          <a:p>
-            <a:pPr algn="ctr"/>
-            <a:endParaRPr lang="en-GB"/>
-          </a:p>
-        </p:txBody>
-      </p:sp>
-      <p:sp>
-        <p:nvSpPr>
-          <p:cNvPr id="13" name="Arrow: Left-Right 12">
-            <a:extLst>
-              <a:ext uri="{FF2B5EF4-FFF2-40B4-BE49-F238E27FC236}">
-                <a16:creationId xmlns:a16="http://schemas.microsoft.com/office/drawing/2014/main" id="{6767DE22-702F-4585-B174-3C7AA9B9E89E}"/>
-              </a:ext>
-            </a:extLst>
-          </p:cNvPr>
-          <p:cNvSpPr/>
-          <p:nvPr/>
-        </p:nvSpPr>
-        <p:spPr>
-          <a:xfrm rot="5400000">
-            <a:off x="932408" y="3996635"/>
-            <a:ext cx="1231872" cy="336832"/>
-          </a:xfrm>
-          <a:prstGeom prst="leftRightArrow">
-            <a:avLst/>
-          </a:prstGeom>
-          <a:solidFill>
-            <a:srgbClr val="7030A0"/>
-          </a:solidFill>
-          <a:ln>
-            <a:solidFill>
-              <a:schemeClr val="tx1"/>
-            </a:solidFill>
-          </a:ln>
-        </p:spPr>
-        <p:style>
-          <a:lnRef idx="2">
-            <a:schemeClr val="accent1">
-              <a:shade val="50000"/>
-            </a:schemeClr>
-          </a:lnRef>
-          <a:fillRef idx="1">
-            <a:schemeClr val="accent1"/>
-          </a:fillRef>
-          <a:effectRef idx="0">
-            <a:schemeClr val="accent1"/>
-          </a:effectRef>
-          <a:fontRef idx="minor">
-            <a:schemeClr val="lt1"/>
-          </a:fontRef>
-        </p:style>
-        <p:txBody>
-          <a:bodyPr rtlCol="0" anchor="ctr"/>
-          <a:lstStyle/>
-          <a:p>
-            <a:pPr algn="ctr"/>
-            <a:endParaRPr lang="en-GB"/>
-          </a:p>
-        </p:txBody>
-      </p:sp>
-      <p:sp>
-        <p:nvSpPr>
-          <p:cNvPr id="14" name="Arrow: Left-Right 13">
-            <a:extLst>
-              <a:ext uri="{FF2B5EF4-FFF2-40B4-BE49-F238E27FC236}">
-                <a16:creationId xmlns:a16="http://schemas.microsoft.com/office/drawing/2014/main" id="{B3BF0201-42DD-4376-B323-F1CC0679EE93}"/>
-              </a:ext>
-            </a:extLst>
-          </p:cNvPr>
-          <p:cNvSpPr/>
-          <p:nvPr/>
-        </p:nvSpPr>
-        <p:spPr>
-          <a:xfrm rot="19253825">
-            <a:off x="2514693" y="4111396"/>
-            <a:ext cx="1614616" cy="336832"/>
-          </a:xfrm>
-          <a:prstGeom prst="leftRightArrow">
-            <a:avLst/>
-          </a:prstGeom>
-          <a:solidFill>
-            <a:srgbClr val="7030A0"/>
-          </a:solidFill>
-          <a:ln>
-            <a:solidFill>
-              <a:schemeClr val="tx1"/>
-            </a:solidFill>
-          </a:ln>
-        </p:spPr>
-        <p:style>
-          <a:lnRef idx="2">
-            <a:schemeClr val="accent1">
-              <a:shade val="50000"/>
-            </a:schemeClr>
-          </a:lnRef>
-          <a:fillRef idx="1">
-            <a:schemeClr val="accent1"/>
-          </a:fillRef>
-          <a:effectRef idx="0">
-            <a:schemeClr val="accent1"/>
-          </a:effectRef>
-          <a:fontRef idx="minor">
-            <a:schemeClr val="lt1"/>
-          </a:fontRef>
-        </p:style>
-        <p:txBody>
-          <a:bodyPr rtlCol="0" anchor="ctr"/>
-          <a:lstStyle/>
-          <a:p>
-            <a:pPr algn="ctr"/>
-            <a:endParaRPr lang="en-GB"/>
-          </a:p>
-        </p:txBody>
-      </p:sp>
     </p:spTree>
     <p:extLst>
       <p:ext uri="{BB962C8B-B14F-4D97-AF65-F5344CB8AC3E}">
-        <p14:creationId xmlns:p14="http://schemas.microsoft.com/office/powerpoint/2010/main" val="2757902968"/>
+        <p14:creationId xmlns:p14="http://schemas.microsoft.com/office/powerpoint/2010/main" val="3848069796"/>
       </p:ext>
     </p:extLst>
   </p:cSld>
@@ -3815,8 +3892,8 @@
         </p:nvSpPr>
         <p:spPr>
           <a:xfrm>
-            <a:off x="1975405" y="234049"/>
-            <a:ext cx="8403904" cy="1323439"/>
+            <a:off x="3523062" y="2151727"/>
+            <a:ext cx="4956214" cy="2554545"/>
           </a:xfrm>
           <a:prstGeom prst="rect">
             <a:avLst/>
@@ -3824,7 +3901,7 @@
           <a:noFill/>
         </p:spPr>
         <p:txBody>
-          <a:bodyPr wrap="none" lIns="91440" tIns="45720" rIns="91440" bIns="45720">
+          <a:bodyPr wrap="square" lIns="91440" tIns="45720" rIns="91440" bIns="45720">
             <a:spAutoFit/>
           </a:bodyPr>
           <a:lstStyle/>
@@ -3849,126 +3926,15 @@
                   </a:outerShdw>
                 </a:effectLst>
               </a:rPr>
-              <a:t>Values and Records</a:t>
-            </a:r>
-          </a:p>
-        </p:txBody>
-      </p:sp>
-      <p:sp>
-        <p:nvSpPr>
-          <p:cNvPr id="5" name="Content Placeholder 2">
-            <a:extLst>
-              <a:ext uri="{FF2B5EF4-FFF2-40B4-BE49-F238E27FC236}">
-                <a16:creationId xmlns:a16="http://schemas.microsoft.com/office/drawing/2014/main" id="{93B4D857-0A6D-4657-913A-56C62D4776A0}"/>
-              </a:ext>
-            </a:extLst>
-          </p:cNvPr>
-          <p:cNvSpPr>
-            <a:spLocks noGrp="1"/>
-          </p:cNvSpPr>
-          <p:nvPr>
-            <p:ph idx="1"/>
-          </p:nvPr>
-        </p:nvSpPr>
-        <p:spPr>
-          <a:xfrm>
-            <a:off x="-729574" y="1625863"/>
-            <a:ext cx="5126476" cy="3606274"/>
-          </a:xfrm>
-        </p:spPr>
-        <p:txBody>
-          <a:bodyPr>
-            <a:noAutofit/>
-          </a:bodyPr>
-          <a:lstStyle/>
-          <a:p>
-            <a:pPr lvl="2"/>
-            <a:r>
-              <a:rPr lang="en-GB" sz="3200" dirty="0"/>
-              <a:t>Values are exposed as static fields on  class.</a:t>
-            </a:r>
-          </a:p>
-          <a:p>
-            <a:pPr lvl="2"/>
-            <a:endParaRPr lang="en-GB" sz="3200" dirty="0"/>
-          </a:p>
-          <a:p>
-            <a:pPr lvl="2"/>
-            <a:r>
-              <a:rPr lang="en-GB" sz="3200" dirty="0"/>
-              <a:t>Records generate a read-only class with only a full parameter constructor.</a:t>
-            </a:r>
-          </a:p>
-          <a:p>
-            <a:pPr lvl="2"/>
-            <a:endParaRPr lang="en-GB" sz="3200" dirty="0"/>
-          </a:p>
-        </p:txBody>
-      </p:sp>
-      <p:pic>
-        <p:nvPicPr>
-          <p:cNvPr id="2" name="Picture 1">
-            <a:extLst>
-              <a:ext uri="{FF2B5EF4-FFF2-40B4-BE49-F238E27FC236}">
-                <a16:creationId xmlns:a16="http://schemas.microsoft.com/office/drawing/2014/main" id="{759D3D28-171C-4D42-B424-DA8D1EC4AB01}"/>
-              </a:ext>
-            </a:extLst>
-          </p:cNvPr>
-          <p:cNvPicPr>
-            <a:picLocks noChangeAspect="1"/>
-          </p:cNvPicPr>
-          <p:nvPr/>
-        </p:nvPicPr>
-        <p:blipFill>
-          <a:blip r:embed="rId2"/>
-          <a:stretch>
-            <a:fillRect/>
-          </a:stretch>
-        </p:blipFill>
-        <p:spPr>
-          <a:xfrm>
-            <a:off x="6651286" y="1844735"/>
-            <a:ext cx="3416841" cy="905463"/>
-          </a:xfrm>
-          <a:prstGeom prst="rect">
-            <a:avLst/>
-          </a:prstGeom>
-        </p:spPr>
-      </p:pic>
-      <p:pic>
-        <p:nvPicPr>
-          <p:cNvPr id="8" name="Picture 7">
-            <a:extLst>
-              <a:ext uri="{FF2B5EF4-FFF2-40B4-BE49-F238E27FC236}">
-                <a16:creationId xmlns:a16="http://schemas.microsoft.com/office/drawing/2014/main" id="{7E885B59-839A-477C-A6CD-3AA240D5BA89}"/>
-              </a:ext>
-            </a:extLst>
-          </p:cNvPr>
-          <p:cNvPicPr>
-            <a:picLocks noChangeAspect="1"/>
-          </p:cNvPicPr>
-          <p:nvPr/>
-        </p:nvPicPr>
-        <p:blipFill>
-          <a:blip r:embed="rId3"/>
-          <a:stretch>
-            <a:fillRect/>
-          </a:stretch>
-        </p:blipFill>
-        <p:spPr>
-          <a:xfrm>
-            <a:off x="5920091" y="3714345"/>
-            <a:ext cx="5276444" cy="603022"/>
-          </a:xfrm>
-          <a:prstGeom prst="rect">
-            <a:avLst/>
-          </a:prstGeom>
-        </p:spPr>
-      </p:pic>
+              <a:t>Things that work well</a:t>
+            </a:r>
+          </a:p>
+        </p:txBody>
+      </p:sp>
     </p:spTree>
     <p:extLst>
       <p:ext uri="{BB962C8B-B14F-4D97-AF65-F5344CB8AC3E}">
-        <p14:creationId xmlns:p14="http://schemas.microsoft.com/office/powerpoint/2010/main" val="2969026266"/>
+        <p14:creationId xmlns:p14="http://schemas.microsoft.com/office/powerpoint/2010/main" val="1020875565"/>
       </p:ext>
     </p:extLst>
   </p:cSld>
@@ -4009,8 +3975,8 @@
         </p:nvSpPr>
         <p:spPr>
           <a:xfrm>
-            <a:off x="1975405" y="234049"/>
-            <a:ext cx="8403904" cy="1323439"/>
+            <a:off x="510575" y="234049"/>
+            <a:ext cx="11333552" cy="1323439"/>
           </a:xfrm>
           <a:prstGeom prst="rect">
             <a:avLst/>
@@ -4043,7 +4009,7 @@
                   </a:outerShdw>
                 </a:effectLst>
               </a:rPr>
-              <a:t>Values and Records</a:t>
+              <a:t>Namespaces and Modules</a:t>
             </a:r>
           </a:p>
         </p:txBody>
@@ -4067,7 +4033,7 @@
         <p:spPr>
           <a:xfrm>
             <a:off x="-729574" y="1625863"/>
-            <a:ext cx="5126476" cy="3606274"/>
+            <a:ext cx="4717914" cy="3606274"/>
           </a:xfrm>
         </p:spPr>
         <p:txBody>
@@ -4079,22 +4045,13 @@
             <a:pPr lvl="2"/>
             <a:r>
               <a:rPr lang="en-GB" sz="3200" dirty="0"/>
-              <a:t>Values are exposed as static fields on  class.</a:t>
-            </a:r>
-          </a:p>
-          <a:p>
-            <a:pPr lvl="2"/>
-            <a:endParaRPr lang="en-GB" sz="3200" dirty="0"/>
-          </a:p>
-          <a:p>
-            <a:pPr lvl="2"/>
-            <a:r>
-              <a:rPr lang="en-GB" sz="3200" dirty="0"/>
-              <a:t>Records generate a read-only class with only a full parameter constructor.</a:t>
-            </a:r>
-          </a:p>
-          <a:p>
-            <a:pPr lvl="2"/>
+              <a:t>Namespaces allow using statements just like C# namespaces</a:t>
+            </a:r>
+          </a:p>
+          <a:p>
+            <a:pPr marL="914400" lvl="2" indent="0">
+              <a:buNone/>
+            </a:pPr>
             <a:endParaRPr lang="en-GB" sz="3200" dirty="0"/>
           </a:p>
         </p:txBody>
@@ -4104,7 +4061,7 @@
           <p:cNvPr id="3" name="Picture 2">
             <a:extLst>
               <a:ext uri="{FF2B5EF4-FFF2-40B4-BE49-F238E27FC236}">
-                <a16:creationId xmlns:a16="http://schemas.microsoft.com/office/drawing/2014/main" id="{1950EBB2-25EB-40FC-A63F-42A9D17CD6F1}"/>
+                <a16:creationId xmlns:a16="http://schemas.microsoft.com/office/drawing/2014/main" id="{7611B0C6-5475-4C27-BCFF-BF594A697476}"/>
               </a:ext>
             </a:extLst>
           </p:cNvPr>
@@ -4113,16 +4070,15 @@
           </p:cNvPicPr>
           <p:nvPr/>
         </p:nvPicPr>
-        <p:blipFill>
+        <p:blipFill rotWithShape="1">
           <a:blip r:embed="rId2"/>
-          <a:stretch>
-            <a:fillRect/>
-          </a:stretch>
+          <a:srcRect t="4039"/>
+          <a:stretch/>
         </p:blipFill>
         <p:spPr>
           <a:xfrm>
-            <a:off x="7069170" y="1445901"/>
-            <a:ext cx="2784947" cy="1463518"/>
+            <a:off x="5855038" y="1625863"/>
+            <a:ext cx="5370681" cy="1413125"/>
           </a:xfrm>
           <a:prstGeom prst="rect">
             <a:avLst/>
@@ -4134,7 +4090,7 @@
           <p:cNvPr id="6" name="Picture 5">
             <a:extLst>
               <a:ext uri="{FF2B5EF4-FFF2-40B4-BE49-F238E27FC236}">
-                <a16:creationId xmlns:a16="http://schemas.microsoft.com/office/drawing/2014/main" id="{7EB7C355-EB6A-403E-932E-990207D9AFAB}"/>
+                <a16:creationId xmlns:a16="http://schemas.microsoft.com/office/drawing/2014/main" id="{C750D4A5-3499-44BE-A5EF-841DAE1CD9C7}"/>
               </a:ext>
             </a:extLst>
           </p:cNvPr>
@@ -4151,8 +4107,8 @@
         </p:blipFill>
         <p:spPr>
           <a:xfrm>
-            <a:off x="5879050" y="3006859"/>
-            <a:ext cx="5604286" cy="422141"/>
+            <a:off x="4804652" y="4260715"/>
+            <a:ext cx="7246790" cy="479567"/>
           </a:xfrm>
           <a:prstGeom prst="rect">
             <a:avLst/>
@@ -4164,7 +4120,7 @@
           <p:cNvPr id="7" name="Picture 6">
             <a:extLst>
               <a:ext uri="{FF2B5EF4-FFF2-40B4-BE49-F238E27FC236}">
-                <a16:creationId xmlns:a16="http://schemas.microsoft.com/office/drawing/2014/main" id="{AC38F9FE-B1FF-4B46-B47C-84FDFB2086B8}"/>
+                <a16:creationId xmlns:a16="http://schemas.microsoft.com/office/drawing/2014/main" id="{13AD465A-72BD-4332-8A53-D002499417A8}"/>
               </a:ext>
             </a:extLst>
           </p:cNvPr>
@@ -4181,24 +4137,168 @@
         </p:blipFill>
         <p:spPr>
           <a:xfrm>
-            <a:off x="4396902" y="3773491"/>
-            <a:ext cx="7600545" cy="2355098"/>
+            <a:off x="6636695" y="3338107"/>
+            <a:ext cx="3828971" cy="377859"/>
           </a:xfrm>
           <a:prstGeom prst="rect">
             <a:avLst/>
           </a:prstGeom>
         </p:spPr>
       </p:pic>
+      <p:sp>
+        <p:nvSpPr>
+          <p:cNvPr id="2" name="TextBox 1">
+            <a:extLst>
+              <a:ext uri="{FF2B5EF4-FFF2-40B4-BE49-F238E27FC236}">
+                <a16:creationId xmlns:a16="http://schemas.microsoft.com/office/drawing/2014/main" id="{18521177-A94B-439D-A755-F0EE150633D0}"/>
+              </a:ext>
+            </a:extLst>
+          </p:cNvPr>
+          <p:cNvSpPr txBox="1"/>
+          <p:nvPr/>
+        </p:nvSpPr>
+        <p:spPr>
+          <a:xfrm>
+            <a:off x="-729574" y="3622089"/>
+            <a:ext cx="4493706" cy="1569660"/>
+          </a:xfrm>
+          <a:prstGeom prst="rect">
+            <a:avLst/>
+          </a:prstGeom>
+          <a:noFill/>
+        </p:spPr>
+        <p:txBody>
+          <a:bodyPr wrap="square" rtlCol="0">
+            <a:spAutoFit/>
+          </a:bodyPr>
+          <a:lstStyle/>
+          <a:p>
+            <a:pPr marL="1371600" lvl="2" indent="-457200">
+              <a:buFont typeface="Arial" panose="020B0604020202020204" pitchFamily="34" charset="0"/>
+              <a:buChar char="•"/>
+            </a:pPr>
+            <a:r>
+              <a:rPr lang="en-GB" sz="3200" dirty="0"/>
+              <a:t>Modules Expose themselves as Static Classes</a:t>
+            </a:r>
+          </a:p>
+        </p:txBody>
+      </p:sp>
     </p:spTree>
     <p:extLst>
       <p:ext uri="{BB962C8B-B14F-4D97-AF65-F5344CB8AC3E}">
-        <p14:creationId xmlns:p14="http://schemas.microsoft.com/office/powerpoint/2010/main" val="903686768"/>
+        <p14:creationId xmlns:p14="http://schemas.microsoft.com/office/powerpoint/2010/main" val="2067629608"/>
       </p:ext>
     </p:extLst>
   </p:cSld>
   <p:clrMapOvr>
     <a:masterClrMapping/>
   </p:clrMapOvr>
+  <p:timing>
+    <p:tnLst>
+      <p:par>
+        <p:cTn id="1" dur="indefinite" restart="never" nodeType="tmRoot">
+          <p:childTnLst>
+            <p:seq concurrent="1" nextAc="seek">
+              <p:cTn id="2" dur="indefinite" nodeType="mainSeq">
+                <p:childTnLst>
+                  <p:par>
+                    <p:cTn id="3" fill="hold">
+                      <p:stCondLst>
+                        <p:cond delay="indefinite"/>
+                      </p:stCondLst>
+                      <p:childTnLst>
+                        <p:par>
+                          <p:cTn id="4" fill="hold">
+                            <p:stCondLst>
+                              <p:cond delay="0"/>
+                            </p:stCondLst>
+                            <p:childTnLst>
+                              <p:par>
+                                <p:cTn id="5" presetID="1" presetClass="entr" presetSubtype="0" fill="hold" grpId="0" nodeType="clickEffect">
+                                  <p:stCondLst>
+                                    <p:cond delay="0"/>
+                                  </p:stCondLst>
+                                  <p:childTnLst>
+                                    <p:set>
+                                      <p:cBhvr>
+                                        <p:cTn id="6" dur="1" fill="hold">
+                                          <p:stCondLst>
+                                            <p:cond delay="0"/>
+                                          </p:stCondLst>
+                                        </p:cTn>
+                                        <p:tgtEl>
+                                          <p:spTgt spid="2"/>
+                                        </p:tgtEl>
+                                        <p:attrNameLst>
+                                          <p:attrName>style.visibility</p:attrName>
+                                        </p:attrNameLst>
+                                      </p:cBhvr>
+                                      <p:to>
+                                        <p:strVal val="visible"/>
+                                      </p:to>
+                                    </p:set>
+                                  </p:childTnLst>
+                                </p:cTn>
+                              </p:par>
+                              <p:par>
+                                <p:cTn id="7" presetID="1" presetClass="entr" presetSubtype="0" fill="hold" nodeType="withEffect">
+                                  <p:stCondLst>
+                                    <p:cond delay="0"/>
+                                  </p:stCondLst>
+                                  <p:childTnLst>
+                                    <p:set>
+                                      <p:cBhvr>
+                                        <p:cTn id="8" dur="1" fill="hold">
+                                          <p:stCondLst>
+                                            <p:cond delay="0"/>
+                                          </p:stCondLst>
+                                        </p:cTn>
+                                        <p:tgtEl>
+                                          <p:spTgt spid="6"/>
+                                        </p:tgtEl>
+                                        <p:attrNameLst>
+                                          <p:attrName>style.visibility</p:attrName>
+                                        </p:attrNameLst>
+                                      </p:cBhvr>
+                                      <p:to>
+                                        <p:strVal val="visible"/>
+                                      </p:to>
+                                    </p:set>
+                                  </p:childTnLst>
+                                </p:cTn>
+                              </p:par>
+                            </p:childTnLst>
+                          </p:cTn>
+                        </p:par>
+                      </p:childTnLst>
+                    </p:cTn>
+                  </p:par>
+                </p:childTnLst>
+              </p:cTn>
+              <p:prevCondLst>
+                <p:cond evt="onPrev" delay="0">
+                  <p:tgtEl>
+                    <p:sldTgt/>
+                  </p:tgtEl>
+                </p:cond>
+              </p:prevCondLst>
+              <p:nextCondLst>
+                <p:cond evt="onNext" delay="0">
+                  <p:tgtEl>
+                    <p:sldTgt/>
+                  </p:tgtEl>
+                </p:cond>
+              </p:nextCondLst>
+            </p:seq>
+          </p:childTnLst>
+        </p:cTn>
+      </p:par>
+    </p:tnLst>
+    <p:bldLst>
+      <p:bldP spid="2" grpId="0"/>
+    </p:bldLst>
+  </p:timing>
 </p:sld>
 </file>
 
@@ -4233,8 +4333,8 @@
         </p:nvSpPr>
         <p:spPr>
           <a:xfrm>
-            <a:off x="1949152" y="234049"/>
-            <a:ext cx="8456419" cy="1323439"/>
+            <a:off x="1975405" y="234049"/>
+            <a:ext cx="8403904" cy="1323439"/>
           </a:xfrm>
           <a:prstGeom prst="rect">
             <a:avLst/>
@@ -4267,7 +4367,7 @@
                   </a:outerShdw>
                 </a:effectLst>
               </a:rPr>
-              <a:t>Seq, Array and Lists</a:t>
+              <a:t>Values and Records</a:t>
             </a:r>
           </a:p>
         </p:txBody>
@@ -4290,7 +4390,7 @@
         </p:nvSpPr>
         <p:spPr>
           <a:xfrm>
-            <a:off x="-218365" y="2347316"/>
+            <a:off x="-729574" y="1625863"/>
             <a:ext cx="5126476" cy="3606274"/>
           </a:xfrm>
         </p:spPr>
@@ -4303,37 +4403,17 @@
             <a:pPr lvl="2"/>
             <a:r>
               <a:rPr lang="en-GB" sz="3200" dirty="0"/>
-              <a:t>Arrays work as expected</a:t>
-            </a:r>
-          </a:p>
-          <a:p>
-            <a:pPr lvl="2"/>
-            <a:endParaRPr lang="en-GB" sz="3200" dirty="0"/>
-          </a:p>
-          <a:p>
-            <a:pPr lvl="2"/>
-            <a:r>
-              <a:rPr lang="en-GB" sz="3200" dirty="0" err="1"/>
-              <a:t>Seq</a:t>
-            </a:r>
-            <a:r>
-              <a:rPr lang="en-GB" sz="3200" dirty="0"/>
-              <a:t> get exposed as </a:t>
-            </a:r>
-            <a:r>
-              <a:rPr lang="en-GB" sz="3200" dirty="0" err="1"/>
-              <a:t>IEnumerable</a:t>
-            </a:r>
-            <a:endParaRPr lang="en-GB" sz="3200" dirty="0"/>
+              <a:t>Values are exposed as static fields on  class.</a:t>
+            </a:r>
           </a:p>
         </p:txBody>
       </p:sp>
       <p:pic>
         <p:nvPicPr>
-          <p:cNvPr id="8" name="Picture 7">
-            <a:extLst>
-              <a:ext uri="{FF2B5EF4-FFF2-40B4-BE49-F238E27FC236}">
-                <a16:creationId xmlns:a16="http://schemas.microsoft.com/office/drawing/2014/main" id="{BF768408-B4B3-4C2E-A49E-5CD0052A0360}"/>
+          <p:cNvPr id="2" name="Picture 1">
+            <a:extLst>
+              <a:ext uri="{FF2B5EF4-FFF2-40B4-BE49-F238E27FC236}">
+                <a16:creationId xmlns:a16="http://schemas.microsoft.com/office/drawing/2014/main" id="{759D3D28-171C-4D42-B424-DA8D1EC4AB01}"/>
               </a:ext>
             </a:extLst>
           </p:cNvPr>
@@ -4350,8 +4430,8 @@
         </p:blipFill>
         <p:spPr>
           <a:xfrm>
-            <a:off x="6096000" y="3913391"/>
-            <a:ext cx="5367072" cy="474123"/>
+            <a:off x="6651286" y="1844735"/>
+            <a:ext cx="3416841" cy="905463"/>
           </a:xfrm>
           <a:prstGeom prst="rect">
             <a:avLst/>
@@ -4360,10 +4440,10 @@
       </p:pic>
       <p:pic>
         <p:nvPicPr>
-          <p:cNvPr id="10" name="Picture 9">
-            <a:extLst>
-              <a:ext uri="{FF2B5EF4-FFF2-40B4-BE49-F238E27FC236}">
-                <a16:creationId xmlns:a16="http://schemas.microsoft.com/office/drawing/2014/main" id="{D3F44413-DAC0-4935-8BC6-D690499F5AEC}"/>
+          <p:cNvPr id="8" name="Picture 7">
+            <a:extLst>
+              <a:ext uri="{FF2B5EF4-FFF2-40B4-BE49-F238E27FC236}">
+                <a16:creationId xmlns:a16="http://schemas.microsoft.com/office/drawing/2014/main" id="{7E885B59-839A-477C-A6CD-3AA240D5BA89}"/>
               </a:ext>
             </a:extLst>
           </p:cNvPr>
@@ -4380,8 +4460,8 @@
         </p:blipFill>
         <p:spPr>
           <a:xfrm>
-            <a:off x="6688570" y="2269086"/>
-            <a:ext cx="3831426" cy="1056945"/>
+            <a:off x="5721484" y="3127489"/>
+            <a:ext cx="5276444" cy="603022"/>
           </a:xfrm>
           <a:prstGeom prst="rect">
             <a:avLst/>
@@ -4391,7 +4471,7 @@
     </p:spTree>
     <p:extLst>
       <p:ext uri="{BB962C8B-B14F-4D97-AF65-F5344CB8AC3E}">
-        <p14:creationId xmlns:p14="http://schemas.microsoft.com/office/powerpoint/2010/main" val="2817817563"/>
+        <p14:creationId xmlns:p14="http://schemas.microsoft.com/office/powerpoint/2010/main" val="2969026266"/>
       </p:ext>
     </p:extLst>
   </p:cSld>
@@ -4432,8 +4512,8 @@
         </p:nvSpPr>
         <p:spPr>
           <a:xfrm>
-            <a:off x="3859261" y="234049"/>
-            <a:ext cx="4636206" cy="1323439"/>
+            <a:off x="1975405" y="234049"/>
+            <a:ext cx="8403904" cy="1323439"/>
           </a:xfrm>
           <a:prstGeom prst="rect">
             <a:avLst/>
@@ -4466,7 +4546,7 @@
                   </a:outerShdw>
                 </a:effectLst>
               </a:rPr>
-              <a:t>Functions!</a:t>
+              <a:t>Values and Records</a:t>
             </a:r>
           </a:p>
         </p:txBody>
@@ -4502,21 +4582,32 @@
             <a:pPr lvl="2"/>
             <a:r>
               <a:rPr lang="en-GB" sz="3200" dirty="0"/>
-              <a:t>Functions will work as long as they don’t accept other functions as parameters (more on this later)</a:t>
+              <a:t>Values are exposed as static fields on  class.</a:t>
             </a:r>
           </a:p>
           <a:p>
             <a:pPr lvl="2"/>
             <a:endParaRPr lang="en-GB" sz="3200" dirty="0"/>
           </a:p>
+          <a:p>
+            <a:pPr lvl="2"/>
+            <a:r>
+              <a:rPr lang="en-GB" sz="3200" dirty="0"/>
+              <a:t>Records generate a read-only class with only a full parameter constructor.</a:t>
+            </a:r>
+          </a:p>
+          <a:p>
+            <a:pPr lvl="2"/>
+            <a:endParaRPr lang="en-GB" sz="3200" dirty="0"/>
+          </a:p>
         </p:txBody>
       </p:sp>
       <p:pic>
         <p:nvPicPr>
-          <p:cNvPr id="2" name="Picture 1">
-            <a:extLst>
-              <a:ext uri="{FF2B5EF4-FFF2-40B4-BE49-F238E27FC236}">
-                <a16:creationId xmlns:a16="http://schemas.microsoft.com/office/drawing/2014/main" id="{BB608154-EBC8-480A-A8A2-FF07477F2384}"/>
+          <p:cNvPr id="3" name="Picture 2">
+            <a:extLst>
+              <a:ext uri="{FF2B5EF4-FFF2-40B4-BE49-F238E27FC236}">
+                <a16:creationId xmlns:a16="http://schemas.microsoft.com/office/drawing/2014/main" id="{1950EBB2-25EB-40FC-A63F-42A9D17CD6F1}"/>
               </a:ext>
             </a:extLst>
           </p:cNvPr>
@@ -4533,8 +4624,8 @@
         </p:blipFill>
         <p:spPr>
           <a:xfrm>
-            <a:off x="5629376" y="1557488"/>
-            <a:ext cx="4069101" cy="1188914"/>
+            <a:off x="7069170" y="1445901"/>
+            <a:ext cx="2784947" cy="1463518"/>
           </a:xfrm>
           <a:prstGeom prst="rect">
             <a:avLst/>
@@ -4543,10 +4634,10 @@
       </p:pic>
       <p:pic>
         <p:nvPicPr>
-          <p:cNvPr id="3" name="Picture 2">
-            <a:extLst>
-              <a:ext uri="{FF2B5EF4-FFF2-40B4-BE49-F238E27FC236}">
-                <a16:creationId xmlns:a16="http://schemas.microsoft.com/office/drawing/2014/main" id="{BE02A6C4-D9E0-4D7C-B357-E48F5C3BE3BE}"/>
+          <p:cNvPr id="6" name="Picture 5">
+            <a:extLst>
+              <a:ext uri="{FF2B5EF4-FFF2-40B4-BE49-F238E27FC236}">
+                <a16:creationId xmlns:a16="http://schemas.microsoft.com/office/drawing/2014/main" id="{7EB7C355-EB6A-403E-932E-990207D9AFAB}"/>
               </a:ext>
             </a:extLst>
           </p:cNvPr>
@@ -4563,8 +4654,8 @@
         </p:blipFill>
         <p:spPr>
           <a:xfrm>
-            <a:off x="4380667" y="3271026"/>
-            <a:ext cx="7225982" cy="493578"/>
+            <a:off x="5879050" y="3006859"/>
+            <a:ext cx="5604286" cy="422141"/>
           </a:xfrm>
           <a:prstGeom prst="rect">
             <a:avLst/>
@@ -4573,10 +4664,10 @@
       </p:pic>
       <p:pic>
         <p:nvPicPr>
-          <p:cNvPr id="6" name="Picture 5">
-            <a:extLst>
-              <a:ext uri="{FF2B5EF4-FFF2-40B4-BE49-F238E27FC236}">
-                <a16:creationId xmlns:a16="http://schemas.microsoft.com/office/drawing/2014/main" id="{E89A19FE-9673-45CD-A669-5C7E07BAD3F3}"/>
+          <p:cNvPr id="7" name="Picture 6">
+            <a:extLst>
+              <a:ext uri="{FF2B5EF4-FFF2-40B4-BE49-F238E27FC236}">
+                <a16:creationId xmlns:a16="http://schemas.microsoft.com/office/drawing/2014/main" id="{AC38F9FE-B1FF-4B46-B47C-84FDFB2086B8}"/>
               </a:ext>
             </a:extLst>
           </p:cNvPr>
@@ -4593,8 +4684,8 @@
         </p:blipFill>
         <p:spPr>
           <a:xfrm>
-            <a:off x="4805463" y="4337196"/>
-            <a:ext cx="6212913" cy="416974"/>
+            <a:off x="4396902" y="3773491"/>
+            <a:ext cx="7600545" cy="2355098"/>
           </a:xfrm>
           <a:prstGeom prst="rect">
             <a:avLst/>
@@ -4604,7 +4695,7 @@
     </p:spTree>
     <p:extLst>
       <p:ext uri="{BB962C8B-B14F-4D97-AF65-F5344CB8AC3E}">
-        <p14:creationId xmlns:p14="http://schemas.microsoft.com/office/powerpoint/2010/main" val="3152780966"/>
+        <p14:creationId xmlns:p14="http://schemas.microsoft.com/office/powerpoint/2010/main" val="903686768"/>
       </p:ext>
     </p:extLst>
   </p:cSld>
@@ -4645,8 +4736,8 @@
         </p:nvSpPr>
         <p:spPr>
           <a:xfrm>
-            <a:off x="1567548" y="234049"/>
-            <a:ext cx="9219640" cy="1323439"/>
+            <a:off x="1949152" y="234049"/>
+            <a:ext cx="8456419" cy="1323439"/>
           </a:xfrm>
           <a:prstGeom prst="rect">
             <a:avLst/>
@@ -4679,7 +4770,7 @@
                   </a:outerShdw>
                 </a:effectLst>
               </a:rPr>
-              <a:t>Discriminated Unions</a:t>
+              <a:t>Seq, Array and Lists</a:t>
             </a:r>
           </a:p>
         </p:txBody>
@@ -4702,7 +4793,7 @@
         </p:nvSpPr>
         <p:spPr>
           <a:xfrm>
-            <a:off x="-729574" y="1625863"/>
+            <a:off x="-218365" y="2347316"/>
             <a:ext cx="5126476" cy="3606274"/>
           </a:xfrm>
         </p:spPr>
@@ -4715,15 +4806,7 @@
             <a:pPr lvl="2"/>
             <a:r>
               <a:rPr lang="en-GB" sz="3200" dirty="0"/>
-              <a:t>If Discriminated Unions only have numbers, compiles to </a:t>
-            </a:r>
-            <a:r>
-              <a:rPr lang="en-GB" sz="3200" dirty="0" err="1"/>
-              <a:t>enum</a:t>
-            </a:r>
-            <a:r>
-              <a:rPr lang="en-GB" sz="3200" dirty="0"/>
-              <a:t>. </a:t>
+              <a:t>Arrays work as expected</a:t>
             </a:r>
           </a:p>
           <a:p>
@@ -4733,22 +4816,27 @@
           <a:p>
             <a:pPr lvl="2"/>
             <a:r>
+              <a:rPr lang="en-GB" sz="3200" dirty="0" err="1"/>
+              <a:t>Seq</a:t>
+            </a:r>
+            <a:r>
               <a:rPr lang="en-GB" sz="3200" dirty="0"/>
-              <a:t>If Discriminated Union uses types, creates a abstract class which has methods for creating sub-types </a:t>
-            </a:r>
-          </a:p>
-          <a:p>
-            <a:pPr lvl="2"/>
+              <a:t> get exposed as </a:t>
+            </a:r>
+            <a:r>
+              <a:rPr lang="en-GB" sz="3200" dirty="0" err="1"/>
+              <a:t>IEnumerable</a:t>
+            </a:r>
             <a:endParaRPr lang="en-GB" sz="3200" dirty="0"/>
           </a:p>
         </p:txBody>
       </p:sp>
       <p:pic>
         <p:nvPicPr>
-          <p:cNvPr id="7" name="Picture 6">
-            <a:extLst>
-              <a:ext uri="{FF2B5EF4-FFF2-40B4-BE49-F238E27FC236}">
-                <a16:creationId xmlns:a16="http://schemas.microsoft.com/office/drawing/2014/main" id="{DF988633-CCE3-4402-AFE3-BDFB18C34163}"/>
+          <p:cNvPr id="8" name="Picture 7">
+            <a:extLst>
+              <a:ext uri="{FF2B5EF4-FFF2-40B4-BE49-F238E27FC236}">
+                <a16:creationId xmlns:a16="http://schemas.microsoft.com/office/drawing/2014/main" id="{BF768408-B4B3-4C2E-A49E-5CD0052A0360}"/>
               </a:ext>
             </a:extLst>
           </p:cNvPr>
@@ -4765,8 +4853,8 @@
         </p:blipFill>
         <p:spPr>
           <a:xfrm>
-            <a:off x="5177603" y="1625863"/>
-            <a:ext cx="2617497" cy="1325746"/>
+            <a:off x="6096000" y="3913391"/>
+            <a:ext cx="5367072" cy="474123"/>
           </a:xfrm>
           <a:prstGeom prst="rect">
             <a:avLst/>
@@ -4775,10 +4863,10 @@
       </p:pic>
       <p:pic>
         <p:nvPicPr>
-          <p:cNvPr id="8" name="Picture 7">
-            <a:extLst>
-              <a:ext uri="{FF2B5EF4-FFF2-40B4-BE49-F238E27FC236}">
-                <a16:creationId xmlns:a16="http://schemas.microsoft.com/office/drawing/2014/main" id="{544C0C91-217B-4E18-9EB3-B3A0AF3D7E91}"/>
+          <p:cNvPr id="10" name="Picture 9">
+            <a:extLst>
+              <a:ext uri="{FF2B5EF4-FFF2-40B4-BE49-F238E27FC236}">
+                <a16:creationId xmlns:a16="http://schemas.microsoft.com/office/drawing/2014/main" id="{D3F44413-DAC0-4935-8BC6-D690499F5AEC}"/>
               </a:ext>
             </a:extLst>
           </p:cNvPr>
@@ -4795,83 +4883,18 @@
         </p:blipFill>
         <p:spPr>
           <a:xfrm>
-            <a:off x="8244065" y="1625863"/>
-            <a:ext cx="2423734" cy="1343966"/>
+            <a:off x="6688570" y="2269086"/>
+            <a:ext cx="3831426" cy="1056945"/>
           </a:xfrm>
           <a:prstGeom prst="rect">
             <a:avLst/>
           </a:prstGeom>
-        </p:spPr>
-      </p:pic>
-      <p:pic>
-        <p:nvPicPr>
-          <p:cNvPr id="9" name="Picture 8">
-            <a:extLst>
-              <a:ext uri="{FF2B5EF4-FFF2-40B4-BE49-F238E27FC236}">
-                <a16:creationId xmlns:a16="http://schemas.microsoft.com/office/drawing/2014/main" id="{3FBBBBB1-55C7-4EAE-9136-105AFEA95044}"/>
-              </a:ext>
-            </a:extLst>
-          </p:cNvPr>
-          <p:cNvPicPr>
-            <a:picLocks noChangeAspect="1"/>
-          </p:cNvPicPr>
-          <p:nvPr/>
-        </p:nvPicPr>
-        <p:blipFill>
-          <a:blip r:embed="rId4"/>
-          <a:stretch>
-            <a:fillRect/>
-          </a:stretch>
-        </p:blipFill>
-        <p:spPr>
-          <a:xfrm>
-            <a:off x="4982096" y="3261157"/>
-            <a:ext cx="5982534" cy="3362794"/>
-          </a:xfrm>
-          <a:prstGeom prst="rect">
-            <a:avLst/>
-          </a:prstGeom>
-        </p:spPr>
-      </p:pic>
-      <p:pic>
-        <p:nvPicPr>
-          <p:cNvPr id="10" name="Picture 9">
-            <a:extLst>
-              <a:ext uri="{FF2B5EF4-FFF2-40B4-BE49-F238E27FC236}">
-                <a16:creationId xmlns:a16="http://schemas.microsoft.com/office/drawing/2014/main" id="{84F25A64-E8CC-4B0A-B2FE-E33441ADBF0E}"/>
-              </a:ext>
-            </a:extLst>
-          </p:cNvPr>
-          <p:cNvPicPr>
-            <a:picLocks noChangeAspect="1"/>
-          </p:cNvPicPr>
-          <p:nvPr/>
-        </p:nvPicPr>
-        <p:blipFill>
-          <a:blip r:embed="rId5"/>
-          <a:stretch>
-            <a:fillRect/>
-          </a:stretch>
-        </p:blipFill>
-        <p:spPr>
-          <a:xfrm>
-            <a:off x="7973363" y="3495712"/>
-            <a:ext cx="2905530" cy="714475"/>
-          </a:xfrm>
-          <a:prstGeom prst="rect">
-            <a:avLst/>
-          </a:prstGeom>
-          <a:ln>
-            <a:solidFill>
-              <a:schemeClr val="bg1"/>
-            </a:solidFill>
-          </a:ln>
         </p:spPr>
       </p:pic>
     </p:spTree>
     <p:extLst>
       <p:ext uri="{BB962C8B-B14F-4D97-AF65-F5344CB8AC3E}">
-        <p14:creationId xmlns:p14="http://schemas.microsoft.com/office/powerpoint/2010/main" val="418123097"/>
+        <p14:creationId xmlns:p14="http://schemas.microsoft.com/office/powerpoint/2010/main" val="2817817563"/>
       </p:ext>
     </p:extLst>
   </p:cSld>
@@ -4912,8 +4935,8 @@
         </p:nvSpPr>
         <p:spPr>
           <a:xfrm>
-            <a:off x="5171324" y="234049"/>
-            <a:ext cx="2012089" cy="1323439"/>
+            <a:off x="3859261" y="234049"/>
+            <a:ext cx="4636206" cy="1323439"/>
           </a:xfrm>
           <a:prstGeom prst="rect">
             <a:avLst/>
@@ -4946,7 +4969,7 @@
                   </a:outerShdw>
                 </a:effectLst>
               </a:rPr>
-              <a:t>Unit</a:t>
+              <a:t>Functions!</a:t>
             </a:r>
           </a:p>
         </p:txBody>
@@ -4982,18 +5005,7 @@
             <a:pPr lvl="2"/>
             <a:r>
               <a:rPr lang="en-GB" sz="3200" dirty="0"/>
-              <a:t>If a function returns Unit, compiles down to return void</a:t>
-            </a:r>
-          </a:p>
-          <a:p>
-            <a:pPr lvl="2"/>
-            <a:endParaRPr lang="en-GB" sz="3200" dirty="0"/>
-          </a:p>
-          <a:p>
-            <a:pPr lvl="2"/>
-            <a:r>
-              <a:rPr lang="en-GB" sz="3200" dirty="0"/>
-              <a:t>If used as a parameter, use null</a:t>
+              <a:t>Functions will work as long as they don’t accept other functions as parameters (more on this later)</a:t>
             </a:r>
           </a:p>
           <a:p>
@@ -5007,7 +5019,7 @@
           <p:cNvPr id="2" name="Picture 1">
             <a:extLst>
               <a:ext uri="{FF2B5EF4-FFF2-40B4-BE49-F238E27FC236}">
-                <a16:creationId xmlns:a16="http://schemas.microsoft.com/office/drawing/2014/main" id="{1F0F7F87-0EA8-49CF-A744-8AB380708287}"/>
+                <a16:creationId xmlns:a16="http://schemas.microsoft.com/office/drawing/2014/main" id="{BB608154-EBC8-480A-A8A2-FF07477F2384}"/>
               </a:ext>
             </a:extLst>
           </p:cNvPr>
@@ -5024,8 +5036,8 @@
         </p:blipFill>
         <p:spPr>
           <a:xfrm>
-            <a:off x="5431238" y="1871637"/>
-            <a:ext cx="4470997" cy="838312"/>
+            <a:off x="5629376" y="1557488"/>
+            <a:ext cx="4069101" cy="1188914"/>
           </a:xfrm>
           <a:prstGeom prst="rect">
             <a:avLst/>
@@ -5037,7 +5049,7 @@
           <p:cNvPr id="3" name="Picture 2">
             <a:extLst>
               <a:ext uri="{FF2B5EF4-FFF2-40B4-BE49-F238E27FC236}">
-                <a16:creationId xmlns:a16="http://schemas.microsoft.com/office/drawing/2014/main" id="{3B74CDE9-0595-40A4-B707-ED00D545CDDA}"/>
+                <a16:creationId xmlns:a16="http://schemas.microsoft.com/office/drawing/2014/main" id="{BE02A6C4-D9E0-4D7C-B357-E48F5C3BE3BE}"/>
               </a:ext>
             </a:extLst>
           </p:cNvPr>
@@ -5054,8 +5066,38 @@
         </p:blipFill>
         <p:spPr>
           <a:xfrm>
-            <a:off x="5056353" y="3350270"/>
-            <a:ext cx="5737270" cy="490210"/>
+            <a:off x="4380667" y="3271026"/>
+            <a:ext cx="7225982" cy="493578"/>
+          </a:xfrm>
+          <a:prstGeom prst="rect">
+            <a:avLst/>
+          </a:prstGeom>
+        </p:spPr>
+      </p:pic>
+      <p:pic>
+        <p:nvPicPr>
+          <p:cNvPr id="6" name="Picture 5">
+            <a:extLst>
+              <a:ext uri="{FF2B5EF4-FFF2-40B4-BE49-F238E27FC236}">
+                <a16:creationId xmlns:a16="http://schemas.microsoft.com/office/drawing/2014/main" id="{E89A19FE-9673-45CD-A669-5C7E07BAD3F3}"/>
+              </a:ext>
+            </a:extLst>
+          </p:cNvPr>
+          <p:cNvPicPr>
+            <a:picLocks noChangeAspect="1"/>
+          </p:cNvPicPr>
+          <p:nvPr/>
+        </p:nvPicPr>
+        <p:blipFill>
+          <a:blip r:embed="rId4"/>
+          <a:stretch>
+            <a:fillRect/>
+          </a:stretch>
+        </p:blipFill>
+        <p:spPr>
+          <a:xfrm>
+            <a:off x="4805463" y="4337196"/>
+            <a:ext cx="6212913" cy="416974"/>
           </a:xfrm>
           <a:prstGeom prst="rect">
             <a:avLst/>
@@ -5065,7 +5107,7 @@
     </p:spTree>
     <p:extLst>
       <p:ext uri="{BB962C8B-B14F-4D97-AF65-F5344CB8AC3E}">
-        <p14:creationId xmlns:p14="http://schemas.microsoft.com/office/powerpoint/2010/main" val="64817964"/>
+        <p14:creationId xmlns:p14="http://schemas.microsoft.com/office/powerpoint/2010/main" val="3152780966"/>
       </p:ext>
     </p:extLst>
   </p:cSld>
@@ -5106,8 +5148,8 @@
         </p:nvSpPr>
         <p:spPr>
           <a:xfrm>
-            <a:off x="2267839" y="2151727"/>
-            <a:ext cx="7208669" cy="2554545"/>
+            <a:off x="1567548" y="234049"/>
+            <a:ext cx="9219640" cy="1323439"/>
           </a:xfrm>
           <a:prstGeom prst="rect">
             <a:avLst/>
@@ -5115,7 +5157,7 @@
           <a:noFill/>
         </p:spPr>
         <p:txBody>
-          <a:bodyPr wrap="square" lIns="91440" tIns="45720" rIns="91440" bIns="45720">
+          <a:bodyPr wrap="none" lIns="91440" tIns="45720" rIns="91440" bIns="45720">
             <a:spAutoFit/>
           </a:bodyPr>
           <a:lstStyle/>
@@ -5140,7 +5182,225 @@
                   </a:outerShdw>
                 </a:effectLst>
               </a:rPr>
-              <a:t>Things that work not so well</a:t>
+              <a:t>Discriminated Unions</a:t>
+            </a:r>
+          </a:p>
+        </p:txBody>
+      </p:sp>
+      <p:sp>
+        <p:nvSpPr>
+          <p:cNvPr id="5" name="Content Placeholder 2">
+            <a:extLst>
+              <a:ext uri="{FF2B5EF4-FFF2-40B4-BE49-F238E27FC236}">
+                <a16:creationId xmlns:a16="http://schemas.microsoft.com/office/drawing/2014/main" id="{93B4D857-0A6D-4657-913A-56C62D4776A0}"/>
+              </a:ext>
+            </a:extLst>
+          </p:cNvPr>
+          <p:cNvSpPr>
+            <a:spLocks noGrp="1"/>
+          </p:cNvSpPr>
+          <p:nvPr>
+            <p:ph idx="1"/>
+          </p:nvPr>
+        </p:nvSpPr>
+        <p:spPr>
+          <a:xfrm>
+            <a:off x="-729574" y="1625863"/>
+            <a:ext cx="5126476" cy="3606274"/>
+          </a:xfrm>
+        </p:spPr>
+        <p:txBody>
+          <a:bodyPr>
+            <a:noAutofit/>
+          </a:bodyPr>
+          <a:lstStyle/>
+          <a:p>
+            <a:pPr lvl="2"/>
+            <a:r>
+              <a:rPr lang="en-GB" sz="3200" dirty="0"/>
+              <a:t>If Discriminated Unions only have numbers, compiles to </a:t>
+            </a:r>
+            <a:r>
+              <a:rPr lang="en-GB" sz="3200" dirty="0" err="1"/>
+              <a:t>enum</a:t>
+            </a:r>
+            <a:r>
+              <a:rPr lang="en-GB" sz="3200" dirty="0"/>
+              <a:t>. </a:t>
+            </a:r>
+          </a:p>
+          <a:p>
+            <a:pPr lvl="2"/>
+            <a:endParaRPr lang="en-GB" sz="3200" dirty="0"/>
+          </a:p>
+          <a:p>
+            <a:pPr marL="914400" lvl="2" indent="0">
+              <a:buNone/>
+            </a:pPr>
+            <a:endParaRPr lang="en-GB" sz="3200" dirty="0"/>
+          </a:p>
+        </p:txBody>
+      </p:sp>
+      <p:pic>
+        <p:nvPicPr>
+          <p:cNvPr id="7" name="Picture 6">
+            <a:extLst>
+              <a:ext uri="{FF2B5EF4-FFF2-40B4-BE49-F238E27FC236}">
+                <a16:creationId xmlns:a16="http://schemas.microsoft.com/office/drawing/2014/main" id="{DF988633-CCE3-4402-AFE3-BDFB18C34163}"/>
+              </a:ext>
+            </a:extLst>
+          </p:cNvPr>
+          <p:cNvPicPr>
+            <a:picLocks noChangeAspect="1"/>
+          </p:cNvPicPr>
+          <p:nvPr/>
+        </p:nvPicPr>
+        <p:blipFill>
+          <a:blip r:embed="rId2"/>
+          <a:stretch>
+            <a:fillRect/>
+          </a:stretch>
+        </p:blipFill>
+        <p:spPr>
+          <a:xfrm>
+            <a:off x="5177603" y="1625863"/>
+            <a:ext cx="2617497" cy="1325746"/>
+          </a:xfrm>
+          <a:prstGeom prst="rect">
+            <a:avLst/>
+          </a:prstGeom>
+        </p:spPr>
+      </p:pic>
+      <p:pic>
+        <p:nvPicPr>
+          <p:cNvPr id="8" name="Picture 7">
+            <a:extLst>
+              <a:ext uri="{FF2B5EF4-FFF2-40B4-BE49-F238E27FC236}">
+                <a16:creationId xmlns:a16="http://schemas.microsoft.com/office/drawing/2014/main" id="{544C0C91-217B-4E18-9EB3-B3A0AF3D7E91}"/>
+              </a:ext>
+            </a:extLst>
+          </p:cNvPr>
+          <p:cNvPicPr>
+            <a:picLocks noChangeAspect="1"/>
+          </p:cNvPicPr>
+          <p:nvPr/>
+        </p:nvPicPr>
+        <p:blipFill>
+          <a:blip r:embed="rId3"/>
+          <a:stretch>
+            <a:fillRect/>
+          </a:stretch>
+        </p:blipFill>
+        <p:spPr>
+          <a:xfrm>
+            <a:off x="8244065" y="1625863"/>
+            <a:ext cx="2423734" cy="1343966"/>
+          </a:xfrm>
+          <a:prstGeom prst="rect">
+            <a:avLst/>
+          </a:prstGeom>
+        </p:spPr>
+      </p:pic>
+      <p:pic>
+        <p:nvPicPr>
+          <p:cNvPr id="9" name="Picture 8">
+            <a:extLst>
+              <a:ext uri="{FF2B5EF4-FFF2-40B4-BE49-F238E27FC236}">
+                <a16:creationId xmlns:a16="http://schemas.microsoft.com/office/drawing/2014/main" id="{3FBBBBB1-55C7-4EAE-9136-105AFEA95044}"/>
+              </a:ext>
+            </a:extLst>
+          </p:cNvPr>
+          <p:cNvPicPr>
+            <a:picLocks noChangeAspect="1"/>
+          </p:cNvPicPr>
+          <p:nvPr/>
+        </p:nvPicPr>
+        <p:blipFill>
+          <a:blip r:embed="rId4"/>
+          <a:stretch>
+            <a:fillRect/>
+          </a:stretch>
+        </p:blipFill>
+        <p:spPr>
+          <a:xfrm>
+            <a:off x="4982096" y="3261157"/>
+            <a:ext cx="5982534" cy="3362794"/>
+          </a:xfrm>
+          <a:prstGeom prst="rect">
+            <a:avLst/>
+          </a:prstGeom>
+        </p:spPr>
+      </p:pic>
+      <p:pic>
+        <p:nvPicPr>
+          <p:cNvPr id="10" name="Picture 9">
+            <a:extLst>
+              <a:ext uri="{FF2B5EF4-FFF2-40B4-BE49-F238E27FC236}">
+                <a16:creationId xmlns:a16="http://schemas.microsoft.com/office/drawing/2014/main" id="{84F25A64-E8CC-4B0A-B2FE-E33441ADBF0E}"/>
+              </a:ext>
+            </a:extLst>
+          </p:cNvPr>
+          <p:cNvPicPr>
+            <a:picLocks noChangeAspect="1"/>
+          </p:cNvPicPr>
+          <p:nvPr/>
+        </p:nvPicPr>
+        <p:blipFill>
+          <a:blip r:embed="rId5"/>
+          <a:stretch>
+            <a:fillRect/>
+          </a:stretch>
+        </p:blipFill>
+        <p:spPr>
+          <a:xfrm>
+            <a:off x="7973363" y="3495712"/>
+            <a:ext cx="2905530" cy="714475"/>
+          </a:xfrm>
+          <a:prstGeom prst="rect">
+            <a:avLst/>
+          </a:prstGeom>
+          <a:ln>
+            <a:solidFill>
+              <a:schemeClr val="bg1"/>
+            </a:solidFill>
+          </a:ln>
+        </p:spPr>
+      </p:pic>
+      <p:sp>
+        <p:nvSpPr>
+          <p:cNvPr id="2" name="TextBox 1">
+            <a:extLst>
+              <a:ext uri="{FF2B5EF4-FFF2-40B4-BE49-F238E27FC236}">
+                <a16:creationId xmlns:a16="http://schemas.microsoft.com/office/drawing/2014/main" id="{CBCB4826-775A-4B78-9F61-D5D176AEC80C}"/>
+              </a:ext>
+            </a:extLst>
+          </p:cNvPr>
+          <p:cNvSpPr txBox="1"/>
+          <p:nvPr/>
+        </p:nvSpPr>
+        <p:spPr>
+          <a:xfrm>
+            <a:off x="-729574" y="3576963"/>
+            <a:ext cx="5126476" cy="3046988"/>
+          </a:xfrm>
+          <a:prstGeom prst="rect">
+            <a:avLst/>
+          </a:prstGeom>
+          <a:noFill/>
+        </p:spPr>
+        <p:txBody>
+          <a:bodyPr wrap="square" rtlCol="0">
+            <a:spAutoFit/>
+          </a:bodyPr>
+          <a:lstStyle/>
+          <a:p>
+            <a:pPr marL="1371600" lvl="2" indent="-457200">
+              <a:buFont typeface="Arial" panose="020B0604020202020204" pitchFamily="34" charset="0"/>
+              <a:buChar char="•"/>
+            </a:pPr>
+            <a:r>
+              <a:rPr lang="en-GB" sz="3200" dirty="0"/>
+              <a:t>If Discriminated Union uses types, creates a abstract class which has methods for creating sub-types </a:t>
             </a:r>
           </a:p>
         </p:txBody>
@@ -5148,13 +5408,163 @@
     </p:spTree>
     <p:extLst>
       <p:ext uri="{BB962C8B-B14F-4D97-AF65-F5344CB8AC3E}">
-        <p14:creationId xmlns:p14="http://schemas.microsoft.com/office/powerpoint/2010/main" val="675652422"/>
+        <p14:creationId xmlns:p14="http://schemas.microsoft.com/office/powerpoint/2010/main" val="418123097"/>
       </p:ext>
     </p:extLst>
   </p:cSld>
   <p:clrMapOvr>
     <a:masterClrMapping/>
   </p:clrMapOvr>
+  <p:timing>
+    <p:tnLst>
+      <p:par>
+        <p:cTn id="1" dur="indefinite" restart="never" nodeType="tmRoot">
+          <p:childTnLst>
+            <p:seq concurrent="1" nextAc="seek">
+              <p:cTn id="2" dur="indefinite" nodeType="mainSeq">
+                <p:childTnLst>
+                  <p:par>
+                    <p:cTn id="3" fill="hold">
+                      <p:stCondLst>
+                        <p:cond delay="indefinite"/>
+                      </p:stCondLst>
+                      <p:childTnLst>
+                        <p:par>
+                          <p:cTn id="4" fill="hold">
+                            <p:stCondLst>
+                              <p:cond delay="0"/>
+                            </p:stCondLst>
+                            <p:childTnLst>
+                              <p:par>
+                                <p:cTn id="5" presetID="1" presetClass="entr" presetSubtype="0" fill="hold" grpId="0" nodeType="clickEffect">
+                                  <p:stCondLst>
+                                    <p:cond delay="0"/>
+                                  </p:stCondLst>
+                                  <p:childTnLst>
+                                    <p:set>
+                                      <p:cBhvr>
+                                        <p:cTn id="6" dur="1" fill="hold">
+                                          <p:stCondLst>
+                                            <p:cond delay="0"/>
+                                          </p:stCondLst>
+                                        </p:cTn>
+                                        <p:tgtEl>
+                                          <p:spTgt spid="2"/>
+                                        </p:tgtEl>
+                                        <p:attrNameLst>
+                                          <p:attrName>style.visibility</p:attrName>
+                                        </p:attrNameLst>
+                                      </p:cBhvr>
+                                      <p:to>
+                                        <p:strVal val="visible"/>
+                                      </p:to>
+                                    </p:set>
+                                  </p:childTnLst>
+                                </p:cTn>
+                              </p:par>
+                              <p:par>
+                                <p:cTn id="7" presetID="1" presetClass="entr" presetSubtype="0" fill="hold" nodeType="withEffect">
+                                  <p:stCondLst>
+                                    <p:cond delay="0"/>
+                                  </p:stCondLst>
+                                  <p:childTnLst>
+                                    <p:set>
+                                      <p:cBhvr>
+                                        <p:cTn id="8" dur="1" fill="hold">
+                                          <p:stCondLst>
+                                            <p:cond delay="0"/>
+                                          </p:stCondLst>
+                                        </p:cTn>
+                                        <p:tgtEl>
+                                          <p:spTgt spid="10"/>
+                                        </p:tgtEl>
+                                        <p:attrNameLst>
+                                          <p:attrName>style.visibility</p:attrName>
+                                        </p:attrNameLst>
+                                      </p:cBhvr>
+                                      <p:to>
+                                        <p:strVal val="visible"/>
+                                      </p:to>
+                                    </p:set>
+                                  </p:childTnLst>
+                                </p:cTn>
+                              </p:par>
+                            </p:childTnLst>
+                          </p:cTn>
+                        </p:par>
+                      </p:childTnLst>
+                    </p:cTn>
+                  </p:par>
+                  <p:par>
+                    <p:cTn id="9" fill="hold">
+                      <p:stCondLst>
+                        <p:cond delay="indefinite"/>
+                      </p:stCondLst>
+                      <p:childTnLst>
+                        <p:par>
+                          <p:cTn id="10" fill="hold">
+                            <p:stCondLst>
+                              <p:cond delay="0"/>
+                            </p:stCondLst>
+                            <p:childTnLst>
+                              <p:par>
+                                <p:cTn id="11" presetID="1" presetClass="entr" presetSubtype="0" fill="hold" nodeType="clickEffect">
+                                  <p:stCondLst>
+                                    <p:cond delay="0"/>
+                                  </p:stCondLst>
+                                  <p:childTnLst>
+                                    <p:set>
+                                      <p:cBhvr>
+                                        <p:cTn id="12" dur="1" fill="hold">
+                                          <p:stCondLst>
+                                            <p:cond delay="0"/>
+                                          </p:stCondLst>
+                                        </p:cTn>
+                                        <p:tgtEl>
+                                          <p:spTgt spid="9"/>
+                                        </p:tgtEl>
+                                        <p:attrNameLst>
+                                          <p:attrName>style.visibility</p:attrName>
+                                        </p:attrNameLst>
+                                      </p:cBhvr>
+                                      <p:to>
+                                        <p:strVal val="visible"/>
+                                      </p:to>
+                                    </p:set>
+                                  </p:childTnLst>
+                                </p:cTn>
+                              </p:par>
+                            </p:childTnLst>
+                          </p:cTn>
+                        </p:par>
+                      </p:childTnLst>
+                    </p:cTn>
+                  </p:par>
+                </p:childTnLst>
+              </p:cTn>
+              <p:prevCondLst>
+                <p:cond evt="onPrev" delay="0">
+                  <p:tgtEl>
+                    <p:sldTgt/>
+                  </p:tgtEl>
+                </p:cond>
+              </p:prevCondLst>
+              <p:nextCondLst>
+                <p:cond evt="onNext" delay="0">
+                  <p:tgtEl>
+                    <p:sldTgt/>
+                  </p:tgtEl>
+                </p:cond>
+              </p:nextCondLst>
+            </p:seq>
+          </p:childTnLst>
+        </p:cTn>
+      </p:par>
+    </p:tnLst>
+    <p:bldLst>
+      <p:bldP spid="2" grpId="0"/>
+    </p:bldLst>
+  </p:timing>
 </p:sld>
 </file>
 
@@ -5189,8 +5599,8 @@
         </p:nvSpPr>
         <p:spPr>
           <a:xfrm>
-            <a:off x="5161065" y="234049"/>
-            <a:ext cx="2032608" cy="1323439"/>
+            <a:off x="5171324" y="234049"/>
+            <a:ext cx="2012089" cy="1323439"/>
           </a:xfrm>
           <a:prstGeom prst="rect">
             <a:avLst/>
@@ -5205,13 +5615,16 @@
           <a:p>
             <a:pPr algn="ctr"/>
             <a:r>
-              <a:rPr lang="en-US" sz="8000" b="1" dirty="0">
+              <a:rPr lang="en-US" sz="8000" b="1" cap="none" spc="0" dirty="0">
                 <a:ln w="9525">
                   <a:solidFill>
                     <a:schemeClr val="bg1"/>
                   </a:solidFill>
                   <a:prstDash val="solid"/>
                 </a:ln>
+                <a:solidFill>
+                  <a:schemeClr val="tx1"/>
+                </a:solidFill>
                 <a:effectLst>
                   <a:outerShdw blurRad="12700" dist="38100" dir="2700000" algn="tl" rotWithShape="0">
                     <a:schemeClr val="bg1">
@@ -5220,26 +5633,8 @@
                   </a:outerShdw>
                 </a:effectLst>
               </a:rPr>
-              <a:t>Lists</a:t>
-            </a:r>
-            <a:endParaRPr lang="en-US" sz="8000" b="1" cap="none" spc="0" dirty="0">
-              <a:ln w="9525">
-                <a:solidFill>
-                  <a:schemeClr val="bg1"/>
-                </a:solidFill>
-                <a:prstDash val="solid"/>
-              </a:ln>
-              <a:solidFill>
-                <a:schemeClr val="tx1"/>
-              </a:solidFill>
-              <a:effectLst>
-                <a:outerShdw blurRad="12700" dist="38100" dir="2700000" algn="tl" rotWithShape="0">
-                  <a:schemeClr val="bg1">
-                    <a:lumMod val="50000"/>
-                  </a:schemeClr>
-                </a:outerShdw>
-              </a:effectLst>
-            </a:endParaRPr>
+              <a:t>Unit</a:t>
+            </a:r>
           </a:p>
         </p:txBody>
       </p:sp>
@@ -5274,50 +5669,22 @@
             <a:pPr lvl="2"/>
             <a:r>
               <a:rPr lang="en-GB" sz="3200" dirty="0"/>
-              <a:t>Lists in F# are different to C# Lists, this may cause some confusion. </a:t>
+              <a:t>If a function returns Unit, compiles down to return void</a:t>
             </a:r>
           </a:p>
           <a:p>
             <a:pPr lvl="2"/>
+            <a:endParaRPr lang="en-GB" sz="3200" dirty="0"/>
+          </a:p>
+          <a:p>
+            <a:pPr lvl="2"/>
             <a:r>
               <a:rPr lang="en-GB" sz="3200" dirty="0"/>
-              <a:t>You can import </a:t>
-            </a:r>
-            <a:r>
-              <a:rPr lang="en-GB" sz="3200" dirty="0" err="1"/>
-              <a:t>FsharpList</a:t>
-            </a:r>
-            <a:r>
-              <a:rPr lang="en-GB" sz="3200" dirty="0"/>
-              <a:t>&lt;T&gt; type from </a:t>
-            </a:r>
-            <a:r>
-              <a:rPr lang="en-GB" sz="3200" dirty="0" err="1"/>
-              <a:t>Fsharp.Core</a:t>
-            </a:r>
-            <a:r>
-              <a:rPr lang="en-GB" sz="3200" dirty="0"/>
-              <a:t> </a:t>
-            </a:r>
-            <a:r>
-              <a:rPr lang="en-GB" sz="3200" dirty="0" err="1"/>
-              <a:t>Nuget</a:t>
-            </a:r>
-            <a:r>
-              <a:rPr lang="en-GB" sz="3200" dirty="0"/>
-              <a:t> package.</a:t>
+              <a:t>If used as a parameter, use null</a:t>
             </a:r>
           </a:p>
           <a:p>
             <a:pPr lvl="2"/>
-            <a:r>
-              <a:rPr lang="en-GB" sz="3200" dirty="0"/>
-              <a:t>Or just use </a:t>
-            </a:r>
-            <a:r>
-              <a:rPr lang="en-GB" sz="3200" dirty="0" err="1"/>
-              <a:t>IReadonlyCollection</a:t>
-            </a:r>
             <a:endParaRPr lang="en-GB" sz="3200" dirty="0"/>
           </a:p>
         </p:txBody>
@@ -5327,7 +5694,7 @@
           <p:cNvPr id="2" name="Picture 1">
             <a:extLst>
               <a:ext uri="{FF2B5EF4-FFF2-40B4-BE49-F238E27FC236}">
-                <a16:creationId xmlns:a16="http://schemas.microsoft.com/office/drawing/2014/main" id="{22999246-BAE2-4776-BB4C-552B114536DA}"/>
+                <a16:creationId xmlns:a16="http://schemas.microsoft.com/office/drawing/2014/main" id="{1F0F7F87-0EA8-49CF-A744-8AB380708287}"/>
               </a:ext>
             </a:extLst>
           </p:cNvPr>
@@ -5344,8 +5711,8 @@
         </p:blipFill>
         <p:spPr>
           <a:xfrm>
-            <a:off x="4302716" y="3993055"/>
-            <a:ext cx="7597397" cy="369220"/>
+            <a:off x="5431238" y="1871637"/>
+            <a:ext cx="4470997" cy="838312"/>
           </a:xfrm>
           <a:prstGeom prst="rect">
             <a:avLst/>
@@ -5357,7 +5724,7 @@
           <p:cNvPr id="3" name="Picture 2">
             <a:extLst>
               <a:ext uri="{FF2B5EF4-FFF2-40B4-BE49-F238E27FC236}">
-                <a16:creationId xmlns:a16="http://schemas.microsoft.com/office/drawing/2014/main" id="{1E8E4675-350A-4295-B2C4-1F33608937BD}"/>
+                <a16:creationId xmlns:a16="http://schemas.microsoft.com/office/drawing/2014/main" id="{3B74CDE9-0595-40A4-B707-ED00D545CDDA}"/>
               </a:ext>
             </a:extLst>
           </p:cNvPr>
@@ -5374,8 +5741,8 @@
         </p:blipFill>
         <p:spPr>
           <a:xfrm>
-            <a:off x="5395464" y="2206229"/>
-            <a:ext cx="5242204" cy="759384"/>
+            <a:off x="5056353" y="3350270"/>
+            <a:ext cx="5737270" cy="490210"/>
           </a:xfrm>
           <a:prstGeom prst="rect">
             <a:avLst/>
@@ -5385,7 +5752,7 @@
     </p:spTree>
     <p:extLst>
       <p:ext uri="{BB962C8B-B14F-4D97-AF65-F5344CB8AC3E}">
-        <p14:creationId xmlns:p14="http://schemas.microsoft.com/office/powerpoint/2010/main" val="189725039"/>
+        <p14:creationId xmlns:p14="http://schemas.microsoft.com/office/powerpoint/2010/main" val="64817964"/>
       </p:ext>
     </p:extLst>
   </p:cSld>
@@ -5412,36 +5779,6 @@
           <a:chExt cx="0" cy="0"/>
         </a:xfrm>
       </p:grpSpPr>
-      <p:pic>
-        <p:nvPicPr>
-          <p:cNvPr id="8" name="Picture 7">
-            <a:extLst>
-              <a:ext uri="{FF2B5EF4-FFF2-40B4-BE49-F238E27FC236}">
-                <a16:creationId xmlns:a16="http://schemas.microsoft.com/office/drawing/2014/main" id="{3D50C6B0-24ED-45B1-A493-6219AB87B619}"/>
-              </a:ext>
-            </a:extLst>
-          </p:cNvPr>
-          <p:cNvPicPr>
-            <a:picLocks noChangeAspect="1"/>
-          </p:cNvPicPr>
-          <p:nvPr/>
-        </p:nvPicPr>
-        <p:blipFill>
-          <a:blip r:embed="rId2"/>
-          <a:stretch>
-            <a:fillRect/>
-          </a:stretch>
-        </p:blipFill>
-        <p:spPr>
-          <a:xfrm>
-            <a:off x="310393" y="3174418"/>
-            <a:ext cx="8997248" cy="3606274"/>
-          </a:xfrm>
-          <a:prstGeom prst="rect">
-            <a:avLst/>
-          </a:prstGeom>
-        </p:spPr>
-      </p:pic>
       <p:sp>
         <p:nvSpPr>
           <p:cNvPr id="4" name="Rectangle 3">
@@ -5456,8 +5793,8 @@
         </p:nvSpPr>
         <p:spPr>
           <a:xfrm>
-            <a:off x="1529884" y="234049"/>
-            <a:ext cx="9294980" cy="1323439"/>
+            <a:off x="2267839" y="2151727"/>
+            <a:ext cx="7208669" cy="2554545"/>
           </a:xfrm>
           <a:prstGeom prst="rect">
             <a:avLst/>
@@ -5465,20 +5802,23 @@
           <a:noFill/>
         </p:spPr>
         <p:txBody>
-          <a:bodyPr wrap="none" lIns="91440" tIns="45720" rIns="91440" bIns="45720">
+          <a:bodyPr wrap="square" lIns="91440" tIns="45720" rIns="91440" bIns="45720">
             <a:spAutoFit/>
           </a:bodyPr>
           <a:lstStyle/>
           <a:p>
             <a:pPr algn="ctr"/>
             <a:r>
-              <a:rPr lang="en-US" sz="8000" b="1" dirty="0">
+              <a:rPr lang="en-US" sz="8000" b="1" cap="none" spc="0" dirty="0">
                 <a:ln w="9525">
                   <a:solidFill>
                     <a:schemeClr val="bg1"/>
                   </a:solidFill>
                   <a:prstDash val="solid"/>
                 </a:ln>
+                <a:solidFill>
+                  <a:schemeClr val="tx1"/>
+                </a:solidFill>
                 <a:effectLst>
                   <a:outerShdw blurRad="12700" dist="38100" dir="2700000" algn="tl" rotWithShape="0">
                     <a:schemeClr val="bg1">
@@ -5487,129 +5827,15 @@
                   </a:outerShdw>
                 </a:effectLst>
               </a:rPr>
-              <a:t>Discriminated Unions</a:t>
-            </a:r>
-            <a:endParaRPr lang="en-US" sz="8000" b="1" cap="none" spc="0" dirty="0">
-              <a:ln w="9525">
-                <a:solidFill>
-                  <a:schemeClr val="bg1"/>
-                </a:solidFill>
-                <a:prstDash val="solid"/>
-              </a:ln>
-              <a:solidFill>
-                <a:schemeClr val="tx1"/>
-              </a:solidFill>
-              <a:effectLst>
-                <a:outerShdw blurRad="12700" dist="38100" dir="2700000" algn="tl" rotWithShape="0">
-                  <a:schemeClr val="bg1">
-                    <a:lumMod val="50000"/>
-                  </a:schemeClr>
-                </a:outerShdw>
-              </a:effectLst>
-            </a:endParaRPr>
-          </a:p>
-        </p:txBody>
-      </p:sp>
-      <p:sp>
-        <p:nvSpPr>
-          <p:cNvPr id="5" name="Content Placeholder 2">
-            <a:extLst>
-              <a:ext uri="{FF2B5EF4-FFF2-40B4-BE49-F238E27FC236}">
-                <a16:creationId xmlns:a16="http://schemas.microsoft.com/office/drawing/2014/main" id="{93B4D857-0A6D-4657-913A-56C62D4776A0}"/>
-              </a:ext>
-            </a:extLst>
-          </p:cNvPr>
-          <p:cNvSpPr>
-            <a:spLocks noGrp="1"/>
-          </p:cNvSpPr>
-          <p:nvPr>
-            <p:ph idx="1"/>
-          </p:nvPr>
-        </p:nvSpPr>
-        <p:spPr>
-          <a:xfrm>
-            <a:off x="-729574" y="1625863"/>
-            <a:ext cx="5126476" cy="3606274"/>
-          </a:xfrm>
-        </p:spPr>
-        <p:txBody>
-          <a:bodyPr>
-            <a:noAutofit/>
-          </a:bodyPr>
-          <a:lstStyle/>
-          <a:p>
-            <a:pPr lvl="2"/>
-            <a:r>
-              <a:rPr lang="en-GB" sz="3200" dirty="0"/>
-              <a:t>If we don’t provide a type, DU’s don’t play so well. </a:t>
-            </a:r>
-          </a:p>
-        </p:txBody>
-      </p:sp>
-      <p:pic>
-        <p:nvPicPr>
-          <p:cNvPr id="6" name="Picture 5">
-            <a:extLst>
-              <a:ext uri="{FF2B5EF4-FFF2-40B4-BE49-F238E27FC236}">
-                <a16:creationId xmlns:a16="http://schemas.microsoft.com/office/drawing/2014/main" id="{EAF1BFE2-D1F8-4731-BD60-321112601C11}"/>
-              </a:ext>
-            </a:extLst>
-          </p:cNvPr>
-          <p:cNvPicPr>
-            <a:picLocks noChangeAspect="1"/>
-          </p:cNvPicPr>
-          <p:nvPr/>
-        </p:nvPicPr>
-        <p:blipFill>
-          <a:blip r:embed="rId3"/>
-          <a:stretch>
-            <a:fillRect/>
-          </a:stretch>
-        </p:blipFill>
-        <p:spPr>
-          <a:xfrm>
-            <a:off x="4614432" y="1625863"/>
-            <a:ext cx="2130317" cy="962079"/>
-          </a:xfrm>
-          <a:prstGeom prst="rect">
-            <a:avLst/>
-          </a:prstGeom>
-        </p:spPr>
-      </p:pic>
-      <p:pic>
-        <p:nvPicPr>
-          <p:cNvPr id="7" name="Picture 6">
-            <a:extLst>
-              <a:ext uri="{FF2B5EF4-FFF2-40B4-BE49-F238E27FC236}">
-                <a16:creationId xmlns:a16="http://schemas.microsoft.com/office/drawing/2014/main" id="{39928E91-B5DB-4CAD-A796-B497DA41C477}"/>
-              </a:ext>
-            </a:extLst>
-          </p:cNvPr>
-          <p:cNvPicPr>
-            <a:picLocks noChangeAspect="1"/>
-          </p:cNvPicPr>
-          <p:nvPr/>
-        </p:nvPicPr>
-        <p:blipFill>
-          <a:blip r:embed="rId4"/>
-          <a:stretch>
-            <a:fillRect/>
-          </a:stretch>
-        </p:blipFill>
-        <p:spPr>
-          <a:xfrm>
-            <a:off x="7991276" y="1398357"/>
-            <a:ext cx="3293118" cy="2379169"/>
-          </a:xfrm>
-          <a:prstGeom prst="rect">
-            <a:avLst/>
-          </a:prstGeom>
-        </p:spPr>
-      </p:pic>
+              <a:t>Things that work not so well</a:t>
+            </a:r>
+          </a:p>
+        </p:txBody>
+      </p:sp>
     </p:spTree>
     <p:extLst>
       <p:ext uri="{BB962C8B-B14F-4D97-AF65-F5344CB8AC3E}">
-        <p14:creationId xmlns:p14="http://schemas.microsoft.com/office/powerpoint/2010/main" val="2331310837"/>
+        <p14:creationId xmlns:p14="http://schemas.microsoft.com/office/powerpoint/2010/main" val="675652422"/>
       </p:ext>
     </p:extLst>
   </p:cSld>
@@ -5650,8 +5876,8 @@
         </p:nvSpPr>
         <p:spPr>
           <a:xfrm>
-            <a:off x="4406308" y="234049"/>
-            <a:ext cx="3542124" cy="1323439"/>
+            <a:off x="5161065" y="234049"/>
+            <a:ext cx="2032608" cy="1323439"/>
           </a:xfrm>
           <a:prstGeom prst="rect">
             <a:avLst/>
@@ -5681,7 +5907,7 @@
                   </a:outerShdw>
                 </a:effectLst>
               </a:rPr>
-              <a:t>Options</a:t>
+              <a:t>Lists</a:t>
             </a:r>
             <a:endParaRPr lang="en-US" sz="8000" b="1" cap="none" spc="0" dirty="0">
               <a:ln w="9525">
@@ -5735,24 +5961,60 @@
             <a:pPr lvl="2"/>
             <a:r>
               <a:rPr lang="en-GB" sz="3200" dirty="0"/>
-              <a:t>Options allow you to get the value and work as expected. </a:t>
+              <a:t>Lists in F# are different to C# Lists, this may cause some confusion. </a:t>
             </a:r>
           </a:p>
           <a:p>
             <a:pPr lvl="2"/>
             <a:r>
               <a:rPr lang="en-GB" sz="3200" dirty="0"/>
-              <a:t>None simply returns as null therefore making it unsafe</a:t>
-            </a:r>
+              <a:t>You can import </a:t>
+            </a:r>
+            <a:r>
+              <a:rPr lang="en-GB" sz="3200" dirty="0" err="1"/>
+              <a:t>FsharpList</a:t>
+            </a:r>
+            <a:r>
+              <a:rPr lang="en-GB" sz="3200" dirty="0"/>
+              <a:t>&lt;T&gt; type from </a:t>
+            </a:r>
+            <a:r>
+              <a:rPr lang="en-GB" sz="3200" dirty="0" err="1"/>
+              <a:t>Fsharp.Core</a:t>
+            </a:r>
+            <a:r>
+              <a:rPr lang="en-GB" sz="3200" dirty="0"/>
+              <a:t> </a:t>
+            </a:r>
+            <a:r>
+              <a:rPr lang="en-GB" sz="3200" dirty="0" err="1"/>
+              <a:t>Nuget</a:t>
+            </a:r>
+            <a:r>
+              <a:rPr lang="en-GB" sz="3200" dirty="0"/>
+              <a:t> package.</a:t>
+            </a:r>
+          </a:p>
+          <a:p>
+            <a:pPr lvl="2"/>
+            <a:r>
+              <a:rPr lang="en-GB" sz="3200" dirty="0"/>
+              <a:t>Or just use </a:t>
+            </a:r>
+            <a:r>
+              <a:rPr lang="en-GB" sz="3200" dirty="0" err="1"/>
+              <a:t>IReadonlyCollection</a:t>
+            </a:r>
+            <a:endParaRPr lang="en-GB" sz="3200" dirty="0"/>
           </a:p>
         </p:txBody>
       </p:sp>
       <p:pic>
         <p:nvPicPr>
-          <p:cNvPr id="10" name="Picture 9">
-            <a:extLst>
-              <a:ext uri="{FF2B5EF4-FFF2-40B4-BE49-F238E27FC236}">
-                <a16:creationId xmlns:a16="http://schemas.microsoft.com/office/drawing/2014/main" id="{6449619A-49C6-4517-93CC-604BB1CC9442}"/>
+          <p:cNvPr id="2" name="Picture 1">
+            <a:extLst>
+              <a:ext uri="{FF2B5EF4-FFF2-40B4-BE49-F238E27FC236}">
+                <a16:creationId xmlns:a16="http://schemas.microsoft.com/office/drawing/2014/main" id="{22999246-BAE2-4776-BB4C-552B114536DA}"/>
               </a:ext>
             </a:extLst>
           </p:cNvPr>
@@ -5769,8 +6031,8 @@
         </p:blipFill>
         <p:spPr>
           <a:xfrm>
-            <a:off x="5736087" y="1625863"/>
-            <a:ext cx="3991532" cy="790685"/>
+            <a:off x="4302716" y="3993055"/>
+            <a:ext cx="7597397" cy="369220"/>
           </a:xfrm>
           <a:prstGeom prst="rect">
             <a:avLst/>
@@ -5779,10 +6041,10 @@
       </p:pic>
       <p:pic>
         <p:nvPicPr>
-          <p:cNvPr id="11" name="Picture 10">
-            <a:extLst>
-              <a:ext uri="{FF2B5EF4-FFF2-40B4-BE49-F238E27FC236}">
-                <a16:creationId xmlns:a16="http://schemas.microsoft.com/office/drawing/2014/main" id="{94952F5D-92D6-4BB3-A51F-D15690556930}"/>
+          <p:cNvPr id="3" name="Picture 2">
+            <a:extLst>
+              <a:ext uri="{FF2B5EF4-FFF2-40B4-BE49-F238E27FC236}">
+                <a16:creationId xmlns:a16="http://schemas.microsoft.com/office/drawing/2014/main" id="{1E8E4675-350A-4295-B2C4-1F33608937BD}"/>
               </a:ext>
             </a:extLst>
           </p:cNvPr>
@@ -5799,38 +6061,8 @@
         </p:blipFill>
         <p:spPr>
           <a:xfrm>
-            <a:off x="5202612" y="2857420"/>
-            <a:ext cx="5058481" cy="1143160"/>
-          </a:xfrm>
-          <a:prstGeom prst="rect">
-            <a:avLst/>
-          </a:prstGeom>
-        </p:spPr>
-      </p:pic>
-      <p:pic>
-        <p:nvPicPr>
-          <p:cNvPr id="12" name="Picture 11">
-            <a:extLst>
-              <a:ext uri="{FF2B5EF4-FFF2-40B4-BE49-F238E27FC236}">
-                <a16:creationId xmlns:a16="http://schemas.microsoft.com/office/drawing/2014/main" id="{40AED28F-66BE-4A3F-95F8-CBAB0841C596}"/>
-              </a:ext>
-            </a:extLst>
-          </p:cNvPr>
-          <p:cNvPicPr>
-            <a:picLocks noChangeAspect="1"/>
-          </p:cNvPicPr>
-          <p:nvPr/>
-        </p:nvPicPr>
-        <p:blipFill>
-          <a:blip r:embed="rId4"/>
-          <a:stretch>
-            <a:fillRect/>
-          </a:stretch>
-        </p:blipFill>
-        <p:spPr>
-          <a:xfrm>
-            <a:off x="4935154" y="4878521"/>
-            <a:ext cx="5719892" cy="707232"/>
+            <a:off x="5395464" y="2206229"/>
+            <a:ext cx="5242204" cy="759384"/>
           </a:xfrm>
           <a:prstGeom prst="rect">
             <a:avLst/>
@@ -5840,7 +6072,7 @@
     </p:spTree>
     <p:extLst>
       <p:ext uri="{BB962C8B-B14F-4D97-AF65-F5344CB8AC3E}">
-        <p14:creationId xmlns:p14="http://schemas.microsoft.com/office/powerpoint/2010/main" val="2084024489"/>
+        <p14:creationId xmlns:p14="http://schemas.microsoft.com/office/powerpoint/2010/main" val="189725039"/>
       </p:ext>
     </p:extLst>
   </p:cSld>
@@ -5869,10 +6101,10 @@
       </p:grpSpPr>
       <p:pic>
         <p:nvPicPr>
-          <p:cNvPr id="3074" name="Picture 2" descr="See the source image">
-            <a:extLst>
-              <a:ext uri="{FF2B5EF4-FFF2-40B4-BE49-F238E27FC236}">
-                <a16:creationId xmlns:a16="http://schemas.microsoft.com/office/drawing/2014/main" id="{1437CBFC-B3A9-4845-9CFC-ECD51FD6FCB2}"/>
+          <p:cNvPr id="1026" name="Picture 2" descr="See the source image">
+            <a:extLst>
+              <a:ext uri="{FF2B5EF4-FFF2-40B4-BE49-F238E27FC236}">
+                <a16:creationId xmlns:a16="http://schemas.microsoft.com/office/drawing/2014/main" id="{6130B121-5236-4C0D-A274-1D9C695F47D7}"/>
               </a:ext>
             </a:extLst>
           </p:cNvPr>
@@ -5896,8 +6128,8 @@
         </p:blipFill>
         <p:spPr bwMode="auto">
           <a:xfrm>
-            <a:off x="3188041" y="1691842"/>
-            <a:ext cx="5116731" cy="5116731"/>
+            <a:off x="6573795" y="1241416"/>
+            <a:ext cx="5441486" cy="5441486"/>
           </a:xfrm>
           <a:prstGeom prst="rect">
             <a:avLst/>
@@ -5916,10 +6148,10 @@
       </p:pic>
       <p:sp>
         <p:nvSpPr>
-          <p:cNvPr id="5" name="Rectangle 4">
-            <a:extLst>
-              <a:ext uri="{FF2B5EF4-FFF2-40B4-BE49-F238E27FC236}">
-                <a16:creationId xmlns:a16="http://schemas.microsoft.com/office/drawing/2014/main" id="{E704FCD6-8B0F-44CF-BF67-4AC2C9E82163}"/>
+          <p:cNvPr id="6" name="Rectangle 5">
+            <a:extLst>
+              <a:ext uri="{FF2B5EF4-FFF2-40B4-BE49-F238E27FC236}">
+                <a16:creationId xmlns:a16="http://schemas.microsoft.com/office/drawing/2014/main" id="{44B1B7FC-AFB2-4686-92C3-D13DD521B622}"/>
               </a:ext>
             </a:extLst>
           </p:cNvPr>
@@ -5928,8 +6160,8 @@
         </p:nvSpPr>
         <p:spPr>
           <a:xfrm>
-            <a:off x="3330790" y="149994"/>
-            <a:ext cx="4887877" cy="1323439"/>
+            <a:off x="442035" y="355940"/>
+            <a:ext cx="6513514" cy="1323439"/>
           </a:xfrm>
           <a:prstGeom prst="rect">
             <a:avLst/>
@@ -5962,15 +6194,318 @@
                   </a:outerShdw>
                 </a:effectLst>
               </a:rPr>
-              <a:t>Who Am I?</a:t>
-            </a:r>
+              <a:t>Dotnet Interop</a:t>
+            </a:r>
+          </a:p>
+        </p:txBody>
+      </p:sp>
+      <p:pic>
+        <p:nvPicPr>
+          <p:cNvPr id="1028" name="Picture 4" descr="See the source image">
+            <a:extLst>
+              <a:ext uri="{FF2B5EF4-FFF2-40B4-BE49-F238E27FC236}">
+                <a16:creationId xmlns:a16="http://schemas.microsoft.com/office/drawing/2014/main" id="{3F4E1A9F-071F-4F64-88FF-4728FB46A379}"/>
+              </a:ext>
+            </a:extLst>
+          </p:cNvPr>
+          <p:cNvPicPr>
+            <a:picLocks noChangeAspect="1" noChangeArrowheads="1"/>
+          </p:cNvPicPr>
+          <p:nvPr/>
+        </p:nvPicPr>
+        <p:blipFill>
+          <a:blip r:embed="rId3">
+            <a:extLst>
+              <a:ext uri="{28A0092B-C50C-407E-A947-70E740481C1C}">
+                <a14:useLocalDpi xmlns:a14="http://schemas.microsoft.com/office/drawing/2010/main" val="0"/>
+              </a:ext>
+            </a:extLst>
+          </a:blip>
+          <a:srcRect/>
+          <a:stretch>
+            <a:fillRect/>
+          </a:stretch>
+        </p:blipFill>
+        <p:spPr bwMode="auto">
+          <a:xfrm>
+            <a:off x="3940822" y="2655561"/>
+            <a:ext cx="2014151" cy="2014151"/>
+          </a:xfrm>
+          <a:prstGeom prst="rect">
+            <a:avLst/>
+          </a:prstGeom>
+          <a:noFill/>
+          <a:extLst>
+            <a:ext uri="{909E8E84-426E-40DD-AFC4-6F175D3DCCD1}">
+              <a14:hiddenFill xmlns:a14="http://schemas.microsoft.com/office/drawing/2010/main">
+                <a:solidFill>
+                  <a:srgbClr val="FFFFFF"/>
+                </a:solidFill>
+              </a14:hiddenFill>
+            </a:ext>
+          </a:extLst>
+        </p:spPr>
+      </p:pic>
+      <p:pic>
+        <p:nvPicPr>
+          <p:cNvPr id="1032" name="Picture 8" descr="See the source image">
+            <a:extLst>
+              <a:ext uri="{FF2B5EF4-FFF2-40B4-BE49-F238E27FC236}">
+                <a16:creationId xmlns:a16="http://schemas.microsoft.com/office/drawing/2014/main" id="{B7748F84-1C9F-4A29-9BEB-F354DC6A9CFD}"/>
+              </a:ext>
+            </a:extLst>
+          </p:cNvPr>
+          <p:cNvPicPr>
+            <a:picLocks noChangeAspect="1" noChangeArrowheads="1"/>
+          </p:cNvPicPr>
+          <p:nvPr/>
+        </p:nvPicPr>
+        <p:blipFill>
+          <a:blip r:embed="rId4">
+            <a:extLst>
+              <a:ext uri="{28A0092B-C50C-407E-A947-70E740481C1C}">
+                <a14:useLocalDpi xmlns:a14="http://schemas.microsoft.com/office/drawing/2010/main" val="0"/>
+              </a:ext>
+            </a:extLst>
+          </a:blip>
+          <a:srcRect/>
+          <a:stretch>
+            <a:fillRect/>
+          </a:stretch>
+        </p:blipFill>
+        <p:spPr bwMode="auto">
+          <a:xfrm>
+            <a:off x="619645" y="1496348"/>
+            <a:ext cx="2014152" cy="2014152"/>
+          </a:xfrm>
+          <a:prstGeom prst="rect">
+            <a:avLst/>
+          </a:prstGeom>
+          <a:noFill/>
+          <a:extLst>
+            <a:ext uri="{909E8E84-426E-40DD-AFC4-6F175D3DCCD1}">
+              <a14:hiddenFill xmlns:a14="http://schemas.microsoft.com/office/drawing/2010/main">
+                <a:solidFill>
+                  <a:srgbClr val="FFFFFF"/>
+                </a:solidFill>
+              </a14:hiddenFill>
+            </a:ext>
+          </a:extLst>
+        </p:spPr>
+      </p:pic>
+      <p:pic>
+        <p:nvPicPr>
+          <p:cNvPr id="1034" name="Picture 10" descr="See the source image">
+            <a:extLst>
+              <a:ext uri="{FF2B5EF4-FFF2-40B4-BE49-F238E27FC236}">
+                <a16:creationId xmlns:a16="http://schemas.microsoft.com/office/drawing/2014/main" id="{95C9E826-E789-469B-ABF8-B5A62080A922}"/>
+              </a:ext>
+            </a:extLst>
+          </p:cNvPr>
+          <p:cNvPicPr>
+            <a:picLocks noChangeAspect="1" noChangeArrowheads="1"/>
+          </p:cNvPicPr>
+          <p:nvPr/>
+        </p:nvPicPr>
+        <p:blipFill>
+          <a:blip r:embed="rId5">
+            <a:extLst>
+              <a:ext uri="{28A0092B-C50C-407E-A947-70E740481C1C}">
+                <a14:useLocalDpi xmlns:a14="http://schemas.microsoft.com/office/drawing/2010/main" val="0"/>
+              </a:ext>
+            </a:extLst>
+          </a:blip>
+          <a:srcRect/>
+          <a:stretch>
+            <a:fillRect/>
+          </a:stretch>
+        </p:blipFill>
+        <p:spPr bwMode="auto">
+          <a:xfrm>
+            <a:off x="619645" y="4869512"/>
+            <a:ext cx="2339902" cy="1468490"/>
+          </a:xfrm>
+          <a:prstGeom prst="rect">
+            <a:avLst/>
+          </a:prstGeom>
+          <a:noFill/>
+          <a:extLst>
+            <a:ext uri="{909E8E84-426E-40DD-AFC4-6F175D3DCCD1}">
+              <a14:hiddenFill xmlns:a14="http://schemas.microsoft.com/office/drawing/2010/main">
+                <a:solidFill>
+                  <a:srgbClr val="FFFFFF"/>
+                </a:solidFill>
+              </a14:hiddenFill>
+            </a:ext>
+          </a:extLst>
+        </p:spPr>
+      </p:pic>
+      <p:sp>
+        <p:nvSpPr>
+          <p:cNvPr id="7" name="Arrow: Left-Right 6">
+            <a:extLst>
+              <a:ext uri="{FF2B5EF4-FFF2-40B4-BE49-F238E27FC236}">
+                <a16:creationId xmlns:a16="http://schemas.microsoft.com/office/drawing/2014/main" id="{CBB6A945-FEC7-4778-87BD-811FCA59AEC4}"/>
+              </a:ext>
+            </a:extLst>
+          </p:cNvPr>
+          <p:cNvSpPr/>
+          <p:nvPr/>
+        </p:nvSpPr>
+        <p:spPr>
+          <a:xfrm rot="1491517">
+            <a:off x="2528585" y="2849895"/>
+            <a:ext cx="1614616" cy="336832"/>
+          </a:xfrm>
+          <a:prstGeom prst="leftRightArrow">
+            <a:avLst/>
+          </a:prstGeom>
+          <a:solidFill>
+            <a:srgbClr val="7030A0"/>
+          </a:solidFill>
+          <a:ln>
+            <a:solidFill>
+              <a:schemeClr val="tx1"/>
+            </a:solidFill>
+          </a:ln>
+        </p:spPr>
+        <p:style>
+          <a:lnRef idx="2">
+            <a:schemeClr val="accent1">
+              <a:shade val="50000"/>
+            </a:schemeClr>
+          </a:lnRef>
+          <a:fillRef idx="1">
+            <a:schemeClr val="accent1"/>
+          </a:fillRef>
+          <a:effectRef idx="0">
+            <a:schemeClr val="accent1"/>
+          </a:effectRef>
+          <a:fontRef idx="minor">
+            <a:schemeClr val="lt1"/>
+          </a:fontRef>
+        </p:style>
+        <p:txBody>
+          <a:bodyPr rtlCol="0" anchor="ctr"/>
+          <a:lstStyle/>
+          <a:p>
+            <a:pPr algn="ctr"/>
+            <a:endParaRPr lang="en-GB"/>
+          </a:p>
+        </p:txBody>
+      </p:sp>
+      <p:sp>
+        <p:nvSpPr>
+          <p:cNvPr id="13" name="Arrow: Left-Right 12">
+            <a:extLst>
+              <a:ext uri="{FF2B5EF4-FFF2-40B4-BE49-F238E27FC236}">
+                <a16:creationId xmlns:a16="http://schemas.microsoft.com/office/drawing/2014/main" id="{6767DE22-702F-4585-B174-3C7AA9B9E89E}"/>
+              </a:ext>
+            </a:extLst>
+          </p:cNvPr>
+          <p:cNvSpPr/>
+          <p:nvPr/>
+        </p:nvSpPr>
+        <p:spPr>
+          <a:xfrm rot="5400000">
+            <a:off x="932408" y="3996635"/>
+            <a:ext cx="1231872" cy="336832"/>
+          </a:xfrm>
+          <a:prstGeom prst="leftRightArrow">
+            <a:avLst/>
+          </a:prstGeom>
+          <a:solidFill>
+            <a:srgbClr val="7030A0"/>
+          </a:solidFill>
+          <a:ln>
+            <a:solidFill>
+              <a:schemeClr val="tx1"/>
+            </a:solidFill>
+          </a:ln>
+        </p:spPr>
+        <p:style>
+          <a:lnRef idx="2">
+            <a:schemeClr val="accent1">
+              <a:shade val="50000"/>
+            </a:schemeClr>
+          </a:lnRef>
+          <a:fillRef idx="1">
+            <a:schemeClr val="accent1"/>
+          </a:fillRef>
+          <a:effectRef idx="0">
+            <a:schemeClr val="accent1"/>
+          </a:effectRef>
+          <a:fontRef idx="minor">
+            <a:schemeClr val="lt1"/>
+          </a:fontRef>
+        </p:style>
+        <p:txBody>
+          <a:bodyPr rtlCol="0" anchor="ctr"/>
+          <a:lstStyle/>
+          <a:p>
+            <a:pPr algn="ctr"/>
+            <a:endParaRPr lang="en-GB"/>
+          </a:p>
+        </p:txBody>
+      </p:sp>
+      <p:sp>
+        <p:nvSpPr>
+          <p:cNvPr id="14" name="Arrow: Left-Right 13">
+            <a:extLst>
+              <a:ext uri="{FF2B5EF4-FFF2-40B4-BE49-F238E27FC236}">
+                <a16:creationId xmlns:a16="http://schemas.microsoft.com/office/drawing/2014/main" id="{B3BF0201-42DD-4376-B323-F1CC0679EE93}"/>
+              </a:ext>
+            </a:extLst>
+          </p:cNvPr>
+          <p:cNvSpPr/>
+          <p:nvPr/>
+        </p:nvSpPr>
+        <p:spPr>
+          <a:xfrm rot="19253825">
+            <a:off x="2514693" y="4111396"/>
+            <a:ext cx="1614616" cy="336832"/>
+          </a:xfrm>
+          <a:prstGeom prst="leftRightArrow">
+            <a:avLst/>
+          </a:prstGeom>
+          <a:solidFill>
+            <a:srgbClr val="7030A0"/>
+          </a:solidFill>
+          <a:ln>
+            <a:solidFill>
+              <a:schemeClr val="tx1"/>
+            </a:solidFill>
+          </a:ln>
+        </p:spPr>
+        <p:style>
+          <a:lnRef idx="2">
+            <a:schemeClr val="accent1">
+              <a:shade val="50000"/>
+            </a:schemeClr>
+          </a:lnRef>
+          <a:fillRef idx="1">
+            <a:schemeClr val="accent1"/>
+          </a:fillRef>
+          <a:effectRef idx="0">
+            <a:schemeClr val="accent1"/>
+          </a:effectRef>
+          <a:fontRef idx="minor">
+            <a:schemeClr val="lt1"/>
+          </a:fontRef>
+        </p:style>
+        <p:txBody>
+          <a:bodyPr rtlCol="0" anchor="ctr"/>
+          <a:lstStyle/>
+          <a:p>
+            <a:pPr algn="ctr"/>
+            <a:endParaRPr lang="en-GB"/>
           </a:p>
         </p:txBody>
       </p:sp>
     </p:spTree>
     <p:extLst>
       <p:ext uri="{BB962C8B-B14F-4D97-AF65-F5344CB8AC3E}">
-        <p14:creationId xmlns:p14="http://schemas.microsoft.com/office/powerpoint/2010/main" val="2349744765"/>
+        <p14:creationId xmlns:p14="http://schemas.microsoft.com/office/powerpoint/2010/main" val="2757902968"/>
       </p:ext>
     </p:extLst>
   </p:cSld>
@@ -5997,6 +6532,461 @@
           <a:chExt cx="0" cy="0"/>
         </a:xfrm>
       </p:grpSpPr>
+      <p:pic>
+        <p:nvPicPr>
+          <p:cNvPr id="8" name="Picture 7">
+            <a:extLst>
+              <a:ext uri="{FF2B5EF4-FFF2-40B4-BE49-F238E27FC236}">
+                <a16:creationId xmlns:a16="http://schemas.microsoft.com/office/drawing/2014/main" id="{3D50C6B0-24ED-45B1-A493-6219AB87B619}"/>
+              </a:ext>
+            </a:extLst>
+          </p:cNvPr>
+          <p:cNvPicPr>
+            <a:picLocks noChangeAspect="1"/>
+          </p:cNvPicPr>
+          <p:nvPr/>
+        </p:nvPicPr>
+        <p:blipFill>
+          <a:blip r:embed="rId2"/>
+          <a:stretch>
+            <a:fillRect/>
+          </a:stretch>
+        </p:blipFill>
+        <p:spPr>
+          <a:xfrm>
+            <a:off x="310393" y="3174418"/>
+            <a:ext cx="8997248" cy="3606274"/>
+          </a:xfrm>
+          <a:prstGeom prst="rect">
+            <a:avLst/>
+          </a:prstGeom>
+        </p:spPr>
+      </p:pic>
+      <p:sp>
+        <p:nvSpPr>
+          <p:cNvPr id="4" name="Rectangle 3">
+            <a:extLst>
+              <a:ext uri="{FF2B5EF4-FFF2-40B4-BE49-F238E27FC236}">
+                <a16:creationId xmlns:a16="http://schemas.microsoft.com/office/drawing/2014/main" id="{2058D325-366B-47E5-934D-FC405F65C783}"/>
+              </a:ext>
+            </a:extLst>
+          </p:cNvPr>
+          <p:cNvSpPr/>
+          <p:nvPr/>
+        </p:nvSpPr>
+        <p:spPr>
+          <a:xfrm>
+            <a:off x="1529884" y="234049"/>
+            <a:ext cx="9294980" cy="1323439"/>
+          </a:xfrm>
+          <a:prstGeom prst="rect">
+            <a:avLst/>
+          </a:prstGeom>
+          <a:noFill/>
+        </p:spPr>
+        <p:txBody>
+          <a:bodyPr wrap="none" lIns="91440" tIns="45720" rIns="91440" bIns="45720">
+            <a:spAutoFit/>
+          </a:bodyPr>
+          <a:lstStyle/>
+          <a:p>
+            <a:pPr algn="ctr"/>
+            <a:r>
+              <a:rPr lang="en-US" sz="8000" b="1" dirty="0">
+                <a:ln w="9525">
+                  <a:solidFill>
+                    <a:schemeClr val="bg1"/>
+                  </a:solidFill>
+                  <a:prstDash val="solid"/>
+                </a:ln>
+                <a:effectLst>
+                  <a:outerShdw blurRad="12700" dist="38100" dir="2700000" algn="tl" rotWithShape="0">
+                    <a:schemeClr val="bg1">
+                      <a:lumMod val="50000"/>
+                    </a:schemeClr>
+                  </a:outerShdw>
+                </a:effectLst>
+              </a:rPr>
+              <a:t>Discriminated Unions</a:t>
+            </a:r>
+            <a:endParaRPr lang="en-US" sz="8000" b="1" cap="none" spc="0" dirty="0">
+              <a:ln w="9525">
+                <a:solidFill>
+                  <a:schemeClr val="bg1"/>
+                </a:solidFill>
+                <a:prstDash val="solid"/>
+              </a:ln>
+              <a:solidFill>
+                <a:schemeClr val="tx1"/>
+              </a:solidFill>
+              <a:effectLst>
+                <a:outerShdw blurRad="12700" dist="38100" dir="2700000" algn="tl" rotWithShape="0">
+                  <a:schemeClr val="bg1">
+                    <a:lumMod val="50000"/>
+                  </a:schemeClr>
+                </a:outerShdw>
+              </a:effectLst>
+            </a:endParaRPr>
+          </a:p>
+        </p:txBody>
+      </p:sp>
+      <p:sp>
+        <p:nvSpPr>
+          <p:cNvPr id="5" name="Content Placeholder 2">
+            <a:extLst>
+              <a:ext uri="{FF2B5EF4-FFF2-40B4-BE49-F238E27FC236}">
+                <a16:creationId xmlns:a16="http://schemas.microsoft.com/office/drawing/2014/main" id="{93B4D857-0A6D-4657-913A-56C62D4776A0}"/>
+              </a:ext>
+            </a:extLst>
+          </p:cNvPr>
+          <p:cNvSpPr>
+            <a:spLocks noGrp="1"/>
+          </p:cNvSpPr>
+          <p:nvPr>
+            <p:ph idx="1"/>
+          </p:nvPr>
+        </p:nvSpPr>
+        <p:spPr>
+          <a:xfrm>
+            <a:off x="-729574" y="1625863"/>
+            <a:ext cx="5126476" cy="3606274"/>
+          </a:xfrm>
+        </p:spPr>
+        <p:txBody>
+          <a:bodyPr>
+            <a:noAutofit/>
+          </a:bodyPr>
+          <a:lstStyle/>
+          <a:p>
+            <a:pPr lvl="2"/>
+            <a:r>
+              <a:rPr lang="en-GB" sz="3200" dirty="0"/>
+              <a:t>If we don’t provide a type, DU’s don’t play so well. </a:t>
+            </a:r>
+          </a:p>
+        </p:txBody>
+      </p:sp>
+      <p:pic>
+        <p:nvPicPr>
+          <p:cNvPr id="6" name="Picture 5">
+            <a:extLst>
+              <a:ext uri="{FF2B5EF4-FFF2-40B4-BE49-F238E27FC236}">
+                <a16:creationId xmlns:a16="http://schemas.microsoft.com/office/drawing/2014/main" id="{EAF1BFE2-D1F8-4731-BD60-321112601C11}"/>
+              </a:ext>
+            </a:extLst>
+          </p:cNvPr>
+          <p:cNvPicPr>
+            <a:picLocks noChangeAspect="1"/>
+          </p:cNvPicPr>
+          <p:nvPr/>
+        </p:nvPicPr>
+        <p:blipFill>
+          <a:blip r:embed="rId3"/>
+          <a:stretch>
+            <a:fillRect/>
+          </a:stretch>
+        </p:blipFill>
+        <p:spPr>
+          <a:xfrm>
+            <a:off x="4614432" y="1625863"/>
+            <a:ext cx="2130317" cy="962079"/>
+          </a:xfrm>
+          <a:prstGeom prst="rect">
+            <a:avLst/>
+          </a:prstGeom>
+        </p:spPr>
+      </p:pic>
+      <p:pic>
+        <p:nvPicPr>
+          <p:cNvPr id="7" name="Picture 6">
+            <a:extLst>
+              <a:ext uri="{FF2B5EF4-FFF2-40B4-BE49-F238E27FC236}">
+                <a16:creationId xmlns:a16="http://schemas.microsoft.com/office/drawing/2014/main" id="{39928E91-B5DB-4CAD-A796-B497DA41C477}"/>
+              </a:ext>
+            </a:extLst>
+          </p:cNvPr>
+          <p:cNvPicPr>
+            <a:picLocks noChangeAspect="1"/>
+          </p:cNvPicPr>
+          <p:nvPr/>
+        </p:nvPicPr>
+        <p:blipFill>
+          <a:blip r:embed="rId4"/>
+          <a:stretch>
+            <a:fillRect/>
+          </a:stretch>
+        </p:blipFill>
+        <p:spPr>
+          <a:xfrm>
+            <a:off x="7991276" y="1398357"/>
+            <a:ext cx="3293118" cy="2379169"/>
+          </a:xfrm>
+          <a:prstGeom prst="rect">
+            <a:avLst/>
+          </a:prstGeom>
+        </p:spPr>
+      </p:pic>
+    </p:spTree>
+    <p:extLst>
+      <p:ext uri="{BB962C8B-B14F-4D97-AF65-F5344CB8AC3E}">
+        <p14:creationId xmlns:p14="http://schemas.microsoft.com/office/powerpoint/2010/main" val="2331310837"/>
+      </p:ext>
+    </p:extLst>
+  </p:cSld>
+  <p:clrMapOvr>
+    <a:masterClrMapping/>
+  </p:clrMapOvr>
+</p:sld>
+</file>
+
+<file path=ppt/slides/slide21.xml><?xml version="1.0" encoding="utf-8"?>
+<p:sld xmlns:a="http://schemas.openxmlformats.org/drawingml/2006/main" xmlns:r="http://schemas.openxmlformats.org/officeDocument/2006/relationships" xmlns:p="http://schemas.openxmlformats.org/presentationml/2006/main">
+  <p:cSld>
+    <p:spTree>
+      <p:nvGrpSpPr>
+        <p:cNvPr id="1" name=""/>
+        <p:cNvGrpSpPr/>
+        <p:nvPr/>
+      </p:nvGrpSpPr>
+      <p:grpSpPr>
+        <a:xfrm>
+          <a:off x="0" y="0"/>
+          <a:ext cx="0" cy="0"/>
+          <a:chOff x="0" y="0"/>
+          <a:chExt cx="0" cy="0"/>
+        </a:xfrm>
+      </p:grpSpPr>
+      <p:sp>
+        <p:nvSpPr>
+          <p:cNvPr id="4" name="Rectangle 3">
+            <a:extLst>
+              <a:ext uri="{FF2B5EF4-FFF2-40B4-BE49-F238E27FC236}">
+                <a16:creationId xmlns:a16="http://schemas.microsoft.com/office/drawing/2014/main" id="{2058D325-366B-47E5-934D-FC405F65C783}"/>
+              </a:ext>
+            </a:extLst>
+          </p:cNvPr>
+          <p:cNvSpPr/>
+          <p:nvPr/>
+        </p:nvSpPr>
+        <p:spPr>
+          <a:xfrm>
+            <a:off x="4406308" y="234049"/>
+            <a:ext cx="3542124" cy="1323439"/>
+          </a:xfrm>
+          <a:prstGeom prst="rect">
+            <a:avLst/>
+          </a:prstGeom>
+          <a:noFill/>
+        </p:spPr>
+        <p:txBody>
+          <a:bodyPr wrap="none" lIns="91440" tIns="45720" rIns="91440" bIns="45720">
+            <a:spAutoFit/>
+          </a:bodyPr>
+          <a:lstStyle/>
+          <a:p>
+            <a:pPr algn="ctr"/>
+            <a:r>
+              <a:rPr lang="en-US" sz="8000" b="1" dirty="0">
+                <a:ln w="9525">
+                  <a:solidFill>
+                    <a:schemeClr val="bg1"/>
+                  </a:solidFill>
+                  <a:prstDash val="solid"/>
+                </a:ln>
+                <a:effectLst>
+                  <a:outerShdw blurRad="12700" dist="38100" dir="2700000" algn="tl" rotWithShape="0">
+                    <a:schemeClr val="bg1">
+                      <a:lumMod val="50000"/>
+                    </a:schemeClr>
+                  </a:outerShdw>
+                </a:effectLst>
+              </a:rPr>
+              <a:t>Options</a:t>
+            </a:r>
+            <a:endParaRPr lang="en-US" sz="8000" b="1" cap="none" spc="0" dirty="0">
+              <a:ln w="9525">
+                <a:solidFill>
+                  <a:schemeClr val="bg1"/>
+                </a:solidFill>
+                <a:prstDash val="solid"/>
+              </a:ln>
+              <a:solidFill>
+                <a:schemeClr val="tx1"/>
+              </a:solidFill>
+              <a:effectLst>
+                <a:outerShdw blurRad="12700" dist="38100" dir="2700000" algn="tl" rotWithShape="0">
+                  <a:schemeClr val="bg1">
+                    <a:lumMod val="50000"/>
+                  </a:schemeClr>
+                </a:outerShdw>
+              </a:effectLst>
+            </a:endParaRPr>
+          </a:p>
+        </p:txBody>
+      </p:sp>
+      <p:sp>
+        <p:nvSpPr>
+          <p:cNvPr id="5" name="Content Placeholder 2">
+            <a:extLst>
+              <a:ext uri="{FF2B5EF4-FFF2-40B4-BE49-F238E27FC236}">
+                <a16:creationId xmlns:a16="http://schemas.microsoft.com/office/drawing/2014/main" id="{93B4D857-0A6D-4657-913A-56C62D4776A0}"/>
+              </a:ext>
+            </a:extLst>
+          </p:cNvPr>
+          <p:cNvSpPr>
+            <a:spLocks noGrp="1"/>
+          </p:cNvSpPr>
+          <p:nvPr>
+            <p:ph idx="1"/>
+          </p:nvPr>
+        </p:nvSpPr>
+        <p:spPr>
+          <a:xfrm>
+            <a:off x="-729574" y="1625863"/>
+            <a:ext cx="5126476" cy="3606274"/>
+          </a:xfrm>
+        </p:spPr>
+        <p:txBody>
+          <a:bodyPr>
+            <a:noAutofit/>
+          </a:bodyPr>
+          <a:lstStyle/>
+          <a:p>
+            <a:pPr lvl="2"/>
+            <a:r>
+              <a:rPr lang="en-GB" sz="3200" dirty="0"/>
+              <a:t>Options allow you to get the value and work as expected. </a:t>
+            </a:r>
+          </a:p>
+          <a:p>
+            <a:pPr lvl="2"/>
+            <a:r>
+              <a:rPr lang="en-GB" sz="3200" dirty="0"/>
+              <a:t>None simply returns as null therefore making it unsafe</a:t>
+            </a:r>
+          </a:p>
+        </p:txBody>
+      </p:sp>
+      <p:pic>
+        <p:nvPicPr>
+          <p:cNvPr id="10" name="Picture 9">
+            <a:extLst>
+              <a:ext uri="{FF2B5EF4-FFF2-40B4-BE49-F238E27FC236}">
+                <a16:creationId xmlns:a16="http://schemas.microsoft.com/office/drawing/2014/main" id="{6449619A-49C6-4517-93CC-604BB1CC9442}"/>
+              </a:ext>
+            </a:extLst>
+          </p:cNvPr>
+          <p:cNvPicPr>
+            <a:picLocks noChangeAspect="1"/>
+          </p:cNvPicPr>
+          <p:nvPr/>
+        </p:nvPicPr>
+        <p:blipFill>
+          <a:blip r:embed="rId2"/>
+          <a:stretch>
+            <a:fillRect/>
+          </a:stretch>
+        </p:blipFill>
+        <p:spPr>
+          <a:xfrm>
+            <a:off x="5736087" y="1625863"/>
+            <a:ext cx="3991532" cy="790685"/>
+          </a:xfrm>
+          <a:prstGeom prst="rect">
+            <a:avLst/>
+          </a:prstGeom>
+        </p:spPr>
+      </p:pic>
+      <p:pic>
+        <p:nvPicPr>
+          <p:cNvPr id="11" name="Picture 10">
+            <a:extLst>
+              <a:ext uri="{FF2B5EF4-FFF2-40B4-BE49-F238E27FC236}">
+                <a16:creationId xmlns:a16="http://schemas.microsoft.com/office/drawing/2014/main" id="{94952F5D-92D6-4BB3-A51F-D15690556930}"/>
+              </a:ext>
+            </a:extLst>
+          </p:cNvPr>
+          <p:cNvPicPr>
+            <a:picLocks noChangeAspect="1"/>
+          </p:cNvPicPr>
+          <p:nvPr/>
+        </p:nvPicPr>
+        <p:blipFill>
+          <a:blip r:embed="rId3"/>
+          <a:stretch>
+            <a:fillRect/>
+          </a:stretch>
+        </p:blipFill>
+        <p:spPr>
+          <a:xfrm>
+            <a:off x="5202612" y="2857420"/>
+            <a:ext cx="5058481" cy="1143160"/>
+          </a:xfrm>
+          <a:prstGeom prst="rect">
+            <a:avLst/>
+          </a:prstGeom>
+        </p:spPr>
+      </p:pic>
+      <p:pic>
+        <p:nvPicPr>
+          <p:cNvPr id="12" name="Picture 11">
+            <a:extLst>
+              <a:ext uri="{FF2B5EF4-FFF2-40B4-BE49-F238E27FC236}">
+                <a16:creationId xmlns:a16="http://schemas.microsoft.com/office/drawing/2014/main" id="{40AED28F-66BE-4A3F-95F8-CBAB0841C596}"/>
+              </a:ext>
+            </a:extLst>
+          </p:cNvPr>
+          <p:cNvPicPr>
+            <a:picLocks noChangeAspect="1"/>
+          </p:cNvPicPr>
+          <p:nvPr/>
+        </p:nvPicPr>
+        <p:blipFill>
+          <a:blip r:embed="rId4"/>
+          <a:stretch>
+            <a:fillRect/>
+          </a:stretch>
+        </p:blipFill>
+        <p:spPr>
+          <a:xfrm>
+            <a:off x="4935154" y="4878521"/>
+            <a:ext cx="5719892" cy="707232"/>
+          </a:xfrm>
+          <a:prstGeom prst="rect">
+            <a:avLst/>
+          </a:prstGeom>
+        </p:spPr>
+      </p:pic>
+    </p:spTree>
+    <p:extLst>
+      <p:ext uri="{BB962C8B-B14F-4D97-AF65-F5344CB8AC3E}">
+        <p14:creationId xmlns:p14="http://schemas.microsoft.com/office/powerpoint/2010/main" val="2084024489"/>
+      </p:ext>
+    </p:extLst>
+  </p:cSld>
+  <p:clrMapOvr>
+    <a:masterClrMapping/>
+  </p:clrMapOvr>
+</p:sld>
+</file>
+
+<file path=ppt/slides/slide22.xml><?xml version="1.0" encoding="utf-8"?>
+<p:sld xmlns:a="http://schemas.openxmlformats.org/drawingml/2006/main" xmlns:r="http://schemas.openxmlformats.org/officeDocument/2006/relationships" xmlns:p="http://schemas.openxmlformats.org/presentationml/2006/main">
+  <p:cSld>
+    <p:spTree>
+      <p:nvGrpSpPr>
+        <p:cNvPr id="1" name=""/>
+        <p:cNvGrpSpPr/>
+        <p:nvPr/>
+      </p:nvGrpSpPr>
+      <p:grpSpPr>
+        <a:xfrm>
+          <a:off x="0" y="0"/>
+          <a:ext cx="0" cy="0"/>
+          <a:chOff x="0" y="0"/>
+          <a:chExt cx="0" cy="0"/>
+        </a:xfrm>
+      </p:grpSpPr>
       <p:sp>
         <p:nvSpPr>
           <p:cNvPr id="4" name="Rectangle 3">
@@ -6063,7 +7053,7 @@
 </p:sld>
 </file>
 
-<file path=ppt/slides/slide21.xml><?xml version="1.0" encoding="utf-8"?>
+<file path=ppt/slides/slide23.xml><?xml version="1.0" encoding="utf-8"?>
 <p:sld xmlns:a="http://schemas.openxmlformats.org/drawingml/2006/main" xmlns:r="http://schemas.openxmlformats.org/officeDocument/2006/relationships" xmlns:p="http://schemas.openxmlformats.org/presentationml/2006/main">
   <p:cSld>
     <p:spTree>
@@ -6452,7 +7442,1252 @@
 </p:sld>
 </file>
 
-<file path=ppt/slides/slide22.xml><?xml version="1.0" encoding="utf-8"?>
+<file path=ppt/slides/slide24.xml><?xml version="1.0" encoding="utf-8"?>
+<p:sld xmlns:a="http://schemas.openxmlformats.org/drawingml/2006/main" xmlns:r="http://schemas.openxmlformats.org/officeDocument/2006/relationships" xmlns:p="http://schemas.openxmlformats.org/presentationml/2006/main">
+  <p:cSld>
+    <p:spTree>
+      <p:nvGrpSpPr>
+        <p:cNvPr id="1" name=""/>
+        <p:cNvGrpSpPr/>
+        <p:nvPr/>
+      </p:nvGrpSpPr>
+      <p:grpSpPr>
+        <a:xfrm>
+          <a:off x="0" y="0"/>
+          <a:ext cx="0" cy="0"/>
+          <a:chOff x="0" y="0"/>
+          <a:chExt cx="0" cy="0"/>
+        </a:xfrm>
+      </p:grpSpPr>
+      <p:sp>
+        <p:nvSpPr>
+          <p:cNvPr id="4" name="Rectangle 3">
+            <a:extLst>
+              <a:ext uri="{FF2B5EF4-FFF2-40B4-BE49-F238E27FC236}">
+                <a16:creationId xmlns:a16="http://schemas.microsoft.com/office/drawing/2014/main" id="{2058D325-366B-47E5-934D-FC405F65C783}"/>
+              </a:ext>
+            </a:extLst>
+          </p:cNvPr>
+          <p:cNvSpPr/>
+          <p:nvPr/>
+        </p:nvSpPr>
+        <p:spPr>
+          <a:xfrm>
+            <a:off x="2267839" y="2151727"/>
+            <a:ext cx="7208669" cy="2554545"/>
+          </a:xfrm>
+          <a:prstGeom prst="rect">
+            <a:avLst/>
+          </a:prstGeom>
+          <a:noFill/>
+        </p:spPr>
+        <p:txBody>
+          <a:bodyPr wrap="square" lIns="91440" tIns="45720" rIns="91440" bIns="45720">
+            <a:spAutoFit/>
+          </a:bodyPr>
+          <a:lstStyle/>
+          <a:p>
+            <a:pPr algn="ctr"/>
+            <a:r>
+              <a:rPr lang="en-US" sz="8000" b="1" cap="none" spc="0" dirty="0">
+                <a:ln w="9525">
+                  <a:solidFill>
+                    <a:schemeClr val="bg1"/>
+                  </a:solidFill>
+                  <a:prstDash val="solid"/>
+                </a:ln>
+                <a:solidFill>
+                  <a:schemeClr val="tx1"/>
+                </a:solidFill>
+                <a:effectLst>
+                  <a:outerShdw blurRad="12700" dist="38100" dir="2700000" algn="tl" rotWithShape="0">
+                    <a:schemeClr val="bg1">
+                      <a:lumMod val="50000"/>
+                    </a:schemeClr>
+                  </a:outerShdw>
+                </a:effectLst>
+              </a:rPr>
+              <a:t>So what’s the point? </a:t>
+            </a:r>
+          </a:p>
+        </p:txBody>
+      </p:sp>
+    </p:spTree>
+    <p:extLst>
+      <p:ext uri="{BB962C8B-B14F-4D97-AF65-F5344CB8AC3E}">
+        <p14:creationId xmlns:p14="http://schemas.microsoft.com/office/powerpoint/2010/main" val="1433775145"/>
+      </p:ext>
+    </p:extLst>
+  </p:cSld>
+  <p:clrMapOvr>
+    <a:masterClrMapping/>
+  </p:clrMapOvr>
+</p:sld>
+</file>
+
+<file path=ppt/slides/slide25.xml><?xml version="1.0" encoding="utf-8"?>
+<p:sld xmlns:a="http://schemas.openxmlformats.org/drawingml/2006/main" xmlns:r="http://schemas.openxmlformats.org/officeDocument/2006/relationships" xmlns:p="http://schemas.openxmlformats.org/presentationml/2006/main">
+  <p:cSld>
+    <p:spTree>
+      <p:nvGrpSpPr>
+        <p:cNvPr id="1" name=""/>
+        <p:cNvGrpSpPr/>
+        <p:nvPr/>
+      </p:nvGrpSpPr>
+      <p:grpSpPr>
+        <a:xfrm>
+          <a:off x="0" y="0"/>
+          <a:ext cx="0" cy="0"/>
+          <a:chOff x="0" y="0"/>
+          <a:chExt cx="0" cy="0"/>
+        </a:xfrm>
+      </p:grpSpPr>
+      <p:sp>
+        <p:nvSpPr>
+          <p:cNvPr id="8" name="Oval 7">
+            <a:extLst>
+              <a:ext uri="{FF2B5EF4-FFF2-40B4-BE49-F238E27FC236}">
+                <a16:creationId xmlns:a16="http://schemas.microsoft.com/office/drawing/2014/main" id="{F45C6786-725A-41A4-84B1-2A075DBB878A}"/>
+              </a:ext>
+            </a:extLst>
+          </p:cNvPr>
+          <p:cNvSpPr/>
+          <p:nvPr/>
+        </p:nvSpPr>
+        <p:spPr>
+          <a:xfrm>
+            <a:off x="5263043" y="2466962"/>
+            <a:ext cx="4848836" cy="4362275"/>
+          </a:xfrm>
+          <a:prstGeom prst="ellipse">
+            <a:avLst/>
+          </a:prstGeom>
+        </p:spPr>
+        <p:style>
+          <a:lnRef idx="2">
+            <a:schemeClr val="accent2">
+              <a:shade val="50000"/>
+            </a:schemeClr>
+          </a:lnRef>
+          <a:fillRef idx="1">
+            <a:schemeClr val="accent2"/>
+          </a:fillRef>
+          <a:effectRef idx="0">
+            <a:schemeClr val="accent2"/>
+          </a:effectRef>
+          <a:fontRef idx="minor">
+            <a:schemeClr val="lt1"/>
+          </a:fontRef>
+        </p:style>
+        <p:txBody>
+          <a:bodyPr rtlCol="0" anchor="ctr"/>
+          <a:lstStyle/>
+          <a:p>
+            <a:pPr algn="ctr"/>
+            <a:endParaRPr lang="en-GB"/>
+          </a:p>
+        </p:txBody>
+      </p:sp>
+      <p:sp>
+        <p:nvSpPr>
+          <p:cNvPr id="4" name="Rectangle 3">
+            <a:extLst>
+              <a:ext uri="{FF2B5EF4-FFF2-40B4-BE49-F238E27FC236}">
+                <a16:creationId xmlns:a16="http://schemas.microsoft.com/office/drawing/2014/main" id="{2058D325-366B-47E5-934D-FC405F65C783}"/>
+              </a:ext>
+            </a:extLst>
+          </p:cNvPr>
+          <p:cNvSpPr/>
+          <p:nvPr/>
+        </p:nvSpPr>
+        <p:spPr>
+          <a:xfrm>
+            <a:off x="2291184" y="234049"/>
+            <a:ext cx="7772384" cy="1323439"/>
+          </a:xfrm>
+          <a:prstGeom prst="rect">
+            <a:avLst/>
+          </a:prstGeom>
+          <a:noFill/>
+        </p:spPr>
+        <p:txBody>
+          <a:bodyPr wrap="none" lIns="91440" tIns="45720" rIns="91440" bIns="45720">
+            <a:spAutoFit/>
+          </a:bodyPr>
+          <a:lstStyle/>
+          <a:p>
+            <a:pPr algn="ctr"/>
+            <a:r>
+              <a:rPr lang="en-US" sz="8000" b="1" dirty="0">
+                <a:ln w="9525">
+                  <a:solidFill>
+                    <a:schemeClr val="bg1"/>
+                  </a:solidFill>
+                  <a:prstDash val="solid"/>
+                </a:ln>
+                <a:effectLst>
+                  <a:outerShdw blurRad="12700" dist="38100" dir="2700000" algn="tl" rotWithShape="0">
+                    <a:schemeClr val="bg1">
+                      <a:lumMod val="50000"/>
+                    </a:schemeClr>
+                  </a:outerShdw>
+                </a:effectLst>
+              </a:rPr>
+              <a:t>What’s the point?</a:t>
+            </a:r>
+            <a:endParaRPr lang="en-US" sz="8000" b="1" cap="none" spc="0" dirty="0">
+              <a:ln w="9525">
+                <a:solidFill>
+                  <a:schemeClr val="bg1"/>
+                </a:solidFill>
+                <a:prstDash val="solid"/>
+              </a:ln>
+              <a:solidFill>
+                <a:schemeClr val="tx1"/>
+              </a:solidFill>
+              <a:effectLst>
+                <a:outerShdw blurRad="12700" dist="38100" dir="2700000" algn="tl" rotWithShape="0">
+                  <a:schemeClr val="bg1">
+                    <a:lumMod val="50000"/>
+                  </a:schemeClr>
+                </a:outerShdw>
+              </a:effectLst>
+            </a:endParaRPr>
+          </a:p>
+        </p:txBody>
+      </p:sp>
+      <p:sp>
+        <p:nvSpPr>
+          <p:cNvPr id="9" name="Content Placeholder 2">
+            <a:extLst>
+              <a:ext uri="{FF2B5EF4-FFF2-40B4-BE49-F238E27FC236}">
+                <a16:creationId xmlns:a16="http://schemas.microsoft.com/office/drawing/2014/main" id="{2AAF6B4E-4DBC-4E16-83E8-957F1D73E143}"/>
+              </a:ext>
+            </a:extLst>
+          </p:cNvPr>
+          <p:cNvSpPr>
+            <a:spLocks noGrp="1"/>
+          </p:cNvSpPr>
+          <p:nvPr>
+            <p:ph idx="1"/>
+          </p:nvPr>
+        </p:nvSpPr>
+        <p:spPr>
+          <a:xfrm>
+            <a:off x="733055" y="1416138"/>
+            <a:ext cx="10888642" cy="714666"/>
+          </a:xfrm>
+        </p:spPr>
+        <p:txBody>
+          <a:bodyPr>
+            <a:noAutofit/>
+          </a:bodyPr>
+          <a:lstStyle/>
+          <a:p>
+            <a:pPr lvl="2"/>
+            <a:r>
+              <a:rPr lang="en-GB" sz="3200" dirty="0"/>
+              <a:t>As we’ve seen in the VB/C# demo, using libraries</a:t>
+            </a:r>
+          </a:p>
+        </p:txBody>
+      </p:sp>
+      <p:sp>
+        <p:nvSpPr>
+          <p:cNvPr id="14" name="Content Placeholder 2">
+            <a:extLst>
+              <a:ext uri="{FF2B5EF4-FFF2-40B4-BE49-F238E27FC236}">
+                <a16:creationId xmlns:a16="http://schemas.microsoft.com/office/drawing/2014/main" id="{BC794A2A-B97C-4EF3-8872-3B3DD80EAE90}"/>
+              </a:ext>
+            </a:extLst>
+          </p:cNvPr>
+          <p:cNvSpPr txBox="1">
+            <a:spLocks/>
+          </p:cNvSpPr>
+          <p:nvPr/>
+        </p:nvSpPr>
+        <p:spPr>
+          <a:xfrm>
+            <a:off x="-654341" y="3383910"/>
+            <a:ext cx="4228052" cy="2686574"/>
+          </a:xfrm>
+          <a:prstGeom prst="rect">
+            <a:avLst/>
+          </a:prstGeom>
+        </p:spPr>
+        <p:txBody>
+          <a:bodyPr vert="horz" lIns="91440" tIns="45720" rIns="91440" bIns="45720" rtlCol="0">
+            <a:noAutofit/>
+          </a:bodyPr>
+          <a:lstStyle>
+            <a:lvl1pPr marL="228600" indent="-228600" algn="l" defTabSz="914400" rtl="0" eaLnBrk="1" latinLnBrk="0" hangingPunct="1">
+              <a:lnSpc>
+                <a:spcPct val="90000"/>
+              </a:lnSpc>
+              <a:spcBef>
+                <a:spcPts val="1000"/>
+              </a:spcBef>
+              <a:buFont typeface="Arial" panose="020B0604020202020204" pitchFamily="34" charset="0"/>
+              <a:buChar char="•"/>
+              <a:defRPr sz="2800" kern="1200">
+                <a:solidFill>
+                  <a:schemeClr val="tx1"/>
+                </a:solidFill>
+                <a:latin typeface="+mn-lt"/>
+                <a:ea typeface="+mn-ea"/>
+                <a:cs typeface="+mn-cs"/>
+              </a:defRPr>
+            </a:lvl1pPr>
+            <a:lvl2pPr marL="685800" indent="-228600" algn="l" defTabSz="914400" rtl="0" eaLnBrk="1" latinLnBrk="0" hangingPunct="1">
+              <a:lnSpc>
+                <a:spcPct val="90000"/>
+              </a:lnSpc>
+              <a:spcBef>
+                <a:spcPts val="500"/>
+              </a:spcBef>
+              <a:buFont typeface="Arial" panose="020B0604020202020204" pitchFamily="34" charset="0"/>
+              <a:buChar char="•"/>
+              <a:defRPr sz="2400" kern="1200">
+                <a:solidFill>
+                  <a:schemeClr val="tx1"/>
+                </a:solidFill>
+                <a:latin typeface="+mn-lt"/>
+                <a:ea typeface="+mn-ea"/>
+                <a:cs typeface="+mn-cs"/>
+              </a:defRPr>
+            </a:lvl2pPr>
+            <a:lvl3pPr marL="1143000" indent="-228600" algn="l" defTabSz="914400" rtl="0" eaLnBrk="1" latinLnBrk="0" hangingPunct="1">
+              <a:lnSpc>
+                <a:spcPct val="90000"/>
+              </a:lnSpc>
+              <a:spcBef>
+                <a:spcPts val="500"/>
+              </a:spcBef>
+              <a:buFont typeface="Arial" panose="020B0604020202020204" pitchFamily="34" charset="0"/>
+              <a:buChar char="•"/>
+              <a:defRPr sz="2000" kern="1200">
+                <a:solidFill>
+                  <a:schemeClr val="tx1"/>
+                </a:solidFill>
+                <a:latin typeface="+mn-lt"/>
+                <a:ea typeface="+mn-ea"/>
+                <a:cs typeface="+mn-cs"/>
+              </a:defRPr>
+            </a:lvl3pPr>
+            <a:lvl4pPr marL="1600200" indent="-228600" algn="l" defTabSz="914400" rtl="0" eaLnBrk="1" latinLnBrk="0" hangingPunct="1">
+              <a:lnSpc>
+                <a:spcPct val="90000"/>
+              </a:lnSpc>
+              <a:spcBef>
+                <a:spcPts val="500"/>
+              </a:spcBef>
+              <a:buFont typeface="Arial" panose="020B0604020202020204" pitchFamily="34" charset="0"/>
+              <a:buChar char="•"/>
+              <a:defRPr sz="1800" kern="1200">
+                <a:solidFill>
+                  <a:schemeClr val="tx1"/>
+                </a:solidFill>
+                <a:latin typeface="+mn-lt"/>
+                <a:ea typeface="+mn-ea"/>
+                <a:cs typeface="+mn-cs"/>
+              </a:defRPr>
+            </a:lvl4pPr>
+            <a:lvl5pPr marL="2057400" indent="-228600" algn="l" defTabSz="914400" rtl="0" eaLnBrk="1" latinLnBrk="0" hangingPunct="1">
+              <a:lnSpc>
+                <a:spcPct val="90000"/>
+              </a:lnSpc>
+              <a:spcBef>
+                <a:spcPts val="500"/>
+              </a:spcBef>
+              <a:buFont typeface="Arial" panose="020B0604020202020204" pitchFamily="34" charset="0"/>
+              <a:buChar char="•"/>
+              <a:defRPr sz="1800" kern="1200">
+                <a:solidFill>
+                  <a:schemeClr val="tx1"/>
+                </a:solidFill>
+                <a:latin typeface="+mn-lt"/>
+                <a:ea typeface="+mn-ea"/>
+                <a:cs typeface="+mn-cs"/>
+              </a:defRPr>
+            </a:lvl5pPr>
+            <a:lvl6pPr marL="2514600" indent="-228600" algn="l" defTabSz="914400" rtl="0" eaLnBrk="1" latinLnBrk="0" hangingPunct="1">
+              <a:lnSpc>
+                <a:spcPct val="90000"/>
+              </a:lnSpc>
+              <a:spcBef>
+                <a:spcPts val="500"/>
+              </a:spcBef>
+              <a:buFont typeface="Arial" panose="020B0604020202020204" pitchFamily="34" charset="0"/>
+              <a:buChar char="•"/>
+              <a:defRPr sz="1800" kern="1200">
+                <a:solidFill>
+                  <a:schemeClr val="tx1"/>
+                </a:solidFill>
+                <a:latin typeface="+mn-lt"/>
+                <a:ea typeface="+mn-ea"/>
+                <a:cs typeface="+mn-cs"/>
+              </a:defRPr>
+            </a:lvl6pPr>
+            <a:lvl7pPr marL="2971800" indent="-228600" algn="l" defTabSz="914400" rtl="0" eaLnBrk="1" latinLnBrk="0" hangingPunct="1">
+              <a:lnSpc>
+                <a:spcPct val="90000"/>
+              </a:lnSpc>
+              <a:spcBef>
+                <a:spcPts val="500"/>
+              </a:spcBef>
+              <a:buFont typeface="Arial" panose="020B0604020202020204" pitchFamily="34" charset="0"/>
+              <a:buChar char="•"/>
+              <a:defRPr sz="1800" kern="1200">
+                <a:solidFill>
+                  <a:schemeClr val="tx1"/>
+                </a:solidFill>
+                <a:latin typeface="+mn-lt"/>
+                <a:ea typeface="+mn-ea"/>
+                <a:cs typeface="+mn-cs"/>
+              </a:defRPr>
+            </a:lvl7pPr>
+            <a:lvl8pPr marL="3429000" indent="-228600" algn="l" defTabSz="914400" rtl="0" eaLnBrk="1" latinLnBrk="0" hangingPunct="1">
+              <a:lnSpc>
+                <a:spcPct val="90000"/>
+              </a:lnSpc>
+              <a:spcBef>
+                <a:spcPts val="500"/>
+              </a:spcBef>
+              <a:buFont typeface="Arial" panose="020B0604020202020204" pitchFamily="34" charset="0"/>
+              <a:buChar char="•"/>
+              <a:defRPr sz="1800" kern="1200">
+                <a:solidFill>
+                  <a:schemeClr val="tx1"/>
+                </a:solidFill>
+                <a:latin typeface="+mn-lt"/>
+                <a:ea typeface="+mn-ea"/>
+                <a:cs typeface="+mn-cs"/>
+              </a:defRPr>
+            </a:lvl8pPr>
+            <a:lvl9pPr marL="3886200" indent="-228600" algn="l" defTabSz="914400" rtl="0" eaLnBrk="1" latinLnBrk="0" hangingPunct="1">
+              <a:lnSpc>
+                <a:spcPct val="90000"/>
+              </a:lnSpc>
+              <a:spcBef>
+                <a:spcPts val="500"/>
+              </a:spcBef>
+              <a:buFont typeface="Arial" panose="020B0604020202020204" pitchFamily="34" charset="0"/>
+              <a:buChar char="•"/>
+              <a:defRPr sz="1800" kern="1200">
+                <a:solidFill>
+                  <a:schemeClr val="tx1"/>
+                </a:solidFill>
+                <a:latin typeface="+mn-lt"/>
+                <a:ea typeface="+mn-ea"/>
+                <a:cs typeface="+mn-cs"/>
+              </a:defRPr>
+            </a:lvl9pPr>
+          </a:lstStyle>
+          <a:p>
+            <a:pPr lvl="2"/>
+            <a:r>
+              <a:rPr lang="en-GB" sz="3200" dirty="0"/>
+              <a:t>Functional core – Imperative shell</a:t>
+            </a:r>
+          </a:p>
+        </p:txBody>
+      </p:sp>
+      <p:sp>
+        <p:nvSpPr>
+          <p:cNvPr id="6" name="Oval 5">
+            <a:extLst>
+              <a:ext uri="{FF2B5EF4-FFF2-40B4-BE49-F238E27FC236}">
+                <a16:creationId xmlns:a16="http://schemas.microsoft.com/office/drawing/2014/main" id="{B7E039D7-5A55-4FE2-B981-49D2A54A7A33}"/>
+              </a:ext>
+            </a:extLst>
+          </p:cNvPr>
+          <p:cNvSpPr/>
+          <p:nvPr/>
+        </p:nvSpPr>
+        <p:spPr>
+          <a:xfrm>
+            <a:off x="6878972" y="3800213"/>
+            <a:ext cx="1619076" cy="1434517"/>
+          </a:xfrm>
+          <a:prstGeom prst="ellipse">
+            <a:avLst/>
+          </a:prstGeom>
+        </p:spPr>
+        <p:style>
+          <a:lnRef idx="2">
+            <a:schemeClr val="accent1">
+              <a:shade val="50000"/>
+            </a:schemeClr>
+          </a:lnRef>
+          <a:fillRef idx="1">
+            <a:schemeClr val="accent1"/>
+          </a:fillRef>
+          <a:effectRef idx="0">
+            <a:schemeClr val="accent1"/>
+          </a:effectRef>
+          <a:fontRef idx="minor">
+            <a:schemeClr val="lt1"/>
+          </a:fontRef>
+        </p:style>
+        <p:txBody>
+          <a:bodyPr rtlCol="0" anchor="ctr"/>
+          <a:lstStyle/>
+          <a:p>
+            <a:pPr algn="ctr"/>
+            <a:endParaRPr lang="en-GB"/>
+          </a:p>
+        </p:txBody>
+      </p:sp>
+      <p:sp>
+        <p:nvSpPr>
+          <p:cNvPr id="7" name="TextBox 6">
+            <a:extLst>
+              <a:ext uri="{FF2B5EF4-FFF2-40B4-BE49-F238E27FC236}">
+                <a16:creationId xmlns:a16="http://schemas.microsoft.com/office/drawing/2014/main" id="{9E7AE4D0-B14A-40A2-9C75-8434A555C1EE}"/>
+              </a:ext>
+            </a:extLst>
+          </p:cNvPr>
+          <p:cNvSpPr txBox="1"/>
+          <p:nvPr/>
+        </p:nvSpPr>
+        <p:spPr>
+          <a:xfrm>
+            <a:off x="7097086" y="4055806"/>
+            <a:ext cx="1182848" cy="923330"/>
+          </a:xfrm>
+          <a:prstGeom prst="rect">
+            <a:avLst/>
+          </a:prstGeom>
+          <a:noFill/>
+        </p:spPr>
+        <p:txBody>
+          <a:bodyPr wrap="square" rtlCol="0">
+            <a:spAutoFit/>
+          </a:bodyPr>
+          <a:lstStyle/>
+          <a:p>
+            <a:pPr algn="ctr"/>
+            <a:r>
+              <a:rPr lang="en-GB" dirty="0"/>
+              <a:t>Functional/F# / Domain</a:t>
+            </a:r>
+          </a:p>
+        </p:txBody>
+      </p:sp>
+      <p:sp>
+        <p:nvSpPr>
+          <p:cNvPr id="15" name="Arrow: Right 14">
+            <a:extLst>
+              <a:ext uri="{FF2B5EF4-FFF2-40B4-BE49-F238E27FC236}">
+                <a16:creationId xmlns:a16="http://schemas.microsoft.com/office/drawing/2014/main" id="{5C9E97C7-918B-4810-8E8A-DD08497A2083}"/>
+              </a:ext>
+            </a:extLst>
+          </p:cNvPr>
+          <p:cNvSpPr/>
+          <p:nvPr/>
+        </p:nvSpPr>
+        <p:spPr>
+          <a:xfrm>
+            <a:off x="4204281" y="4181775"/>
+            <a:ext cx="1059811" cy="671391"/>
+          </a:xfrm>
+          <a:prstGeom prst="rightArrow">
+            <a:avLst/>
+          </a:prstGeom>
+        </p:spPr>
+        <p:style>
+          <a:lnRef idx="2">
+            <a:schemeClr val="accent1">
+              <a:shade val="50000"/>
+            </a:schemeClr>
+          </a:lnRef>
+          <a:fillRef idx="1">
+            <a:schemeClr val="accent1"/>
+          </a:fillRef>
+          <a:effectRef idx="0">
+            <a:schemeClr val="accent1"/>
+          </a:effectRef>
+          <a:fontRef idx="minor">
+            <a:schemeClr val="lt1"/>
+          </a:fontRef>
+        </p:style>
+        <p:txBody>
+          <a:bodyPr rtlCol="0" anchor="ctr"/>
+          <a:lstStyle/>
+          <a:p>
+            <a:pPr algn="ctr"/>
+            <a:endParaRPr lang="en-GB"/>
+          </a:p>
+        </p:txBody>
+      </p:sp>
+      <p:sp>
+        <p:nvSpPr>
+          <p:cNvPr id="16" name="Arrow: Right 15">
+            <a:extLst>
+              <a:ext uri="{FF2B5EF4-FFF2-40B4-BE49-F238E27FC236}">
+                <a16:creationId xmlns:a16="http://schemas.microsoft.com/office/drawing/2014/main" id="{40CFAD69-5D8A-4693-95FE-165FBDD8ADE4}"/>
+              </a:ext>
+            </a:extLst>
+          </p:cNvPr>
+          <p:cNvSpPr/>
+          <p:nvPr/>
+        </p:nvSpPr>
+        <p:spPr>
+          <a:xfrm>
+            <a:off x="10112928" y="4241896"/>
+            <a:ext cx="1059811" cy="671391"/>
+          </a:xfrm>
+          <a:prstGeom prst="rightArrow">
+            <a:avLst/>
+          </a:prstGeom>
+        </p:spPr>
+        <p:style>
+          <a:lnRef idx="2">
+            <a:schemeClr val="accent1">
+              <a:shade val="50000"/>
+            </a:schemeClr>
+          </a:lnRef>
+          <a:fillRef idx="1">
+            <a:schemeClr val="accent1"/>
+          </a:fillRef>
+          <a:effectRef idx="0">
+            <a:schemeClr val="accent1"/>
+          </a:effectRef>
+          <a:fontRef idx="minor">
+            <a:schemeClr val="lt1"/>
+          </a:fontRef>
+        </p:style>
+        <p:txBody>
+          <a:bodyPr rtlCol="0" anchor="ctr"/>
+          <a:lstStyle/>
+          <a:p>
+            <a:pPr algn="ctr"/>
+            <a:endParaRPr lang="en-GB"/>
+          </a:p>
+        </p:txBody>
+      </p:sp>
+      <p:sp>
+        <p:nvSpPr>
+          <p:cNvPr id="17" name="Arrow: Right 16">
+            <a:extLst>
+              <a:ext uri="{FF2B5EF4-FFF2-40B4-BE49-F238E27FC236}">
+                <a16:creationId xmlns:a16="http://schemas.microsoft.com/office/drawing/2014/main" id="{B9319D05-9F24-4636-B729-1E74BF9812A1}"/>
+              </a:ext>
+            </a:extLst>
+          </p:cNvPr>
+          <p:cNvSpPr/>
+          <p:nvPr/>
+        </p:nvSpPr>
+        <p:spPr>
+          <a:xfrm>
+            <a:off x="5259897" y="4170588"/>
+            <a:ext cx="1619076" cy="671391"/>
+          </a:xfrm>
+          <a:prstGeom prst="rightArrow">
+            <a:avLst/>
+          </a:prstGeom>
+        </p:spPr>
+        <p:style>
+          <a:lnRef idx="2">
+            <a:schemeClr val="accent1">
+              <a:shade val="50000"/>
+            </a:schemeClr>
+          </a:lnRef>
+          <a:fillRef idx="1">
+            <a:schemeClr val="accent1"/>
+          </a:fillRef>
+          <a:effectRef idx="0">
+            <a:schemeClr val="accent1"/>
+          </a:effectRef>
+          <a:fontRef idx="minor">
+            <a:schemeClr val="lt1"/>
+          </a:fontRef>
+        </p:style>
+        <p:txBody>
+          <a:bodyPr rtlCol="0" anchor="ctr"/>
+          <a:lstStyle/>
+          <a:p>
+            <a:pPr algn="ctr"/>
+            <a:endParaRPr lang="en-GB"/>
+          </a:p>
+        </p:txBody>
+      </p:sp>
+      <p:sp>
+        <p:nvSpPr>
+          <p:cNvPr id="18" name="Arrow: Right 17">
+            <a:extLst>
+              <a:ext uri="{FF2B5EF4-FFF2-40B4-BE49-F238E27FC236}">
+                <a16:creationId xmlns:a16="http://schemas.microsoft.com/office/drawing/2014/main" id="{D4C7D5DD-EE1A-49B7-B3F3-21B86A26D722}"/>
+              </a:ext>
+            </a:extLst>
+          </p:cNvPr>
+          <p:cNvSpPr/>
+          <p:nvPr/>
+        </p:nvSpPr>
+        <p:spPr>
+          <a:xfrm>
+            <a:off x="8491754" y="4241895"/>
+            <a:ext cx="1619076" cy="671391"/>
+          </a:xfrm>
+          <a:prstGeom prst="rightArrow">
+            <a:avLst/>
+          </a:prstGeom>
+        </p:spPr>
+        <p:style>
+          <a:lnRef idx="2">
+            <a:schemeClr val="accent1">
+              <a:shade val="50000"/>
+            </a:schemeClr>
+          </a:lnRef>
+          <a:fillRef idx="1">
+            <a:schemeClr val="accent1"/>
+          </a:fillRef>
+          <a:effectRef idx="0">
+            <a:schemeClr val="accent1"/>
+          </a:effectRef>
+          <a:fontRef idx="minor">
+            <a:schemeClr val="lt1"/>
+          </a:fontRef>
+        </p:style>
+        <p:txBody>
+          <a:bodyPr rtlCol="0" anchor="ctr"/>
+          <a:lstStyle/>
+          <a:p>
+            <a:pPr algn="ctr"/>
+            <a:endParaRPr lang="en-GB"/>
+          </a:p>
+        </p:txBody>
+      </p:sp>
+      <p:sp>
+        <p:nvSpPr>
+          <p:cNvPr id="20" name="Rectangle 19">
+            <a:extLst>
+              <a:ext uri="{FF2B5EF4-FFF2-40B4-BE49-F238E27FC236}">
+                <a16:creationId xmlns:a16="http://schemas.microsoft.com/office/drawing/2014/main" id="{60AC1511-5CB7-4DF9-95DF-0B74E0593BF9}"/>
+              </a:ext>
+            </a:extLst>
+          </p:cNvPr>
+          <p:cNvSpPr/>
+          <p:nvPr/>
+        </p:nvSpPr>
+        <p:spPr>
+          <a:xfrm rot="19698842">
+            <a:off x="5451667" y="3221472"/>
+            <a:ext cx="1434816" cy="923330"/>
+          </a:xfrm>
+          <a:prstGeom prst="rect">
+            <a:avLst/>
+          </a:prstGeom>
+          <a:noFill/>
+        </p:spPr>
+        <p:txBody>
+          <a:bodyPr wrap="none" lIns="91440" tIns="45720" rIns="91440" bIns="45720">
+            <a:spAutoFit/>
+          </a:bodyPr>
+          <a:lstStyle/>
+          <a:p>
+            <a:pPr algn="ctr"/>
+            <a:r>
+              <a:rPr lang="en-US" sz="5400" b="0" cap="none" spc="0" dirty="0">
+                <a:ln w="0"/>
+                <a:solidFill>
+                  <a:schemeClr val="tx1"/>
+                </a:solidFill>
+                <a:effectLst>
+                  <a:outerShdw blurRad="38100" dist="19050" dir="2700000" algn="tl" rotWithShape="0">
+                    <a:schemeClr val="dk1">
+                      <a:alpha val="40000"/>
+                    </a:schemeClr>
+                  </a:outerShdw>
+                </a:effectLst>
+              </a:rPr>
+              <a:t>Http</a:t>
+            </a:r>
+          </a:p>
+        </p:txBody>
+      </p:sp>
+      <p:sp>
+        <p:nvSpPr>
+          <p:cNvPr id="21" name="Rectangle 20">
+            <a:extLst>
+              <a:ext uri="{FF2B5EF4-FFF2-40B4-BE49-F238E27FC236}">
+                <a16:creationId xmlns:a16="http://schemas.microsoft.com/office/drawing/2014/main" id="{FD63BDFE-6F51-481B-A3DD-DE6676EA2527}"/>
+              </a:ext>
+            </a:extLst>
+          </p:cNvPr>
+          <p:cNvSpPr/>
+          <p:nvPr/>
+        </p:nvSpPr>
+        <p:spPr>
+          <a:xfrm rot="1617427">
+            <a:off x="7235160" y="2927516"/>
+            <a:ext cx="2803524" cy="923330"/>
+          </a:xfrm>
+          <a:prstGeom prst="rect">
+            <a:avLst/>
+          </a:prstGeom>
+          <a:noFill/>
+        </p:spPr>
+        <p:txBody>
+          <a:bodyPr wrap="none" lIns="91440" tIns="45720" rIns="91440" bIns="45720">
+            <a:spAutoFit/>
+          </a:bodyPr>
+          <a:lstStyle/>
+          <a:p>
+            <a:pPr algn="ctr"/>
+            <a:r>
+              <a:rPr lang="en-US" sz="5400" dirty="0">
+                <a:ln w="0"/>
+                <a:effectLst>
+                  <a:outerShdw blurRad="38100" dist="19050" dir="2700000" algn="tl" rotWithShape="0">
+                    <a:schemeClr val="dk1">
+                      <a:alpha val="40000"/>
+                    </a:schemeClr>
+                  </a:outerShdw>
+                </a:effectLst>
+              </a:rPr>
+              <a:t>Database</a:t>
+            </a:r>
+            <a:endParaRPr lang="en-US" sz="5400" b="0" cap="none" spc="0" dirty="0">
+              <a:ln w="0"/>
+              <a:solidFill>
+                <a:schemeClr val="tx1"/>
+              </a:solidFill>
+              <a:effectLst>
+                <a:outerShdw blurRad="38100" dist="19050" dir="2700000" algn="tl" rotWithShape="0">
+                  <a:schemeClr val="dk1">
+                    <a:alpha val="40000"/>
+                  </a:schemeClr>
+                </a:outerShdw>
+              </a:effectLst>
+            </a:endParaRPr>
+          </a:p>
+        </p:txBody>
+      </p:sp>
+    </p:spTree>
+    <p:extLst>
+      <p:ext uri="{BB962C8B-B14F-4D97-AF65-F5344CB8AC3E}">
+        <p14:creationId xmlns:p14="http://schemas.microsoft.com/office/powerpoint/2010/main" val="2428490637"/>
+      </p:ext>
+    </p:extLst>
+  </p:cSld>
+  <p:clrMapOvr>
+    <a:masterClrMapping/>
+  </p:clrMapOvr>
+  <p:timing>
+    <p:tnLst>
+      <p:par>
+        <p:cTn id="1" dur="indefinite" restart="never" nodeType="tmRoot">
+          <p:childTnLst>
+            <p:seq concurrent="1" nextAc="seek">
+              <p:cTn id="2" dur="indefinite" nodeType="mainSeq">
+                <p:childTnLst>
+                  <p:par>
+                    <p:cTn id="3" fill="hold">
+                      <p:stCondLst>
+                        <p:cond delay="indefinite"/>
+                      </p:stCondLst>
+                      <p:childTnLst>
+                        <p:par>
+                          <p:cTn id="4" fill="hold">
+                            <p:stCondLst>
+                              <p:cond delay="0"/>
+                            </p:stCondLst>
+                            <p:childTnLst>
+                              <p:par>
+                                <p:cTn id="5" presetID="10" presetClass="entr" presetSubtype="0" fill="hold" grpId="0" nodeType="clickEffect">
+                                  <p:stCondLst>
+                                    <p:cond delay="0"/>
+                                  </p:stCondLst>
+                                  <p:childTnLst>
+                                    <p:set>
+                                      <p:cBhvr>
+                                        <p:cTn id="6" dur="1" fill="hold">
+                                          <p:stCondLst>
+                                            <p:cond delay="0"/>
+                                          </p:stCondLst>
+                                        </p:cTn>
+                                        <p:tgtEl>
+                                          <p:spTgt spid="8"/>
+                                        </p:tgtEl>
+                                        <p:attrNameLst>
+                                          <p:attrName>style.visibility</p:attrName>
+                                        </p:attrNameLst>
+                                      </p:cBhvr>
+                                      <p:to>
+                                        <p:strVal val="visible"/>
+                                      </p:to>
+                                    </p:set>
+                                    <p:animEffect transition="in" filter="fade">
+                                      <p:cBhvr>
+                                        <p:cTn id="7" dur="500"/>
+                                        <p:tgtEl>
+                                          <p:spTgt spid="8"/>
+                                        </p:tgtEl>
+                                      </p:cBhvr>
+                                    </p:animEffect>
+                                  </p:childTnLst>
+                                </p:cTn>
+                              </p:par>
+                              <p:par>
+                                <p:cTn id="8" presetID="10" presetClass="entr" presetSubtype="0" fill="hold" grpId="0" nodeType="withEffect">
+                                  <p:stCondLst>
+                                    <p:cond delay="0"/>
+                                  </p:stCondLst>
+                                  <p:childTnLst>
+                                    <p:set>
+                                      <p:cBhvr>
+                                        <p:cTn id="9" dur="1" fill="hold">
+                                          <p:stCondLst>
+                                            <p:cond delay="0"/>
+                                          </p:stCondLst>
+                                        </p:cTn>
+                                        <p:tgtEl>
+                                          <p:spTgt spid="6"/>
+                                        </p:tgtEl>
+                                        <p:attrNameLst>
+                                          <p:attrName>style.visibility</p:attrName>
+                                        </p:attrNameLst>
+                                      </p:cBhvr>
+                                      <p:to>
+                                        <p:strVal val="visible"/>
+                                      </p:to>
+                                    </p:set>
+                                    <p:animEffect transition="in" filter="fade">
+                                      <p:cBhvr>
+                                        <p:cTn id="10" dur="500"/>
+                                        <p:tgtEl>
+                                          <p:spTgt spid="6"/>
+                                        </p:tgtEl>
+                                      </p:cBhvr>
+                                    </p:animEffect>
+                                  </p:childTnLst>
+                                </p:cTn>
+                              </p:par>
+                              <p:par>
+                                <p:cTn id="11" presetID="10" presetClass="entr" presetSubtype="0" fill="hold" grpId="0" nodeType="withEffect">
+                                  <p:stCondLst>
+                                    <p:cond delay="0"/>
+                                  </p:stCondLst>
+                                  <p:childTnLst>
+                                    <p:set>
+                                      <p:cBhvr>
+                                        <p:cTn id="12" dur="1" fill="hold">
+                                          <p:stCondLst>
+                                            <p:cond delay="0"/>
+                                          </p:stCondLst>
+                                        </p:cTn>
+                                        <p:tgtEl>
+                                          <p:spTgt spid="7"/>
+                                        </p:tgtEl>
+                                        <p:attrNameLst>
+                                          <p:attrName>style.visibility</p:attrName>
+                                        </p:attrNameLst>
+                                      </p:cBhvr>
+                                      <p:to>
+                                        <p:strVal val="visible"/>
+                                      </p:to>
+                                    </p:set>
+                                    <p:animEffect transition="in" filter="fade">
+                                      <p:cBhvr>
+                                        <p:cTn id="13" dur="500"/>
+                                        <p:tgtEl>
+                                          <p:spTgt spid="7"/>
+                                        </p:tgtEl>
+                                      </p:cBhvr>
+                                    </p:animEffect>
+                                  </p:childTnLst>
+                                </p:cTn>
+                              </p:par>
+                              <p:par>
+                                <p:cTn id="14" presetID="10" presetClass="entr" presetSubtype="0" fill="hold" grpId="0" nodeType="withEffect">
+                                  <p:stCondLst>
+                                    <p:cond delay="0"/>
+                                  </p:stCondLst>
+                                  <p:childTnLst>
+                                    <p:set>
+                                      <p:cBhvr>
+                                        <p:cTn id="15" dur="1" fill="hold">
+                                          <p:stCondLst>
+                                            <p:cond delay="0"/>
+                                          </p:stCondLst>
+                                        </p:cTn>
+                                        <p:tgtEl>
+                                          <p:spTgt spid="15"/>
+                                        </p:tgtEl>
+                                        <p:attrNameLst>
+                                          <p:attrName>style.visibility</p:attrName>
+                                        </p:attrNameLst>
+                                      </p:cBhvr>
+                                      <p:to>
+                                        <p:strVal val="visible"/>
+                                      </p:to>
+                                    </p:set>
+                                    <p:animEffect transition="in" filter="fade">
+                                      <p:cBhvr>
+                                        <p:cTn id="16" dur="500"/>
+                                        <p:tgtEl>
+                                          <p:spTgt spid="15"/>
+                                        </p:tgtEl>
+                                      </p:cBhvr>
+                                    </p:animEffect>
+                                  </p:childTnLst>
+                                </p:cTn>
+                              </p:par>
+                              <p:par>
+                                <p:cTn id="17" presetID="10" presetClass="entr" presetSubtype="0" fill="hold" grpId="0" nodeType="withEffect">
+                                  <p:stCondLst>
+                                    <p:cond delay="0"/>
+                                  </p:stCondLst>
+                                  <p:childTnLst>
+                                    <p:set>
+                                      <p:cBhvr>
+                                        <p:cTn id="18" dur="1" fill="hold">
+                                          <p:stCondLst>
+                                            <p:cond delay="0"/>
+                                          </p:stCondLst>
+                                        </p:cTn>
+                                        <p:tgtEl>
+                                          <p:spTgt spid="16"/>
+                                        </p:tgtEl>
+                                        <p:attrNameLst>
+                                          <p:attrName>style.visibility</p:attrName>
+                                        </p:attrNameLst>
+                                      </p:cBhvr>
+                                      <p:to>
+                                        <p:strVal val="visible"/>
+                                      </p:to>
+                                    </p:set>
+                                    <p:animEffect transition="in" filter="fade">
+                                      <p:cBhvr>
+                                        <p:cTn id="19" dur="500"/>
+                                        <p:tgtEl>
+                                          <p:spTgt spid="16"/>
+                                        </p:tgtEl>
+                                      </p:cBhvr>
+                                    </p:animEffect>
+                                  </p:childTnLst>
+                                </p:cTn>
+                              </p:par>
+                              <p:par>
+                                <p:cTn id="20" presetID="10" presetClass="entr" presetSubtype="0" fill="hold" grpId="0" nodeType="withEffect">
+                                  <p:stCondLst>
+                                    <p:cond delay="0"/>
+                                  </p:stCondLst>
+                                  <p:childTnLst>
+                                    <p:set>
+                                      <p:cBhvr>
+                                        <p:cTn id="21" dur="1" fill="hold">
+                                          <p:stCondLst>
+                                            <p:cond delay="0"/>
+                                          </p:stCondLst>
+                                        </p:cTn>
+                                        <p:tgtEl>
+                                          <p:spTgt spid="17"/>
+                                        </p:tgtEl>
+                                        <p:attrNameLst>
+                                          <p:attrName>style.visibility</p:attrName>
+                                        </p:attrNameLst>
+                                      </p:cBhvr>
+                                      <p:to>
+                                        <p:strVal val="visible"/>
+                                      </p:to>
+                                    </p:set>
+                                    <p:animEffect transition="in" filter="fade">
+                                      <p:cBhvr>
+                                        <p:cTn id="22" dur="500"/>
+                                        <p:tgtEl>
+                                          <p:spTgt spid="17"/>
+                                        </p:tgtEl>
+                                      </p:cBhvr>
+                                    </p:animEffect>
+                                  </p:childTnLst>
+                                </p:cTn>
+                              </p:par>
+                              <p:par>
+                                <p:cTn id="23" presetID="10" presetClass="entr" presetSubtype="0" fill="hold" grpId="0" nodeType="withEffect">
+                                  <p:stCondLst>
+                                    <p:cond delay="0"/>
+                                  </p:stCondLst>
+                                  <p:childTnLst>
+                                    <p:set>
+                                      <p:cBhvr>
+                                        <p:cTn id="24" dur="1" fill="hold">
+                                          <p:stCondLst>
+                                            <p:cond delay="0"/>
+                                          </p:stCondLst>
+                                        </p:cTn>
+                                        <p:tgtEl>
+                                          <p:spTgt spid="18"/>
+                                        </p:tgtEl>
+                                        <p:attrNameLst>
+                                          <p:attrName>style.visibility</p:attrName>
+                                        </p:attrNameLst>
+                                      </p:cBhvr>
+                                      <p:to>
+                                        <p:strVal val="visible"/>
+                                      </p:to>
+                                    </p:set>
+                                    <p:animEffect transition="in" filter="fade">
+                                      <p:cBhvr>
+                                        <p:cTn id="25" dur="500"/>
+                                        <p:tgtEl>
+                                          <p:spTgt spid="18"/>
+                                        </p:tgtEl>
+                                      </p:cBhvr>
+                                    </p:animEffect>
+                                  </p:childTnLst>
+                                </p:cTn>
+                              </p:par>
+                              <p:par>
+                                <p:cTn id="26" presetID="10" presetClass="entr" presetSubtype="0" fill="hold" grpId="0" nodeType="withEffect">
+                                  <p:stCondLst>
+                                    <p:cond delay="0"/>
+                                  </p:stCondLst>
+                                  <p:childTnLst>
+                                    <p:set>
+                                      <p:cBhvr>
+                                        <p:cTn id="27" dur="1" fill="hold">
+                                          <p:stCondLst>
+                                            <p:cond delay="0"/>
+                                          </p:stCondLst>
+                                        </p:cTn>
+                                        <p:tgtEl>
+                                          <p:spTgt spid="20"/>
+                                        </p:tgtEl>
+                                        <p:attrNameLst>
+                                          <p:attrName>style.visibility</p:attrName>
+                                        </p:attrNameLst>
+                                      </p:cBhvr>
+                                      <p:to>
+                                        <p:strVal val="visible"/>
+                                      </p:to>
+                                    </p:set>
+                                    <p:animEffect transition="in" filter="fade">
+                                      <p:cBhvr>
+                                        <p:cTn id="28" dur="500"/>
+                                        <p:tgtEl>
+                                          <p:spTgt spid="20"/>
+                                        </p:tgtEl>
+                                      </p:cBhvr>
+                                    </p:animEffect>
+                                  </p:childTnLst>
+                                </p:cTn>
+                              </p:par>
+                              <p:par>
+                                <p:cTn id="29" presetID="10" presetClass="entr" presetSubtype="0" fill="hold" grpId="0" nodeType="withEffect">
+                                  <p:stCondLst>
+                                    <p:cond delay="0"/>
+                                  </p:stCondLst>
+                                  <p:childTnLst>
+                                    <p:set>
+                                      <p:cBhvr>
+                                        <p:cTn id="30" dur="1" fill="hold">
+                                          <p:stCondLst>
+                                            <p:cond delay="0"/>
+                                          </p:stCondLst>
+                                        </p:cTn>
+                                        <p:tgtEl>
+                                          <p:spTgt spid="21"/>
+                                        </p:tgtEl>
+                                        <p:attrNameLst>
+                                          <p:attrName>style.visibility</p:attrName>
+                                        </p:attrNameLst>
+                                      </p:cBhvr>
+                                      <p:to>
+                                        <p:strVal val="visible"/>
+                                      </p:to>
+                                    </p:set>
+                                    <p:animEffect transition="in" filter="fade">
+                                      <p:cBhvr>
+                                        <p:cTn id="31" dur="500"/>
+                                        <p:tgtEl>
+                                          <p:spTgt spid="21"/>
+                                        </p:tgtEl>
+                                      </p:cBhvr>
+                                    </p:animEffect>
+                                  </p:childTnLst>
+                                </p:cTn>
+                              </p:par>
+                              <p:par>
+                                <p:cTn id="32" presetID="10" presetClass="entr" presetSubtype="0" fill="hold" grpId="0" nodeType="withEffect">
+                                  <p:stCondLst>
+                                    <p:cond delay="0"/>
+                                  </p:stCondLst>
+                                  <p:childTnLst>
+                                    <p:set>
+                                      <p:cBhvr>
+                                        <p:cTn id="33" dur="1" fill="hold">
+                                          <p:stCondLst>
+                                            <p:cond delay="0"/>
+                                          </p:stCondLst>
+                                        </p:cTn>
+                                        <p:tgtEl>
+                                          <p:spTgt spid="14"/>
+                                        </p:tgtEl>
+                                        <p:attrNameLst>
+                                          <p:attrName>style.visibility</p:attrName>
+                                        </p:attrNameLst>
+                                      </p:cBhvr>
+                                      <p:to>
+                                        <p:strVal val="visible"/>
+                                      </p:to>
+                                    </p:set>
+                                    <p:animEffect transition="in" filter="fade">
+                                      <p:cBhvr>
+                                        <p:cTn id="34" dur="500"/>
+                                        <p:tgtEl>
+                                          <p:spTgt spid="14"/>
+                                        </p:tgtEl>
+                                      </p:cBhvr>
+                                    </p:animEffect>
+                                  </p:childTnLst>
+                                </p:cTn>
+                              </p:par>
+                            </p:childTnLst>
+                          </p:cTn>
+                        </p:par>
+                      </p:childTnLst>
+                    </p:cTn>
+                  </p:par>
+                </p:childTnLst>
+              </p:cTn>
+              <p:prevCondLst>
+                <p:cond evt="onPrev" delay="0">
+                  <p:tgtEl>
+                    <p:sldTgt/>
+                  </p:tgtEl>
+                </p:cond>
+              </p:prevCondLst>
+              <p:nextCondLst>
+                <p:cond evt="onNext" delay="0">
+                  <p:tgtEl>
+                    <p:sldTgt/>
+                  </p:tgtEl>
+                </p:cond>
+              </p:nextCondLst>
+            </p:seq>
+          </p:childTnLst>
+        </p:cTn>
+      </p:par>
+    </p:tnLst>
+    <p:bldLst>
+      <p:bldP spid="8" grpId="0" animBg="1"/>
+      <p:bldP spid="14" grpId="0"/>
+      <p:bldP spid="6" grpId="0" animBg="1"/>
+      <p:bldP spid="7" grpId="0"/>
+      <p:bldP spid="15" grpId="0" animBg="1"/>
+      <p:bldP spid="16" grpId="0" animBg="1"/>
+      <p:bldP spid="17" grpId="0" animBg="1"/>
+      <p:bldP spid="18" grpId="0" animBg="1"/>
+      <p:bldP spid="20" grpId="0"/>
+      <p:bldP spid="21" grpId="0"/>
+    </p:bldLst>
+  </p:timing>
+</p:sld>
+</file>
+
+<file path=ppt/slides/slide26.xml><?xml version="1.0" encoding="utf-8"?>
 <p:sld xmlns:a="http://schemas.openxmlformats.org/drawingml/2006/main" xmlns:r="http://schemas.openxmlformats.org/officeDocument/2006/relationships" xmlns:p="http://schemas.openxmlformats.org/presentationml/2006/main">
   <p:cSld>
     <p:spTree>
@@ -6639,6 +8874,136 @@
           <a:chExt cx="0" cy="0"/>
         </a:xfrm>
       </p:grpSpPr>
+      <p:pic>
+        <p:nvPicPr>
+          <p:cNvPr id="3074" name="Picture 2" descr="See the source image">
+            <a:extLst>
+              <a:ext uri="{FF2B5EF4-FFF2-40B4-BE49-F238E27FC236}">
+                <a16:creationId xmlns:a16="http://schemas.microsoft.com/office/drawing/2014/main" id="{1437CBFC-B3A9-4845-9CFC-ECD51FD6FCB2}"/>
+              </a:ext>
+            </a:extLst>
+          </p:cNvPr>
+          <p:cNvPicPr>
+            <a:picLocks noChangeAspect="1" noChangeArrowheads="1"/>
+          </p:cNvPicPr>
+          <p:nvPr/>
+        </p:nvPicPr>
+        <p:blipFill>
+          <a:blip r:embed="rId2">
+            <a:extLst>
+              <a:ext uri="{28A0092B-C50C-407E-A947-70E740481C1C}">
+                <a14:useLocalDpi xmlns:a14="http://schemas.microsoft.com/office/drawing/2010/main" val="0"/>
+              </a:ext>
+            </a:extLst>
+          </a:blip>
+          <a:srcRect/>
+          <a:stretch>
+            <a:fillRect/>
+          </a:stretch>
+        </p:blipFill>
+        <p:spPr bwMode="auto">
+          <a:xfrm>
+            <a:off x="3188041" y="1691842"/>
+            <a:ext cx="5116731" cy="5116731"/>
+          </a:xfrm>
+          <a:prstGeom prst="rect">
+            <a:avLst/>
+          </a:prstGeom>
+          <a:noFill/>
+          <a:extLst>
+            <a:ext uri="{909E8E84-426E-40DD-AFC4-6F175D3DCCD1}">
+              <a14:hiddenFill xmlns:a14="http://schemas.microsoft.com/office/drawing/2010/main">
+                <a:solidFill>
+                  <a:srgbClr val="FFFFFF"/>
+                </a:solidFill>
+              </a14:hiddenFill>
+            </a:ext>
+          </a:extLst>
+        </p:spPr>
+      </p:pic>
+      <p:sp>
+        <p:nvSpPr>
+          <p:cNvPr id="5" name="Rectangle 4">
+            <a:extLst>
+              <a:ext uri="{FF2B5EF4-FFF2-40B4-BE49-F238E27FC236}">
+                <a16:creationId xmlns:a16="http://schemas.microsoft.com/office/drawing/2014/main" id="{E704FCD6-8B0F-44CF-BF67-4AC2C9E82163}"/>
+              </a:ext>
+            </a:extLst>
+          </p:cNvPr>
+          <p:cNvSpPr/>
+          <p:nvPr/>
+        </p:nvSpPr>
+        <p:spPr>
+          <a:xfrm>
+            <a:off x="3330790" y="149994"/>
+            <a:ext cx="4887877" cy="1323439"/>
+          </a:xfrm>
+          <a:prstGeom prst="rect">
+            <a:avLst/>
+          </a:prstGeom>
+          <a:noFill/>
+        </p:spPr>
+        <p:txBody>
+          <a:bodyPr wrap="none" lIns="91440" tIns="45720" rIns="91440" bIns="45720">
+            <a:spAutoFit/>
+          </a:bodyPr>
+          <a:lstStyle/>
+          <a:p>
+            <a:pPr algn="ctr"/>
+            <a:r>
+              <a:rPr lang="en-US" sz="8000" b="1" cap="none" spc="0" dirty="0">
+                <a:ln w="9525">
+                  <a:solidFill>
+                    <a:schemeClr val="bg1"/>
+                  </a:solidFill>
+                  <a:prstDash val="solid"/>
+                </a:ln>
+                <a:solidFill>
+                  <a:schemeClr val="tx1"/>
+                </a:solidFill>
+                <a:effectLst>
+                  <a:outerShdw blurRad="12700" dist="38100" dir="2700000" algn="tl" rotWithShape="0">
+                    <a:schemeClr val="bg1">
+                      <a:lumMod val="50000"/>
+                    </a:schemeClr>
+                  </a:outerShdw>
+                </a:effectLst>
+              </a:rPr>
+              <a:t>Who Am I?</a:t>
+            </a:r>
+          </a:p>
+        </p:txBody>
+      </p:sp>
+    </p:spTree>
+    <p:extLst>
+      <p:ext uri="{BB962C8B-B14F-4D97-AF65-F5344CB8AC3E}">
+        <p14:creationId xmlns:p14="http://schemas.microsoft.com/office/powerpoint/2010/main" val="2349744765"/>
+      </p:ext>
+    </p:extLst>
+  </p:cSld>
+  <p:clrMapOvr>
+    <a:masterClrMapping/>
+  </p:clrMapOvr>
+</p:sld>
+</file>
+
+<file path=ppt/slides/slide4.xml><?xml version="1.0" encoding="utf-8"?>
+<p:sld xmlns:a="http://schemas.openxmlformats.org/drawingml/2006/main" xmlns:r="http://schemas.openxmlformats.org/officeDocument/2006/relationships" xmlns:p="http://schemas.openxmlformats.org/presentationml/2006/main">
+  <p:cSld>
+    <p:spTree>
+      <p:nvGrpSpPr>
+        <p:cNvPr id="1" name=""/>
+        <p:cNvGrpSpPr/>
+        <p:nvPr/>
+      </p:nvGrpSpPr>
+      <p:grpSpPr>
+        <a:xfrm>
+          <a:off x="0" y="0"/>
+          <a:ext cx="0" cy="0"/>
+          <a:chOff x="0" y="0"/>
+          <a:chExt cx="0" cy="0"/>
+        </a:xfrm>
+      </p:grpSpPr>
       <p:sp>
         <p:nvSpPr>
           <p:cNvPr id="3" name="Content Placeholder 2">
@@ -6683,7 +9048,7 @@
             </a:r>
             <a:r>
               <a:rPr lang="en-GB" dirty="0"/>
-              <a:t> all of Career</a:t>
+              <a:t> most of Career</a:t>
             </a:r>
           </a:p>
         </p:txBody>
@@ -7726,7 +10091,7 @@
 </p:sld>
 </file>
 
-<file path=ppt/slides/slide4.xml><?xml version="1.0" encoding="utf-8"?>
+<file path=ppt/slides/slide5.xml><?xml version="1.0" encoding="utf-8"?>
 <p:sld xmlns:a="http://schemas.openxmlformats.org/drawingml/2006/main" xmlns:r="http://schemas.openxmlformats.org/officeDocument/2006/relationships" xmlns:p="http://schemas.openxmlformats.org/presentationml/2006/main">
   <p:cSld>
     <p:spTree>
@@ -7792,7 +10157,7 @@
           <a:p>
             <a:r>
               <a:rPr lang="en-GB" sz="3200" dirty="0"/>
-              <a:t>Object-Oriented – Function</a:t>
+              <a:t>Object-Oriented – Functional</a:t>
             </a:r>
           </a:p>
           <a:p>
@@ -7884,7 +10249,7 @@
 </p:sld>
 </file>
 
-<file path=ppt/slides/slide5.xml><?xml version="1.0" encoding="utf-8"?>
+<file path=ppt/slides/slide6.xml><?xml version="1.0" encoding="utf-8"?>
 <p:sld xmlns:a="http://schemas.openxmlformats.org/drawingml/2006/main" xmlns:r="http://schemas.openxmlformats.org/officeDocument/2006/relationships" xmlns:p="http://schemas.openxmlformats.org/presentationml/2006/main">
   <p:cSld>
     <p:spTree>
@@ -8045,15 +10410,7 @@
             <a:pPr algn="ctr"/>
             <a:r>
               <a:rPr lang="en-GB" sz="2400" i="1" dirty="0"/>
-              <a:t>“Using Libraries from other languages in your project in the </a:t>
-            </a:r>
-            <a:r>
-              <a:rPr lang="en-GB" sz="2400" i="1" dirty="0" err="1"/>
-              <a:t>DotNet</a:t>
-            </a:r>
-            <a:r>
-              <a:rPr lang="en-GB" sz="2400" i="1" dirty="0"/>
-              <a:t> ecosystem”</a:t>
+              <a:t>“Using Libraries from other languages in your project”</a:t>
             </a:r>
           </a:p>
         </p:txBody>
@@ -8407,7 +10764,7 @@
 </p:sld>
 </file>
 
-<file path=ppt/slides/slide6.xml><?xml version="1.0" encoding="utf-8"?>
+<file path=ppt/slides/slide7.xml><?xml version="1.0" encoding="utf-8"?>
 <p:sld xmlns:a="http://schemas.openxmlformats.org/drawingml/2006/main" xmlns:r="http://schemas.openxmlformats.org/officeDocument/2006/relationships" xmlns:p="http://schemas.openxmlformats.org/presentationml/2006/main">
   <p:cSld>
     <p:spTree>
@@ -8492,7 +10849,7 @@
           <p:nvPr/>
         </p:nvPicPr>
         <p:blipFill>
-          <a:blip r:embed="rId2"/>
+          <a:blip r:embed="rId3"/>
           <a:stretch>
             <a:fillRect/>
           </a:stretch>
@@ -8522,7 +10879,7 @@
           <p:nvPr/>
         </p:nvPicPr>
         <p:blipFill>
-          <a:blip r:embed="rId3"/>
+          <a:blip r:embed="rId4"/>
           <a:stretch>
             <a:fillRect/>
           </a:stretch>
@@ -8541,268 +10898,6 @@
     <p:extLst>
       <p:ext uri="{BB962C8B-B14F-4D97-AF65-F5344CB8AC3E}">
         <p14:creationId xmlns:p14="http://schemas.microsoft.com/office/powerpoint/2010/main" val="3849683184"/>
-      </p:ext>
-    </p:extLst>
-  </p:cSld>
-  <p:clrMapOvr>
-    <a:masterClrMapping/>
-  </p:clrMapOvr>
-</p:sld>
-</file>
-
-<file path=ppt/slides/slide7.xml><?xml version="1.0" encoding="utf-8"?>
-<p:sld xmlns:a="http://schemas.openxmlformats.org/drawingml/2006/main" xmlns:r="http://schemas.openxmlformats.org/officeDocument/2006/relationships" xmlns:p="http://schemas.openxmlformats.org/presentationml/2006/main">
-  <p:cSld>
-    <p:spTree>
-      <p:nvGrpSpPr>
-        <p:cNvPr id="1" name=""/>
-        <p:cNvGrpSpPr/>
-        <p:nvPr/>
-      </p:nvGrpSpPr>
-      <p:grpSpPr>
-        <a:xfrm>
-          <a:off x="0" y="0"/>
-          <a:ext cx="0" cy="0"/>
-          <a:chOff x="0" y="0"/>
-          <a:chExt cx="0" cy="0"/>
-        </a:xfrm>
-      </p:grpSpPr>
-      <p:sp>
-        <p:nvSpPr>
-          <p:cNvPr id="4" name="Rectangle 3">
-            <a:extLst>
-              <a:ext uri="{FF2B5EF4-FFF2-40B4-BE49-F238E27FC236}">
-                <a16:creationId xmlns:a16="http://schemas.microsoft.com/office/drawing/2014/main" id="{2058D325-366B-47E5-934D-FC405F65C783}"/>
-              </a:ext>
-            </a:extLst>
-          </p:cNvPr>
-          <p:cNvSpPr/>
-          <p:nvPr/>
-        </p:nvSpPr>
-        <p:spPr>
-          <a:xfrm>
-            <a:off x="1498596" y="189171"/>
-            <a:ext cx="8618193" cy="1323439"/>
-          </a:xfrm>
-          <a:prstGeom prst="rect">
-            <a:avLst/>
-          </a:prstGeom>
-          <a:noFill/>
-        </p:spPr>
-        <p:txBody>
-          <a:bodyPr wrap="none" lIns="91440" tIns="45720" rIns="91440" bIns="45720">
-            <a:spAutoFit/>
-          </a:bodyPr>
-          <a:lstStyle/>
-          <a:p>
-            <a:pPr algn="ctr"/>
-            <a:r>
-              <a:rPr lang="en-US" sz="8000" b="1" cap="none" spc="0" dirty="0">
-                <a:ln w="9525">
-                  <a:solidFill>
-                    <a:schemeClr val="bg1"/>
-                  </a:solidFill>
-                  <a:prstDash val="solid"/>
-                </a:ln>
-                <a:solidFill>
-                  <a:schemeClr val="tx1"/>
-                </a:solidFill>
-                <a:effectLst>
-                  <a:outerShdw blurRad="12700" dist="38100" dir="2700000" algn="tl" rotWithShape="0">
-                    <a:schemeClr val="bg1">
-                      <a:lumMod val="50000"/>
-                    </a:schemeClr>
-                  </a:outerShdw>
-                </a:effectLst>
-              </a:rPr>
-              <a:t>But what About F#?</a:t>
-            </a:r>
-          </a:p>
-        </p:txBody>
-      </p:sp>
-      <p:sp>
-        <p:nvSpPr>
-          <p:cNvPr id="5" name="Content Placeholder 2">
-            <a:extLst>
-              <a:ext uri="{FF2B5EF4-FFF2-40B4-BE49-F238E27FC236}">
-                <a16:creationId xmlns:a16="http://schemas.microsoft.com/office/drawing/2014/main" id="{93B4D857-0A6D-4657-913A-56C62D4776A0}"/>
-              </a:ext>
-            </a:extLst>
-          </p:cNvPr>
-          <p:cNvSpPr>
-            <a:spLocks noGrp="1"/>
-          </p:cNvSpPr>
-          <p:nvPr>
-            <p:ph idx="1"/>
-          </p:nvPr>
-        </p:nvSpPr>
-        <p:spPr>
-          <a:xfrm>
-            <a:off x="116732" y="2181683"/>
-            <a:ext cx="5369668" cy="3606274"/>
-          </a:xfrm>
-        </p:spPr>
-        <p:txBody>
-          <a:bodyPr>
-            <a:noAutofit/>
-          </a:bodyPr>
-          <a:lstStyle/>
-          <a:p>
-            <a:pPr lvl="2"/>
-            <a:r>
-              <a:rPr lang="en-GB" sz="3200" dirty="0"/>
-              <a:t>Discriminated Unions</a:t>
-            </a:r>
-          </a:p>
-          <a:p>
-            <a:pPr lvl="2"/>
-            <a:r>
-              <a:rPr lang="en-GB" sz="3200" dirty="0"/>
-              <a:t>Options</a:t>
-            </a:r>
-          </a:p>
-          <a:p>
-            <a:pPr lvl="2"/>
-            <a:r>
-              <a:rPr lang="en-GB" sz="3200" dirty="0"/>
-              <a:t>Higher Order Functions</a:t>
-            </a:r>
-          </a:p>
-          <a:p>
-            <a:pPr lvl="2"/>
-            <a:r>
-              <a:rPr lang="en-GB" sz="3200" dirty="0"/>
-              <a:t>Modules</a:t>
-            </a:r>
-          </a:p>
-          <a:p>
-            <a:pPr lvl="2"/>
-            <a:r>
-              <a:rPr lang="en-GB" sz="3200" dirty="0"/>
-              <a:t>Records</a:t>
-            </a:r>
-          </a:p>
-          <a:p>
-            <a:pPr lvl="2"/>
-            <a:r>
-              <a:rPr lang="en-GB" sz="3200" dirty="0"/>
-              <a:t>Sequences</a:t>
-            </a:r>
-          </a:p>
-          <a:p>
-            <a:pPr lvl="2"/>
-            <a:endParaRPr lang="en-GB" sz="3200" dirty="0"/>
-          </a:p>
-        </p:txBody>
-      </p:sp>
-      <p:pic>
-        <p:nvPicPr>
-          <p:cNvPr id="1030" name="Picture 6" descr="Lambda : définition de LAMBDA, subst. masc. | La langue française">
-            <a:extLst>
-              <a:ext uri="{FF2B5EF4-FFF2-40B4-BE49-F238E27FC236}">
-                <a16:creationId xmlns:a16="http://schemas.microsoft.com/office/drawing/2014/main" id="{A57F312A-5CB3-4156-BF49-89D3D2F9C422}"/>
-              </a:ext>
-            </a:extLst>
-          </p:cNvPr>
-          <p:cNvPicPr>
-            <a:picLocks noChangeAspect="1" noChangeArrowheads="1"/>
-          </p:cNvPicPr>
-          <p:nvPr/>
-        </p:nvPicPr>
-        <p:blipFill>
-          <a:blip r:embed="rId2">
-            <a:clrChange>
-              <a:clrFrom>
-                <a:srgbClr val="FEFEFE"/>
-              </a:clrFrom>
-              <a:clrTo>
-                <a:srgbClr val="FEFEFE">
-                  <a:alpha val="0"/>
-                </a:srgbClr>
-              </a:clrTo>
-            </a:clrChange>
-            <a:extLst>
-              <a:ext uri="{28A0092B-C50C-407E-A947-70E740481C1C}">
-                <a14:useLocalDpi xmlns:a14="http://schemas.microsoft.com/office/drawing/2010/main" val="0"/>
-              </a:ext>
-            </a:extLst>
-          </a:blip>
-          <a:srcRect/>
-          <a:stretch>
-            <a:fillRect/>
-          </a:stretch>
-        </p:blipFill>
-        <p:spPr bwMode="auto">
-          <a:xfrm>
-            <a:off x="8710789" y="2374796"/>
-            <a:ext cx="3481211" cy="3481211"/>
-          </a:xfrm>
-          <a:prstGeom prst="rect">
-            <a:avLst/>
-          </a:prstGeom>
-          <a:noFill/>
-          <a:extLst>
-            <a:ext uri="{909E8E84-426E-40DD-AFC4-6F175D3DCCD1}">
-              <a14:hiddenFill xmlns:a14="http://schemas.microsoft.com/office/drawing/2010/main">
-                <a:solidFill>
-                  <a:srgbClr val="FFFFFF"/>
-                </a:solidFill>
-              </a14:hiddenFill>
-            </a:ext>
-          </a:extLst>
-        </p:spPr>
-      </p:pic>
-      <p:pic>
-        <p:nvPicPr>
-          <p:cNvPr id="10" name="Picture 4" descr="See the source image">
-            <a:extLst>
-              <a:ext uri="{FF2B5EF4-FFF2-40B4-BE49-F238E27FC236}">
-                <a16:creationId xmlns:a16="http://schemas.microsoft.com/office/drawing/2014/main" id="{9B24F4E8-37F9-4884-8E59-66EEF82494C9}"/>
-              </a:ext>
-            </a:extLst>
-          </p:cNvPr>
-          <p:cNvPicPr>
-            <a:picLocks noChangeAspect="1" noChangeArrowheads="1"/>
-          </p:cNvPicPr>
-          <p:nvPr/>
-        </p:nvPicPr>
-        <p:blipFill>
-          <a:blip r:embed="rId3">
-            <a:extLst>
-              <a:ext uri="{28A0092B-C50C-407E-A947-70E740481C1C}">
-                <a14:useLocalDpi xmlns:a14="http://schemas.microsoft.com/office/drawing/2010/main" val="0"/>
-              </a:ext>
-            </a:extLst>
-          </a:blip>
-          <a:srcRect/>
-          <a:stretch>
-            <a:fillRect/>
-          </a:stretch>
-        </p:blipFill>
-        <p:spPr bwMode="auto">
-          <a:xfrm>
-            <a:off x="5688799" y="2271070"/>
-            <a:ext cx="3688665" cy="3688665"/>
-          </a:xfrm>
-          <a:prstGeom prst="rect">
-            <a:avLst/>
-          </a:prstGeom>
-          <a:noFill/>
-          <a:extLst>
-            <a:ext uri="{909E8E84-426E-40DD-AFC4-6F175D3DCCD1}">
-              <a14:hiddenFill xmlns:a14="http://schemas.microsoft.com/office/drawing/2010/main">
-                <a:solidFill>
-                  <a:srgbClr val="FFFFFF"/>
-                </a:solidFill>
-              </a14:hiddenFill>
-            </a:ext>
-          </a:extLst>
-        </p:spPr>
-      </p:pic>
-    </p:spTree>
-    <p:extLst>
-      <p:ext uri="{BB962C8B-B14F-4D97-AF65-F5344CB8AC3E}">
-        <p14:creationId xmlns:p14="http://schemas.microsoft.com/office/powerpoint/2010/main" val="3229354030"/>
       </p:ext>
     </p:extLst>
   </p:cSld>
@@ -8843,8 +10938,8 @@
         </p:nvSpPr>
         <p:spPr>
           <a:xfrm>
-            <a:off x="3523062" y="2151727"/>
-            <a:ext cx="4956214" cy="2554545"/>
+            <a:off x="1605255" y="189171"/>
+            <a:ext cx="8404866" cy="1323439"/>
           </a:xfrm>
           <a:prstGeom prst="rect">
             <a:avLst/>
@@ -8852,7 +10947,7 @@
           <a:noFill/>
         </p:spPr>
         <p:txBody>
-          <a:bodyPr wrap="square" lIns="91440" tIns="45720" rIns="91440" bIns="45720">
+          <a:bodyPr wrap="none" lIns="91440" tIns="45720" rIns="91440" bIns="45720">
             <a:spAutoFit/>
           </a:bodyPr>
           <a:lstStyle/>
@@ -8877,21 +10972,261 @@
                   </a:outerShdw>
                 </a:effectLst>
               </a:rPr>
-              <a:t>Things that work well</a:t>
-            </a:r>
+              <a:t>Visual Basic And C#</a:t>
+            </a:r>
+          </a:p>
+        </p:txBody>
+      </p:sp>
+      <p:pic>
+        <p:nvPicPr>
+          <p:cNvPr id="2" name="Picture 1">
+            <a:extLst>
+              <a:ext uri="{FF2B5EF4-FFF2-40B4-BE49-F238E27FC236}">
+                <a16:creationId xmlns:a16="http://schemas.microsoft.com/office/drawing/2014/main" id="{D1897EC0-25B8-4113-B942-B3995F213ADD}"/>
+              </a:ext>
+            </a:extLst>
+          </p:cNvPr>
+          <p:cNvPicPr>
+            <a:picLocks noChangeAspect="1"/>
+          </p:cNvPicPr>
+          <p:nvPr/>
+        </p:nvPicPr>
+        <p:blipFill>
+          <a:blip r:embed="rId2"/>
+          <a:stretch>
+            <a:fillRect/>
+          </a:stretch>
+        </p:blipFill>
+        <p:spPr>
+          <a:xfrm>
+            <a:off x="3297820" y="1512610"/>
+            <a:ext cx="5019735" cy="5097360"/>
+          </a:xfrm>
+          <a:prstGeom prst="rect">
+            <a:avLst/>
+          </a:prstGeom>
+        </p:spPr>
+      </p:pic>
+      <p:sp>
+        <p:nvSpPr>
+          <p:cNvPr id="3" name="Oval 2">
+            <a:extLst>
+              <a:ext uri="{FF2B5EF4-FFF2-40B4-BE49-F238E27FC236}">
+                <a16:creationId xmlns:a16="http://schemas.microsoft.com/office/drawing/2014/main" id="{69756F8A-115B-453F-8397-FDFBCEF2381C}"/>
+              </a:ext>
+            </a:extLst>
+          </p:cNvPr>
+          <p:cNvSpPr/>
+          <p:nvPr/>
+        </p:nvSpPr>
+        <p:spPr>
+          <a:xfrm>
+            <a:off x="3624044" y="4061290"/>
+            <a:ext cx="4462943" cy="461395"/>
+          </a:xfrm>
+          <a:prstGeom prst="ellipse">
+            <a:avLst/>
+          </a:prstGeom>
+          <a:noFill/>
+          <a:ln>
+            <a:solidFill>
+              <a:srgbClr val="FF0000"/>
+            </a:solidFill>
+          </a:ln>
+        </p:spPr>
+        <p:style>
+          <a:lnRef idx="2">
+            <a:schemeClr val="accent1">
+              <a:shade val="50000"/>
+            </a:schemeClr>
+          </a:lnRef>
+          <a:fillRef idx="1">
+            <a:schemeClr val="accent1"/>
+          </a:fillRef>
+          <a:effectRef idx="0">
+            <a:schemeClr val="accent1"/>
+          </a:effectRef>
+          <a:fontRef idx="minor">
+            <a:schemeClr val="lt1"/>
+          </a:fontRef>
+        </p:style>
+        <p:txBody>
+          <a:bodyPr rtlCol="0" anchor="ctr"/>
+          <a:lstStyle/>
+          <a:p>
+            <a:pPr algn="ctr"/>
+            <a:endParaRPr lang="en-GB"/>
+          </a:p>
+        </p:txBody>
+      </p:sp>
+      <p:sp>
+        <p:nvSpPr>
+          <p:cNvPr id="8" name="Oval 7">
+            <a:extLst>
+              <a:ext uri="{FF2B5EF4-FFF2-40B4-BE49-F238E27FC236}">
+                <a16:creationId xmlns:a16="http://schemas.microsoft.com/office/drawing/2014/main" id="{6CB6F564-B9DA-4BCB-A83C-05DBBF951379}"/>
+              </a:ext>
+            </a:extLst>
+          </p:cNvPr>
+          <p:cNvSpPr/>
+          <p:nvPr/>
+        </p:nvSpPr>
+        <p:spPr>
+          <a:xfrm>
+            <a:off x="3162650" y="1684584"/>
+            <a:ext cx="1912690" cy="461395"/>
+          </a:xfrm>
+          <a:prstGeom prst="ellipse">
+            <a:avLst/>
+          </a:prstGeom>
+          <a:noFill/>
+          <a:ln>
+            <a:solidFill>
+              <a:srgbClr val="FF0000"/>
+            </a:solidFill>
+          </a:ln>
+        </p:spPr>
+        <p:style>
+          <a:lnRef idx="2">
+            <a:schemeClr val="accent1">
+              <a:shade val="50000"/>
+            </a:schemeClr>
+          </a:lnRef>
+          <a:fillRef idx="1">
+            <a:schemeClr val="accent1"/>
+          </a:fillRef>
+          <a:effectRef idx="0">
+            <a:schemeClr val="accent1"/>
+          </a:effectRef>
+          <a:fontRef idx="minor">
+            <a:schemeClr val="lt1"/>
+          </a:fontRef>
+        </p:style>
+        <p:txBody>
+          <a:bodyPr rtlCol="0" anchor="ctr"/>
+          <a:lstStyle/>
+          <a:p>
+            <a:pPr algn="ctr"/>
+            <a:endParaRPr lang="en-GB"/>
           </a:p>
         </p:txBody>
       </p:sp>
     </p:spTree>
     <p:extLst>
       <p:ext uri="{BB962C8B-B14F-4D97-AF65-F5344CB8AC3E}">
-        <p14:creationId xmlns:p14="http://schemas.microsoft.com/office/powerpoint/2010/main" val="1020875565"/>
+        <p14:creationId xmlns:p14="http://schemas.microsoft.com/office/powerpoint/2010/main" val="1886235415"/>
       </p:ext>
     </p:extLst>
   </p:cSld>
   <p:clrMapOvr>
     <a:masterClrMapping/>
   </p:clrMapOvr>
+  <p:timing>
+    <p:tnLst>
+      <p:par>
+        <p:cTn id="1" dur="indefinite" restart="never" nodeType="tmRoot">
+          <p:childTnLst>
+            <p:seq concurrent="1" nextAc="seek">
+              <p:cTn id="2" dur="indefinite" nodeType="mainSeq">
+                <p:childTnLst>
+                  <p:par>
+                    <p:cTn id="3" fill="hold">
+                      <p:stCondLst>
+                        <p:cond delay="indefinite"/>
+                      </p:stCondLst>
+                      <p:childTnLst>
+                        <p:par>
+                          <p:cTn id="4" fill="hold">
+                            <p:stCondLst>
+                              <p:cond delay="0"/>
+                            </p:stCondLst>
+                            <p:childTnLst>
+                              <p:par>
+                                <p:cTn id="5" presetID="1" presetClass="entr" presetSubtype="0" fill="hold" grpId="0" nodeType="clickEffect">
+                                  <p:stCondLst>
+                                    <p:cond delay="0"/>
+                                  </p:stCondLst>
+                                  <p:childTnLst>
+                                    <p:set>
+                                      <p:cBhvr>
+                                        <p:cTn id="6" dur="1" fill="hold">
+                                          <p:stCondLst>
+                                            <p:cond delay="0"/>
+                                          </p:stCondLst>
+                                        </p:cTn>
+                                        <p:tgtEl>
+                                          <p:spTgt spid="8"/>
+                                        </p:tgtEl>
+                                        <p:attrNameLst>
+                                          <p:attrName>style.visibility</p:attrName>
+                                        </p:attrNameLst>
+                                      </p:cBhvr>
+                                      <p:to>
+                                        <p:strVal val="visible"/>
+                                      </p:to>
+                                    </p:set>
+                                  </p:childTnLst>
+                                </p:cTn>
+                              </p:par>
+                              <p:par>
+                                <p:cTn id="7" presetID="1" presetClass="entr" presetSubtype="0" fill="hold" grpId="0" nodeType="withEffect">
+                                  <p:stCondLst>
+                                    <p:cond delay="0"/>
+                                  </p:stCondLst>
+                                  <p:childTnLst>
+                                    <p:set>
+                                      <p:cBhvr>
+                                        <p:cTn id="8" dur="1" fill="hold">
+                                          <p:stCondLst>
+                                            <p:cond delay="0"/>
+                                          </p:stCondLst>
+                                        </p:cTn>
+                                        <p:tgtEl>
+                                          <p:spTgt spid="3"/>
+                                        </p:tgtEl>
+                                        <p:attrNameLst>
+                                          <p:attrName>style.visibility</p:attrName>
+                                        </p:attrNameLst>
+                                      </p:cBhvr>
+                                      <p:to>
+                                        <p:strVal val="visible"/>
+                                      </p:to>
+                                    </p:set>
+                                  </p:childTnLst>
+                                </p:cTn>
+                              </p:par>
+                            </p:childTnLst>
+                          </p:cTn>
+                        </p:par>
+                      </p:childTnLst>
+                    </p:cTn>
+                  </p:par>
+                </p:childTnLst>
+              </p:cTn>
+              <p:prevCondLst>
+                <p:cond evt="onPrev" delay="0">
+                  <p:tgtEl>
+                    <p:sldTgt/>
+                  </p:tgtEl>
+                </p:cond>
+              </p:prevCondLst>
+              <p:nextCondLst>
+                <p:cond evt="onNext" delay="0">
+                  <p:tgtEl>
+                    <p:sldTgt/>
+                  </p:tgtEl>
+                </p:cond>
+              </p:nextCondLst>
+            </p:seq>
+          </p:childTnLst>
+        </p:cTn>
+      </p:par>
+    </p:tnLst>
+    <p:bldLst>
+      <p:bldP spid="3" grpId="0" animBg="1"/>
+      <p:bldP spid="8" grpId="0" animBg="1"/>
+    </p:bldLst>
+  </p:timing>
 </p:sld>
 </file>
 
@@ -8926,8 +11261,8 @@
         </p:nvSpPr>
         <p:spPr>
           <a:xfrm>
-            <a:off x="510575" y="234049"/>
-            <a:ext cx="11333552" cy="1323439"/>
+            <a:off x="1498596" y="189171"/>
+            <a:ext cx="8618193" cy="1323439"/>
           </a:xfrm>
           <a:prstGeom prst="rect">
             <a:avLst/>
@@ -8960,7 +11295,7 @@
                   </a:outerShdw>
                 </a:effectLst>
               </a:rPr>
-              <a:t>Namespaces and Modules</a:t>
+              <a:t>But what About F#?</a:t>
             </a:r>
           </a:p>
         </p:txBody>
@@ -8983,8 +11318,8 @@
         </p:nvSpPr>
         <p:spPr>
           <a:xfrm>
-            <a:off x="-729574" y="1625863"/>
-            <a:ext cx="4717914" cy="3606274"/>
+            <a:off x="116732" y="2181683"/>
+            <a:ext cx="5369668" cy="3606274"/>
           </a:xfrm>
         </p:spPr>
         <p:txBody>
@@ -8996,119 +11331,158 @@
             <a:pPr lvl="2"/>
             <a:r>
               <a:rPr lang="en-GB" sz="3200" dirty="0"/>
-              <a:t>Namespaces allow using statements just like C# namespaces</a:t>
+              <a:t>Discriminated Unions</a:t>
+            </a:r>
+          </a:p>
+          <a:p>
+            <a:pPr lvl="2"/>
+            <a:r>
+              <a:rPr lang="en-GB" sz="3200" dirty="0"/>
+              <a:t>Options</a:t>
+            </a:r>
+          </a:p>
+          <a:p>
+            <a:pPr lvl="2"/>
+            <a:r>
+              <a:rPr lang="en-GB" sz="3200" dirty="0"/>
+              <a:t>Higher Order Functions</a:t>
+            </a:r>
+          </a:p>
+          <a:p>
+            <a:pPr lvl="2"/>
+            <a:r>
+              <a:rPr lang="en-GB" sz="3200" dirty="0"/>
+              <a:t>Modules</a:t>
+            </a:r>
+          </a:p>
+          <a:p>
+            <a:pPr lvl="2"/>
+            <a:r>
+              <a:rPr lang="en-GB" sz="3200" dirty="0"/>
+              <a:t>Records</a:t>
+            </a:r>
+          </a:p>
+          <a:p>
+            <a:pPr lvl="2"/>
+            <a:r>
+              <a:rPr lang="en-GB" sz="3200" dirty="0"/>
+              <a:t>Sequences</a:t>
             </a:r>
           </a:p>
           <a:p>
             <a:pPr lvl="2"/>
             <a:endParaRPr lang="en-GB" sz="3200" dirty="0"/>
           </a:p>
-          <a:p>
-            <a:pPr lvl="2"/>
-            <a:r>
-              <a:rPr lang="en-GB" sz="3200" dirty="0"/>
-              <a:t>Modules Expose themselves as Static Classes</a:t>
-            </a:r>
-          </a:p>
-          <a:p>
-            <a:pPr lvl="2"/>
-            <a:endParaRPr lang="en-GB" sz="3200" dirty="0"/>
-          </a:p>
         </p:txBody>
       </p:sp>
       <p:pic>
         <p:nvPicPr>
-          <p:cNvPr id="3" name="Picture 2">
-            <a:extLst>
-              <a:ext uri="{FF2B5EF4-FFF2-40B4-BE49-F238E27FC236}">
-                <a16:creationId xmlns:a16="http://schemas.microsoft.com/office/drawing/2014/main" id="{7611B0C6-5475-4C27-BCFF-BF594A697476}"/>
+          <p:cNvPr id="1030" name="Picture 6" descr="Lambda : définition de LAMBDA, subst. masc. | La langue française">
+            <a:extLst>
+              <a:ext uri="{FF2B5EF4-FFF2-40B4-BE49-F238E27FC236}">
+                <a16:creationId xmlns:a16="http://schemas.microsoft.com/office/drawing/2014/main" id="{A57F312A-5CB3-4156-BF49-89D3D2F9C422}"/>
               </a:ext>
             </a:extLst>
           </p:cNvPr>
           <p:cNvPicPr>
-            <a:picLocks noChangeAspect="1"/>
-          </p:cNvPicPr>
-          <p:nvPr/>
-        </p:nvPicPr>
-        <p:blipFill rotWithShape="1">
-          <a:blip r:embed="rId2"/>
-          <a:srcRect t="4039"/>
-          <a:stretch/>
-        </p:blipFill>
-        <p:spPr>
-          <a:xfrm>
-            <a:off x="5855038" y="1625863"/>
-            <a:ext cx="5370681" cy="1413125"/>
-          </a:xfrm>
-          <a:prstGeom prst="rect">
-            <a:avLst/>
-          </a:prstGeom>
-        </p:spPr>
-      </p:pic>
-      <p:pic>
-        <p:nvPicPr>
-          <p:cNvPr id="6" name="Picture 5">
-            <a:extLst>
-              <a:ext uri="{FF2B5EF4-FFF2-40B4-BE49-F238E27FC236}">
-                <a16:creationId xmlns:a16="http://schemas.microsoft.com/office/drawing/2014/main" id="{C750D4A5-3499-44BE-A5EF-841DAE1CD9C7}"/>
-              </a:ext>
-            </a:extLst>
-          </p:cNvPr>
-          <p:cNvPicPr>
-            <a:picLocks noChangeAspect="1"/>
+            <a:picLocks noChangeAspect="1" noChangeArrowheads="1"/>
           </p:cNvPicPr>
           <p:nvPr/>
         </p:nvPicPr>
         <p:blipFill>
-          <a:blip r:embed="rId3"/>
+          <a:blip r:embed="rId2">
+            <a:clrChange>
+              <a:clrFrom>
+                <a:srgbClr val="FEFEFE"/>
+              </a:clrFrom>
+              <a:clrTo>
+                <a:srgbClr val="FEFEFE">
+                  <a:alpha val="0"/>
+                </a:srgbClr>
+              </a:clrTo>
+            </a:clrChange>
+            <a:extLst>
+              <a:ext uri="{28A0092B-C50C-407E-A947-70E740481C1C}">
+                <a14:useLocalDpi xmlns:a14="http://schemas.microsoft.com/office/drawing/2010/main" val="0"/>
+              </a:ext>
+            </a:extLst>
+          </a:blip>
+          <a:srcRect/>
           <a:stretch>
             <a:fillRect/>
           </a:stretch>
         </p:blipFill>
-        <p:spPr>
-          <a:xfrm>
-            <a:off x="4804652" y="4260715"/>
-            <a:ext cx="7246790" cy="479567"/>
+        <p:spPr bwMode="auto">
+          <a:xfrm>
+            <a:off x="8710789" y="2374796"/>
+            <a:ext cx="3481211" cy="3481211"/>
           </a:xfrm>
           <a:prstGeom prst="rect">
             <a:avLst/>
           </a:prstGeom>
+          <a:noFill/>
+          <a:extLst>
+            <a:ext uri="{909E8E84-426E-40DD-AFC4-6F175D3DCCD1}">
+              <a14:hiddenFill xmlns:a14="http://schemas.microsoft.com/office/drawing/2010/main">
+                <a:solidFill>
+                  <a:srgbClr val="FFFFFF"/>
+                </a:solidFill>
+              </a14:hiddenFill>
+            </a:ext>
+          </a:extLst>
         </p:spPr>
       </p:pic>
       <p:pic>
         <p:nvPicPr>
-          <p:cNvPr id="7" name="Picture 6">
-            <a:extLst>
-              <a:ext uri="{FF2B5EF4-FFF2-40B4-BE49-F238E27FC236}">
-                <a16:creationId xmlns:a16="http://schemas.microsoft.com/office/drawing/2014/main" id="{13AD465A-72BD-4332-8A53-D002499417A8}"/>
+          <p:cNvPr id="10" name="Picture 4" descr="See the source image">
+            <a:extLst>
+              <a:ext uri="{FF2B5EF4-FFF2-40B4-BE49-F238E27FC236}">
+                <a16:creationId xmlns:a16="http://schemas.microsoft.com/office/drawing/2014/main" id="{9B24F4E8-37F9-4884-8E59-66EEF82494C9}"/>
               </a:ext>
             </a:extLst>
           </p:cNvPr>
           <p:cNvPicPr>
-            <a:picLocks noChangeAspect="1"/>
+            <a:picLocks noChangeAspect="1" noChangeArrowheads="1"/>
           </p:cNvPicPr>
           <p:nvPr/>
         </p:nvPicPr>
         <p:blipFill>
-          <a:blip r:embed="rId4"/>
+          <a:blip r:embed="rId3">
+            <a:extLst>
+              <a:ext uri="{28A0092B-C50C-407E-A947-70E740481C1C}">
+                <a14:useLocalDpi xmlns:a14="http://schemas.microsoft.com/office/drawing/2010/main" val="0"/>
+              </a:ext>
+            </a:extLst>
+          </a:blip>
+          <a:srcRect/>
           <a:stretch>
             <a:fillRect/>
           </a:stretch>
         </p:blipFill>
-        <p:spPr>
-          <a:xfrm>
-            <a:off x="6636695" y="3338107"/>
-            <a:ext cx="3828971" cy="377859"/>
+        <p:spPr bwMode="auto">
+          <a:xfrm>
+            <a:off x="5688799" y="2271070"/>
+            <a:ext cx="3688665" cy="3688665"/>
           </a:xfrm>
           <a:prstGeom prst="rect">
             <a:avLst/>
           </a:prstGeom>
+          <a:noFill/>
+          <a:extLst>
+            <a:ext uri="{909E8E84-426E-40DD-AFC4-6F175D3DCCD1}">
+              <a14:hiddenFill xmlns:a14="http://schemas.microsoft.com/office/drawing/2010/main">
+                <a:solidFill>
+                  <a:srgbClr val="FFFFFF"/>
+                </a:solidFill>
+              </a14:hiddenFill>
+            </a:ext>
+          </a:extLst>
         </p:spPr>
       </p:pic>
     </p:spTree>
     <p:extLst>
       <p:ext uri="{BB962C8B-B14F-4D97-AF65-F5344CB8AC3E}">
-        <p14:creationId xmlns:p14="http://schemas.microsoft.com/office/powerpoint/2010/main" val="2067629608"/>
+        <p14:creationId xmlns:p14="http://schemas.microsoft.com/office/powerpoint/2010/main" val="3229354030"/>
       </p:ext>
     </p:extLst>
   </p:cSld>
@@ -9411,4 +11785,299 @@
     </a:ext>
   </a:extLst>
 </a:theme>
+</file>
+
+<file path=ppt/theme/theme2.xml><?xml version="1.0" encoding="utf-8"?>
+<a:theme xmlns:a="http://schemas.openxmlformats.org/drawingml/2006/main" name="Office Theme">
+  <a:themeElements>
+    <a:clrScheme name="Office">
+      <a:dk1>
+        <a:sysClr val="windowText" lastClr="000000"/>
+      </a:dk1>
+      <a:lt1>
+        <a:sysClr val="window" lastClr="FFFFFF"/>
+      </a:lt1>
+      <a:dk2>
+        <a:srgbClr val="44546A"/>
+      </a:dk2>
+      <a:lt2>
+        <a:srgbClr val="E7E6E6"/>
+      </a:lt2>
+      <a:accent1>
+        <a:srgbClr val="4472C4"/>
+      </a:accent1>
+      <a:accent2>
+        <a:srgbClr val="ED7D31"/>
+      </a:accent2>
+      <a:accent3>
+        <a:srgbClr val="A5A5A5"/>
+      </a:accent3>
+      <a:accent4>
+        <a:srgbClr val="FFC000"/>
+      </a:accent4>
+      <a:accent5>
+        <a:srgbClr val="5B9BD5"/>
+      </a:accent5>
+      <a:accent6>
+        <a:srgbClr val="70AD47"/>
+      </a:accent6>
+      <a:hlink>
+        <a:srgbClr val="0563C1"/>
+      </a:hlink>
+      <a:folHlink>
+        <a:srgbClr val="954F72"/>
+      </a:folHlink>
+    </a:clrScheme>
+    <a:fontScheme name="Office">
+      <a:majorFont>
+        <a:latin typeface="Calibri Light" panose="020F0302020204030204"/>
+        <a:ea typeface=""/>
+        <a:cs typeface=""/>
+        <a:font script="Jpan" typeface="游ゴシック Light"/>
+        <a:font script="Hang" typeface="맑은 고딕"/>
+        <a:font script="Hans" typeface="等线 Light"/>
+        <a:font script="Hant" typeface="新細明體"/>
+        <a:font script="Arab" typeface="Times New Roman"/>
+        <a:font script="Hebr" typeface="Times New Roman"/>
+        <a:font script="Thai" typeface="Angsana New"/>
+        <a:font script="Ethi" typeface="Nyala"/>
+        <a:font script="Beng" typeface="Vrinda"/>
+        <a:font script="Gujr" typeface="Shruti"/>
+        <a:font script="Khmr" typeface="MoolBoran"/>
+        <a:font script="Knda" typeface="Tunga"/>
+        <a:font script="Guru" typeface="Raavi"/>
+        <a:font script="Cans" typeface="Euphemia"/>
+        <a:font script="Cher" typeface="Plantagenet Cherokee"/>
+        <a:font script="Yiii" typeface="Microsoft Yi Baiti"/>
+        <a:font script="Tibt" typeface="Microsoft Himalaya"/>
+        <a:font script="Thaa" typeface="MV Boli"/>
+        <a:font script="Deva" typeface="Mangal"/>
+        <a:font script="Telu" typeface="Gautami"/>
+        <a:font script="Taml" typeface="Latha"/>
+        <a:font script="Syrc" typeface="Estrangelo Edessa"/>
+        <a:font script="Orya" typeface="Kalinga"/>
+        <a:font script="Mlym" typeface="Kartika"/>
+        <a:font script="Laoo" typeface="DokChampa"/>
+        <a:font script="Sinh" typeface="Iskoola Pota"/>
+        <a:font script="Mong" typeface="Mongolian Baiti"/>
+        <a:font script="Viet" typeface="Times New Roman"/>
+        <a:font script="Uigh" typeface="Microsoft Uighur"/>
+        <a:font script="Geor" typeface="Sylfaen"/>
+        <a:font script="Armn" typeface="Arial"/>
+        <a:font script="Bugi" typeface="Leelawadee UI"/>
+        <a:font script="Bopo" typeface="Microsoft JhengHei"/>
+        <a:font script="Java" typeface="Javanese Text"/>
+        <a:font script="Lisu" typeface="Segoe UI"/>
+        <a:font script="Mymr" typeface="Myanmar Text"/>
+        <a:font script="Nkoo" typeface="Ebrima"/>
+        <a:font script="Olck" typeface="Nirmala UI"/>
+        <a:font script="Osma" typeface="Ebrima"/>
+        <a:font script="Phag" typeface="Phagspa"/>
+        <a:font script="Syrn" typeface="Estrangelo Edessa"/>
+        <a:font script="Syrj" typeface="Estrangelo Edessa"/>
+        <a:font script="Syre" typeface="Estrangelo Edessa"/>
+        <a:font script="Sora" typeface="Nirmala UI"/>
+        <a:font script="Tale" typeface="Microsoft Tai Le"/>
+        <a:font script="Talu" typeface="Microsoft New Tai Lue"/>
+        <a:font script="Tfng" typeface="Ebrima"/>
+      </a:majorFont>
+      <a:minorFont>
+        <a:latin typeface="Calibri" panose="020F0502020204030204"/>
+        <a:ea typeface=""/>
+        <a:cs typeface=""/>
+        <a:font script="Jpan" typeface="游ゴシック"/>
+        <a:font script="Hang" typeface="맑은 고딕"/>
+        <a:font script="Hans" typeface="等线"/>
+        <a:font script="Hant" typeface="新細明體"/>
+        <a:font script="Arab" typeface="Arial"/>
+        <a:font script="Hebr" typeface="Arial"/>
+        <a:font script="Thai" typeface="Cordia New"/>
+        <a:font script="Ethi" typeface="Nyala"/>
+        <a:font script="Beng" typeface="Vrinda"/>
+        <a:font script="Gujr" typeface="Shruti"/>
+        <a:font script="Khmr" typeface="DaunPenh"/>
+        <a:font script="Knda" typeface="Tunga"/>
+        <a:font script="Guru" typeface="Raavi"/>
+        <a:font script="Cans" typeface="Euphemia"/>
+        <a:font script="Cher" typeface="Plantagenet Cherokee"/>
+        <a:font script="Yiii" typeface="Microsoft Yi Baiti"/>
+        <a:font script="Tibt" typeface="Microsoft Himalaya"/>
+        <a:font script="Thaa" typeface="MV Boli"/>
+        <a:font script="Deva" typeface="Mangal"/>
+        <a:font script="Telu" typeface="Gautami"/>
+        <a:font script="Taml" typeface="Latha"/>
+        <a:font script="Syrc" typeface="Estrangelo Edessa"/>
+        <a:font script="Orya" typeface="Kalinga"/>
+        <a:font script="Mlym" typeface="Kartika"/>
+        <a:font script="Laoo" typeface="DokChampa"/>
+        <a:font script="Sinh" typeface="Iskoola Pota"/>
+        <a:font script="Mong" typeface="Mongolian Baiti"/>
+        <a:font script="Viet" typeface="Arial"/>
+        <a:font script="Uigh" typeface="Microsoft Uighur"/>
+        <a:font script="Geor" typeface="Sylfaen"/>
+        <a:font script="Armn" typeface="Arial"/>
+        <a:font script="Bugi" typeface="Leelawadee UI"/>
+        <a:font script="Bopo" typeface="Microsoft JhengHei"/>
+        <a:font script="Java" typeface="Javanese Text"/>
+        <a:font script="Lisu" typeface="Segoe UI"/>
+        <a:font script="Mymr" typeface="Myanmar Text"/>
+        <a:font script="Nkoo" typeface="Ebrima"/>
+        <a:font script="Olck" typeface="Nirmala UI"/>
+        <a:font script="Osma" typeface="Ebrima"/>
+        <a:font script="Phag" typeface="Phagspa"/>
+        <a:font script="Syrn" typeface="Estrangelo Edessa"/>
+        <a:font script="Syrj" typeface="Estrangelo Edessa"/>
+        <a:font script="Syre" typeface="Estrangelo Edessa"/>
+        <a:font script="Sora" typeface="Nirmala UI"/>
+        <a:font script="Tale" typeface="Microsoft Tai Le"/>
+        <a:font script="Talu" typeface="Microsoft New Tai Lue"/>
+        <a:font script="Tfng" typeface="Ebrima"/>
+      </a:minorFont>
+    </a:fontScheme>
+    <a:fmtScheme name="Office">
+      <a:fillStyleLst>
+        <a:solidFill>
+          <a:schemeClr val="phClr"/>
+        </a:solidFill>
+        <a:gradFill rotWithShape="1">
+          <a:gsLst>
+            <a:gs pos="0">
+              <a:schemeClr val="phClr">
+                <a:lumMod val="110000"/>
+                <a:satMod val="105000"/>
+                <a:tint val="67000"/>
+              </a:schemeClr>
+            </a:gs>
+            <a:gs pos="50000">
+              <a:schemeClr val="phClr">
+                <a:lumMod val="105000"/>
+                <a:satMod val="103000"/>
+                <a:tint val="73000"/>
+              </a:schemeClr>
+            </a:gs>
+            <a:gs pos="100000">
+              <a:schemeClr val="phClr">
+                <a:lumMod val="105000"/>
+                <a:satMod val="109000"/>
+                <a:tint val="81000"/>
+              </a:schemeClr>
+            </a:gs>
+          </a:gsLst>
+          <a:lin ang="5400000" scaled="0"/>
+        </a:gradFill>
+        <a:gradFill rotWithShape="1">
+          <a:gsLst>
+            <a:gs pos="0">
+              <a:schemeClr val="phClr">
+                <a:satMod val="103000"/>
+                <a:lumMod val="102000"/>
+                <a:tint val="94000"/>
+              </a:schemeClr>
+            </a:gs>
+            <a:gs pos="50000">
+              <a:schemeClr val="phClr">
+                <a:satMod val="110000"/>
+                <a:lumMod val="100000"/>
+                <a:shade val="100000"/>
+              </a:schemeClr>
+            </a:gs>
+            <a:gs pos="100000">
+              <a:schemeClr val="phClr">
+                <a:lumMod val="99000"/>
+                <a:satMod val="120000"/>
+                <a:shade val="78000"/>
+              </a:schemeClr>
+            </a:gs>
+          </a:gsLst>
+          <a:lin ang="5400000" scaled="0"/>
+        </a:gradFill>
+      </a:fillStyleLst>
+      <a:lnStyleLst>
+        <a:ln w="6350" cap="flat" cmpd="sng" algn="ctr">
+          <a:solidFill>
+            <a:schemeClr val="phClr"/>
+          </a:solidFill>
+          <a:prstDash val="solid"/>
+          <a:miter lim="800000"/>
+        </a:ln>
+        <a:ln w="12700" cap="flat" cmpd="sng" algn="ctr">
+          <a:solidFill>
+            <a:schemeClr val="phClr"/>
+          </a:solidFill>
+          <a:prstDash val="solid"/>
+          <a:miter lim="800000"/>
+        </a:ln>
+        <a:ln w="19050" cap="flat" cmpd="sng" algn="ctr">
+          <a:solidFill>
+            <a:schemeClr val="phClr"/>
+          </a:solidFill>
+          <a:prstDash val="solid"/>
+          <a:miter lim="800000"/>
+        </a:ln>
+      </a:lnStyleLst>
+      <a:effectStyleLst>
+        <a:effectStyle>
+          <a:effectLst/>
+        </a:effectStyle>
+        <a:effectStyle>
+          <a:effectLst/>
+        </a:effectStyle>
+        <a:effectStyle>
+          <a:effectLst>
+            <a:outerShdw blurRad="57150" dist="19050" dir="5400000" algn="ctr" rotWithShape="0">
+              <a:srgbClr val="000000">
+                <a:alpha val="63000"/>
+              </a:srgbClr>
+            </a:outerShdw>
+          </a:effectLst>
+        </a:effectStyle>
+      </a:effectStyleLst>
+      <a:bgFillStyleLst>
+        <a:solidFill>
+          <a:schemeClr val="phClr"/>
+        </a:solidFill>
+        <a:solidFill>
+          <a:schemeClr val="phClr">
+            <a:tint val="95000"/>
+            <a:satMod val="170000"/>
+          </a:schemeClr>
+        </a:solidFill>
+        <a:gradFill rotWithShape="1">
+          <a:gsLst>
+            <a:gs pos="0">
+              <a:schemeClr val="phClr">
+                <a:tint val="93000"/>
+                <a:satMod val="150000"/>
+                <a:shade val="98000"/>
+                <a:lumMod val="102000"/>
+              </a:schemeClr>
+            </a:gs>
+            <a:gs pos="50000">
+              <a:schemeClr val="phClr">
+                <a:tint val="98000"/>
+                <a:satMod val="130000"/>
+                <a:shade val="90000"/>
+                <a:lumMod val="103000"/>
+              </a:schemeClr>
+            </a:gs>
+            <a:gs pos="100000">
+              <a:schemeClr val="phClr">
+                <a:shade val="63000"/>
+                <a:satMod val="120000"/>
+              </a:schemeClr>
+            </a:gs>
+          </a:gsLst>
+          <a:lin ang="5400000" scaled="0"/>
+        </a:gradFill>
+      </a:bgFillStyleLst>
+    </a:fmtScheme>
+  </a:themeElements>
+  <a:objectDefaults/>
+  <a:extraClrSchemeLst/>
+  <a:extLst>
+    <a:ext uri="{05A4C25C-085E-4340-85A3-A5531E510DB2}">
+      <thm15:themeFamily xmlns:thm15="http://schemas.microsoft.com/office/thememl/2012/main" name="Office Theme" id="{62F939B6-93AF-4DB8-9C6B-D6C7DFDC589F}" vid="{4A3C46E8-61CC-4603-A589-7422A47A8E4A}"/>
+    </a:ext>
+  </a:extLst>
+</a:theme>
 </file>
--- a/DotnetInteropSlides.pptx
+++ b/DotnetInteropSlides.pptx
@@ -373,7 +373,7 @@
             <a:pPr indent="0" algn="r">
               <a:buNone/>
             </a:pPr>
-            <a:fld id="{D81F95CE-5D98-4257-B1CB-893D6C56DEA4}" type="slidenum">
+            <a:fld id="{7F7BEECB-0B95-47A7-B2EC-17B6CBADDF06}" type="slidenum">
               <a:rPr b="0" lang="en-US" sz="1400" spc="-1" strike="noStrike">
                 <a:solidFill>
                   <a:srgbClr val="000000"/>
@@ -427,7 +427,7 @@
         <p:spPr>
           <a:xfrm>
             <a:off x="685800" y="1143000"/>
-            <a:ext cx="5485320" cy="3085200"/>
+            <a:ext cx="5484960" cy="3084840"/>
           </a:xfrm>
           <a:prstGeom prst="rect">
             <a:avLst/>
@@ -450,7 +450,7 @@
         <p:spPr>
           <a:xfrm>
             <a:off x="685800" y="4400640"/>
-            <a:ext cx="5485320" cy="3599280"/>
+            <a:ext cx="5484960" cy="3598920"/>
           </a:xfrm>
           <a:prstGeom prst="rect">
             <a:avLst/>
@@ -505,7 +505,7 @@
         <p:spPr>
           <a:xfrm>
             <a:off x="3884760" y="8685360"/>
-            <a:ext cx="2970720" cy="457560"/>
+            <a:ext cx="2970360" cy="457200"/>
           </a:xfrm>
           <a:prstGeom prst="rect">
             <a:avLst/>
@@ -546,7 +546,7 @@
                 <a:tab algn="l" pos="0"/>
               </a:tabLst>
             </a:pPr>
-            <a:fld id="{AB7A600F-BDF8-4101-8EFA-CB28CEF75EE8}" type="slidenum">
+            <a:fld id="{0EF14650-3CCB-45DE-BECE-C116FEF4445D}" type="slidenum">
               <a:rPr b="0" lang="en-GB" sz="1200" spc="-1" strike="noStrike">
                 <a:solidFill>
                   <a:srgbClr val="000000"/>
@@ -599,7 +599,7 @@
         <p:spPr>
           <a:xfrm>
             <a:off x="838080" y="365040"/>
-            <a:ext cx="10514520" cy="1324440"/>
+            <a:ext cx="10514160" cy="1324080"/>
           </a:xfrm>
           <a:prstGeom prst="rect">
             <a:avLst/>
@@ -639,7 +639,7 @@
         <p:spPr>
           <a:xfrm>
             <a:off x="838080" y="1825560"/>
-            <a:ext cx="10514520" cy="4350240"/>
+            <a:ext cx="10514160" cy="4349880"/>
           </a:xfrm>
           <a:prstGeom prst="rect">
             <a:avLst/>
@@ -700,7 +700,7 @@
         <p:txBody>
           <a:bodyPr/>
           <a:p>
-            <a:fld id="{493A896E-DD96-42CA-9C60-99937B1702F5}" type="slidenum">
+            <a:fld id="{22330578-5334-4330-9F7D-8B18104BF242}" type="slidenum">
               <a:t>&lt;#&gt;</a:t>
             </a:fld>
           </a:p>
@@ -783,7 +783,7 @@
         <p:txBody>
           <a:bodyPr/>
           <a:p>
-            <a:fld id="{523100EA-AA0E-47BC-AC7F-F097262326AF}" type="slidenum">
+            <a:fld id="{4231D05D-36DD-44A6-97AC-D4E3CEA20FE6}" type="slidenum">
               <a:t>&lt;#&gt;</a:t>
             </a:fld>
           </a:p>
@@ -866,7 +866,7 @@
         <p:txBody>
           <a:bodyPr/>
           <a:p>
-            <a:fld id="{DCCCD438-24C0-46B1-8C5F-7E53D727A84F}" type="slidenum">
+            <a:fld id="{D0353F94-CC66-4A16-91C9-4E148DC70CCF}" type="slidenum">
               <a:t>&lt;#&gt;</a:t>
             </a:fld>
           </a:p>
@@ -949,7 +949,7 @@
         <p:txBody>
           <a:bodyPr/>
           <a:p>
-            <a:fld id="{4AD64F24-9F6F-4279-9772-166832DD299F}" type="slidenum">
+            <a:fld id="{FD3D37BC-947D-4286-9560-4EB69FD6BCC3}" type="slidenum">
               <a:t>&lt;#&gt;</a:t>
             </a:fld>
           </a:p>
@@ -1032,7 +1032,7 @@
         <p:txBody>
           <a:bodyPr/>
           <a:p>
-            <a:fld id="{6840B9EA-F74B-4B14-9820-4042458AE1FC}" type="slidenum">
+            <a:fld id="{6563BA7A-59FA-4273-B80F-7AD62E7836D1}" type="slidenum">
               <a:t>&lt;#&gt;</a:t>
             </a:fld>
           </a:p>
@@ -1094,7 +1094,7 @@
         <p:spPr>
           <a:xfrm>
             <a:off x="838080" y="365040"/>
-            <a:ext cx="10514520" cy="1324440"/>
+            <a:ext cx="10514160" cy="1324080"/>
           </a:xfrm>
           <a:prstGeom prst="rect">
             <a:avLst/>
@@ -1134,7 +1134,7 @@
         <p:spPr>
           <a:xfrm>
             <a:off x="838080" y="1825560"/>
-            <a:ext cx="10514520" cy="4350240"/>
+            <a:ext cx="10514160" cy="4349880"/>
           </a:xfrm>
           <a:prstGeom prst="rect">
             <a:avLst/>
@@ -1198,7 +1198,7 @@
         <p:txBody>
           <a:bodyPr/>
           <a:p>
-            <a:fld id="{E9779BF1-1D24-4C8A-9C11-7A517E4C926B}" type="slidenum">
+            <a:fld id="{1D488EE1-AA0F-4F7E-8D30-224A5E3BE680}" type="slidenum">
               <a:t>&lt;#&gt;</a:t>
             </a:fld>
           </a:p>
@@ -1281,7 +1281,7 @@
         <p:txBody>
           <a:bodyPr/>
           <a:p>
-            <a:fld id="{993356E6-3B8B-4E7E-8B48-05E48F636320}" type="slidenum">
+            <a:fld id="{3A930C87-E132-438F-AD24-6CBE0BB1BB08}" type="slidenum">
               <a:t>&lt;#&gt;</a:t>
             </a:fld>
           </a:p>
@@ -1343,7 +1343,7 @@
         <p:spPr>
           <a:xfrm>
             <a:off x="838080" y="365040"/>
-            <a:ext cx="10514520" cy="1324440"/>
+            <a:ext cx="10514160" cy="1324080"/>
           </a:xfrm>
           <a:prstGeom prst="rect">
             <a:avLst/>
@@ -1383,7 +1383,7 @@
         <p:spPr>
           <a:xfrm>
             <a:off x="838080" y="1825560"/>
-            <a:ext cx="5131080" cy="4350240"/>
+            <a:ext cx="5130720" cy="4349880"/>
           </a:xfrm>
           <a:prstGeom prst="rect">
             <a:avLst/>
@@ -1425,8 +1425,8 @@
         </p:nvSpPr>
         <p:spPr>
           <a:xfrm>
-            <a:off x="6226200" y="1825560"/>
-            <a:ext cx="5131080" cy="4350240"/>
+            <a:off x="6225840" y="1825560"/>
+            <a:ext cx="5130720" cy="4349880"/>
           </a:xfrm>
           <a:prstGeom prst="rect">
             <a:avLst/>
@@ -1490,7 +1490,7 @@
         <p:txBody>
           <a:bodyPr/>
           <a:p>
-            <a:fld id="{BC2ACAF4-CB36-42C8-9878-A501C3D75DD1}" type="slidenum">
+            <a:fld id="{37B56517-FC55-49A6-AF85-1D7D9A4098A7}" type="slidenum">
               <a:t>&lt;#&gt;</a:t>
             </a:fld>
           </a:p>
@@ -1573,7 +1573,7 @@
         <p:txBody>
           <a:bodyPr/>
           <a:p>
-            <a:fld id="{B1C2A010-2D04-4B89-A98C-3F16CD588FBF}" type="slidenum">
+            <a:fld id="{30D3FE4E-6B31-477B-81E2-D0C85314AE63}" type="slidenum">
               <a:t>&lt;#&gt;</a:t>
             </a:fld>
           </a:p>
@@ -1635,7 +1635,7 @@
         <p:spPr>
           <a:xfrm>
             <a:off x="838080" y="365040"/>
-            <a:ext cx="10514520" cy="1324440"/>
+            <a:ext cx="10514160" cy="1324080"/>
           </a:xfrm>
           <a:prstGeom prst="rect">
             <a:avLst/>
@@ -1696,7 +1696,7 @@
         <p:txBody>
           <a:bodyPr/>
           <a:p>
-            <a:fld id="{D2C46A1B-1765-46D2-B3B6-76EBD8D58377}" type="slidenum">
+            <a:fld id="{AB98B489-CDB4-4A08-A49B-2432CD60E236}" type="slidenum">
               <a:t>&lt;#&gt;</a:t>
             </a:fld>
           </a:p>
@@ -1779,7 +1779,7 @@
         <p:txBody>
           <a:bodyPr/>
           <a:p>
-            <a:fld id="{12350116-80CB-4CE3-AFEE-074B555EBE9B}" type="slidenum">
+            <a:fld id="{3B5DEB61-C642-4EB2-BF35-EBD563A15373}" type="slidenum">
               <a:t>&lt;#&gt;</a:t>
             </a:fld>
           </a:p>
@@ -1848,7 +1848,7 @@
         <p:spPr>
           <a:xfrm>
             <a:off x="838080" y="365040"/>
-            <a:ext cx="10514520" cy="1324440"/>
+            <a:ext cx="10514160" cy="1324080"/>
           </a:xfrm>
           <a:prstGeom prst="rect">
             <a:avLst/>
@@ -1897,7 +1897,7 @@
         <p:spPr>
           <a:xfrm>
             <a:off x="4038480" y="6356520"/>
-            <a:ext cx="4113720" cy="363960"/>
+            <a:ext cx="4113360" cy="363600"/>
           </a:xfrm>
           <a:prstGeom prst="rect">
             <a:avLst/>
@@ -1945,7 +1945,7 @@
                 </a:solidFill>
                 <a:latin typeface="Times New Roman"/>
               </a:rPr>
-              <a:t>&lt;footer&gt;</a:t>
+              <a:t> </a:t>
             </a:r>
             <a:endParaRPr b="0" lang="en-US" sz="1400" spc="-1" strike="noStrike">
               <a:solidFill>
@@ -1969,7 +1969,7 @@
         <p:spPr>
           <a:xfrm>
             <a:off x="8610480" y="6356520"/>
-            <a:ext cx="2742120" cy="363960"/>
+            <a:ext cx="2741760" cy="363600"/>
           </a:xfrm>
           <a:prstGeom prst="rect">
             <a:avLst/>
@@ -2012,7 +2012,7 @@
                 <a:tab algn="l" pos="0"/>
               </a:tabLst>
             </a:pPr>
-            <a:fld id="{B1C15E67-5874-40AE-A1DD-5EFACFE85B0A}" type="slidenum">
+            <a:fld id="{E8CBCAB3-3F73-4A6D-BBD3-D635C262DBCA}" type="slidenum">
               <a:rPr b="0" lang="en-GB" sz="1200" spc="-1" strike="noStrike">
                 <a:solidFill>
                   <a:schemeClr val="dk1">
@@ -2021,7 +2021,7 @@
                 </a:solidFill>
                 <a:latin typeface="Calibri"/>
               </a:rPr>
-              <a:t>&lt;number&gt;</a:t>
+              <a:t>3</a:t>
             </a:fld>
             <a:endParaRPr b="0" lang="en-US" sz="1200" spc="-1" strike="noStrike">
               <a:solidFill>
@@ -2045,7 +2045,7 @@
         <p:spPr>
           <a:xfrm>
             <a:off x="838080" y="6356520"/>
-            <a:ext cx="2742120" cy="363960"/>
+            <a:ext cx="2741760" cy="363600"/>
           </a:xfrm>
           <a:prstGeom prst="rect">
             <a:avLst/>
@@ -2081,7 +2081,7 @@
                 </a:solidFill>
                 <a:latin typeface="Times New Roman"/>
               </a:rPr>
-              <a:t>&lt;date/time&gt;</a:t>
+              <a:t> </a:t>
             </a:r>
             <a:endParaRPr b="0" lang="en-US" sz="1400" spc="-1" strike="noStrike">
               <a:solidFill>
@@ -2363,7 +2363,7 @@
         <p:spPr>
           <a:xfrm>
             <a:off x="4038480" y="6356520"/>
-            <a:ext cx="4113720" cy="363960"/>
+            <a:ext cx="4113360" cy="363600"/>
           </a:xfrm>
           <a:prstGeom prst="rect">
             <a:avLst/>
@@ -2435,7 +2435,7 @@
         <p:spPr>
           <a:xfrm>
             <a:off x="8610480" y="6356520"/>
-            <a:ext cx="2742120" cy="363960"/>
+            <a:ext cx="2741760" cy="363600"/>
           </a:xfrm>
           <a:prstGeom prst="rect">
             <a:avLst/>
@@ -2478,7 +2478,7 @@
                 <a:tab algn="l" pos="0"/>
               </a:tabLst>
             </a:pPr>
-            <a:fld id="{2C0CDFF4-EE60-403B-8B21-888C7B19E7BD}" type="slidenum">
+            <a:fld id="{728B18B6-1F86-4F1F-9383-5A31F9590524}" type="slidenum">
               <a:rPr b="0" lang="en-GB" sz="1200" spc="-1" strike="noStrike">
                 <a:solidFill>
                   <a:schemeClr val="dk1">
@@ -2511,7 +2511,7 @@
         <p:spPr>
           <a:xfrm>
             <a:off x="838080" y="6356520"/>
-            <a:ext cx="2742120" cy="363960"/>
+            <a:ext cx="2741760" cy="363600"/>
           </a:xfrm>
           <a:prstGeom prst="rect">
             <a:avLst/>
@@ -2604,7 +2604,7 @@
         <p:spPr>
           <a:xfrm>
             <a:off x="4038480" y="6356520"/>
-            <a:ext cx="4113720" cy="363960"/>
+            <a:ext cx="4113360" cy="363600"/>
           </a:xfrm>
           <a:prstGeom prst="rect">
             <a:avLst/>
@@ -2676,7 +2676,7 @@
         <p:spPr>
           <a:xfrm>
             <a:off x="8610480" y="6356520"/>
-            <a:ext cx="2742120" cy="363960"/>
+            <a:ext cx="2741760" cy="363600"/>
           </a:xfrm>
           <a:prstGeom prst="rect">
             <a:avLst/>
@@ -2719,7 +2719,7 @@
                 <a:tab algn="l" pos="0"/>
               </a:tabLst>
             </a:pPr>
-            <a:fld id="{15D7E5A5-0FCA-4CE4-B2CA-0A35176FBFF5}" type="slidenum">
+            <a:fld id="{C7485E8A-D12E-41BB-A5FF-DD79CC9B1DFD}" type="slidenum">
               <a:rPr b="0" lang="en-GB" sz="1200" spc="-1" strike="noStrike">
                 <a:solidFill>
                   <a:schemeClr val="dk1">
@@ -2752,7 +2752,7 @@
         <p:spPr>
           <a:xfrm>
             <a:off x="838080" y="6356520"/>
-            <a:ext cx="2742120" cy="363960"/>
+            <a:ext cx="2741760" cy="363600"/>
           </a:xfrm>
           <a:prstGeom prst="rect">
             <a:avLst/>
@@ -2845,7 +2845,7 @@
         <p:spPr>
           <a:xfrm>
             <a:off x="4038480" y="6356520"/>
-            <a:ext cx="4113720" cy="363960"/>
+            <a:ext cx="4113360" cy="363600"/>
           </a:xfrm>
           <a:prstGeom prst="rect">
             <a:avLst/>
@@ -2917,7 +2917,7 @@
         <p:spPr>
           <a:xfrm>
             <a:off x="8610480" y="6356520"/>
-            <a:ext cx="2742120" cy="363960"/>
+            <a:ext cx="2741760" cy="363600"/>
           </a:xfrm>
           <a:prstGeom prst="rect">
             <a:avLst/>
@@ -2960,7 +2960,7 @@
                 <a:tab algn="l" pos="0"/>
               </a:tabLst>
             </a:pPr>
-            <a:fld id="{8AF90B69-EFDC-4E54-AAA1-5382CE216E07}" type="slidenum">
+            <a:fld id="{8332D61A-C7A4-434D-981D-A5E52C1BF257}" type="slidenum">
               <a:rPr b="0" lang="en-GB" sz="1200" spc="-1" strike="noStrike">
                 <a:solidFill>
                   <a:schemeClr val="dk1">
@@ -2993,7 +2993,7 @@
         <p:spPr>
           <a:xfrm>
             <a:off x="838080" y="6356520"/>
-            <a:ext cx="2742120" cy="363960"/>
+            <a:ext cx="2741760" cy="363600"/>
           </a:xfrm>
           <a:prstGeom prst="rect">
             <a:avLst/>
@@ -3086,7 +3086,7 @@
         <p:spPr>
           <a:xfrm>
             <a:off x="4038480" y="6356520"/>
-            <a:ext cx="4113720" cy="363960"/>
+            <a:ext cx="4113360" cy="363600"/>
           </a:xfrm>
           <a:prstGeom prst="rect">
             <a:avLst/>
@@ -3158,7 +3158,7 @@
         <p:spPr>
           <a:xfrm>
             <a:off x="8610480" y="6356520"/>
-            <a:ext cx="2742120" cy="363960"/>
+            <a:ext cx="2741760" cy="363600"/>
           </a:xfrm>
           <a:prstGeom prst="rect">
             <a:avLst/>
@@ -3201,7 +3201,7 @@
                 <a:tab algn="l" pos="0"/>
               </a:tabLst>
             </a:pPr>
-            <a:fld id="{9F66D107-CC8B-4BDB-ACA4-B29EBE5098B8}" type="slidenum">
+            <a:fld id="{6B3C86F1-F599-491F-BF09-C842824C9B9F}" type="slidenum">
               <a:rPr b="0" lang="en-GB" sz="1200" spc="-1" strike="noStrike">
                 <a:solidFill>
                   <a:schemeClr val="dk1">
@@ -3234,7 +3234,7 @@
         <p:spPr>
           <a:xfrm>
             <a:off x="838080" y="6356520"/>
-            <a:ext cx="2742120" cy="363960"/>
+            <a:ext cx="2741760" cy="363600"/>
           </a:xfrm>
           <a:prstGeom prst="rect">
             <a:avLst/>
@@ -3327,7 +3327,7 @@
         <p:spPr>
           <a:xfrm>
             <a:off x="838080" y="365040"/>
-            <a:ext cx="10514520" cy="1324440"/>
+            <a:ext cx="10514160" cy="1324080"/>
           </a:xfrm>
           <a:prstGeom prst="rect">
             <a:avLst/>
@@ -3376,7 +3376,7 @@
         <p:spPr>
           <a:xfrm>
             <a:off x="838080" y="1825560"/>
-            <a:ext cx="10514520" cy="4350240"/>
+            <a:ext cx="10514160" cy="4349880"/>
           </a:xfrm>
           <a:prstGeom prst="rect">
             <a:avLst/>
@@ -3459,28 +3459,18 @@
               <a:buChar char=""/>
             </a:pPr>
             <a:r>
-              <a:rPr b="0" lang="en-US" sz="1800" spc="-1" strike="noStrike" u="sng">
-                <a:solidFill>
-                  <a:srgbClr val="729fcf"/>
-                </a:solidFill>
-                <a:uFill>
-                  <a:solidFill>
-                    <a:srgbClr val="5983b0"/>
-                  </a:solidFill>
-                </a:uFill>
+              <a:rPr b="0" lang="en-US" sz="1800" spc="-1" strike="noStrike">
+                <a:solidFill>
+                  <a:srgbClr val="000000"/>
+                </a:solidFill>
                 <a:latin typeface="Arial"/>
               </a:rPr>
               <a:t>Third Outline Level</a:t>
             </a:r>
-            <a:endParaRPr b="0" lang="en-US" sz="1800" spc="-1" strike="noStrike" u="sng">
-              <a:solidFill>
-                <a:srgbClr val="729fcf"/>
-              </a:solidFill>
-              <a:uFill>
-                <a:solidFill>
-                  <a:srgbClr val="5983b0"/>
-                </a:solidFill>
-              </a:uFill>
+            <a:endParaRPr b="0" lang="en-US" sz="1800" spc="-1" strike="noStrike">
+              <a:solidFill>
+                <a:srgbClr val="000000"/>
+              </a:solidFill>
               <a:latin typeface="Arial"/>
             </a:endParaRPr>
           </a:p>
@@ -3499,7 +3489,7 @@
             <a:r>
               <a:rPr b="0" lang="en-US" sz="1800" spc="-1" strike="noStrike">
                 <a:solidFill>
-                  <a:srgbClr val="729fcf"/>
+                  <a:srgbClr val="000000"/>
                 </a:solidFill>
                 <a:latin typeface="Arial"/>
               </a:rPr>
@@ -3507,7 +3497,7 @@
             </a:r>
             <a:endParaRPr b="0" lang="en-US" sz="1800" spc="-1" strike="noStrike">
               <a:solidFill>
-                <a:srgbClr val="729fcf"/>
+                <a:srgbClr val="000000"/>
               </a:solidFill>
               <a:latin typeface="Arial"/>
             </a:endParaRPr>
@@ -3527,7 +3517,7 @@
             <a:r>
               <a:rPr b="0" lang="en-US" sz="1800" spc="-1" strike="noStrike">
                 <a:solidFill>
-                  <a:srgbClr val="729fcf"/>
+                  <a:srgbClr val="000000"/>
                 </a:solidFill>
                 <a:latin typeface="Arial"/>
               </a:rPr>
@@ -3535,7 +3525,7 @@
             </a:r>
             <a:endParaRPr b="0" lang="en-US" sz="1800" spc="-1" strike="noStrike">
               <a:solidFill>
-                <a:srgbClr val="729fcf"/>
+                <a:srgbClr val="000000"/>
               </a:solidFill>
               <a:latin typeface="Arial"/>
             </a:endParaRPr>
@@ -3555,7 +3545,7 @@
             <a:r>
               <a:rPr b="0" lang="en-US" sz="1800" spc="-1" strike="noStrike">
                 <a:solidFill>
-                  <a:srgbClr val="729fcf"/>
+                  <a:srgbClr val="000000"/>
                 </a:solidFill>
                 <a:latin typeface="Arial"/>
               </a:rPr>
@@ -3563,7 +3553,7 @@
             </a:r>
             <a:endParaRPr b="0" lang="en-US" sz="1800" spc="-1" strike="noStrike">
               <a:solidFill>
-                <a:srgbClr val="729fcf"/>
+                <a:srgbClr val="000000"/>
               </a:solidFill>
               <a:latin typeface="Arial"/>
             </a:endParaRPr>
@@ -3583,7 +3573,7 @@
             <a:r>
               <a:rPr b="0" lang="en-US" sz="1800" spc="-1" strike="noStrike">
                 <a:solidFill>
-                  <a:srgbClr val="729fcf"/>
+                  <a:srgbClr val="000000"/>
                 </a:solidFill>
                 <a:latin typeface="Arial"/>
               </a:rPr>
@@ -3591,7 +3581,7 @@
             </a:r>
             <a:endParaRPr b="0" lang="en-US" sz="1800" spc="-1" strike="noStrike">
               <a:solidFill>
-                <a:srgbClr val="729fcf"/>
+                <a:srgbClr val="000000"/>
               </a:solidFill>
               <a:latin typeface="Arial"/>
             </a:endParaRPr>
@@ -3611,7 +3601,7 @@
         <p:spPr>
           <a:xfrm>
             <a:off x="4038480" y="6356520"/>
-            <a:ext cx="4113720" cy="363960"/>
+            <a:ext cx="4113360" cy="363600"/>
           </a:xfrm>
           <a:prstGeom prst="rect">
             <a:avLst/>
@@ -3683,7 +3673,7 @@
         <p:spPr>
           <a:xfrm>
             <a:off x="8610480" y="6356520"/>
-            <a:ext cx="2742120" cy="363960"/>
+            <a:ext cx="2741760" cy="363600"/>
           </a:xfrm>
           <a:prstGeom prst="rect">
             <a:avLst/>
@@ -3726,7 +3716,7 @@
                 <a:tab algn="l" pos="0"/>
               </a:tabLst>
             </a:pPr>
-            <a:fld id="{37B50E87-471A-406B-AAA6-9549763F8868}" type="slidenum">
+            <a:fld id="{67DBB845-4899-44EC-83C5-9276950FE85F}" type="slidenum">
               <a:rPr b="0" lang="en-GB" sz="1200" spc="-1" strike="noStrike">
                 <a:solidFill>
                   <a:schemeClr val="dk1">
@@ -3759,7 +3749,7 @@
         <p:spPr>
           <a:xfrm>
             <a:off x="838080" y="6356520"/>
-            <a:ext cx="2742120" cy="363960"/>
+            <a:ext cx="2741760" cy="363600"/>
           </a:xfrm>
           <a:prstGeom prst="rect">
             <a:avLst/>
@@ -3852,7 +3842,7 @@
         <p:spPr>
           <a:xfrm>
             <a:off x="4038480" y="6356520"/>
-            <a:ext cx="4113720" cy="363960"/>
+            <a:ext cx="4113360" cy="363600"/>
           </a:xfrm>
           <a:prstGeom prst="rect">
             <a:avLst/>
@@ -3924,7 +3914,7 @@
         <p:spPr>
           <a:xfrm>
             <a:off x="8610480" y="6356520"/>
-            <a:ext cx="2742120" cy="363960"/>
+            <a:ext cx="2741760" cy="363600"/>
           </a:xfrm>
           <a:prstGeom prst="rect">
             <a:avLst/>
@@ -3967,7 +3957,7 @@
                 <a:tab algn="l" pos="0"/>
               </a:tabLst>
             </a:pPr>
-            <a:fld id="{A604CABE-4ED4-4152-A68D-497DF880082B}" type="slidenum">
+            <a:fld id="{E0A4B73C-4E9F-4867-9DEB-411EAA491C5E}" type="slidenum">
               <a:rPr b="0" lang="en-GB" sz="1200" spc="-1" strike="noStrike">
                 <a:solidFill>
                   <a:schemeClr val="dk1">
@@ -4000,7 +3990,7 @@
         <p:spPr>
           <a:xfrm>
             <a:off x="838080" y="6356520"/>
-            <a:ext cx="2742120" cy="363960"/>
+            <a:ext cx="2741760" cy="363600"/>
           </a:xfrm>
           <a:prstGeom prst="rect">
             <a:avLst/>
@@ -4093,7 +4083,7 @@
         <p:spPr>
           <a:xfrm>
             <a:off x="838080" y="365040"/>
-            <a:ext cx="10514520" cy="1324440"/>
+            <a:ext cx="10514160" cy="1324080"/>
           </a:xfrm>
           <a:prstGeom prst="rect">
             <a:avLst/>
@@ -4142,7 +4132,7 @@
         <p:spPr>
           <a:xfrm>
             <a:off x="838080" y="1825560"/>
-            <a:ext cx="5130720" cy="4350240"/>
+            <a:ext cx="5130720" cy="4349880"/>
           </a:xfrm>
           <a:prstGeom prst="rect">
             <a:avLst/>
@@ -4367,7 +4357,7 @@
         <p:spPr>
           <a:xfrm>
             <a:off x="6226200" y="1825560"/>
-            <a:ext cx="5130720" cy="4350240"/>
+            <a:ext cx="5130720" cy="4349880"/>
           </a:xfrm>
           <a:prstGeom prst="rect">
             <a:avLst/>
@@ -4592,7 +4582,7 @@
         <p:spPr>
           <a:xfrm>
             <a:off x="4038480" y="6356520"/>
-            <a:ext cx="4113720" cy="363960"/>
+            <a:ext cx="4113360" cy="363600"/>
           </a:xfrm>
           <a:prstGeom prst="rect">
             <a:avLst/>
@@ -4664,7 +4654,7 @@
         <p:spPr>
           <a:xfrm>
             <a:off x="8610480" y="6356520"/>
-            <a:ext cx="2742120" cy="363960"/>
+            <a:ext cx="2741760" cy="363600"/>
           </a:xfrm>
           <a:prstGeom prst="rect">
             <a:avLst/>
@@ -4707,7 +4697,7 @@
                 <a:tab algn="l" pos="0"/>
               </a:tabLst>
             </a:pPr>
-            <a:fld id="{701C7A96-578B-4FD4-AADB-4AA55442DB37}" type="slidenum">
+            <a:fld id="{1F13ACA8-F618-45D2-A41C-6CA882E239B3}" type="slidenum">
               <a:rPr b="0" lang="en-GB" sz="1200" spc="-1" strike="noStrike">
                 <a:solidFill>
                   <a:schemeClr val="dk1">
@@ -4740,7 +4730,7 @@
         <p:spPr>
           <a:xfrm>
             <a:off x="838080" y="6356520"/>
-            <a:ext cx="2742120" cy="363960"/>
+            <a:ext cx="2741760" cy="363600"/>
           </a:xfrm>
           <a:prstGeom prst="rect">
             <a:avLst/>
@@ -4833,7 +4823,7 @@
         <p:spPr>
           <a:xfrm>
             <a:off x="4038480" y="6356520"/>
-            <a:ext cx="4113720" cy="363960"/>
+            <a:ext cx="4113360" cy="363600"/>
           </a:xfrm>
           <a:prstGeom prst="rect">
             <a:avLst/>
@@ -4905,7 +4895,7 @@
         <p:spPr>
           <a:xfrm>
             <a:off x="8610480" y="6356520"/>
-            <a:ext cx="2742120" cy="363960"/>
+            <a:ext cx="2741760" cy="363600"/>
           </a:xfrm>
           <a:prstGeom prst="rect">
             <a:avLst/>
@@ -4948,7 +4938,7 @@
                 <a:tab algn="l" pos="0"/>
               </a:tabLst>
             </a:pPr>
-            <a:fld id="{B02164F2-5CDB-44DE-AFED-880F4B976A57}" type="slidenum">
+            <a:fld id="{F3893F40-F676-4A1A-8497-C43E80ECCA0A}" type="slidenum">
               <a:rPr b="0" lang="en-GB" sz="1200" spc="-1" strike="noStrike">
                 <a:solidFill>
                   <a:schemeClr val="dk1">
@@ -4981,7 +4971,7 @@
         <p:spPr>
           <a:xfrm>
             <a:off x="838080" y="6356520"/>
-            <a:ext cx="2742120" cy="363960"/>
+            <a:ext cx="2741760" cy="363600"/>
           </a:xfrm>
           <a:prstGeom prst="rect">
             <a:avLst/>
@@ -5074,7 +5064,7 @@
         <p:spPr>
           <a:xfrm>
             <a:off x="838080" y="365040"/>
-            <a:ext cx="10514520" cy="1324440"/>
+            <a:ext cx="10514160" cy="1324080"/>
           </a:xfrm>
           <a:prstGeom prst="rect">
             <a:avLst/>
@@ -5123,7 +5113,7 @@
         <p:spPr>
           <a:xfrm>
             <a:off x="4038480" y="6356520"/>
-            <a:ext cx="4113720" cy="363960"/>
+            <a:ext cx="4113360" cy="363600"/>
           </a:xfrm>
           <a:prstGeom prst="rect">
             <a:avLst/>
@@ -5195,7 +5185,7 @@
         <p:spPr>
           <a:xfrm>
             <a:off x="8610480" y="6356520"/>
-            <a:ext cx="2742120" cy="363960"/>
+            <a:ext cx="2741760" cy="363600"/>
           </a:xfrm>
           <a:prstGeom prst="rect">
             <a:avLst/>
@@ -5238,7 +5228,7 @@
                 <a:tab algn="l" pos="0"/>
               </a:tabLst>
             </a:pPr>
-            <a:fld id="{28BA766F-5C80-49BA-9969-8670807FB864}" type="slidenum">
+            <a:fld id="{F923EF0C-877F-45FF-85CE-A59D6F1EABE8}" type="slidenum">
               <a:rPr b="0" lang="en-GB" sz="1200" spc="-1" strike="noStrike">
                 <a:solidFill>
                   <a:schemeClr val="dk1">
@@ -5271,7 +5261,7 @@
         <p:spPr>
           <a:xfrm>
             <a:off x="838080" y="6356520"/>
-            <a:ext cx="2742120" cy="363960"/>
+            <a:ext cx="2741760" cy="363600"/>
           </a:xfrm>
           <a:prstGeom prst="rect">
             <a:avLst/>
@@ -5364,7 +5354,7 @@
         <p:spPr>
           <a:xfrm>
             <a:off x="4038480" y="6356520"/>
-            <a:ext cx="4113720" cy="363960"/>
+            <a:ext cx="4113360" cy="363600"/>
           </a:xfrm>
           <a:prstGeom prst="rect">
             <a:avLst/>
@@ -5436,7 +5426,7 @@
         <p:spPr>
           <a:xfrm>
             <a:off x="8610480" y="6356520"/>
-            <a:ext cx="2742120" cy="363960"/>
+            <a:ext cx="2741760" cy="363600"/>
           </a:xfrm>
           <a:prstGeom prst="rect">
             <a:avLst/>
@@ -5479,7 +5469,7 @@
                 <a:tab algn="l" pos="0"/>
               </a:tabLst>
             </a:pPr>
-            <a:fld id="{9B5A6F15-69D1-4BEC-A482-CA1ACDD0CA14}" type="slidenum">
+            <a:fld id="{2D91994D-CA55-4A5C-AEB9-9D15E8B12DD4}" type="slidenum">
               <a:rPr b="0" lang="en-GB" sz="1200" spc="-1" strike="noStrike">
                 <a:solidFill>
                   <a:schemeClr val="dk1">
@@ -5512,7 +5502,7 @@
         <p:spPr>
           <a:xfrm>
             <a:off x="838080" y="6356520"/>
-            <a:ext cx="2742120" cy="363960"/>
+            <a:ext cx="2741760" cy="363600"/>
           </a:xfrm>
           <a:prstGeom prst="rect">
             <a:avLst/>
@@ -5598,7 +5588,7 @@
         <p:spPr>
           <a:xfrm>
             <a:off x="6573960" y="1241280"/>
-            <a:ext cx="5440320" cy="5440320"/>
+            <a:ext cx="5439960" cy="5439960"/>
           </a:xfrm>
           <a:prstGeom prst="rect">
             <a:avLst/>
@@ -5617,7 +5607,7 @@
         <p:spPr>
           <a:xfrm>
             <a:off x="471960" y="356040"/>
-            <a:ext cx="6451920" cy="1308600"/>
+            <a:ext cx="6451560" cy="1308600"/>
           </a:xfrm>
           <a:prstGeom prst="rect">
             <a:avLst/>
@@ -5674,7 +5664,7 @@
         <p:spPr>
           <a:xfrm>
             <a:off x="3940920" y="2655720"/>
-            <a:ext cx="2013120" cy="2013120"/>
+            <a:ext cx="2012760" cy="2012760"/>
           </a:xfrm>
           <a:prstGeom prst="rect">
             <a:avLst/>
@@ -5697,7 +5687,7 @@
         <p:spPr>
           <a:xfrm>
             <a:off x="619560" y="1496520"/>
-            <a:ext cx="2013120" cy="2013120"/>
+            <a:ext cx="2012760" cy="2012760"/>
           </a:xfrm>
           <a:prstGeom prst="rect">
             <a:avLst/>
@@ -5720,7 +5710,7 @@
         <p:spPr>
           <a:xfrm>
             <a:off x="619560" y="4869360"/>
-            <a:ext cx="2338920" cy="1467360"/>
+            <a:ext cx="2338560" cy="1467000"/>
           </a:xfrm>
           <a:prstGeom prst="rect">
             <a:avLst/>
@@ -5738,8 +5728,8 @@
         </p:nvSpPr>
         <p:spPr>
           <a:xfrm rot="1491600">
-            <a:off x="2527920" y="2849400"/>
-            <a:ext cx="1613520" cy="335880"/>
+            <a:off x="2527920" y="2849040"/>
+            <a:ext cx="1613160" cy="335520"/>
           </a:xfrm>
           <a:prstGeom prst="leftRightArrow">
             <a:avLst>
@@ -5798,7 +5788,7 @@
         <p:spPr>
           <a:xfrm rot="5400000">
             <a:off x="932400" y="3996720"/>
-            <a:ext cx="1230840" cy="335880"/>
+            <a:ext cx="1230480" cy="335520"/>
           </a:xfrm>
           <a:prstGeom prst="leftRightArrow">
             <a:avLst>
@@ -5857,7 +5847,7 @@
         <p:spPr>
           <a:xfrm rot="19254000">
             <a:off x="2513520" y="4111560"/>
-            <a:ext cx="1613520" cy="335880"/>
+            <a:ext cx="1613160" cy="335520"/>
           </a:xfrm>
           <a:prstGeom prst="leftRightArrow">
             <a:avLst>
@@ -5946,7 +5936,7 @@
         <p:spPr>
           <a:xfrm>
             <a:off x="560880" y="234000"/>
-            <a:ext cx="11231280" cy="1308600"/>
+            <a:ext cx="11230920" cy="1308600"/>
           </a:xfrm>
           <a:prstGeom prst="rect">
             <a:avLst/>
@@ -6003,7 +5993,7 @@
         <p:spPr>
           <a:xfrm>
             <a:off x="-729720" y="1625760"/>
-            <a:ext cx="4716720" cy="3605040"/>
+            <a:ext cx="4716360" cy="3604680"/>
           </a:xfrm>
           <a:prstGeom prst="rect">
             <a:avLst/>
@@ -6040,15 +6030,10 @@
               </a:rPr>
               <a:t>Namespaces allow using statements just like C# namespaces</a:t>
             </a:r>
-            <a:endParaRPr b="0" lang="en-US" sz="3200" spc="-1" strike="noStrike" u="sng">
-              <a:solidFill>
-                <a:srgbClr val="729fcf"/>
-              </a:solidFill>
-              <a:uFill>
-                <a:solidFill>
-                  <a:srgbClr val="5983b0"/>
-                </a:solidFill>
-              </a:uFill>
+            <a:endParaRPr b="0" lang="en-US" sz="3200" spc="-1" strike="noStrike">
+              <a:solidFill>
+                <a:srgbClr val="000000"/>
+              </a:solidFill>
               <a:latin typeface="Arial"/>
             </a:endParaRPr>
           </a:p>
@@ -6088,7 +6073,7 @@
         <p:spPr>
           <a:xfrm>
             <a:off x="5855040" y="1625760"/>
-            <a:ext cx="5369760" cy="1411920"/>
+            <a:ext cx="5369400" cy="1411560"/>
           </a:xfrm>
           <a:prstGeom prst="rect">
             <a:avLst/>
@@ -6111,7 +6096,7 @@
         <p:spPr>
           <a:xfrm>
             <a:off x="4804560" y="4260600"/>
-            <a:ext cx="7245720" cy="478440"/>
+            <a:ext cx="7245360" cy="478080"/>
           </a:xfrm>
           <a:prstGeom prst="rect">
             <a:avLst/>
@@ -6134,7 +6119,7 @@
         <p:spPr>
           <a:xfrm>
             <a:off x="6636600" y="3338280"/>
-            <a:ext cx="3827880" cy="376920"/>
+            <a:ext cx="3827520" cy="376560"/>
           </a:xfrm>
           <a:prstGeom prst="rect">
             <a:avLst/>
@@ -6153,7 +6138,7 @@
         <p:spPr>
           <a:xfrm>
             <a:off x="-729720" y="3621960"/>
-            <a:ext cx="4492800" cy="1553040"/>
+            <a:ext cx="4492440" cy="1553040"/>
           </a:xfrm>
           <a:prstGeom prst="rect">
             <a:avLst/>
@@ -6343,7 +6328,7 @@
         <p:spPr>
           <a:xfrm>
             <a:off x="2012400" y="234000"/>
-            <a:ext cx="8327880" cy="1308600"/>
+            <a:ext cx="8327520" cy="1308600"/>
           </a:xfrm>
           <a:prstGeom prst="rect">
             <a:avLst/>
@@ -6400,7 +6385,7 @@
         <p:spPr>
           <a:xfrm>
             <a:off x="-729720" y="1625760"/>
-            <a:ext cx="5125320" cy="3605040"/>
+            <a:ext cx="5124960" cy="3604680"/>
           </a:xfrm>
           <a:prstGeom prst="rect">
             <a:avLst/>
@@ -6437,15 +6422,10 @@
               </a:rPr>
               <a:t>Values are exposed as static fields on  class.</a:t>
             </a:r>
-            <a:endParaRPr b="0" lang="en-US" sz="3200" spc="-1" strike="noStrike" u="sng">
-              <a:solidFill>
-                <a:srgbClr val="729fcf"/>
-              </a:solidFill>
-              <a:uFill>
-                <a:solidFill>
-                  <a:srgbClr val="5983b0"/>
-                </a:solidFill>
-              </a:uFill>
+            <a:endParaRPr b="0" lang="en-US" sz="3200" spc="-1" strike="noStrike">
+              <a:solidFill>
+                <a:srgbClr val="000000"/>
+              </a:solidFill>
               <a:latin typeface="Arial"/>
             </a:endParaRPr>
           </a:p>
@@ -6464,7 +6444,7 @@
         <p:spPr>
           <a:xfrm>
             <a:off x="6651360" y="1844640"/>
-            <a:ext cx="3415680" cy="904320"/>
+            <a:ext cx="3415320" cy="903960"/>
           </a:xfrm>
           <a:prstGeom prst="rect">
             <a:avLst/>
@@ -6487,7 +6467,7 @@
         <p:spPr>
           <a:xfrm>
             <a:off x="5721480" y="3127320"/>
-            <a:ext cx="5275440" cy="601920"/>
+            <a:ext cx="5275080" cy="601560"/>
           </a:xfrm>
           <a:prstGeom prst="rect">
             <a:avLst/>
@@ -6536,7 +6516,7 @@
         <p:spPr>
           <a:xfrm>
             <a:off x="2012400" y="234000"/>
-            <a:ext cx="8327880" cy="1308600"/>
+            <a:ext cx="8327520" cy="1308600"/>
           </a:xfrm>
           <a:prstGeom prst="rect">
             <a:avLst/>
@@ -6593,7 +6573,7 @@
         <p:spPr>
           <a:xfrm>
             <a:off x="-729720" y="1625760"/>
-            <a:ext cx="5125320" cy="3605040"/>
+            <a:ext cx="5124960" cy="3604680"/>
           </a:xfrm>
           <a:prstGeom prst="rect">
             <a:avLst/>
@@ -6630,15 +6610,10 @@
               </a:rPr>
               <a:t>Values are exposed as static fields on  class.</a:t>
             </a:r>
-            <a:endParaRPr b="0" lang="en-US" sz="3200" spc="-1" strike="noStrike" u="sng">
-              <a:solidFill>
-                <a:srgbClr val="729fcf"/>
-              </a:solidFill>
-              <a:uFill>
-                <a:solidFill>
-                  <a:srgbClr val="5983b0"/>
-                </a:solidFill>
-              </a:uFill>
+            <a:endParaRPr b="0" lang="en-US" sz="3200" spc="-1" strike="noStrike">
+              <a:solidFill>
+                <a:srgbClr val="000000"/>
+              </a:solidFill>
               <a:latin typeface="Arial"/>
             </a:endParaRPr>
           </a:p>
@@ -6688,15 +6663,10 @@
               </a:rPr>
               <a:t>Records generate a read-only class with only a full parameter constructor.</a:t>
             </a:r>
-            <a:endParaRPr b="0" lang="en-US" sz="3200" spc="-1" strike="noStrike" u="sng">
-              <a:solidFill>
-                <a:srgbClr val="729fcf"/>
-              </a:solidFill>
-              <a:uFill>
-                <a:solidFill>
-                  <a:srgbClr val="5983b0"/>
-                </a:solidFill>
-              </a:uFill>
+            <a:endParaRPr b="0" lang="en-US" sz="3200" spc="-1" strike="noStrike">
+              <a:solidFill>
+                <a:srgbClr val="000000"/>
+              </a:solidFill>
               <a:latin typeface="Arial"/>
             </a:endParaRPr>
           </a:p>
@@ -6735,7 +6705,7 @@
         <p:spPr>
           <a:xfrm>
             <a:off x="7069320" y="1445760"/>
-            <a:ext cx="2783880" cy="1462320"/>
+            <a:ext cx="2783520" cy="1461960"/>
           </a:xfrm>
           <a:prstGeom prst="rect">
             <a:avLst/>
@@ -6758,7 +6728,7 @@
         <p:spPr>
           <a:xfrm>
             <a:off x="5879160" y="3006720"/>
-            <a:ext cx="5603040" cy="421200"/>
+            <a:ext cx="5602680" cy="420840"/>
           </a:xfrm>
           <a:prstGeom prst="rect">
             <a:avLst/>
@@ -6781,7 +6751,7 @@
         <p:spPr>
           <a:xfrm>
             <a:off x="4397040" y="3773520"/>
-            <a:ext cx="7599600" cy="2354040"/>
+            <a:ext cx="7599240" cy="2353680"/>
           </a:xfrm>
           <a:prstGeom prst="rect">
             <a:avLst/>
@@ -6830,7 +6800,7 @@
         <p:spPr>
           <a:xfrm>
             <a:off x="1988640" y="234000"/>
-            <a:ext cx="8375400" cy="1308600"/>
+            <a:ext cx="8375040" cy="1308600"/>
           </a:xfrm>
           <a:prstGeom prst="rect">
             <a:avLst/>
@@ -6887,7 +6857,7 @@
         <p:spPr>
           <a:xfrm>
             <a:off x="-218520" y="2347200"/>
-            <a:ext cx="5125320" cy="3605040"/>
+            <a:ext cx="5124960" cy="3604680"/>
           </a:xfrm>
           <a:prstGeom prst="rect">
             <a:avLst/>
@@ -6924,15 +6894,10 @@
               </a:rPr>
               <a:t>Arrays work as expected</a:t>
             </a:r>
-            <a:endParaRPr b="0" lang="en-US" sz="3200" spc="-1" strike="noStrike" u="sng">
-              <a:solidFill>
-                <a:srgbClr val="729fcf"/>
-              </a:solidFill>
-              <a:uFill>
-                <a:solidFill>
-                  <a:srgbClr val="5983b0"/>
-                </a:solidFill>
-              </a:uFill>
+            <a:endParaRPr b="0" lang="en-US" sz="3200" spc="-1" strike="noStrike">
+              <a:solidFill>
+                <a:srgbClr val="000000"/>
+              </a:solidFill>
               <a:latin typeface="Arial"/>
             </a:endParaRPr>
           </a:p>
@@ -6982,15 +6947,10 @@
               </a:rPr>
               <a:t>Seq get exposed as IEnumerable</a:t>
             </a:r>
-            <a:endParaRPr b="0" lang="en-US" sz="3200" spc="-1" strike="noStrike" u="sng">
-              <a:solidFill>
-                <a:srgbClr val="729fcf"/>
-              </a:solidFill>
-              <a:uFill>
-                <a:solidFill>
-                  <a:srgbClr val="5983b0"/>
-                </a:solidFill>
-              </a:uFill>
+            <a:endParaRPr b="0" lang="en-US" sz="3200" spc="-1" strike="noStrike">
+              <a:solidFill>
+                <a:srgbClr val="000000"/>
+              </a:solidFill>
               <a:latin typeface="Arial"/>
             </a:endParaRPr>
           </a:p>
@@ -7009,7 +6969,7 @@
         <p:spPr>
           <a:xfrm>
             <a:off x="6095880" y="3913560"/>
-            <a:ext cx="5366160" cy="473040"/>
+            <a:ext cx="5365800" cy="472680"/>
           </a:xfrm>
           <a:prstGeom prst="rect">
             <a:avLst/>
@@ -7032,7 +6992,7 @@
         <p:spPr>
           <a:xfrm>
             <a:off x="6688440" y="2269080"/>
-            <a:ext cx="3830400" cy="1055880"/>
+            <a:ext cx="3830040" cy="1055520"/>
           </a:xfrm>
           <a:prstGeom prst="rect">
             <a:avLst/>
@@ -7081,7 +7041,7 @@
         <p:spPr>
           <a:xfrm>
             <a:off x="3882960" y="234000"/>
-            <a:ext cx="4586760" cy="1308600"/>
+            <a:ext cx="4586400" cy="1308600"/>
           </a:xfrm>
           <a:prstGeom prst="rect">
             <a:avLst/>
@@ -7138,7 +7098,7 @@
         <p:spPr>
           <a:xfrm>
             <a:off x="-729720" y="1625760"/>
-            <a:ext cx="5125320" cy="3605040"/>
+            <a:ext cx="5124960" cy="3604680"/>
           </a:xfrm>
           <a:prstGeom prst="rect">
             <a:avLst/>
@@ -7175,15 +7135,10 @@
               </a:rPr>
               <a:t>Functions will work as long as they don’t accept other functions as parameters (more on this later)</a:t>
             </a:r>
-            <a:endParaRPr b="0" lang="en-US" sz="3200" spc="-1" strike="noStrike" u="sng">
-              <a:solidFill>
-                <a:srgbClr val="729fcf"/>
-              </a:solidFill>
-              <a:uFill>
-                <a:solidFill>
-                  <a:srgbClr val="5983b0"/>
-                </a:solidFill>
-              </a:uFill>
+            <a:endParaRPr b="0" lang="en-US" sz="3200" spc="-1" strike="noStrike">
+              <a:solidFill>
+                <a:srgbClr val="000000"/>
+              </a:solidFill>
               <a:latin typeface="Arial"/>
             </a:endParaRPr>
           </a:p>
@@ -7222,7 +7177,7 @@
         <p:spPr>
           <a:xfrm>
             <a:off x="5629320" y="1557360"/>
-            <a:ext cx="4068000" cy="1188000"/>
+            <a:ext cx="4067640" cy="1187640"/>
           </a:xfrm>
           <a:prstGeom prst="rect">
             <a:avLst/>
@@ -7245,7 +7200,7 @@
         <p:spPr>
           <a:xfrm>
             <a:off x="4380840" y="3270960"/>
-            <a:ext cx="7224840" cy="492480"/>
+            <a:ext cx="7224480" cy="492120"/>
           </a:xfrm>
           <a:prstGeom prst="rect">
             <a:avLst/>
@@ -7268,7 +7223,7 @@
         <p:spPr>
           <a:xfrm>
             <a:off x="4805640" y="4337280"/>
-            <a:ext cx="6211800" cy="415800"/>
+            <a:ext cx="6211440" cy="415440"/>
           </a:xfrm>
           <a:prstGeom prst="rect">
             <a:avLst/>
@@ -7317,7 +7272,7 @@
         <p:spPr>
           <a:xfrm>
             <a:off x="1571040" y="234000"/>
-            <a:ext cx="9210600" cy="1308600"/>
+            <a:ext cx="9210240" cy="1308600"/>
           </a:xfrm>
           <a:prstGeom prst="rect">
             <a:avLst/>
@@ -7374,7 +7329,7 @@
         <p:spPr>
           <a:xfrm>
             <a:off x="-729720" y="1625760"/>
-            <a:ext cx="5125320" cy="3605040"/>
+            <a:ext cx="5124960" cy="3604680"/>
           </a:xfrm>
           <a:prstGeom prst="rect">
             <a:avLst/>
@@ -7411,15 +7366,10 @@
               </a:rPr>
               <a:t>If Discriminated Unions only have numbers, compiles to enum. </a:t>
             </a:r>
-            <a:endParaRPr b="0" lang="en-US" sz="3200" spc="-1" strike="noStrike" u="sng">
-              <a:solidFill>
-                <a:srgbClr val="729fcf"/>
-              </a:solidFill>
-              <a:uFill>
-                <a:solidFill>
-                  <a:srgbClr val="5983b0"/>
-                </a:solidFill>
-              </a:uFill>
+            <a:endParaRPr b="0" lang="en-US" sz="3200" spc="-1" strike="noStrike">
+              <a:solidFill>
+                <a:srgbClr val="000000"/>
+              </a:solidFill>
               <a:latin typeface="Arial"/>
             </a:endParaRPr>
           </a:p>
@@ -7478,7 +7428,7 @@
         <p:spPr>
           <a:xfrm>
             <a:off x="5177520" y="1625760"/>
-            <a:ext cx="2616480" cy="1324800"/>
+            <a:ext cx="2616120" cy="1324440"/>
           </a:xfrm>
           <a:prstGeom prst="rect">
             <a:avLst/>
@@ -7501,7 +7451,7 @@
         <p:spPr>
           <a:xfrm>
             <a:off x="8244000" y="1625760"/>
-            <a:ext cx="2422800" cy="1342800"/>
+            <a:ext cx="2422440" cy="1342440"/>
           </a:xfrm>
           <a:prstGeom prst="rect">
             <a:avLst/>
@@ -7524,7 +7474,7 @@
         <p:spPr>
           <a:xfrm>
             <a:off x="4982040" y="3261240"/>
-            <a:ext cx="5981400" cy="3361680"/>
+            <a:ext cx="5981040" cy="3361320"/>
           </a:xfrm>
           <a:prstGeom prst="rect">
             <a:avLst/>
@@ -7547,7 +7497,7 @@
         <p:spPr>
           <a:xfrm>
             <a:off x="7973280" y="3495600"/>
-            <a:ext cx="2904480" cy="713520"/>
+            <a:ext cx="2904120" cy="713160"/>
           </a:xfrm>
           <a:prstGeom prst="rect">
             <a:avLst/>
@@ -7568,7 +7518,7 @@
         <p:spPr>
           <a:xfrm>
             <a:off x="-729720" y="3576960"/>
-            <a:ext cx="5125320" cy="3016440"/>
+            <a:ext cx="5124960" cy="3016440"/>
           </a:xfrm>
           <a:prstGeom prst="rect">
             <a:avLst/>
@@ -7803,7 +7753,7 @@
         <p:spPr>
           <a:xfrm>
             <a:off x="5181120" y="234000"/>
-            <a:ext cx="1991160" cy="1308600"/>
+            <a:ext cx="1990800" cy="1308600"/>
           </a:xfrm>
           <a:prstGeom prst="rect">
             <a:avLst/>
@@ -7860,7 +7810,7 @@
         <p:spPr>
           <a:xfrm>
             <a:off x="-729720" y="1625760"/>
-            <a:ext cx="5125320" cy="3605040"/>
+            <a:ext cx="5124960" cy="3604680"/>
           </a:xfrm>
           <a:prstGeom prst="rect">
             <a:avLst/>
@@ -7897,15 +7847,10 @@
               </a:rPr>
               <a:t>If a function returns Unit, compiles down to return void</a:t>
             </a:r>
-            <a:endParaRPr b="0" lang="en-US" sz="3200" spc="-1" strike="noStrike" u="sng">
-              <a:solidFill>
-                <a:srgbClr val="729fcf"/>
-              </a:solidFill>
-              <a:uFill>
-                <a:solidFill>
-                  <a:srgbClr val="5983b0"/>
-                </a:solidFill>
-              </a:uFill>
+            <a:endParaRPr b="0" lang="en-US" sz="3200" spc="-1" strike="noStrike">
+              <a:solidFill>
+                <a:srgbClr val="000000"/>
+              </a:solidFill>
               <a:latin typeface="Arial"/>
             </a:endParaRPr>
           </a:p>
@@ -7955,15 +7900,10 @@
               </a:rPr>
               <a:t>If used as a parameter, use null</a:t>
             </a:r>
-            <a:endParaRPr b="0" lang="en-US" sz="3200" spc="-1" strike="noStrike" u="sng">
-              <a:solidFill>
-                <a:srgbClr val="729fcf"/>
-              </a:solidFill>
-              <a:uFill>
-                <a:solidFill>
-                  <a:srgbClr val="5983b0"/>
-                </a:solidFill>
-              </a:uFill>
+            <a:endParaRPr b="0" lang="en-US" sz="3200" spc="-1" strike="noStrike">
+              <a:solidFill>
+                <a:srgbClr val="000000"/>
+              </a:solidFill>
               <a:latin typeface="Arial"/>
             </a:endParaRPr>
           </a:p>
@@ -8002,7 +7942,7 @@
         <p:spPr>
           <a:xfrm>
             <a:off x="5431320" y="1871640"/>
-            <a:ext cx="4469760" cy="837360"/>
+            <a:ext cx="4469400" cy="837000"/>
           </a:xfrm>
           <a:prstGeom prst="rect">
             <a:avLst/>
@@ -8025,7 +7965,7 @@
         <p:spPr>
           <a:xfrm>
             <a:off x="5056200" y="3350160"/>
-            <a:ext cx="5736240" cy="489240"/>
+            <a:ext cx="5735880" cy="488880"/>
           </a:xfrm>
           <a:prstGeom prst="rect">
             <a:avLst/>
@@ -8074,7 +8014,7 @@
         <p:spPr>
           <a:xfrm>
             <a:off x="2268000" y="2151720"/>
-            <a:ext cx="7207560" cy="2527560"/>
+            <a:ext cx="7207200" cy="2527560"/>
           </a:xfrm>
           <a:prstGeom prst="rect">
             <a:avLst/>
@@ -8157,7 +8097,7 @@
         <p:spPr>
           <a:xfrm>
             <a:off x="5171040" y="234000"/>
-            <a:ext cx="2010960" cy="1308600"/>
+            <a:ext cx="2010600" cy="1308600"/>
           </a:xfrm>
           <a:prstGeom prst="rect">
             <a:avLst/>
@@ -8214,7 +8154,7 @@
         <p:spPr>
           <a:xfrm>
             <a:off x="-729720" y="1625760"/>
-            <a:ext cx="5125320" cy="3605040"/>
+            <a:ext cx="5124960" cy="3604680"/>
           </a:xfrm>
           <a:prstGeom prst="rect">
             <a:avLst/>
@@ -8251,15 +8191,10 @@
               </a:rPr>
               <a:t>Lists in F# are different to C# Lists, this may cause some confusion. </a:t>
             </a:r>
-            <a:endParaRPr b="0" lang="en-US" sz="3200" spc="-1" strike="noStrike" u="sng">
-              <a:solidFill>
-                <a:srgbClr val="729fcf"/>
-              </a:solidFill>
-              <a:uFill>
-                <a:solidFill>
-                  <a:srgbClr val="5983b0"/>
-                </a:solidFill>
-              </a:uFill>
+            <a:endParaRPr b="0" lang="en-US" sz="3200" spc="-1" strike="noStrike">
+              <a:solidFill>
+                <a:srgbClr val="000000"/>
+              </a:solidFill>
               <a:latin typeface="Arial"/>
             </a:endParaRPr>
           </a:p>
@@ -8286,15 +8221,10 @@
               </a:rPr>
               <a:t>You can import FsharpList&lt;T&gt; type from Fsharp.Core Nuget package.</a:t>
             </a:r>
-            <a:endParaRPr b="0" lang="en-US" sz="3200" spc="-1" strike="noStrike" u="sng">
-              <a:solidFill>
-                <a:srgbClr val="729fcf"/>
-              </a:solidFill>
-              <a:uFill>
-                <a:solidFill>
-                  <a:srgbClr val="5983b0"/>
-                </a:solidFill>
-              </a:uFill>
+            <a:endParaRPr b="0" lang="en-US" sz="3200" spc="-1" strike="noStrike">
+              <a:solidFill>
+                <a:srgbClr val="000000"/>
+              </a:solidFill>
               <a:latin typeface="Arial"/>
             </a:endParaRPr>
           </a:p>
@@ -8321,15 +8251,10 @@
               </a:rPr>
               <a:t>Or just use IReadonlyCollection</a:t>
             </a:r>
-            <a:endParaRPr b="0" lang="en-US" sz="3200" spc="-1" strike="noStrike" u="sng">
-              <a:solidFill>
-                <a:srgbClr val="729fcf"/>
-              </a:solidFill>
-              <a:uFill>
-                <a:solidFill>
-                  <a:srgbClr val="5983b0"/>
-                </a:solidFill>
-              </a:uFill>
+            <a:endParaRPr b="0" lang="en-US" sz="3200" spc="-1" strike="noStrike">
+              <a:solidFill>
+                <a:srgbClr val="000000"/>
+              </a:solidFill>
               <a:latin typeface="Arial"/>
             </a:endParaRPr>
           </a:p>
@@ -8348,7 +8273,7 @@
         <p:spPr>
           <a:xfrm>
             <a:off x="4302720" y="3993120"/>
-            <a:ext cx="7596360" cy="368280"/>
+            <a:ext cx="7596000" cy="367920"/>
           </a:xfrm>
           <a:prstGeom prst="rect">
             <a:avLst/>
@@ -8371,7 +8296,7 @@
         <p:spPr>
           <a:xfrm>
             <a:off x="5395320" y="2206080"/>
-            <a:ext cx="5241240" cy="758160"/>
+            <a:ext cx="5240880" cy="757800"/>
           </a:xfrm>
           <a:prstGeom prst="rect">
             <a:avLst/>
@@ -8420,7 +8345,7 @@
         <p:spPr>
           <a:xfrm>
             <a:off x="1571400" y="234000"/>
-            <a:ext cx="9210600" cy="1308600"/>
+            <a:ext cx="9210240" cy="1308600"/>
           </a:xfrm>
           <a:prstGeom prst="rect">
             <a:avLst/>
@@ -8477,7 +8402,7 @@
         <p:spPr>
           <a:xfrm>
             <a:off x="-729720" y="1625760"/>
-            <a:ext cx="5125320" cy="3605040"/>
+            <a:ext cx="5124960" cy="3604680"/>
           </a:xfrm>
           <a:prstGeom prst="rect">
             <a:avLst/>
@@ -8514,15 +8439,10 @@
               </a:rPr>
               <a:t>If we don’t provide a type, DU’s don’t play so well. </a:t>
             </a:r>
-            <a:endParaRPr b="0" lang="en-US" sz="3200" spc="-1" strike="noStrike" u="sng">
-              <a:solidFill>
-                <a:srgbClr val="729fcf"/>
-              </a:solidFill>
-              <a:uFill>
-                <a:solidFill>
-                  <a:srgbClr val="5983b0"/>
-                </a:solidFill>
-              </a:uFill>
+            <a:endParaRPr b="0" lang="en-US" sz="3200" spc="-1" strike="noStrike">
+              <a:solidFill>
+                <a:srgbClr val="000000"/>
+              </a:solidFill>
               <a:latin typeface="Arial"/>
             </a:endParaRPr>
           </a:p>
@@ -8541,7 +8461,7 @@
         <p:spPr>
           <a:xfrm>
             <a:off x="4800600" y="1828800"/>
-            <a:ext cx="2056680" cy="1298160"/>
+            <a:ext cx="2056320" cy="1297800"/>
           </a:xfrm>
           <a:prstGeom prst="rect">
             <a:avLst/>
@@ -8564,7 +8484,7 @@
         <p:spPr>
           <a:xfrm>
             <a:off x="8686800" y="1600200"/>
-            <a:ext cx="3199680" cy="2354760"/>
+            <a:ext cx="3199320" cy="2354400"/>
           </a:xfrm>
           <a:prstGeom prst="rect">
             <a:avLst/>
@@ -8587,7 +8507,7 @@
         <p:spPr>
           <a:xfrm>
             <a:off x="228600" y="3429000"/>
-            <a:ext cx="8386200" cy="3199680"/>
+            <a:ext cx="8385840" cy="3199320"/>
           </a:xfrm>
           <a:prstGeom prst="rect">
             <a:avLst/>
@@ -8640,7 +8560,7 @@
         <p:spPr>
           <a:xfrm>
             <a:off x="3188160" y="1692000"/>
-            <a:ext cx="5115600" cy="5115600"/>
+            <a:ext cx="5115240" cy="5115240"/>
           </a:xfrm>
           <a:prstGeom prst="rect">
             <a:avLst/>
@@ -8659,7 +8579,7 @@
         <p:spPr>
           <a:xfrm>
             <a:off x="3354840" y="150120"/>
-            <a:ext cx="4838040" cy="1308600"/>
+            <a:ext cx="4837680" cy="1308600"/>
           </a:xfrm>
           <a:prstGeom prst="rect">
             <a:avLst/>
@@ -8742,7 +8662,7 @@
         <p:spPr>
           <a:xfrm>
             <a:off x="4425840" y="234000"/>
-            <a:ext cx="3501360" cy="1308600"/>
+            <a:ext cx="3501000" cy="1308600"/>
           </a:xfrm>
           <a:prstGeom prst="rect">
             <a:avLst/>
@@ -8799,7 +8719,7 @@
         <p:spPr>
           <a:xfrm>
             <a:off x="-729720" y="1625760"/>
-            <a:ext cx="5125320" cy="3605040"/>
+            <a:ext cx="5124960" cy="3604680"/>
           </a:xfrm>
           <a:prstGeom prst="rect">
             <a:avLst/>
@@ -8836,15 +8756,10 @@
               </a:rPr>
               <a:t>Options allow you to get the value and work as expected. </a:t>
             </a:r>
-            <a:endParaRPr b="0" lang="en-US" sz="3200" spc="-1" strike="noStrike" u="sng">
-              <a:solidFill>
-                <a:srgbClr val="729fcf"/>
-              </a:solidFill>
-              <a:uFill>
-                <a:solidFill>
-                  <a:srgbClr val="5983b0"/>
-                </a:solidFill>
-              </a:uFill>
+            <a:endParaRPr b="0" lang="en-US" sz="3200" spc="-1" strike="noStrike">
+              <a:solidFill>
+                <a:srgbClr val="000000"/>
+              </a:solidFill>
               <a:latin typeface="Arial"/>
             </a:endParaRPr>
           </a:p>
@@ -8871,15 +8786,10 @@
               </a:rPr>
               <a:t>None simply returns as null therefore making it unsafe</a:t>
             </a:r>
-            <a:endParaRPr b="0" lang="en-US" sz="3200" spc="-1" strike="noStrike" u="sng">
-              <a:solidFill>
-                <a:srgbClr val="729fcf"/>
-              </a:solidFill>
-              <a:uFill>
-                <a:solidFill>
-                  <a:srgbClr val="5983b0"/>
-                </a:solidFill>
-              </a:uFill>
+            <a:endParaRPr b="0" lang="en-US" sz="3200" spc="-1" strike="noStrike">
+              <a:solidFill>
+                <a:srgbClr val="000000"/>
+              </a:solidFill>
               <a:latin typeface="Arial"/>
             </a:endParaRPr>
           </a:p>
@@ -8898,7 +8808,7 @@
         <p:spPr>
           <a:xfrm>
             <a:off x="5736240" y="1625760"/>
-            <a:ext cx="3990600" cy="789480"/>
+            <a:ext cx="3990240" cy="789120"/>
           </a:xfrm>
           <a:prstGeom prst="rect">
             <a:avLst/>
@@ -8921,7 +8831,7 @@
         <p:spPr>
           <a:xfrm>
             <a:off x="5202720" y="2857320"/>
-            <a:ext cx="5057280" cy="1141920"/>
+            <a:ext cx="5056920" cy="1141560"/>
           </a:xfrm>
           <a:prstGeom prst="rect">
             <a:avLst/>
@@ -8944,7 +8854,7 @@
         <p:spPr>
           <a:xfrm>
             <a:off x="4935240" y="4878360"/>
-            <a:ext cx="5718960" cy="706320"/>
+            <a:ext cx="5718600" cy="705960"/>
           </a:xfrm>
           <a:prstGeom prst="rect">
             <a:avLst/>
@@ -8993,7 +8903,7 @@
         <p:spPr>
           <a:xfrm>
             <a:off x="2268000" y="2151720"/>
-            <a:ext cx="7207560" cy="2527560"/>
+            <a:ext cx="7207200" cy="2527560"/>
           </a:xfrm>
           <a:prstGeom prst="rect">
             <a:avLst/>
@@ -9076,7 +8986,7 @@
         <p:spPr>
           <a:xfrm>
             <a:off x="4048560" y="234000"/>
-            <a:ext cx="4255920" cy="1308600"/>
+            <a:ext cx="4255560" cy="1308600"/>
           </a:xfrm>
           <a:prstGeom prst="rect">
             <a:avLst/>
@@ -9133,7 +9043,7 @@
         <p:spPr>
           <a:xfrm>
             <a:off x="56160" y="1474920"/>
-            <a:ext cx="12078720" cy="3605040"/>
+            <a:ext cx="12078360" cy="3604680"/>
           </a:xfrm>
           <a:prstGeom prst="rect">
             <a:avLst/>
@@ -9170,15 +9080,10 @@
               </a:rPr>
               <a:t>If a function takes another function, we have problems.</a:t>
             </a:r>
-            <a:endParaRPr b="0" lang="en-US" sz="3200" spc="-1" strike="noStrike" u="sng">
-              <a:solidFill>
-                <a:srgbClr val="729fcf"/>
-              </a:solidFill>
-              <a:uFill>
-                <a:solidFill>
-                  <a:srgbClr val="5983b0"/>
-                </a:solidFill>
-              </a:uFill>
+            <a:endParaRPr b="0" lang="en-US" sz="3200" spc="-1" strike="noStrike">
+              <a:solidFill>
+                <a:srgbClr val="000000"/>
+              </a:solidFill>
               <a:latin typeface="Arial"/>
             </a:endParaRPr>
           </a:p>
@@ -9197,7 +9102,7 @@
         <p:spPr>
           <a:xfrm>
             <a:off x="3459960" y="2259000"/>
-            <a:ext cx="5271120" cy="754560"/>
+            <a:ext cx="5270760" cy="754200"/>
           </a:xfrm>
           <a:prstGeom prst="rect">
             <a:avLst/>
@@ -9220,7 +9125,7 @@
         <p:spPr>
           <a:xfrm>
             <a:off x="1625760" y="3843360"/>
-            <a:ext cx="8939520" cy="453960"/>
+            <a:ext cx="8939160" cy="453600"/>
           </a:xfrm>
           <a:prstGeom prst="rect">
             <a:avLst/>
@@ -9243,7 +9148,7 @@
         <p:spPr>
           <a:xfrm>
             <a:off x="69120" y="4702320"/>
-            <a:ext cx="12052800" cy="377640"/>
+            <a:ext cx="12052440" cy="377280"/>
           </a:xfrm>
           <a:prstGeom prst="rect">
             <a:avLst/>
@@ -9457,7 +9362,7 @@
         <p:spPr>
           <a:xfrm>
             <a:off x="2268000" y="2151720"/>
-            <a:ext cx="7207560" cy="2527560"/>
+            <a:ext cx="7207200" cy="2527560"/>
           </a:xfrm>
           <a:prstGeom prst="rect">
             <a:avLst/>
@@ -9540,7 +9445,7 @@
         <p:spPr>
           <a:xfrm>
             <a:off x="5263200" y="2467080"/>
-            <a:ext cx="4847760" cy="4361040"/>
+            <a:ext cx="4847400" cy="4360680"/>
           </a:xfrm>
           <a:prstGeom prst="ellipse">
             <a:avLst/>
@@ -9596,7 +9501,7 @@
         <p:spPr>
           <a:xfrm>
             <a:off x="2326320" y="234000"/>
-            <a:ext cx="7700040" cy="1308600"/>
+            <a:ext cx="7699680" cy="1308600"/>
           </a:xfrm>
           <a:prstGeom prst="rect">
             <a:avLst/>
@@ -9653,7 +9558,7 @@
         <p:spPr>
           <a:xfrm>
             <a:off x="732960" y="1416240"/>
-            <a:ext cx="10887480" cy="713520"/>
+            <a:ext cx="10887120" cy="713160"/>
           </a:xfrm>
           <a:prstGeom prst="rect">
             <a:avLst/>
@@ -9690,15 +9595,10 @@
               </a:rPr>
               <a:t>As we’ve seen in the VB/C# demo, using libraries</a:t>
             </a:r>
-            <a:endParaRPr b="0" lang="en-US" sz="3200" spc="-1" strike="noStrike" u="sng">
-              <a:solidFill>
-                <a:srgbClr val="729fcf"/>
-              </a:solidFill>
-              <a:uFill>
-                <a:solidFill>
-                  <a:srgbClr val="5983b0"/>
-                </a:solidFill>
-              </a:uFill>
+            <a:endParaRPr b="0" lang="en-US" sz="3200" spc="-1" strike="noStrike">
+              <a:solidFill>
+                <a:srgbClr val="000000"/>
+              </a:solidFill>
               <a:latin typeface="Arial"/>
             </a:endParaRPr>
           </a:p>
@@ -9713,7 +9613,7 @@
         <p:spPr>
           <a:xfrm>
             <a:off x="-654480" y="3384000"/>
-            <a:ext cx="4227120" cy="2685600"/>
+            <a:ext cx="4226760" cy="2685240"/>
           </a:xfrm>
           <a:prstGeom prst="rect">
             <a:avLst/>
@@ -9774,7 +9674,7 @@
         <p:spPr>
           <a:xfrm>
             <a:off x="6878880" y="3800160"/>
-            <a:ext cx="1617840" cy="1433520"/>
+            <a:ext cx="1617480" cy="1433160"/>
           </a:xfrm>
           <a:prstGeom prst="ellipse">
             <a:avLst/>
@@ -9830,7 +9730,7 @@
         <p:spPr>
           <a:xfrm>
             <a:off x="7097040" y="4055760"/>
-            <a:ext cx="1181880" cy="912600"/>
+            <a:ext cx="1181520" cy="912600"/>
           </a:xfrm>
           <a:prstGeom prst="rect">
             <a:avLst/>
@@ -9883,7 +9783,7 @@
         <p:spPr>
           <a:xfrm>
             <a:off x="4204440" y="4181760"/>
-            <a:ext cx="1058760" cy="670320"/>
+            <a:ext cx="1058400" cy="669960"/>
           </a:xfrm>
           <a:prstGeom prst="rightArrow">
             <a:avLst>
@@ -9942,7 +9842,7 @@
         <p:spPr>
           <a:xfrm>
             <a:off x="10112760" y="4241880"/>
-            <a:ext cx="1058760" cy="670320"/>
+            <a:ext cx="1058400" cy="669960"/>
           </a:xfrm>
           <a:prstGeom prst="rightArrow">
             <a:avLst>
@@ -10001,7 +9901,7 @@
         <p:spPr>
           <a:xfrm>
             <a:off x="5259960" y="4170600"/>
-            <a:ext cx="1617840" cy="670320"/>
+            <a:ext cx="1617480" cy="669960"/>
           </a:xfrm>
           <a:prstGeom prst="rightArrow">
             <a:avLst>
@@ -10060,7 +9960,7 @@
         <p:spPr>
           <a:xfrm>
             <a:off x="8491680" y="4241880"/>
-            <a:ext cx="1617840" cy="670320"/>
+            <a:ext cx="1617480" cy="669960"/>
           </a:xfrm>
           <a:prstGeom prst="rightArrow">
             <a:avLst>
@@ -10119,7 +10019,7 @@
         <p:spPr>
           <a:xfrm rot="19698600">
             <a:off x="5463360" y="3222360"/>
-            <a:ext cx="1402920" cy="912600"/>
+            <a:ext cx="1402560" cy="912600"/>
           </a:xfrm>
           <a:prstGeom prst="rect">
             <a:avLst/>
@@ -10172,7 +10072,7 @@
         <p:spPr>
           <a:xfrm rot="1617600">
             <a:off x="7252200" y="2926800"/>
-            <a:ext cx="2771640" cy="912600"/>
+            <a:ext cx="2771280" cy="912600"/>
           </a:xfrm>
           <a:prstGeom prst="rect">
             <a:avLst/>
@@ -10653,7 +10553,7 @@
         <p:spPr>
           <a:xfrm>
             <a:off x="3958560" y="234000"/>
-            <a:ext cx="4435560" cy="1308600"/>
+            <a:ext cx="4435200" cy="1308600"/>
           </a:xfrm>
           <a:prstGeom prst="rect">
             <a:avLst/>
@@ -10710,7 +10610,7 @@
         <p:spPr>
           <a:xfrm>
             <a:off x="56160" y="1474920"/>
-            <a:ext cx="12078720" cy="3605040"/>
+            <a:ext cx="12078360" cy="3604680"/>
           </a:xfrm>
           <a:prstGeom prst="rect">
             <a:avLst/>
@@ -10749,15 +10649,10 @@
               </a:rPr>
               <a:t>https://blog.grab-a-byte.dev/</a:t>
             </a:r>
-            <a:endParaRPr b="0" lang="en-US" sz="3200" spc="-1" strike="noStrike" u="sng">
-              <a:solidFill>
-                <a:srgbClr val="729fcf"/>
-              </a:solidFill>
-              <a:uFill>
-                <a:solidFill>
-                  <a:srgbClr val="5983b0"/>
-                </a:solidFill>
-              </a:uFill>
+            <a:endParaRPr b="0" lang="en-US" sz="3200" spc="-1" strike="noStrike">
+              <a:solidFill>
+                <a:srgbClr val="000000"/>
+              </a:solidFill>
               <a:latin typeface="Arial"/>
             </a:endParaRPr>
           </a:p>
@@ -10809,15 +10704,10 @@
               </a:rPr>
               <a:t>https://connelhooley.uk/blog/2017/04/30/f-sharp-to-c-sharp#discriminated-unions</a:t>
             </a:r>
-            <a:endParaRPr b="0" lang="en-US" sz="3200" spc="-1" strike="noStrike" u="sng">
-              <a:solidFill>
-                <a:srgbClr val="729fcf"/>
-              </a:solidFill>
-              <a:uFill>
-                <a:solidFill>
-                  <a:srgbClr val="5983b0"/>
-                </a:solidFill>
-              </a:uFill>
+            <a:endParaRPr b="0" lang="en-US" sz="3200" spc="-1" strike="noStrike">
+              <a:solidFill>
+                <a:srgbClr val="000000"/>
+              </a:solidFill>
               <a:latin typeface="Arial"/>
             </a:endParaRPr>
           </a:p>
@@ -10869,15 +10759,10 @@
               </a:rPr>
               <a:t>https://sharplab.io</a:t>
             </a:r>
-            <a:endParaRPr b="0" lang="en-US" sz="3200" spc="-1" strike="noStrike" u="sng">
-              <a:solidFill>
-                <a:srgbClr val="729fcf"/>
-              </a:solidFill>
-              <a:uFill>
-                <a:solidFill>
-                  <a:srgbClr val="5983b0"/>
-                </a:solidFill>
-              </a:uFill>
+            <a:endParaRPr b="0" lang="en-US" sz="3200" spc="-1" strike="noStrike">
+              <a:solidFill>
+                <a:srgbClr val="000000"/>
+              </a:solidFill>
               <a:latin typeface="Arial"/>
             </a:endParaRPr>
           </a:p>
@@ -10946,7 +10831,7 @@
         <p:spPr>
           <a:xfrm>
             <a:off x="478800" y="1413360"/>
-            <a:ext cx="7067160" cy="1731960"/>
+            <a:ext cx="7066800" cy="1731600"/>
           </a:xfrm>
           <a:prstGeom prst="rect">
             <a:avLst/>
@@ -11052,39 +10937,16 @@
           </a:p>
         </p:txBody>
       </p:sp>
-      <p:pic>
-        <p:nvPicPr>
-          <p:cNvPr id="66" name="Picture 4" descr=""/>
-          <p:cNvPicPr/>
-          <p:nvPr/>
-        </p:nvPicPr>
-        <p:blipFill>
-          <a:blip r:embed="rId1"/>
-          <a:stretch/>
-        </p:blipFill>
-        <p:spPr>
-          <a:xfrm>
-            <a:off x="8229600" y="1848600"/>
-            <a:ext cx="3408480" cy="3408480"/>
-          </a:xfrm>
-          <a:prstGeom prst="rect">
-            <a:avLst/>
-          </a:prstGeom>
-          <a:ln w="0">
-            <a:noFill/>
-          </a:ln>
-        </p:spPr>
-      </p:pic>
-      <p:sp>
-        <p:nvSpPr>
-          <p:cNvPr id="67" name="Rectangle 8"/>
+      <p:sp>
+        <p:nvSpPr>
+          <p:cNvPr id="66" name="Rectangle 8"/>
           <p:cNvSpPr/>
           <p:nvPr/>
         </p:nvSpPr>
         <p:spPr>
           <a:xfrm>
             <a:off x="3387960" y="189000"/>
-            <a:ext cx="4838040" cy="1308600"/>
+            <a:ext cx="4837680" cy="1308600"/>
           </a:xfrm>
           <a:prstGeom prst="rect">
             <a:avLst/>
@@ -11130,14 +10992,14 @@
       </p:sp>
       <p:sp>
         <p:nvSpPr>
-          <p:cNvPr id="68" name="Rectangle 9"/>
+          <p:cNvPr id="67" name="Rectangle 9"/>
           <p:cNvSpPr/>
           <p:nvPr/>
         </p:nvSpPr>
         <p:spPr>
           <a:xfrm>
             <a:off x="344520" y="3164760"/>
-            <a:ext cx="5438520" cy="759960"/>
+            <a:ext cx="5438160" cy="759960"/>
           </a:xfrm>
           <a:prstGeom prst="rect">
             <a:avLst/>
@@ -11183,14 +11045,14 @@
       </p:sp>
       <p:sp>
         <p:nvSpPr>
-          <p:cNvPr id="69" name="Content Placeholder 2"/>
+          <p:cNvPr id="68" name="Content Placeholder 2"/>
           <p:cNvSpPr/>
           <p:nvPr/>
         </p:nvSpPr>
         <p:spPr>
           <a:xfrm>
             <a:off x="321480" y="3863880"/>
-            <a:ext cx="7067160" cy="657360"/>
+            <a:ext cx="7066800" cy="657000"/>
           </a:xfrm>
           <a:prstGeom prst="rect">
             <a:avLst/>
@@ -11244,14 +11106,14 @@
       </p:sp>
       <p:sp>
         <p:nvSpPr>
-          <p:cNvPr id="70" name="Content Placeholder 2"/>
+          <p:cNvPr id="69" name="Content Placeholder 2"/>
           <p:cNvSpPr/>
           <p:nvPr/>
         </p:nvSpPr>
         <p:spPr>
           <a:xfrm>
             <a:off x="321480" y="4322520"/>
-            <a:ext cx="7067160" cy="657360"/>
+            <a:ext cx="7066800" cy="657000"/>
           </a:xfrm>
           <a:prstGeom prst="rect">
             <a:avLst/>
@@ -11305,14 +11167,14 @@
       </p:sp>
       <p:sp>
         <p:nvSpPr>
-          <p:cNvPr id="71" name="Content Placeholder 2"/>
+          <p:cNvPr id="70" name="Content Placeholder 2"/>
           <p:cNvSpPr/>
           <p:nvPr/>
         </p:nvSpPr>
         <p:spPr>
           <a:xfrm>
             <a:off x="321480" y="4793040"/>
-            <a:ext cx="7067160" cy="657360"/>
+            <a:ext cx="7066800" cy="921960"/>
           </a:xfrm>
           <a:prstGeom prst="rect">
             <a:avLst/>
@@ -11353,7 +11215,7 @@
                 </a:solidFill>
                 <a:latin typeface="Calibri"/>
               </a:rPr>
-              <a:t>Not Much Else</a:t>
+              <a:t>I got a room full of people willing to listen to me talking about Interop in DotNet</a:t>
             </a:r>
             <a:endParaRPr b="0" lang="en-US" sz="2800" spc="-1" strike="noStrike">
               <a:solidFill>
@@ -11364,6 +11226,29 @@
           </a:p>
         </p:txBody>
       </p:sp>
+      <p:pic>
+        <p:nvPicPr>
+          <p:cNvPr id="71" name="" descr=""/>
+          <p:cNvPicPr/>
+          <p:nvPr/>
+        </p:nvPicPr>
+        <p:blipFill>
+          <a:blip r:embed="rId1"/>
+          <a:stretch/>
+        </p:blipFill>
+        <p:spPr>
+          <a:xfrm>
+            <a:off x="7540200" y="1533600"/>
+            <a:ext cx="4118400" cy="4410000"/>
+          </a:xfrm>
+          <a:prstGeom prst="rect">
+            <a:avLst/>
+          </a:prstGeom>
+          <a:ln w="0">
+            <a:noFill/>
+          </a:ln>
+        </p:spPr>
+      </p:pic>
     </p:spTree>
   </p:cSld>
   <mc:AlternateContent>
@@ -11408,7 +11293,7 @@
                                           </p:stCondLst>
                                         </p:cTn>
                                         <p:tgtEl>
-                                          <p:spTgt spid="68"/>
+                                          <p:spTgt spid="67"/>
                                         </p:tgtEl>
                                         <p:attrNameLst>
                                           <p:attrName>style.visibility</p:attrName>
@@ -11453,7 +11338,7 @@
                                           </p:stCondLst>
                                         </p:cTn>
                                         <p:tgtEl>
-                                          <p:spTgt spid="69"/>
+                                          <p:spTgt spid="68"/>
                                         </p:tgtEl>
                                         <p:attrNameLst>
                                           <p:attrName>style.visibility</p:attrName>
@@ -11498,7 +11383,7 @@
                                           </p:stCondLst>
                                         </p:cTn>
                                         <p:tgtEl>
-                                          <p:spTgt spid="70"/>
+                                          <p:spTgt spid="69"/>
                                         </p:tgtEl>
                                         <p:attrNameLst>
                                           <p:attrName>style.visibility</p:attrName>
@@ -11512,7 +11397,7 @@
                                       <p:cBhvr additive="repl">
                                         <p:cTn id="15" dur="1000"/>
                                         <p:tgtEl>
-                                          <p:spTgt spid="70"/>
+                                          <p:spTgt spid="69"/>
                                         </p:tgtEl>
                                       </p:cBhvr>
                                     </p:animEffect>
@@ -11551,7 +11436,7 @@
                                           </p:stCondLst>
                                         </p:cTn>
                                         <p:tgtEl>
-                                          <p:spTgt spid="71"/>
+                                          <p:spTgt spid="70"/>
                                         </p:tgtEl>
                                         <p:attrNameLst>
                                           <p:attrName>style.visibility</p:attrName>
@@ -11625,7 +11510,7 @@
         <p:spPr>
           <a:xfrm>
             <a:off x="478800" y="1413360"/>
-            <a:ext cx="11473560" cy="1731960"/>
+            <a:ext cx="11473200" cy="1731600"/>
           </a:xfrm>
           <a:prstGeom prst="rect">
             <a:avLst/>
@@ -11812,15 +11697,10 @@
               </a:rPr>
               <a:t>When it Works well</a:t>
             </a:r>
-            <a:endParaRPr b="0" lang="en-US" sz="3200" spc="-1" strike="noStrike" u="sng">
-              <a:solidFill>
-                <a:srgbClr val="729fcf"/>
-              </a:solidFill>
-              <a:uFill>
-                <a:solidFill>
-                  <a:srgbClr val="5983b0"/>
-                </a:solidFill>
-              </a:uFill>
+            <a:endParaRPr b="0" lang="en-US" sz="3200" spc="-1" strike="noStrike">
+              <a:solidFill>
+                <a:srgbClr val="000000"/>
+              </a:solidFill>
               <a:latin typeface="Arial"/>
             </a:endParaRPr>
           </a:p>
@@ -11847,15 +11727,10 @@
               </a:rPr>
               <a:t>When it doesn't work well (more often than you might think)</a:t>
             </a:r>
-            <a:endParaRPr b="0" lang="en-US" sz="3200" spc="-1" strike="noStrike" u="sng">
-              <a:solidFill>
-                <a:srgbClr val="729fcf"/>
-              </a:solidFill>
-              <a:uFill>
-                <a:solidFill>
-                  <a:srgbClr val="5983b0"/>
-                </a:solidFill>
-              </a:uFill>
+            <a:endParaRPr b="0" lang="en-US" sz="3200" spc="-1" strike="noStrike">
+              <a:solidFill>
+                <a:srgbClr val="000000"/>
+              </a:solidFill>
               <a:latin typeface="Arial"/>
             </a:endParaRPr>
           </a:p>
@@ -11870,7 +11745,7 @@
         <p:spPr>
           <a:xfrm>
             <a:off x="1768320" y="189000"/>
-            <a:ext cx="8076600" cy="1308600"/>
+            <a:ext cx="8076240" cy="1308600"/>
           </a:xfrm>
           <a:prstGeom prst="rect">
             <a:avLst/>
@@ -11953,7 +11828,7 @@
         <p:spPr>
           <a:xfrm>
             <a:off x="2217960" y="189000"/>
-            <a:ext cx="7177320" cy="1308600"/>
+            <a:ext cx="7176960" cy="1308600"/>
           </a:xfrm>
           <a:prstGeom prst="rect">
             <a:avLst/>
@@ -12006,7 +11881,7 @@
         <p:spPr>
           <a:xfrm>
             <a:off x="411840" y="1438920"/>
-            <a:ext cx="5254560" cy="4478760"/>
+            <a:ext cx="5254200" cy="4478760"/>
           </a:xfrm>
           <a:prstGeom prst="rect">
             <a:avLst/>
@@ -12093,7 +11968,7 @@
         <p:spPr>
           <a:xfrm>
             <a:off x="6450120" y="1512720"/>
-            <a:ext cx="5625360" cy="1186920"/>
+            <a:ext cx="5625000" cy="1186920"/>
           </a:xfrm>
           <a:prstGeom prst="rect">
             <a:avLst/>
@@ -12184,7 +12059,7 @@
         <p:spPr>
           <a:xfrm>
             <a:off x="7210440" y="2754000"/>
-            <a:ext cx="3973320" cy="4020840"/>
+            <a:ext cx="3972960" cy="4020480"/>
           </a:xfrm>
           <a:prstGeom prst="rect">
             <a:avLst/>
@@ -12518,7 +12393,7 @@
         <p:spPr>
           <a:xfrm>
             <a:off x="1643760" y="189000"/>
-            <a:ext cx="8326440" cy="1308600"/>
+            <a:ext cx="8326080" cy="1308600"/>
           </a:xfrm>
           <a:prstGeom prst="rect">
             <a:avLst/>
@@ -12575,7 +12450,7 @@
         <p:spPr>
           <a:xfrm>
             <a:off x="261720" y="2022840"/>
-            <a:ext cx="5202360" cy="3989880"/>
+            <a:ext cx="5202000" cy="3989520"/>
           </a:xfrm>
           <a:prstGeom prst="rect">
             <a:avLst/>
@@ -12598,7 +12473,7 @@
         <p:spPr>
           <a:xfrm>
             <a:off x="5606640" y="2162880"/>
-            <a:ext cx="6203520" cy="3668400"/>
+            <a:ext cx="6203160" cy="3668040"/>
           </a:xfrm>
           <a:prstGeom prst="rect">
             <a:avLst/>
@@ -12647,7 +12522,7 @@
         <p:spPr>
           <a:xfrm>
             <a:off x="1643760" y="189000"/>
-            <a:ext cx="8326440" cy="1308600"/>
+            <a:ext cx="8326080" cy="1308600"/>
           </a:xfrm>
           <a:prstGeom prst="rect">
             <a:avLst/>
@@ -12704,7 +12579,7 @@
         <p:spPr>
           <a:xfrm>
             <a:off x="3297960" y="1512720"/>
-            <a:ext cx="5018760" cy="5096160"/>
+            <a:ext cx="5018400" cy="5095800"/>
           </a:xfrm>
           <a:prstGeom prst="rect">
             <a:avLst/>
@@ -12723,7 +12598,7 @@
         <p:spPr>
           <a:xfrm>
             <a:off x="3624120" y="4061160"/>
-            <a:ext cx="4461840" cy="460440"/>
+            <a:ext cx="4461480" cy="460080"/>
           </a:xfrm>
           <a:prstGeom prst="ellipse">
             <a:avLst/>
@@ -12777,7 +12652,7 @@
         <p:spPr>
           <a:xfrm>
             <a:off x="3162600" y="1684440"/>
-            <a:ext cx="1911600" cy="460440"/>
+            <a:ext cx="1911240" cy="460080"/>
           </a:xfrm>
           <a:prstGeom prst="ellipse">
             <a:avLst/>
@@ -12963,7 +12838,7 @@
         <p:spPr>
           <a:xfrm>
             <a:off x="1540080" y="189000"/>
-            <a:ext cx="8533800" cy="1308600"/>
+            <a:ext cx="8533440" cy="1308600"/>
           </a:xfrm>
           <a:prstGeom prst="rect">
             <a:avLst/>
@@ -13020,7 +12895,7 @@
         <p:spPr>
           <a:xfrm>
             <a:off x="116640" y="2181600"/>
-            <a:ext cx="5368680" cy="3605040"/>
+            <a:ext cx="5368320" cy="3604680"/>
           </a:xfrm>
           <a:prstGeom prst="rect">
             <a:avLst/>
@@ -13057,15 +12932,10 @@
               </a:rPr>
               <a:t>Discriminated Unions</a:t>
             </a:r>
-            <a:endParaRPr b="0" lang="en-US" sz="3200" spc="-1" strike="noStrike" u="sng">
-              <a:solidFill>
-                <a:srgbClr val="729fcf"/>
-              </a:solidFill>
-              <a:uFill>
-                <a:solidFill>
-                  <a:srgbClr val="5983b0"/>
-                </a:solidFill>
-              </a:uFill>
+            <a:endParaRPr b="0" lang="en-US" sz="3200" spc="-1" strike="noStrike">
+              <a:solidFill>
+                <a:srgbClr val="000000"/>
+              </a:solidFill>
               <a:latin typeface="Arial"/>
             </a:endParaRPr>
           </a:p>
@@ -13092,15 +12962,10 @@
               </a:rPr>
               <a:t>Options</a:t>
             </a:r>
-            <a:endParaRPr b="0" lang="en-US" sz="3200" spc="-1" strike="noStrike" u="sng">
-              <a:solidFill>
-                <a:srgbClr val="729fcf"/>
-              </a:solidFill>
-              <a:uFill>
-                <a:solidFill>
-                  <a:srgbClr val="5983b0"/>
-                </a:solidFill>
-              </a:uFill>
+            <a:endParaRPr b="0" lang="en-US" sz="3200" spc="-1" strike="noStrike">
+              <a:solidFill>
+                <a:srgbClr val="000000"/>
+              </a:solidFill>
               <a:latin typeface="Arial"/>
             </a:endParaRPr>
           </a:p>
@@ -13127,15 +12992,10 @@
               </a:rPr>
               <a:t>Higher Order Functions</a:t>
             </a:r>
-            <a:endParaRPr b="0" lang="en-US" sz="3200" spc="-1" strike="noStrike" u="sng">
-              <a:solidFill>
-                <a:srgbClr val="729fcf"/>
-              </a:solidFill>
-              <a:uFill>
-                <a:solidFill>
-                  <a:srgbClr val="5983b0"/>
-                </a:solidFill>
-              </a:uFill>
+            <a:endParaRPr b="0" lang="en-US" sz="3200" spc="-1" strike="noStrike">
+              <a:solidFill>
+                <a:srgbClr val="000000"/>
+              </a:solidFill>
               <a:latin typeface="Arial"/>
             </a:endParaRPr>
           </a:p>
@@ -13162,15 +13022,10 @@
               </a:rPr>
               <a:t>Modules</a:t>
             </a:r>
-            <a:endParaRPr b="0" lang="en-US" sz="3200" spc="-1" strike="noStrike" u="sng">
-              <a:solidFill>
-                <a:srgbClr val="729fcf"/>
-              </a:solidFill>
-              <a:uFill>
-                <a:solidFill>
-                  <a:srgbClr val="5983b0"/>
-                </a:solidFill>
-              </a:uFill>
+            <a:endParaRPr b="0" lang="en-US" sz="3200" spc="-1" strike="noStrike">
+              <a:solidFill>
+                <a:srgbClr val="000000"/>
+              </a:solidFill>
               <a:latin typeface="Arial"/>
             </a:endParaRPr>
           </a:p>
@@ -13197,15 +13052,10 @@
               </a:rPr>
               <a:t>Records</a:t>
             </a:r>
-            <a:endParaRPr b="0" lang="en-US" sz="3200" spc="-1" strike="noStrike" u="sng">
-              <a:solidFill>
-                <a:srgbClr val="729fcf"/>
-              </a:solidFill>
-              <a:uFill>
-                <a:solidFill>
-                  <a:srgbClr val="5983b0"/>
-                </a:solidFill>
-              </a:uFill>
+            <a:endParaRPr b="0" lang="en-US" sz="3200" spc="-1" strike="noStrike">
+              <a:solidFill>
+                <a:srgbClr val="000000"/>
+              </a:solidFill>
               <a:latin typeface="Arial"/>
             </a:endParaRPr>
           </a:p>
@@ -13232,15 +13082,10 @@
               </a:rPr>
               <a:t>Sequences</a:t>
             </a:r>
-            <a:endParaRPr b="0" lang="en-US" sz="3200" spc="-1" strike="noStrike" u="sng">
-              <a:solidFill>
-                <a:srgbClr val="729fcf"/>
-              </a:solidFill>
-              <a:uFill>
-                <a:solidFill>
-                  <a:srgbClr val="5983b0"/>
-                </a:solidFill>
-              </a:uFill>
+            <a:endParaRPr b="0" lang="en-US" sz="3200" spc="-1" strike="noStrike">
+              <a:solidFill>
+                <a:srgbClr val="000000"/>
+              </a:solidFill>
               <a:latin typeface="Arial"/>
             </a:endParaRPr>
           </a:p>
@@ -13279,7 +13124,7 @@
         <p:spPr>
           <a:xfrm>
             <a:off x="8710920" y="2374920"/>
-            <a:ext cx="3480120" cy="3480120"/>
+            <a:ext cx="3479760" cy="3479760"/>
           </a:xfrm>
           <a:prstGeom prst="rect">
             <a:avLst/>
@@ -13302,7 +13147,7 @@
         <p:spPr>
           <a:xfrm>
             <a:off x="5688720" y="2271240"/>
-            <a:ext cx="3687480" cy="3687480"/>
+            <a:ext cx="3687120" cy="3687120"/>
           </a:xfrm>
           <a:prstGeom prst="rect">
             <a:avLst/>
@@ -13351,7 +13196,7 @@
         <p:spPr>
           <a:xfrm>
             <a:off x="3522960" y="2151720"/>
-            <a:ext cx="4955040" cy="2527560"/>
+            <a:ext cx="4954680" cy="2527560"/>
           </a:xfrm>
           <a:prstGeom prst="rect">
             <a:avLst/>
